--- a/algorithms1_dynamic_programing.pptx
+++ b/algorithms1_dynamic_programing.pptx
@@ -5,10 +5,10 @@
     <p:sldMasterId id="2147483648" r:id="rId1"/>
   </p:sldMasterIdLst>
   <p:notesMasterIdLst>
-    <p:notesMasterId r:id="rId40"/>
+    <p:notesMasterId r:id="rId47"/>
   </p:notesMasterIdLst>
   <p:handoutMasterIdLst>
-    <p:handoutMasterId r:id="rId41"/>
+    <p:handoutMasterId r:id="rId48"/>
   </p:handoutMasterIdLst>
   <p:sldIdLst>
     <p:sldId id="256" r:id="rId2"/>
@@ -43,12 +43,19 @@
     <p:sldId id="365" r:id="rId31"/>
     <p:sldId id="366" r:id="rId32"/>
     <p:sldId id="373" r:id="rId33"/>
-    <p:sldId id="367" r:id="rId34"/>
-    <p:sldId id="368" r:id="rId35"/>
-    <p:sldId id="369" r:id="rId36"/>
-    <p:sldId id="370" r:id="rId37"/>
-    <p:sldId id="371" r:id="rId38"/>
-    <p:sldId id="372" r:id="rId39"/>
+    <p:sldId id="382" r:id="rId34"/>
+    <p:sldId id="383" r:id="rId35"/>
+    <p:sldId id="384" r:id="rId36"/>
+    <p:sldId id="385" r:id="rId37"/>
+    <p:sldId id="386" r:id="rId38"/>
+    <p:sldId id="387" r:id="rId39"/>
+    <p:sldId id="388" r:id="rId40"/>
+    <p:sldId id="367" r:id="rId41"/>
+    <p:sldId id="368" r:id="rId42"/>
+    <p:sldId id="369" r:id="rId43"/>
+    <p:sldId id="370" r:id="rId44"/>
+    <p:sldId id="371" r:id="rId45"/>
+    <p:sldId id="372" r:id="rId46"/>
   </p:sldIdLst>
   <p:sldSz cx="9144000" cy="6858000" type="screen4x3"/>
   <p:notesSz cx="7099300" cy="10234613"/>
@@ -249,7 +256,7 @@
             <a:fld id="{2E909FA2-7F68-4734-976E-E3AFF785B780}" type="datetimeFigureOut">
               <a:rPr lang="en-US" smtClean="0"/>
               <a:pPr/>
-              <a:t>12/12/2022</a:t>
+              <a:t>2/18/2024</a:t>
             </a:fld>
             <a:endParaRPr lang="en-US"/>
           </a:p>
@@ -416,7 +423,7 @@
             <a:fld id="{26B2B79C-37B9-4CD1-ACE9-F4322064A9CD}" type="datetimeFigureOut">
               <a:rPr lang="en-US" smtClean="0"/>
               <a:pPr/>
-              <a:t>12/12/2022</a:t>
+              <a:t>2/18/2024</a:t>
             </a:fld>
             <a:endParaRPr lang="en-US"/>
           </a:p>
@@ -953,10 +960,9 @@
           <a:bodyPr/>
           <a:lstStyle/>
           <a:p>
-            <a:fld id="{A9C0B7C1-8CED-4B5E-A1FC-E2F35216DF9B}" type="datetime1">
+            <a:fld id="{51D66C99-698C-442D-A7D4-8DF8157FFF45}" type="datetime1">
               <a:rPr lang="en-US" smtClean="0"/>
-              <a:pPr/>
-              <a:t>12/12/2022</a:t>
+              <a:t>2/18/2024</a:t>
             </a:fld>
             <a:endParaRPr lang="en-US"/>
           </a:p>
@@ -978,8 +984,8 @@
           <a:lstStyle/>
           <a:p>
             <a:r>
-              <a:rPr lang="he-IL" dirty="0"/>
-              <a:t>אלגוריתמים 1- ד"ר אלישבע בנש"ק דוקוב- מכללה אקדמית אשקלון- תשע"ח- סמסטר א'</a:t>
+              <a:rPr lang="he-IL"/>
+              <a:t>אלגוריתמים 1- ד"ר בוריס לואנט - מכללה אקדמית אשקלון - תשפ"ד - סמסטר א'</a:t>
             </a:r>
             <a:endParaRPr lang="en-US" dirty="0"/>
           </a:p>
@@ -1124,10 +1130,9 @@
           <a:bodyPr/>
           <a:lstStyle/>
           <a:p>
-            <a:fld id="{C56D9A07-80DC-4BA8-A6E5-7856115FCEE4}" type="datetime1">
+            <a:fld id="{4184FC0E-8D50-467A-83E9-A1E039AD65B0}" type="datetime1">
               <a:rPr lang="en-US" smtClean="0"/>
-              <a:pPr/>
-              <a:t>12/12/2022</a:t>
+              <a:t>2/18/2024</a:t>
             </a:fld>
             <a:endParaRPr lang="en-US"/>
           </a:p>
@@ -1149,8 +1154,8 @@
           <a:lstStyle/>
           <a:p>
             <a:r>
-              <a:rPr lang="he-IL" dirty="0"/>
-              <a:t>אלגוריתמים 1- ד"ר אלישבע בנש"ק דוקוב- מכללה אקדמית אשקלון- תשע"ח- סמסטר א'</a:t>
+              <a:rPr lang="he-IL"/>
+              <a:t>אלגוריתמים 1- ד"ר בוריס לואנט - מכללה אקדמית אשקלון - תשפ"ד - סמסטר א'</a:t>
             </a:r>
             <a:endParaRPr lang="en-US" dirty="0"/>
           </a:p>
@@ -1305,10 +1310,9 @@
           <a:bodyPr/>
           <a:lstStyle/>
           <a:p>
-            <a:fld id="{11CF0F59-F4D3-4401-A31E-BB7A2A9801C2}" type="datetime1">
+            <a:fld id="{1AC5862C-E336-437C-A05B-B36875BC6740}" type="datetime1">
               <a:rPr lang="en-US" smtClean="0"/>
-              <a:pPr/>
-              <a:t>12/12/2022</a:t>
+              <a:t>2/18/2024</a:t>
             </a:fld>
             <a:endParaRPr lang="en-US"/>
           </a:p>
@@ -1330,8 +1334,8 @@
           <a:lstStyle/>
           <a:p>
             <a:r>
-              <a:rPr lang="he-IL" dirty="0"/>
-              <a:t>אלגוריתמים 1- ד"ר אלישבע בנש"ק דוקוב- מכללה אקדמית אשקלון- תשע"ח- סמסטר א'</a:t>
+              <a:rPr lang="he-IL"/>
+              <a:t>אלגוריתמים 1- ד"ר בוריס לואנט - מכללה אקדמית אשקלון - תשפ"ד - סמסטר א'</a:t>
             </a:r>
             <a:endParaRPr lang="en-US" dirty="0"/>
           </a:p>
@@ -1476,10 +1480,9 @@
           <a:bodyPr/>
           <a:lstStyle/>
           <a:p>
-            <a:fld id="{FA881F3B-1679-436C-9B36-FBD29B1B2998}" type="datetime1">
+            <a:fld id="{64B959CC-6678-4B06-B4B1-4D4D190C6238}" type="datetime1">
               <a:rPr lang="en-US" smtClean="0"/>
-              <a:pPr/>
-              <a:t>12/12/2022</a:t>
+              <a:t>2/18/2024</a:t>
             </a:fld>
             <a:endParaRPr lang="en-US"/>
           </a:p>
@@ -1501,8 +1504,8 @@
           <a:lstStyle/>
           <a:p>
             <a:r>
-              <a:rPr lang="he-IL" dirty="0"/>
-              <a:t>אלגוריתמים 1- ד"ר אלישבע בנש"ק דוקוב- מכללה אקדמית אשקלון- תשע"ח- סמסטר א'</a:t>
+              <a:rPr lang="he-IL"/>
+              <a:t>אלגוריתמים 1- ד"ר בוריס לואנט - מכללה אקדמית אשקלון - תשפ"ד - סמסטר א'</a:t>
             </a:r>
             <a:endParaRPr lang="en-US" dirty="0"/>
           </a:p>
@@ -1723,10 +1726,9 @@
           <a:bodyPr/>
           <a:lstStyle/>
           <a:p>
-            <a:fld id="{BF55728A-50A2-4387-9DF3-4FF5C4A309A8}" type="datetime1">
+            <a:fld id="{7472AE81-16EC-450A-B46A-2E281ADF92ED}" type="datetime1">
               <a:rPr lang="en-US" smtClean="0"/>
-              <a:pPr/>
-              <a:t>12/12/2022</a:t>
+              <a:t>2/18/2024</a:t>
             </a:fld>
             <a:endParaRPr lang="en-US"/>
           </a:p>
@@ -1748,8 +1750,8 @@
           <a:lstStyle/>
           <a:p>
             <a:r>
-              <a:rPr lang="he-IL" dirty="0"/>
-              <a:t>אלגוריתמים 1- ד"ר אלישבע בנש"ק דוקוב- מכללה אקדמית אשקלון- תשע"ח- סמסטר א'</a:t>
+              <a:rPr lang="he-IL"/>
+              <a:t>אלגוריתמים 1- ד"ר בוריס לואנט - מכללה אקדמית אשקלון - תשפ"ד - סמסטר א'</a:t>
             </a:r>
             <a:endParaRPr lang="en-US" dirty="0"/>
           </a:p>
@@ -2012,10 +2014,9 @@
           <a:bodyPr/>
           <a:lstStyle/>
           <a:p>
-            <a:fld id="{7DEA8B98-6F90-47C3-A1D6-C20B7189028F}" type="datetime1">
+            <a:fld id="{3994B20D-449D-4463-A382-4E3DBCC4C338}" type="datetime1">
               <a:rPr lang="en-US" smtClean="0"/>
-              <a:pPr/>
-              <a:t>12/12/2022</a:t>
+              <a:t>2/18/2024</a:t>
             </a:fld>
             <a:endParaRPr lang="en-US"/>
           </a:p>
@@ -2037,8 +2038,8 @@
           <a:lstStyle/>
           <a:p>
             <a:r>
-              <a:rPr lang="he-IL" dirty="0"/>
-              <a:t>אלגוריתמים 1- ד"ר אלישבע בנש"ק דוקוב- מכללה אקדמית אשקלון- תשע"ח- סמסטר א'</a:t>
+              <a:rPr lang="he-IL"/>
+              <a:t>אלגוריתמים 1- ד"ר בוריס לואנט - מכללה אקדמית אשקלון - תשפ"ד - סמסטר א'</a:t>
             </a:r>
             <a:endParaRPr lang="en-US" dirty="0"/>
           </a:p>
@@ -2435,10 +2436,9 @@
           <a:bodyPr/>
           <a:lstStyle/>
           <a:p>
-            <a:fld id="{ECC63548-9D83-4FD4-B3FE-0688B4608B38}" type="datetime1">
+            <a:fld id="{DABA3CD5-44C6-4336-AE7E-CCAE473706F0}" type="datetime1">
               <a:rPr lang="en-US" smtClean="0"/>
-              <a:pPr/>
-              <a:t>12/12/2022</a:t>
+              <a:t>2/18/2024</a:t>
             </a:fld>
             <a:endParaRPr lang="en-US"/>
           </a:p>
@@ -2460,8 +2460,8 @@
           <a:lstStyle/>
           <a:p>
             <a:r>
-              <a:rPr lang="he-IL" dirty="0"/>
-              <a:t>אלגוריתמים 1- ד"ר אלישבע בנש"ק דוקוב- מכללה אקדמית אשקלון- תשע"ח- סמסטר א'</a:t>
+              <a:rPr lang="he-IL"/>
+              <a:t>אלגוריתמים 1- ד"ר בוריס לואנט - מכללה אקדמית אשקלון - תשפ"ד - סמסטר א'</a:t>
             </a:r>
             <a:endParaRPr lang="en-US" dirty="0"/>
           </a:p>
@@ -2554,10 +2554,9 @@
           <a:bodyPr/>
           <a:lstStyle/>
           <a:p>
-            <a:fld id="{1449DB7D-CCE2-4ECF-A0C7-59F9ACCED7B3}" type="datetime1">
+            <a:fld id="{CA51B304-9702-4383-9B95-0F5A5C356FF1}" type="datetime1">
               <a:rPr lang="en-US" smtClean="0"/>
-              <a:pPr/>
-              <a:t>12/12/2022</a:t>
+              <a:t>2/18/2024</a:t>
             </a:fld>
             <a:endParaRPr lang="en-US"/>
           </a:p>
@@ -2579,8 +2578,8 @@
           <a:lstStyle/>
           <a:p>
             <a:r>
-              <a:rPr lang="he-IL" dirty="0"/>
-              <a:t>אלגוריתמים 1- ד"ר אלישבע בנש"ק דוקוב- מכללה אקדמית אשקלון- תשע"ח- סמסטר א'</a:t>
+              <a:rPr lang="he-IL"/>
+              <a:t>אלגוריתמים 1- ד"ר בוריס לואנט - מכללה אקדמית אשקלון - תשפ"ד - סמסטר א'</a:t>
             </a:r>
             <a:endParaRPr lang="en-US" dirty="0"/>
           </a:p>
@@ -2650,10 +2649,9 @@
           <a:bodyPr/>
           <a:lstStyle/>
           <a:p>
-            <a:fld id="{BC92A881-6A19-46BA-B372-90A21D78A316}" type="datetime1">
+            <a:fld id="{C5754D6E-9BD9-4944-A9E0-F956AA4BE844}" type="datetime1">
               <a:rPr lang="en-US" smtClean="0"/>
-              <a:pPr/>
-              <a:t>12/12/2022</a:t>
+              <a:t>2/18/2024</a:t>
             </a:fld>
             <a:endParaRPr lang="en-US"/>
           </a:p>
@@ -2675,8 +2673,8 @@
           <a:lstStyle/>
           <a:p>
             <a:r>
-              <a:rPr lang="he-IL" dirty="0"/>
-              <a:t>אלגוריתמים 1- ד"ר אלישבע בנש"ק דוקוב- מכללה אקדמית אשקלון- תשע"ח- סמסטר א'</a:t>
+              <a:rPr lang="he-IL"/>
+              <a:t>אלגוריתמים 1- ד"ר בוריס לואנט - מכללה אקדמית אשקלון - תשפ"ד - סמסטר א'</a:t>
             </a:r>
             <a:endParaRPr lang="en-US" dirty="0"/>
           </a:p>
@@ -2928,10 +2926,9 @@
           <a:bodyPr/>
           <a:lstStyle/>
           <a:p>
-            <a:fld id="{F1ED60E2-F511-431B-8EE4-3522CBD3F0BA}" type="datetime1">
+            <a:fld id="{D4F910AC-7EE0-42C6-8E68-3D1E08959A38}" type="datetime1">
               <a:rPr lang="en-US" smtClean="0"/>
-              <a:pPr/>
-              <a:t>12/12/2022</a:t>
+              <a:t>2/18/2024</a:t>
             </a:fld>
             <a:endParaRPr lang="en-US"/>
           </a:p>
@@ -2953,8 +2950,8 @@
           <a:lstStyle/>
           <a:p>
             <a:r>
-              <a:rPr lang="he-IL" dirty="0"/>
-              <a:t>אלגוריתמים 1- ד"ר אלישבע בנש"ק דוקוב- מכללה אקדמית אשקלון- תשע"ח- סמסטר א'</a:t>
+              <a:rPr lang="he-IL"/>
+              <a:t>אלגוריתמים 1- ד"ר בוריס לואנט - מכללה אקדמית אשקלון - תשפ"ד - סמסטר א'</a:t>
             </a:r>
             <a:endParaRPr lang="en-US" dirty="0"/>
           </a:p>
@@ -3182,10 +3179,9 @@
           <a:bodyPr/>
           <a:lstStyle/>
           <a:p>
-            <a:fld id="{EF83CADF-6273-4768-85D9-BFCBEC61064F}" type="datetime1">
+            <a:fld id="{E5862F3F-AA5F-4CB7-BBF4-FF8034C1CB85}" type="datetime1">
               <a:rPr lang="en-US" smtClean="0"/>
-              <a:pPr/>
-              <a:t>12/12/2022</a:t>
+              <a:t>2/18/2024</a:t>
             </a:fld>
             <a:endParaRPr lang="en-US"/>
           </a:p>
@@ -3207,8 +3203,8 @@
           <a:lstStyle/>
           <a:p>
             <a:r>
-              <a:rPr lang="he-IL" dirty="0"/>
-              <a:t>אלגוריתמים 1- ד"ר אלישבע בנש"ק דוקוב- מכללה אקדמית אשקלון- תשע"ח- סמסטר א'</a:t>
+              <a:rPr lang="he-IL"/>
+              <a:t>אלגוריתמים 1- ד"ר בוריס לואנט - מכללה אקדמית אשקלון - תשפ"ד - סמסטר א'</a:t>
             </a:r>
             <a:endParaRPr lang="en-US" dirty="0"/>
           </a:p>
@@ -3396,10 +3392,9 @@
             </a:lvl1pPr>
           </a:lstStyle>
           <a:p>
-            <a:fld id="{C479B297-A88A-4E3C-AAF9-DF8EBDF811FE}" type="datetime1">
+            <a:fld id="{48E55320-F31F-49E6-9550-A5A3CF7F795A}" type="datetime1">
               <a:rPr lang="en-US" smtClean="0"/>
-              <a:pPr/>
-              <a:t>12/12/2022</a:t>
+              <a:t>2/18/2024</a:t>
             </a:fld>
             <a:endParaRPr lang="en-US"/>
           </a:p>
@@ -3439,8 +3434,8 @@
           </a:lstStyle>
           <a:p>
             <a:r>
-              <a:rPr lang="he-IL" dirty="0"/>
-              <a:t>אלגוריתמים 1- ד"ר אלישבע בנש"ק דוקוב- מכללה אקדמית אשקלון- תשע"ח- סמסטר א'</a:t>
+              <a:rPr lang="he-IL"/>
+              <a:t>אלגוריתמים 1- ד"ר בוריס לואנט - מכללה אקדמית אשקלון - תשפ"ד - סמסטר א'</a:t>
             </a:r>
             <a:endParaRPr lang="en-US" dirty="0"/>
           </a:p>
@@ -3855,13 +3850,13 @@
           <a:p>
             <a:pPr rtl="1"/>
             <a:r>
-              <a:rPr lang="he-IL" dirty="0">
+              <a:rPr lang="he-IL">
                 <a:solidFill>
                   <a:schemeClr val="tx1"/>
                 </a:solidFill>
                 <a:cs typeface="+mj-cs"/>
               </a:rPr>
-              <a:t>אלגוריתמים 1- ד"ר אלישבע בנש"ק דוקוב- מכללה אקדמית אשקלון- תשע"ח- סמסטר א'</a:t>
+              <a:t>אלגוריתמים 1- ד"ר בוריס לואנט - מכללה אקדמית אשקלון - תשפ"ד - סמסטר א'</a:t>
             </a:r>
             <a:endParaRPr lang="en-US" dirty="0">
               <a:solidFill>
@@ -3985,7 +3980,7 @@
           <a:graphicData uri="http://schemas.openxmlformats.org/presentationml/2006/ole">
             <mc:AlternateContent xmlns:mc="http://schemas.openxmlformats.org/markup-compatibility/2006">
               <mc:Choice xmlns:v="urn:schemas-microsoft-com:vml" Requires="v">
-                <p:oleObj spid="_x0000_s93194" name="Формула" r:id="rId2" imgW="2108160" imgH="761760" progId="Equation.3">
+                <p:oleObj name="Формула" r:id="rId2" imgW="2108160" imgH="761760" progId="Equation.3">
                   <p:embed/>
                 </p:oleObj>
               </mc:Choice>
@@ -4391,7 +4386,7 @@
           <a:graphicData uri="http://schemas.openxmlformats.org/presentationml/2006/ole">
             <mc:AlternateContent xmlns:mc="http://schemas.openxmlformats.org/markup-compatibility/2006">
               <mc:Choice xmlns:v="urn:schemas-microsoft-com:vml" Requires="v">
-                <p:oleObj spid="_x0000_s93195" name="Формула" r:id="rId5" imgW="266584" imgH="457002" progId="Equation.3">
+                <p:oleObj name="Формула" r:id="rId5" imgW="266584" imgH="457002" progId="Equation.3">
                   <p:embed/>
                 </p:oleObj>
               </mc:Choice>
@@ -4467,13 +4462,13 @@
           <a:p>
             <a:pPr rtl="1"/>
             <a:r>
-              <a:rPr lang="he-IL" dirty="0">
+              <a:rPr lang="he-IL">
                 <a:solidFill>
                   <a:schemeClr val="tx1"/>
                 </a:solidFill>
                 <a:cs typeface="+mj-cs"/>
               </a:rPr>
-              <a:t>אלגוריתמים 1- ד"ר אלישבע בנש"ק דוקוב- מכללה אקדמית אשקלון- תשע"ח- סמסטר א'</a:t>
+              <a:t>אלגוריתמים 1- ד"ר בוריס לואנט - מכללה אקדמית אשקלון - תשפ"ד - סמסטר א'</a:t>
             </a:r>
             <a:endParaRPr lang="en-US" dirty="0">
               <a:solidFill>
@@ -4681,13 +4676,13 @@
           <a:p>
             <a:pPr rtl="1"/>
             <a:r>
-              <a:rPr lang="he-IL" dirty="0">
+              <a:rPr lang="he-IL">
                 <a:solidFill>
                   <a:schemeClr val="tx1"/>
                 </a:solidFill>
                 <a:cs typeface="+mj-cs"/>
               </a:rPr>
-              <a:t>אלגוריתמים 1- ד"ר אלישבע בנש"ק דוקוב- מכללה אקדמית אשקלון- תשע"ח- סמסטר א'</a:t>
+              <a:t>אלגוריתמים 1- ד"ר בוריס לואנט - מכללה אקדמית אשקלון - תשפ"ד - סמסטר א'</a:t>
             </a:r>
             <a:endParaRPr lang="en-US" dirty="0">
               <a:solidFill>
@@ -7019,7 +7014,7 @@
           <a:graphicData uri="http://schemas.openxmlformats.org/presentationml/2006/ole">
             <mc:AlternateContent xmlns:mc="http://schemas.openxmlformats.org/markup-compatibility/2006">
               <mc:Choice xmlns:v="urn:schemas-microsoft-com:vml" Requires="v">
-                <p:oleObj spid="_x0000_s112645" name="משוואה" r:id="rId2" imgW="2070000" imgH="660240" progId="Equation.3">
+                <p:oleObj name="משוואה" r:id="rId2" imgW="2070000" imgH="660240" progId="Equation.3">
                   <p:embed/>
                 </p:oleObj>
               </mc:Choice>
@@ -7126,13 +7121,13 @@
           <a:p>
             <a:pPr rtl="1"/>
             <a:r>
-              <a:rPr lang="he-IL" dirty="0">
+              <a:rPr lang="he-IL">
                 <a:solidFill>
                   <a:schemeClr val="tx1"/>
                 </a:solidFill>
                 <a:cs typeface="+mj-cs"/>
               </a:rPr>
-              <a:t>אלגוריתמים 1- ד"ר אלישבע בנש"ק דוקוב- מכללה אקדמית אשקלון- תשע"ח- סמסטר א'</a:t>
+              <a:t>אלגוריתמים 1- ד"ר בוריס לואנט - מכללה אקדמית אשקלון - תשפ"ד - סמסטר א'</a:t>
             </a:r>
             <a:endParaRPr lang="en-US" dirty="0">
               <a:solidFill>
@@ -7414,7 +7409,7 @@
           <a:graphicData uri="http://schemas.openxmlformats.org/presentationml/2006/ole">
             <mc:AlternateContent xmlns:mc="http://schemas.openxmlformats.org/markup-compatibility/2006">
               <mc:Choice xmlns:v="urn:schemas-microsoft-com:vml" Requires="v">
-                <p:oleObj spid="_x0000_s113668" name="Формула" r:id="rId2" imgW="2057400" imgH="660400" progId="Equation.3">
+                <p:oleObj name="Формула" r:id="rId2" imgW="2057400" imgH="660400" progId="Equation.3">
                   <p:embed/>
                 </p:oleObj>
               </mc:Choice>
@@ -7532,13 +7527,13 @@
           <a:p>
             <a:pPr rtl="1"/>
             <a:r>
-              <a:rPr lang="he-IL" dirty="0">
+              <a:rPr lang="he-IL">
                 <a:solidFill>
                   <a:schemeClr val="tx1"/>
                 </a:solidFill>
                 <a:cs typeface="+mj-cs"/>
               </a:rPr>
-              <a:t>אלגוריתמים 1- ד"ר אלישבע בנש"ק דוקוב- מכללה אקדמית אשקלון- תשע"ח- סמסטר א'</a:t>
+              <a:t>אלגוריתמים 1- ד"ר בוריס לואנט - מכללה אקדמית אשקלון - תשפ"ד - סמסטר א'</a:t>
             </a:r>
             <a:endParaRPr lang="en-US" dirty="0">
               <a:solidFill>
@@ -7877,13 +7872,13 @@
           <a:p>
             <a:pPr rtl="1"/>
             <a:r>
-              <a:rPr lang="he-IL" dirty="0">
+              <a:rPr lang="he-IL">
                 <a:solidFill>
                   <a:schemeClr val="tx1"/>
                 </a:solidFill>
                 <a:cs typeface="+mj-cs"/>
               </a:rPr>
-              <a:t>אלגוריתמים 1- ד"ר אלישבע בנש"ק דוקוב- מכללה אקדמית אשקלון- תשע"ח- סמסטר א'</a:t>
+              <a:t>אלגוריתמים 1- ד"ר בוריס לואנט - מכללה אקדמית אשקלון - תשפ"ד - סמסטר א'</a:t>
             </a:r>
             <a:endParaRPr lang="en-US" dirty="0">
               <a:solidFill>
@@ -8173,13 +8168,13 @@
           <a:p>
             <a:pPr rtl="1"/>
             <a:r>
-              <a:rPr lang="he-IL" dirty="0">
+              <a:rPr lang="he-IL">
                 <a:solidFill>
                   <a:schemeClr val="tx1"/>
                 </a:solidFill>
                 <a:cs typeface="+mj-cs"/>
               </a:rPr>
-              <a:t>אלגוריתמים 1- ד"ר אלישבע בנש"ק דוקוב- מכללה אקדמית אשקלון- תשע"ח- סמסטר א'</a:t>
+              <a:t>אלגוריתמים 1- ד"ר בוריס לואנט - מכללה אקדמית אשקלון - תשפ"ד - סמסטר א'</a:t>
             </a:r>
             <a:endParaRPr lang="en-US" dirty="0">
               <a:solidFill>
@@ -8587,13 +8582,13 @@
           <a:p>
             <a:pPr rtl="1"/>
             <a:r>
-              <a:rPr lang="he-IL" dirty="0">
+              <a:rPr lang="he-IL">
                 <a:solidFill>
                   <a:schemeClr val="tx1"/>
                 </a:solidFill>
                 <a:cs typeface="+mj-cs"/>
               </a:rPr>
-              <a:t>אלגוריתמים 1- ד"ר אלישבע בנש"ק דוקוב- מכללה אקדמית אשקלון- תשע"ח- סמסטר א'</a:t>
+              <a:t>אלגוריתמים 1- ד"ר בוריס לואנט - מכללה אקדמית אשקלון - תשפ"ד - סמסטר א'</a:t>
             </a:r>
             <a:endParaRPr lang="en-US" dirty="0">
               <a:solidFill>
@@ -8803,13 +8798,13 @@
           <a:p>
             <a:pPr rtl="1"/>
             <a:r>
-              <a:rPr lang="he-IL" dirty="0">
+              <a:rPr lang="he-IL">
                 <a:solidFill>
                   <a:schemeClr val="tx1"/>
                 </a:solidFill>
                 <a:cs typeface="+mj-cs"/>
               </a:rPr>
-              <a:t>אלגוריתמים 1- ד"ר אלישבע בנש"ק דוקוב- מכללה אקדמית אשקלון- תשע"ח- סמסטר א'</a:t>
+              <a:t>אלגוריתמים 1- ד"ר בוריס לואנט - מכללה אקדמית אשקלון - תשפ"ד - סמסטר א'</a:t>
             </a:r>
             <a:endParaRPr lang="en-US" dirty="0">
               <a:solidFill>
@@ -8875,7 +8870,7 @@
           <a:graphicData uri="http://schemas.openxmlformats.org/presentationml/2006/ole">
             <mc:AlternateContent xmlns:mc="http://schemas.openxmlformats.org/markup-compatibility/2006">
               <mc:Choice xmlns:v="urn:schemas-microsoft-com:vml" Requires="v">
-                <p:oleObj spid="_x0000_s137219" name="Формула" r:id="rId2" imgW="2501900" imgH="241300" progId="Equation.3">
+                <p:oleObj name="Формула" r:id="rId2" imgW="2501900" imgH="241300" progId="Equation.3">
                   <p:embed/>
                 </p:oleObj>
               </mc:Choice>
@@ -9529,13 +9524,13 @@
           <a:p>
             <a:pPr rtl="1"/>
             <a:r>
-              <a:rPr lang="he-IL" dirty="0">
+              <a:rPr lang="he-IL">
                 <a:solidFill>
                   <a:schemeClr val="tx1"/>
                 </a:solidFill>
                 <a:cs typeface="+mj-cs"/>
               </a:rPr>
-              <a:t>אלגוריתמים 1- ד"ר אלישבע בנש"ק דוקוב- מכללה אקדמית אשקלון- תשע"ח- סמסטר א'</a:t>
+              <a:t>אלגוריתמים 1- ד"ר בוריס לואנט - מכללה אקדמית אשקלון - תשפ"ד - סמסטר א'</a:t>
             </a:r>
             <a:endParaRPr lang="en-US" dirty="0">
               <a:solidFill>
@@ -9780,13 +9775,13 @@
           <a:p>
             <a:pPr rtl="1"/>
             <a:r>
-              <a:rPr lang="he-IL" dirty="0">
+              <a:rPr lang="he-IL">
                 <a:solidFill>
                   <a:schemeClr val="tx1"/>
                 </a:solidFill>
                 <a:cs typeface="+mj-cs"/>
               </a:rPr>
-              <a:t>אלגוריתמים 1- ד"ר אלישבע בנש"ק דוקוב- מכללה אקדמית אשקלון- תשע"ח- סמסטר א'</a:t>
+              <a:t>אלגוריתמים 1- ד"ר בוריס לואנט - מכללה אקדמית אשקלון - תשפ"ד - סמסטר א'</a:t>
             </a:r>
             <a:endParaRPr lang="en-US" dirty="0">
               <a:solidFill>
@@ -9883,13 +9878,13 @@
           <a:p>
             <a:pPr rtl="1"/>
             <a:r>
-              <a:rPr lang="he-IL" dirty="0">
+              <a:rPr lang="he-IL">
                 <a:solidFill>
                   <a:schemeClr val="tx1"/>
                 </a:solidFill>
                 <a:cs typeface="+mj-cs"/>
               </a:rPr>
-              <a:t>אלגוריתמים 1- ד"ר אלישבע בנש"ק דוקוב- מכללה אקדמית אשקלון- תשע"ח- סמסטר א'</a:t>
+              <a:t>אלגוריתמים 1- ד"ר בוריס לואנט - מכללה אקדמית אשקלון - תשפ"ד - סמסטר א'</a:t>
             </a:r>
             <a:endParaRPr lang="en-US" dirty="0">
               <a:solidFill>
@@ -10294,13 +10289,13 @@
           <a:p>
             <a:pPr rtl="1"/>
             <a:r>
-              <a:rPr lang="he-IL" dirty="0">
+              <a:rPr lang="he-IL">
                 <a:solidFill>
                   <a:schemeClr val="tx1"/>
                 </a:solidFill>
                 <a:cs typeface="+mj-cs"/>
               </a:rPr>
-              <a:t>אלגוריתמים 1- ד"ר אלישבע בנש"ק דוקוב- מכללה אקדמית אשקלון- תשע"ח- סמסטר א'</a:t>
+              <a:t>אלגוריתמים 1- ד"ר בוריס לואנט - מכללה אקדמית אשקלון - תשפ"ד - סמסטר א'</a:t>
             </a:r>
             <a:endParaRPr lang="en-US" dirty="0">
               <a:solidFill>
@@ -10366,7 +10361,7 @@
           <a:graphicData uri="http://schemas.openxmlformats.org/presentationml/2006/ole">
             <mc:AlternateContent xmlns:mc="http://schemas.openxmlformats.org/markup-compatibility/2006">
               <mc:Choice xmlns:v="urn:schemas-microsoft-com:vml" Requires="v">
-                <p:oleObj spid="_x0000_s120837" name="Формула" r:id="rId2" imgW="3340100" imgH="660400" progId="Equation.3">
+                <p:oleObj name="Формула" r:id="rId2" imgW="3340100" imgH="660400" progId="Equation.3">
                   <p:embed/>
                 </p:oleObj>
               </mc:Choice>
@@ -10549,13 +10544,13 @@
           <a:p>
             <a:pPr rtl="1"/>
             <a:r>
-              <a:rPr lang="he-IL" dirty="0">
+              <a:rPr lang="he-IL">
                 <a:solidFill>
                   <a:schemeClr val="tx1"/>
                 </a:solidFill>
                 <a:cs typeface="+mj-cs"/>
               </a:rPr>
-              <a:t>אלגוריתמים 1- ד"ר אלישבע בנש"ק דוקוב- מכללה אקדמית אשקלון- תשע"ח- סמסטר א'</a:t>
+              <a:t>אלגוריתמים 1- ד"ר בוריס לואנט - מכללה אקדמית אשקלון - תשפ"ד - סמסטר א'</a:t>
             </a:r>
             <a:endParaRPr lang="en-US" dirty="0">
               <a:solidFill>
@@ -10924,7 +10919,7 @@
           <a:graphicData uri="http://schemas.openxmlformats.org/presentationml/2006/ole">
             <mc:AlternateContent xmlns:mc="http://schemas.openxmlformats.org/markup-compatibility/2006">
               <mc:Choice xmlns:v="urn:schemas-microsoft-com:vml" Requires="v">
-                <p:oleObj spid="_x0000_s121862" name="Формула" r:id="rId2" imgW="1943100" imgH="431800" progId="Equation.3">
+                <p:oleObj name="Формула" r:id="rId2" imgW="1943100" imgH="431800" progId="Equation.3">
                   <p:embed/>
                 </p:oleObj>
               </mc:Choice>
@@ -11025,7 +11020,7 @@
           <a:graphicData uri="http://schemas.openxmlformats.org/presentationml/2006/ole">
             <mc:AlternateContent xmlns:mc="http://schemas.openxmlformats.org/markup-compatibility/2006">
               <mc:Choice xmlns:v="urn:schemas-microsoft-com:vml" Requires="v">
-                <p:oleObj spid="_x0000_s122886" name="Формула" r:id="rId2" imgW="3377880" imgH="1790640" progId="Equation.3">
+                <p:oleObj name="Формула" r:id="rId2" imgW="3377880" imgH="1790640" progId="Equation.3">
                   <p:embed/>
                 </p:oleObj>
               </mc:Choice>
@@ -11167,13 +11162,13 @@
           <a:p>
             <a:pPr rtl="1"/>
             <a:r>
-              <a:rPr lang="he-IL" dirty="0">
+              <a:rPr lang="he-IL">
                 <a:solidFill>
                   <a:schemeClr val="tx1"/>
                 </a:solidFill>
                 <a:cs typeface="+mj-cs"/>
               </a:rPr>
-              <a:t>אלגוריתמים 1- ד"ר אלישבע בנש"ק דוקוב- מכללה אקדמית אשקלון- תשע"ח- סמסטר א'</a:t>
+              <a:t>אלגוריתמים 1- ד"ר בוריס לואנט - מכללה אקדמית אשקלון - תשפ"ד - סמסטר א'</a:t>
             </a:r>
             <a:endParaRPr lang="en-US" dirty="0">
               <a:solidFill>
@@ -11633,7 +11628,7 @@
           <a:p>
             <a:r>
               <a:rPr lang="he-IL"/>
-              <a:t>אלגוריתמים 1- ד"ר אלישבע בנש"ק דוקוב- מכללה אקדמית אשקלון- תשע"ח- סמסטר א'</a:t>
+              <a:t>אלגוריתמים 1- ד"ר בוריס לואנט - מכללה אקדמית אשקלון - תשפ"ד - סמסטר א'</a:t>
             </a:r>
             <a:endParaRPr lang="en-US" dirty="0"/>
           </a:p>
@@ -12123,13 +12118,13 @@
           <a:p>
             <a:pPr rtl="1"/>
             <a:r>
-              <a:rPr lang="he-IL" dirty="0">
+              <a:rPr lang="he-IL">
                 <a:solidFill>
                   <a:schemeClr val="tx1"/>
                 </a:solidFill>
                 <a:cs typeface="+mj-cs"/>
               </a:rPr>
-              <a:t>אלגוריתמים 1- ד"ר אלישבע בנש"ק דוקוב- מכללה אקדמית אשקלון- תשע"ח- סמסטר א'</a:t>
+              <a:t>אלגוריתמים 1- ד"ר בוריס לואנט - מכללה אקדמית אשקלון - תשפ"ד - סמסטר א'</a:t>
             </a:r>
             <a:endParaRPr lang="en-US" dirty="0">
               <a:solidFill>
@@ -12195,7 +12190,7 @@
           <a:graphicData uri="http://schemas.openxmlformats.org/presentationml/2006/ole">
             <mc:AlternateContent xmlns:mc="http://schemas.openxmlformats.org/markup-compatibility/2006">
               <mc:Choice xmlns:v="urn:schemas-microsoft-com:vml" Requires="v">
-                <p:oleObj spid="_x0000_s129027" name="Формула" r:id="rId2" imgW="1727200" imgH="1168400" progId="Equation.3">
+                <p:oleObj name="Формула" r:id="rId2" imgW="1727200" imgH="1168400" progId="Equation.3">
                   <p:embed/>
                 </p:oleObj>
               </mc:Choice>
@@ -12815,7 +12810,7 @@
           <a:p>
             <a:r>
               <a:rPr lang="he-IL"/>
-              <a:t>אלגוריתמים 1- ד"ר אלישבע בנש"ק דוקוב- מכללה אקדמית אשקלון- תשע"ח- סמסטר א'</a:t>
+              <a:t>אלגוריתמים 1- ד"ר בוריס לואנט - מכללה אקדמית אשקלון - תשפ"ד - סמסטר א'</a:t>
             </a:r>
             <a:endParaRPr lang="en-US" dirty="0"/>
           </a:p>
@@ -14438,7 +14433,7 @@
           <a:p>
             <a:r>
               <a:rPr lang="he-IL"/>
-              <a:t>אלגוריתמים 1- ד"ר אלישבע בנש"ק דוקוב- מכללה אקדמית אשקלון- תשע"ח- סמסטר א'</a:t>
+              <a:t>אלגוריתמים 1- ד"ר בוריס לואנט - מכללה אקדמית אשקלון - תשפ"ד - סמסטר א'</a:t>
             </a:r>
             <a:endParaRPr lang="en-US" dirty="0"/>
           </a:p>
@@ -16029,7 +16024,7 @@
           <a:p>
             <a:r>
               <a:rPr lang="he-IL"/>
-              <a:t>אלגוריתמים 1- ד"ר אלישבע בנש"ק דוקוב- מכללה אקדמית אשקלון- תשע"ח- סמסטר א'</a:t>
+              <a:t>אלגוריתמים 1- ד"ר בוריס לואנט - מכללה אקדמית אשקלון - תשפ"ד - סמסטר א'</a:t>
             </a:r>
             <a:endParaRPr lang="en-US" dirty="0"/>
           </a:p>
@@ -17620,7 +17615,7 @@
           <a:p>
             <a:r>
               <a:rPr lang="he-IL"/>
-              <a:t>אלגוריתמים 1- ד"ר אלישבע בנש"ק דוקוב- מכללה אקדמית אשקלון- תשע"ח- סמסטר א'</a:t>
+              <a:t>אלגוריתמים 1- ד"ר בוריס לואנט - מכללה אקדמית אשקלון - תשפ"ד - סמסטר א'</a:t>
             </a:r>
             <a:endParaRPr lang="en-US" dirty="0"/>
           </a:p>
@@ -19353,13 +19348,13 @@
           <a:p>
             <a:pPr rtl="1"/>
             <a:r>
-              <a:rPr lang="he-IL" dirty="0">
+              <a:rPr lang="he-IL">
                 <a:solidFill>
                   <a:schemeClr val="tx1"/>
                 </a:solidFill>
                 <a:cs typeface="+mj-cs"/>
               </a:rPr>
-              <a:t>אלגוריתמים 1- ד"ר אלישבע בנש"ק דוקוב- מכללה אקדמית אשקלון- תשע"ח- סמסטר א'</a:t>
+              <a:t>אלגוריתמים 1- ד"ר בוריס לואנט - מכללה אקדמית אשקלון - תשפ"ד - סמסטר א'</a:t>
             </a:r>
             <a:endParaRPr lang="en-US" dirty="0">
               <a:solidFill>
@@ -19458,7 +19453,7 @@
           <a:graphicData uri="http://schemas.openxmlformats.org/presentationml/2006/ole">
             <mc:AlternateContent xmlns:mc="http://schemas.openxmlformats.org/markup-compatibility/2006">
               <mc:Choice xmlns:v="urn:schemas-microsoft-com:vml" Requires="v">
-                <p:oleObj spid="_x0000_s128004" name="Формула" r:id="rId3" imgW="3340100" imgH="660400" progId="Equation.3">
+                <p:oleObj name="Формула" r:id="rId3" imgW="3340100" imgH="660400" progId="Equation.3">
                   <p:embed/>
                 </p:oleObj>
               </mc:Choice>
@@ -19559,13 +19554,13 @@
           <a:p>
             <a:pPr rtl="1"/>
             <a:r>
-              <a:rPr lang="he-IL" dirty="0">
+              <a:rPr lang="he-IL">
                 <a:solidFill>
                   <a:schemeClr val="tx1"/>
                 </a:solidFill>
                 <a:cs typeface="+mj-cs"/>
               </a:rPr>
-              <a:t>אלגוריתמים 1- ד"ר אלישבע בנש"ק דוקוב- מכללה אקדמית אשקלון- תשע"ח- סמסטר א'</a:t>
+              <a:t>אלגוריתמים 1- ד"ר בוריס לואנט - מכללה אקדמית אשקלון - תשפ"ד - סמסטר א'</a:t>
             </a:r>
             <a:endParaRPr lang="en-US" dirty="0">
               <a:solidFill>
@@ -20226,13 +20221,13 @@
           <a:p>
             <a:pPr rtl="1"/>
             <a:r>
-              <a:rPr lang="he-IL" dirty="0">
+              <a:rPr lang="he-IL">
                 <a:solidFill>
                   <a:schemeClr val="tx1"/>
                 </a:solidFill>
                 <a:cs typeface="+mj-cs"/>
               </a:rPr>
-              <a:t>אלגוריתמים 1- ד"ר אלישבע בנש"ק דוקוב- מכללה אקדמית אשקלון- תשע"ח- סמסטר א'</a:t>
+              <a:t>אלגוריתמים 1- ד"ר בוריס לואנט - מכללה אקדמית אשקלון - תשפ"ד - סמסטר א'</a:t>
             </a:r>
             <a:endParaRPr lang="en-US" dirty="0">
               <a:solidFill>
@@ -21270,13 +21265,13 @@
           <a:p>
             <a:pPr rtl="1"/>
             <a:r>
-              <a:rPr lang="he-IL" dirty="0">
+              <a:rPr lang="he-IL">
                 <a:solidFill>
                   <a:schemeClr val="tx1"/>
                 </a:solidFill>
                 <a:cs typeface="+mj-cs"/>
               </a:rPr>
-              <a:t>אלגוריתמים 1- ד"ר אלישבע בנש"ק דוקוב- מכללה אקדמית אשקלון- תשע"ח- סמסטר א'</a:t>
+              <a:t>אלגוריתמים 1- ד"ר בוריס לואנט - מכללה אקדמית אשקלון - תשפ"ד - סמסטר א'</a:t>
             </a:r>
             <a:endParaRPr lang="en-US" dirty="0">
               <a:solidFill>
@@ -21514,13 +21509,13 @@
           <a:p>
             <a:pPr rtl="1"/>
             <a:r>
-              <a:rPr lang="he-IL" dirty="0">
+              <a:rPr lang="he-IL">
                 <a:solidFill>
                   <a:schemeClr val="tx1"/>
                 </a:solidFill>
                 <a:cs typeface="+mj-cs"/>
               </a:rPr>
-              <a:t>אלגוריתמים 1- ד"ר אלישבע בנש"ק דוקוב- מכללה אקדמית אשקלון- תשע"ח- סמסטר א'</a:t>
+              <a:t>אלגוריתמים 1- ד"ר בוריס לואנט - מכללה אקדמית אשקלון - תשפ"ד - סמסטר א'</a:t>
             </a:r>
             <a:endParaRPr lang="en-US" dirty="0">
               <a:solidFill>
@@ -21597,182 +21592,107 @@
       </p:grpSpPr>
       <p:sp>
         <p:nvSpPr>
-          <p:cNvPr id="6" name="כותרת 1"/>
-          <p:cNvSpPr txBox="1">
-            <a:spLocks/>
+          <p:cNvPr id="2" name="Title 1">
+            <a:extLst>
+              <a:ext uri="{FF2B5EF4-FFF2-40B4-BE49-F238E27FC236}">
+                <a16:creationId xmlns:a16="http://schemas.microsoft.com/office/drawing/2014/main" id="{6662D338-8267-33EB-5259-B794D0C13FDC}"/>
+              </a:ext>
+            </a:extLst>
+          </p:cNvPr>
+          <p:cNvSpPr>
+            <a:spLocks noGrp="1"/>
           </p:cNvSpPr>
-          <p:nvPr/>
-        </p:nvSpPr>
-        <p:spPr bwMode="auto">
-          <a:xfrm>
-            <a:off x="357158" y="285728"/>
-            <a:ext cx="8358246" cy="1066800"/>
-          </a:xfrm>
-          <a:prstGeom prst="rect">
-            <a:avLst/>
-          </a:prstGeom>
-          <a:noFill/>
-          <a:ln w="9525">
-            <a:noFill/>
-            <a:miter lim="800000"/>
-            <a:headEnd/>
-            <a:tailEnd/>
-          </a:ln>
-          <a:effectLst/>
-        </p:spPr>
-        <p:txBody>
-          <a:bodyPr vert="horz" wrap="square" lIns="91440" tIns="45720" rIns="91440" bIns="45720" numCol="1" anchor="ctr" anchorCtr="0" compatLnSpc="1">
-            <a:prstTxWarp prst="textNoShape">
-              <a:avLst/>
-            </a:prstTxWarp>
+          <p:nvPr>
+            <p:ph type="title"/>
+          </p:nvPr>
+        </p:nvSpPr>
+        <p:spPr/>
+        <p:txBody>
+          <a:bodyPr>
+            <a:normAutofit fontScale="90000"/>
           </a:bodyPr>
           <a:lstStyle/>
           <a:p>
-            <a:pPr marL="0" marR="0" lvl="0" indent="0" algn="r" defTabSz="914400" rtl="1" eaLnBrk="1" fontAlgn="base" latinLnBrk="0" hangingPunct="1">
-              <a:lnSpc>
-                <a:spcPct val="100000"/>
-              </a:lnSpc>
-              <a:spcBef>
-                <a:spcPct val="0"/>
-              </a:spcBef>
-              <a:spcAft>
-                <a:spcPct val="0"/>
-              </a:spcAft>
-              <a:buClrTx/>
-              <a:buSzTx/>
-              <a:buFontTx/>
-              <a:buNone/>
-              <a:tabLst/>
-              <a:defRPr/>
+            <a:r>
+              <a:rPr lang="en-US" b="1" i="0" dirty="0">
+                <a:solidFill>
+                  <a:srgbClr val="0D0D0D"/>
+                </a:solidFill>
+                <a:effectLst/>
+                <a:latin typeface="Söhne"/>
+              </a:rPr>
+              <a:t>Introduction to the String Distance Problem</a:t>
+            </a:r>
+            <a:endParaRPr lang="en-US" dirty="0"/>
+          </a:p>
+        </p:txBody>
+      </p:sp>
+      <p:sp>
+        <p:nvSpPr>
+          <p:cNvPr id="3" name="Content Placeholder 2">
+            <a:extLst>
+              <a:ext uri="{FF2B5EF4-FFF2-40B4-BE49-F238E27FC236}">
+                <a16:creationId xmlns:a16="http://schemas.microsoft.com/office/drawing/2014/main" id="{304534E9-656A-58E1-4AB2-95668CA5BD1F}"/>
+              </a:ext>
+            </a:extLst>
+          </p:cNvPr>
+          <p:cNvSpPr>
+            <a:spLocks noGrp="1"/>
+          </p:cNvSpPr>
+          <p:nvPr>
+            <p:ph idx="1"/>
+          </p:nvPr>
+        </p:nvSpPr>
+        <p:spPr/>
+        <p:txBody>
+          <a:bodyPr/>
+          <a:lstStyle/>
+          <a:p>
+            <a:pPr algn="l">
+              <a:buFont typeface="Arial" panose="020B0604020202020204" pitchFamily="34" charset="0"/>
+              <a:buChar char="•"/>
             </a:pPr>
             <a:r>
-              <a:rPr lang="en-US" sz="4400" dirty="0">
-                <a:latin typeface="+mj-lt"/>
-                <a:ea typeface="+mj-ea"/>
-                <a:cs typeface="+mj-cs"/>
-              </a:rPr>
-              <a:t>World Series Odds</a:t>
-            </a:r>
-          </a:p>
-        </p:txBody>
-      </p:sp>
-      <p:sp>
-        <p:nvSpPr>
-          <p:cNvPr id="8" name="TextBox 7"/>
-          <p:cNvSpPr txBox="1"/>
-          <p:nvPr/>
-        </p:nvSpPr>
-        <p:spPr>
-          <a:xfrm>
-            <a:off x="1000100" y="1571612"/>
-            <a:ext cx="7529594" cy="3539430"/>
-          </a:xfrm>
-          <a:prstGeom prst="rect">
-            <a:avLst/>
-          </a:prstGeom>
-          <a:noFill/>
-        </p:spPr>
-        <p:txBody>
-          <a:bodyPr wrap="square" rtlCol="0">
-            <a:spAutoFit/>
-          </a:bodyPr>
-          <a:lstStyle/>
-          <a:p>
-            <a:pPr marL="514350" indent="-514350" algn="r" rtl="1"/>
-            <a:r>
-              <a:rPr lang="he-IL" sz="2800" dirty="0"/>
-              <a:t>	שתי קבוצות, </a:t>
-            </a:r>
-            <a:r>
-              <a:rPr lang="en-US" sz="2800" dirty="0"/>
-              <a:t>A</a:t>
-            </a:r>
-            <a:r>
-              <a:rPr lang="he-IL" sz="2800" dirty="0"/>
-              <a:t>,</a:t>
-            </a:r>
-            <a:r>
-              <a:rPr lang="en-US" sz="2800" dirty="0"/>
-              <a:t>B</a:t>
-            </a:r>
-            <a:r>
-              <a:rPr lang="he-IL" sz="2800" dirty="0"/>
-              <a:t>, משחקות זו מול זו, סדרת משחקים. הראשונה לנצח </a:t>
-            </a:r>
-            <a:r>
-              <a:rPr lang="en-US" sz="2800" dirty="0"/>
-              <a:t>n</a:t>
-            </a:r>
-            <a:r>
-              <a:rPr lang="he-IL" sz="2800" dirty="0"/>
-              <a:t> משחקים, היא המנצחת.</a:t>
-            </a:r>
-          </a:p>
-          <a:p>
-            <a:pPr marL="514350" indent="-514350" algn="r" rtl="1"/>
-            <a:r>
-              <a:rPr lang="he-IL" sz="2800" dirty="0"/>
-              <a:t>	בכל משחק, ההסתברות של כל אחת לנצח, היא </a:t>
-            </a:r>
-            <a:r>
-              <a:rPr lang="en-US" sz="2800" dirty="0"/>
-              <a:t>0.5</a:t>
-            </a:r>
-            <a:r>
-              <a:rPr lang="he-IL" sz="2800" dirty="0"/>
-              <a:t>.</a:t>
-            </a:r>
-          </a:p>
-          <a:p>
-            <a:pPr marL="514350" indent="-514350" algn="r" rtl="1"/>
-            <a:endParaRPr lang="he-IL" sz="2800" dirty="0"/>
-          </a:p>
-          <a:p>
-            <a:pPr marL="514350" indent="-514350" algn="r" rtl="1"/>
-            <a:r>
-              <a:rPr lang="he-IL" sz="2800" dirty="0"/>
-              <a:t>המטרה:</a:t>
-            </a:r>
-          </a:p>
-          <a:p>
-            <a:pPr marL="514350" indent="-514350" algn="r" rtl="1"/>
-            <a:r>
-              <a:rPr lang="he-IL" sz="2800" dirty="0"/>
-              <a:t>	לחשב את ההסתברות ש</a:t>
-            </a:r>
-            <a:r>
-              <a:rPr lang="en-US" sz="2800" dirty="0"/>
-              <a:t>A</a:t>
-            </a:r>
-            <a:r>
-              <a:rPr lang="he-IL" sz="2800" dirty="0"/>
-              <a:t> תנצח.</a:t>
-            </a:r>
-          </a:p>
-          <a:p>
-            <a:pPr marL="514350" indent="-514350" algn="r" rtl="1"/>
-            <a:endParaRPr lang="he-IL" sz="2800" dirty="0"/>
-          </a:p>
-          <a:p>
-            <a:pPr marL="514350" indent="-514350" algn="r" rtl="1"/>
-            <a:r>
-              <a:rPr lang="he-IL" sz="2800" dirty="0"/>
-              <a:t>הערה: זאת </a:t>
-            </a:r>
-            <a:r>
-              <a:rPr lang="he-IL" sz="2800" b="1" dirty="0"/>
-              <a:t>לא </a:t>
-            </a:r>
-            <a:r>
-              <a:rPr lang="he-IL" sz="2800" dirty="0"/>
-              <a:t>בעיית אופטימיזציה!</a:t>
-            </a:r>
-          </a:p>
-        </p:txBody>
-      </p:sp>
-      <p:sp>
-        <p:nvSpPr>
-          <p:cNvPr id="30" name="מציין מיקום של כותרת תחתונה 3"/>
+              <a:rPr lang="en-US" b="0" i="0" dirty="0">
+                <a:solidFill>
+                  <a:srgbClr val="0D0D0D"/>
+                </a:solidFill>
+                <a:effectLst/>
+                <a:latin typeface="Söhne"/>
+              </a:rPr>
+              <a:t>Description of the problem: Measuring the distance between two strings, typically defined as the minimum number of operations required to transform one string into the other.</a:t>
+            </a:r>
+          </a:p>
+          <a:p>
+            <a:pPr algn="l">
+              <a:buFont typeface="Arial" panose="020B0604020202020204" pitchFamily="34" charset="0"/>
+              <a:buChar char="•"/>
+            </a:pPr>
+            <a:r>
+              <a:rPr lang="en-US" b="0" i="0" dirty="0">
+                <a:solidFill>
+                  <a:srgbClr val="0D0D0D"/>
+                </a:solidFill>
+                <a:effectLst/>
+                <a:latin typeface="Söhne"/>
+              </a:rPr>
+              <a:t>Operations: Insertion, deletion, substitution.</a:t>
+            </a:r>
+          </a:p>
+          <a:p>
+            <a:endParaRPr lang="en-US" dirty="0"/>
+          </a:p>
+        </p:txBody>
+      </p:sp>
+      <p:sp>
+        <p:nvSpPr>
+          <p:cNvPr id="4" name="Footer Placeholder 3">
+            <a:extLst>
+              <a:ext uri="{FF2B5EF4-FFF2-40B4-BE49-F238E27FC236}">
+                <a16:creationId xmlns:a16="http://schemas.microsoft.com/office/drawing/2014/main" id="{77A78F5E-1CE0-A72C-EFAB-D9D604D49049}"/>
+              </a:ext>
+            </a:extLst>
+          </p:cNvPr>
           <p:cNvSpPr>
             <a:spLocks noGrp="1"/>
           </p:cNvSpPr>
@@ -21780,38 +21700,28 @@
             <p:ph type="ftr" sz="quarter" idx="11"/>
           </p:nvPr>
         </p:nvSpPr>
-        <p:spPr>
-          <a:xfrm>
-            <a:off x="1857356" y="6356350"/>
-            <a:ext cx="5429288" cy="365125"/>
-          </a:xfrm>
-        </p:spPr>
+        <p:spPr/>
         <p:txBody>
           <a:bodyPr/>
           <a:lstStyle/>
           <a:p>
-            <a:pPr rtl="1"/>
-            <a:r>
-              <a:rPr lang="he-IL" dirty="0">
-                <a:solidFill>
-                  <a:schemeClr val="tx1"/>
-                </a:solidFill>
-                <a:cs typeface="+mj-cs"/>
-              </a:rPr>
-              <a:t>אלגוריתמים 1- ד"ר אלישבע בנש"ק דוקוב- מכללה אקדמית אשקלון- תשע"ח- סמסטר א'</a:t>
-            </a:r>
-            <a:endParaRPr lang="en-US" dirty="0">
-              <a:solidFill>
-                <a:schemeClr val="tx1"/>
-              </a:solidFill>
-              <a:cs typeface="+mj-cs"/>
-            </a:endParaRPr>
-          </a:p>
-        </p:txBody>
-      </p:sp>
-      <p:sp>
-        <p:nvSpPr>
-          <p:cNvPr id="31" name="מציין מיקום של מספר שקופית 4"/>
+            <a:r>
+              <a:rPr lang="he-IL"/>
+              <a:t>אלגוריתמים 1- ד"ר בוריס לואנט - מכללה אקדמית אשקלון - תשפ"ד - סמסטר א'</a:t>
+            </a:r>
+            <a:endParaRPr lang="en-US" dirty="0"/>
+          </a:p>
+        </p:txBody>
+      </p:sp>
+      <p:sp>
+        <p:nvSpPr>
+          <p:cNvPr id="5" name="Slide Number Placeholder 4">
+            <a:extLst>
+              <a:ext uri="{FF2B5EF4-FFF2-40B4-BE49-F238E27FC236}">
+                <a16:creationId xmlns:a16="http://schemas.microsoft.com/office/drawing/2014/main" id="{B5C9D087-579B-75B1-21B3-F1AA3C1F6325}"/>
+              </a:ext>
+            </a:extLst>
+          </p:cNvPr>
           <p:cNvSpPr>
             <a:spLocks noGrp="1"/>
           </p:cNvSpPr>
@@ -21819,36 +21729,26 @@
             <p:ph type="sldNum" sz="quarter" idx="12"/>
           </p:nvPr>
         </p:nvSpPr>
-        <p:spPr>
-          <a:xfrm>
-            <a:off x="6553200" y="6356350"/>
-            <a:ext cx="2133600" cy="365125"/>
-          </a:xfrm>
-        </p:spPr>
+        <p:spPr/>
         <p:txBody>
           <a:bodyPr/>
           <a:lstStyle/>
           <a:p>
             <a:fld id="{2EEF023C-487C-4FDD-A5C6-3E51DF829693}" type="slidenum">
-              <a:rPr lang="en-US" smtClean="0">
-                <a:solidFill>
-                  <a:schemeClr val="tx1"/>
-                </a:solidFill>
-                <a:cs typeface="+mj-cs"/>
-              </a:rPr>
+              <a:rPr lang="en-US" smtClean="0"/>
               <a:pPr/>
               <a:t>33</a:t>
             </a:fld>
-            <a:endParaRPr lang="en-US" dirty="0">
-              <a:solidFill>
-                <a:schemeClr val="tx1"/>
-              </a:solidFill>
-              <a:cs typeface="+mj-cs"/>
-            </a:endParaRPr>
+            <a:endParaRPr lang="en-US"/>
           </a:p>
         </p:txBody>
       </p:sp>
     </p:spTree>
+    <p:extLst>
+      <p:ext uri="{BB962C8B-B14F-4D97-AF65-F5344CB8AC3E}">
+        <p14:creationId xmlns:p14="http://schemas.microsoft.com/office/powerpoint/2010/main" val="1831363138"/>
+      </p:ext>
+    </p:extLst>
   </p:cSld>
   <p:clrMapOvr>
     <a:masterClrMapping/>
@@ -21875,234 +21775,105 @@
       </p:grpSpPr>
       <p:sp>
         <p:nvSpPr>
-          <p:cNvPr id="6" name="כותרת 1"/>
-          <p:cNvSpPr txBox="1">
-            <a:spLocks/>
+          <p:cNvPr id="2" name="Title 1">
+            <a:extLst>
+              <a:ext uri="{FF2B5EF4-FFF2-40B4-BE49-F238E27FC236}">
+                <a16:creationId xmlns:a16="http://schemas.microsoft.com/office/drawing/2014/main" id="{0124B492-70E8-4F4C-6632-413366D6CBEC}"/>
+              </a:ext>
+            </a:extLst>
+          </p:cNvPr>
+          <p:cNvSpPr>
+            <a:spLocks noGrp="1"/>
           </p:cNvSpPr>
-          <p:nvPr/>
-        </p:nvSpPr>
-        <p:spPr bwMode="auto">
-          <a:xfrm>
-            <a:off x="357158" y="285728"/>
-            <a:ext cx="8358246" cy="1066800"/>
-          </a:xfrm>
-          <a:prstGeom prst="rect">
-            <a:avLst/>
-          </a:prstGeom>
-          <a:noFill/>
-          <a:ln w="9525">
-            <a:noFill/>
-            <a:miter lim="800000"/>
-            <a:headEnd/>
-            <a:tailEnd/>
-          </a:ln>
-          <a:effectLst/>
-        </p:spPr>
-        <p:txBody>
-          <a:bodyPr vert="horz" wrap="square" lIns="91440" tIns="45720" rIns="91440" bIns="45720" numCol="1" anchor="ctr" anchorCtr="0" compatLnSpc="1">
-            <a:prstTxWarp prst="textNoShape">
-              <a:avLst/>
-            </a:prstTxWarp>
-          </a:bodyPr>
+          <p:nvPr>
+            <p:ph type="title"/>
+          </p:nvPr>
+        </p:nvSpPr>
+        <p:spPr/>
+        <p:txBody>
+          <a:bodyPr/>
           <a:lstStyle/>
           <a:p>
-            <a:pPr marL="0" marR="0" lvl="0" indent="0" algn="r" defTabSz="914400" rtl="1" eaLnBrk="1" fontAlgn="base" latinLnBrk="0" hangingPunct="1">
-              <a:lnSpc>
-                <a:spcPct val="100000"/>
-              </a:lnSpc>
-              <a:spcBef>
-                <a:spcPct val="0"/>
-              </a:spcBef>
-              <a:spcAft>
-                <a:spcPct val="0"/>
-              </a:spcAft>
-              <a:buClrTx/>
-              <a:buSzTx/>
-              <a:buFontTx/>
-              <a:buNone/>
-              <a:tabLst/>
-              <a:defRPr/>
+            <a:r>
+              <a:rPr lang="en-US" b="1" i="0" dirty="0">
+                <a:solidFill>
+                  <a:srgbClr val="0D0D0D"/>
+                </a:solidFill>
+                <a:effectLst/>
+                <a:latin typeface="Söhne"/>
+              </a:rPr>
+              <a:t>Why Use Dynamic Programming?</a:t>
+            </a:r>
+            <a:endParaRPr lang="en-US" dirty="0"/>
+          </a:p>
+        </p:txBody>
+      </p:sp>
+      <p:sp>
+        <p:nvSpPr>
+          <p:cNvPr id="3" name="Content Placeholder 2">
+            <a:extLst>
+              <a:ext uri="{FF2B5EF4-FFF2-40B4-BE49-F238E27FC236}">
+                <a16:creationId xmlns:a16="http://schemas.microsoft.com/office/drawing/2014/main" id="{0BC67C61-2F8B-C871-8187-71DA9ADC0142}"/>
+              </a:ext>
+            </a:extLst>
+          </p:cNvPr>
+          <p:cNvSpPr>
+            <a:spLocks noGrp="1"/>
+          </p:cNvSpPr>
+          <p:nvPr>
+            <p:ph idx="1"/>
+          </p:nvPr>
+        </p:nvSpPr>
+        <p:spPr/>
+        <p:txBody>
+          <a:bodyPr/>
+          <a:lstStyle/>
+          <a:p>
+            <a:pPr algn="l">
+              <a:buFont typeface="Arial" panose="020B0604020202020204" pitchFamily="34" charset="0"/>
+              <a:buChar char="•"/>
             </a:pPr>
             <a:r>
-              <a:rPr lang="he-IL" sz="4400" dirty="0">
-                <a:latin typeface="+mj-lt"/>
-                <a:ea typeface="+mj-ea"/>
-                <a:cs typeface="+mj-cs"/>
-              </a:rPr>
-              <a:t>פורמליזציה</a:t>
-            </a:r>
-            <a:endParaRPr lang="en-US" sz="4400" dirty="0">
-              <a:latin typeface="+mj-lt"/>
-              <a:ea typeface="+mj-ea"/>
-              <a:cs typeface="+mj-cs"/>
-            </a:endParaRPr>
-          </a:p>
-        </p:txBody>
-      </p:sp>
-      <p:sp>
-        <p:nvSpPr>
-          <p:cNvPr id="8" name="TextBox 7"/>
-          <p:cNvSpPr txBox="1"/>
-          <p:nvPr/>
-        </p:nvSpPr>
-        <p:spPr>
-          <a:xfrm>
-            <a:off x="1000100" y="1571612"/>
-            <a:ext cx="7529594" cy="4401205"/>
-          </a:xfrm>
-          <a:prstGeom prst="rect">
-            <a:avLst/>
-          </a:prstGeom>
-          <a:noFill/>
-        </p:spPr>
-        <p:txBody>
-          <a:bodyPr wrap="square" rtlCol="0">
-            <a:spAutoFit/>
-          </a:bodyPr>
-          <a:lstStyle/>
-          <a:p>
-            <a:pPr marL="514350" indent="-514350" algn="r" rtl="1"/>
-            <a:r>
-              <a:rPr lang="he-IL" sz="2800" dirty="0"/>
-              <a:t>	בכל שלב בסדרת המשחקים, נסמן:</a:t>
-            </a:r>
-          </a:p>
-          <a:p>
-            <a:pPr marL="514350" indent="-514350" algn="r" rtl="1"/>
-            <a:r>
-              <a:rPr lang="he-IL" sz="2800" dirty="0"/>
-              <a:t>	</a:t>
-            </a:r>
-            <a:r>
-              <a:rPr lang="en-US" sz="2800" dirty="0" err="1"/>
-              <a:t>i</a:t>
-            </a:r>
-            <a:r>
-              <a:rPr lang="he-IL" sz="2800" dirty="0"/>
-              <a:t>- מספר המשחקים ש</a:t>
-            </a:r>
-            <a:r>
-              <a:rPr lang="en-US" sz="2800" dirty="0"/>
-              <a:t>A</a:t>
-            </a:r>
-            <a:r>
-              <a:rPr lang="he-IL" sz="2800" dirty="0"/>
-              <a:t> צריכה עוד לנצח על מנת לנצח בסדרה.</a:t>
-            </a:r>
-          </a:p>
-          <a:p>
-            <a:pPr marL="514350" indent="-514350" algn="r" rtl="1"/>
-            <a:r>
-              <a:rPr lang="he-IL" sz="2800" dirty="0"/>
-              <a:t>	</a:t>
-            </a:r>
-            <a:r>
-              <a:rPr lang="en-US" sz="2800" dirty="0"/>
-              <a:t>j</a:t>
-            </a:r>
-            <a:r>
-              <a:rPr lang="he-IL" sz="2800" dirty="0"/>
-              <a:t>- מספר המשחקים ש</a:t>
-            </a:r>
-            <a:r>
-              <a:rPr lang="en-US" sz="2800" dirty="0"/>
-              <a:t>B</a:t>
-            </a:r>
-            <a:r>
-              <a:rPr lang="he-IL" sz="2800" dirty="0"/>
-              <a:t> צריכה עוד לנצח על מנת לנצח בסדרה.</a:t>
-            </a:r>
-          </a:p>
-          <a:p>
-            <a:pPr marL="514350" indent="-514350" algn="r" rtl="1"/>
-            <a:r>
-              <a:rPr lang="he-IL" sz="2800" dirty="0"/>
-              <a:t>	</a:t>
-            </a:r>
-            <a:r>
-              <a:rPr lang="en-US" sz="2800" dirty="0"/>
-              <a:t>p(</a:t>
-            </a:r>
-            <a:r>
-              <a:rPr lang="en-US" sz="2800" dirty="0" err="1"/>
-              <a:t>i,j</a:t>
-            </a:r>
-            <a:r>
-              <a:rPr lang="en-US" sz="2800" dirty="0"/>
-              <a:t>)</a:t>
-            </a:r>
-            <a:r>
-              <a:rPr lang="he-IL" sz="2800" dirty="0"/>
-              <a:t>- ההסתברות ש</a:t>
-            </a:r>
-            <a:r>
-              <a:rPr lang="en-US" sz="2800" dirty="0"/>
-              <a:t>A</a:t>
-            </a:r>
-            <a:r>
-              <a:rPr lang="he-IL" sz="2800" dirty="0"/>
-              <a:t> תנצח בסדרה, אם היא צריכה עוד </a:t>
-            </a:r>
-            <a:r>
-              <a:rPr lang="en-US" sz="2800" dirty="0" err="1"/>
-              <a:t>i</a:t>
-            </a:r>
-            <a:r>
-              <a:rPr lang="he-IL" sz="2800" dirty="0"/>
-              <a:t> משחקים על מנת לנצח, ו</a:t>
-            </a:r>
-            <a:r>
-              <a:rPr lang="en-US" sz="2800" dirty="0"/>
-              <a:t>B</a:t>
-            </a:r>
-            <a:r>
-              <a:rPr lang="he-IL" sz="2800" dirty="0"/>
-              <a:t> צריכה עוד </a:t>
-            </a:r>
-            <a:r>
-              <a:rPr lang="en-US" sz="2800" dirty="0"/>
-              <a:t>j</a:t>
-            </a:r>
-            <a:r>
-              <a:rPr lang="he-IL" sz="2800" dirty="0"/>
-              <a:t> משחקים על מנת לנצח.</a:t>
-            </a:r>
-          </a:p>
-          <a:p>
-            <a:pPr marL="514350" indent="-514350" algn="r" rtl="1"/>
-            <a:r>
-              <a:rPr lang="he-IL" sz="2800" dirty="0"/>
-              <a:t>המטרה:</a:t>
-            </a:r>
-          </a:p>
-          <a:p>
-            <a:pPr marL="514350" indent="-514350" algn="r" rtl="1"/>
-            <a:r>
-              <a:rPr lang="he-IL" sz="2800" dirty="0"/>
-              <a:t>	לחשב את </a:t>
-            </a:r>
-            <a:r>
-              <a:rPr lang="en-US" sz="2800" dirty="0"/>
-              <a:t>p(</a:t>
-            </a:r>
-            <a:r>
-              <a:rPr lang="en-US" sz="2800" dirty="0" err="1"/>
-              <a:t>n,n</a:t>
-            </a:r>
-            <a:r>
-              <a:rPr lang="en-US" sz="2800" dirty="0"/>
-              <a:t>)</a:t>
-            </a:r>
-            <a:r>
-              <a:rPr lang="he-IL" sz="2800" dirty="0"/>
-              <a:t>.</a:t>
-            </a:r>
-          </a:p>
-        </p:txBody>
-      </p:sp>
-      <p:sp>
-        <p:nvSpPr>
-          <p:cNvPr id="30" name="מציין מיקום של כותרת תחתונה 3"/>
+              <a:rPr lang="en-US" b="0" i="0" dirty="0">
+                <a:solidFill>
+                  <a:srgbClr val="0D0D0D"/>
+                </a:solidFill>
+                <a:effectLst/>
+                <a:latin typeface="Söhne"/>
+              </a:rPr>
+              <a:t>Explanation of dynamic programming (DP) as an optimization over plain recursion.</a:t>
+            </a:r>
+          </a:p>
+          <a:p>
+            <a:pPr algn="l">
+              <a:buFont typeface="Arial" panose="020B0604020202020204" pitchFamily="34" charset="0"/>
+              <a:buChar char="•"/>
+            </a:pPr>
+            <a:r>
+              <a:rPr lang="en-US" b="0" i="0" dirty="0">
+                <a:solidFill>
+                  <a:srgbClr val="0D0D0D"/>
+                </a:solidFill>
+                <a:effectLst/>
+                <a:latin typeface="Söhne"/>
+              </a:rPr>
+              <a:t>DP stores the results of subproblems to avoid recomputing them, making it efficient for the string distance problem.</a:t>
+            </a:r>
+          </a:p>
+          <a:p>
+            <a:endParaRPr lang="en-US" dirty="0"/>
+          </a:p>
+        </p:txBody>
+      </p:sp>
+      <p:sp>
+        <p:nvSpPr>
+          <p:cNvPr id="4" name="Footer Placeholder 3">
+            <a:extLst>
+              <a:ext uri="{FF2B5EF4-FFF2-40B4-BE49-F238E27FC236}">
+                <a16:creationId xmlns:a16="http://schemas.microsoft.com/office/drawing/2014/main" id="{60B52187-FEEF-40D9-B6F7-0DF5261B15E7}"/>
+              </a:ext>
+            </a:extLst>
+          </p:cNvPr>
           <p:cNvSpPr>
             <a:spLocks noGrp="1"/>
           </p:cNvSpPr>
@@ -22110,38 +21881,28 @@
             <p:ph type="ftr" sz="quarter" idx="11"/>
           </p:nvPr>
         </p:nvSpPr>
-        <p:spPr>
-          <a:xfrm>
-            <a:off x="1857356" y="6356350"/>
-            <a:ext cx="5429288" cy="365125"/>
-          </a:xfrm>
-        </p:spPr>
+        <p:spPr/>
         <p:txBody>
           <a:bodyPr/>
           <a:lstStyle/>
           <a:p>
-            <a:pPr rtl="1"/>
-            <a:r>
-              <a:rPr lang="he-IL" dirty="0">
-                <a:solidFill>
-                  <a:schemeClr val="tx1"/>
-                </a:solidFill>
-                <a:cs typeface="+mj-cs"/>
-              </a:rPr>
-              <a:t>אלגוריתמים 1- ד"ר אלישבע בנש"ק דוקוב- מכללה אקדמית אשקלון- תשע"ח- סמסטר א'</a:t>
-            </a:r>
-            <a:endParaRPr lang="en-US" dirty="0">
-              <a:solidFill>
-                <a:schemeClr val="tx1"/>
-              </a:solidFill>
-              <a:cs typeface="+mj-cs"/>
-            </a:endParaRPr>
-          </a:p>
-        </p:txBody>
-      </p:sp>
-      <p:sp>
-        <p:nvSpPr>
-          <p:cNvPr id="31" name="מציין מיקום של מספר שקופית 4"/>
+            <a:r>
+              <a:rPr lang="he-IL"/>
+              <a:t>אלגוריתמים 1- ד"ר בוריס לואנט - מכללה אקדמית אשקלון - תשפ"ד - סמסטר א'</a:t>
+            </a:r>
+            <a:endParaRPr lang="en-US" dirty="0"/>
+          </a:p>
+        </p:txBody>
+      </p:sp>
+      <p:sp>
+        <p:nvSpPr>
+          <p:cNvPr id="5" name="Slide Number Placeholder 4">
+            <a:extLst>
+              <a:ext uri="{FF2B5EF4-FFF2-40B4-BE49-F238E27FC236}">
+                <a16:creationId xmlns:a16="http://schemas.microsoft.com/office/drawing/2014/main" id="{2BC9EDD5-91E0-549D-4BC9-854A815D63FF}"/>
+              </a:ext>
+            </a:extLst>
+          </p:cNvPr>
           <p:cNvSpPr>
             <a:spLocks noGrp="1"/>
           </p:cNvSpPr>
@@ -22149,36 +21910,26 @@
             <p:ph type="sldNum" sz="quarter" idx="12"/>
           </p:nvPr>
         </p:nvSpPr>
-        <p:spPr>
-          <a:xfrm>
-            <a:off x="6553200" y="6356350"/>
-            <a:ext cx="2133600" cy="365125"/>
-          </a:xfrm>
-        </p:spPr>
+        <p:spPr/>
         <p:txBody>
           <a:bodyPr/>
           <a:lstStyle/>
           <a:p>
             <a:fld id="{2EEF023C-487C-4FDD-A5C6-3E51DF829693}" type="slidenum">
-              <a:rPr lang="en-US" smtClean="0">
-                <a:solidFill>
-                  <a:schemeClr val="tx1"/>
-                </a:solidFill>
-                <a:cs typeface="+mj-cs"/>
-              </a:rPr>
+              <a:rPr lang="en-US" smtClean="0"/>
               <a:pPr/>
               <a:t>34</a:t>
             </a:fld>
-            <a:endParaRPr lang="en-US" dirty="0">
-              <a:solidFill>
-                <a:schemeClr val="tx1"/>
-              </a:solidFill>
-              <a:cs typeface="+mj-cs"/>
-            </a:endParaRPr>
+            <a:endParaRPr lang="en-US"/>
           </a:p>
         </p:txBody>
       </p:sp>
     </p:spTree>
+    <p:extLst>
+      <p:ext uri="{BB962C8B-B14F-4D97-AF65-F5344CB8AC3E}">
+        <p14:creationId xmlns:p14="http://schemas.microsoft.com/office/powerpoint/2010/main" val="945990922"/>
+      </p:ext>
+    </p:extLst>
   </p:cSld>
   <p:clrMapOvr>
     <a:masterClrMapping/>
@@ -22205,6 +21956,1092 @@
       </p:grpSpPr>
       <p:sp>
         <p:nvSpPr>
+          <p:cNvPr id="2" name="Title 1">
+            <a:extLst>
+              <a:ext uri="{FF2B5EF4-FFF2-40B4-BE49-F238E27FC236}">
+                <a16:creationId xmlns:a16="http://schemas.microsoft.com/office/drawing/2014/main" id="{022ACE12-D544-D486-D995-8459ECCF6EA7}"/>
+              </a:ext>
+            </a:extLst>
+          </p:cNvPr>
+          <p:cNvSpPr>
+            <a:spLocks noGrp="1"/>
+          </p:cNvSpPr>
+          <p:nvPr>
+            <p:ph type="title"/>
+          </p:nvPr>
+        </p:nvSpPr>
+        <p:spPr/>
+        <p:txBody>
+          <a:bodyPr>
+            <a:normAutofit fontScale="90000"/>
+          </a:bodyPr>
+          <a:lstStyle/>
+          <a:p>
+            <a:r>
+              <a:rPr lang="en-US" b="1" i="0" dirty="0">
+                <a:solidFill>
+                  <a:srgbClr val="0D0D0D"/>
+                </a:solidFill>
+                <a:effectLst/>
+                <a:latin typeface="Söhne"/>
+              </a:rPr>
+              <a:t>Understanding the Problem with an Example</a:t>
+            </a:r>
+            <a:endParaRPr lang="en-US" dirty="0"/>
+          </a:p>
+        </p:txBody>
+      </p:sp>
+      <p:sp>
+        <p:nvSpPr>
+          <p:cNvPr id="3" name="Content Placeholder 2">
+            <a:extLst>
+              <a:ext uri="{FF2B5EF4-FFF2-40B4-BE49-F238E27FC236}">
+                <a16:creationId xmlns:a16="http://schemas.microsoft.com/office/drawing/2014/main" id="{81CA2E35-7AE3-F1CC-46C4-D817B59E5316}"/>
+              </a:ext>
+            </a:extLst>
+          </p:cNvPr>
+          <p:cNvSpPr>
+            <a:spLocks noGrp="1"/>
+          </p:cNvSpPr>
+          <p:nvPr>
+            <p:ph idx="1"/>
+          </p:nvPr>
+        </p:nvSpPr>
+        <p:spPr/>
+        <p:txBody>
+          <a:bodyPr/>
+          <a:lstStyle/>
+          <a:p>
+            <a:pPr algn="l">
+              <a:buFont typeface="Arial" panose="020B0604020202020204" pitchFamily="34" charset="0"/>
+              <a:buChar char="•"/>
+            </a:pPr>
+            <a:r>
+              <a:rPr lang="en-US" b="0" i="0" dirty="0">
+                <a:solidFill>
+                  <a:srgbClr val="0D0D0D"/>
+                </a:solidFill>
+                <a:effectLst/>
+                <a:latin typeface="Söhne"/>
+              </a:rPr>
+              <a:t>Introduce a simple example, e.g., transforming "kitten" into "sitting".</a:t>
+            </a:r>
+          </a:p>
+          <a:p>
+            <a:pPr algn="l">
+              <a:buFont typeface="Arial" panose="020B0604020202020204" pitchFamily="34" charset="0"/>
+              <a:buChar char="•"/>
+            </a:pPr>
+            <a:r>
+              <a:rPr lang="en-US" b="0" i="0" dirty="0">
+                <a:solidFill>
+                  <a:srgbClr val="0D0D0D"/>
+                </a:solidFill>
+                <a:effectLst/>
+                <a:latin typeface="Söhne"/>
+              </a:rPr>
+              <a:t>Discuss the concept of edit distance and operations involved.</a:t>
+            </a:r>
+          </a:p>
+          <a:p>
+            <a:endParaRPr lang="en-US" dirty="0"/>
+          </a:p>
+        </p:txBody>
+      </p:sp>
+      <p:sp>
+        <p:nvSpPr>
+          <p:cNvPr id="4" name="Footer Placeholder 3">
+            <a:extLst>
+              <a:ext uri="{FF2B5EF4-FFF2-40B4-BE49-F238E27FC236}">
+                <a16:creationId xmlns:a16="http://schemas.microsoft.com/office/drawing/2014/main" id="{72EB84A1-BB8F-8D88-E43F-F86C44972471}"/>
+              </a:ext>
+            </a:extLst>
+          </p:cNvPr>
+          <p:cNvSpPr>
+            <a:spLocks noGrp="1"/>
+          </p:cNvSpPr>
+          <p:nvPr>
+            <p:ph type="ftr" sz="quarter" idx="11"/>
+          </p:nvPr>
+        </p:nvSpPr>
+        <p:spPr/>
+        <p:txBody>
+          <a:bodyPr/>
+          <a:lstStyle/>
+          <a:p>
+            <a:r>
+              <a:rPr lang="he-IL"/>
+              <a:t>אלגוריתמים 1- ד"ר בוריס לואנט - מכללה אקדמית אשקלון - תשפ"ד - סמסטר א'</a:t>
+            </a:r>
+            <a:endParaRPr lang="en-US" dirty="0"/>
+          </a:p>
+        </p:txBody>
+      </p:sp>
+      <p:sp>
+        <p:nvSpPr>
+          <p:cNvPr id="5" name="Slide Number Placeholder 4">
+            <a:extLst>
+              <a:ext uri="{FF2B5EF4-FFF2-40B4-BE49-F238E27FC236}">
+                <a16:creationId xmlns:a16="http://schemas.microsoft.com/office/drawing/2014/main" id="{96C37D8C-3A41-AB99-1C27-679CD87A50F5}"/>
+              </a:ext>
+            </a:extLst>
+          </p:cNvPr>
+          <p:cNvSpPr>
+            <a:spLocks noGrp="1"/>
+          </p:cNvSpPr>
+          <p:nvPr>
+            <p:ph type="sldNum" sz="quarter" idx="12"/>
+          </p:nvPr>
+        </p:nvSpPr>
+        <p:spPr/>
+        <p:txBody>
+          <a:bodyPr/>
+          <a:lstStyle/>
+          <a:p>
+            <a:fld id="{2EEF023C-487C-4FDD-A5C6-3E51DF829693}" type="slidenum">
+              <a:rPr lang="en-US" smtClean="0"/>
+              <a:pPr/>
+              <a:t>35</a:t>
+            </a:fld>
+            <a:endParaRPr lang="en-US"/>
+          </a:p>
+        </p:txBody>
+      </p:sp>
+    </p:spTree>
+    <p:extLst>
+      <p:ext uri="{BB962C8B-B14F-4D97-AF65-F5344CB8AC3E}">
+        <p14:creationId xmlns:p14="http://schemas.microsoft.com/office/powerpoint/2010/main" val="714495555"/>
+      </p:ext>
+    </p:extLst>
+  </p:cSld>
+  <p:clrMapOvr>
+    <a:masterClrMapping/>
+  </p:clrMapOvr>
+</p:sld>
+</file>
+
+<file path=ppt/slides/slide36.xml><?xml version="1.0" encoding="utf-8"?>
+<p:sld xmlns:a="http://schemas.openxmlformats.org/drawingml/2006/main" xmlns:r="http://schemas.openxmlformats.org/officeDocument/2006/relationships" xmlns:p="http://schemas.openxmlformats.org/presentationml/2006/main">
+  <p:cSld>
+    <p:spTree>
+      <p:nvGrpSpPr>
+        <p:cNvPr id="1" name=""/>
+        <p:cNvGrpSpPr/>
+        <p:nvPr/>
+      </p:nvGrpSpPr>
+      <p:grpSpPr>
+        <a:xfrm>
+          <a:off x="0" y="0"/>
+          <a:ext cx="0" cy="0"/>
+          <a:chOff x="0" y="0"/>
+          <a:chExt cx="0" cy="0"/>
+        </a:xfrm>
+      </p:grpSpPr>
+      <p:sp>
+        <p:nvSpPr>
+          <p:cNvPr id="2" name="Title 1">
+            <a:extLst>
+              <a:ext uri="{FF2B5EF4-FFF2-40B4-BE49-F238E27FC236}">
+                <a16:creationId xmlns:a16="http://schemas.microsoft.com/office/drawing/2014/main" id="{F28CC4E8-D8F1-8A11-F7BE-FA138FA093CB}"/>
+              </a:ext>
+            </a:extLst>
+          </p:cNvPr>
+          <p:cNvSpPr>
+            <a:spLocks noGrp="1"/>
+          </p:cNvSpPr>
+          <p:nvPr>
+            <p:ph type="title"/>
+          </p:nvPr>
+        </p:nvSpPr>
+        <p:spPr/>
+        <p:txBody>
+          <a:bodyPr/>
+          <a:lstStyle/>
+          <a:p>
+            <a:r>
+              <a:rPr lang="en-US" b="1" i="0" dirty="0">
+                <a:solidFill>
+                  <a:srgbClr val="0D0D0D"/>
+                </a:solidFill>
+                <a:effectLst/>
+                <a:latin typeface="Söhne"/>
+              </a:rPr>
+              <a:t>Dynamic Programming Approach</a:t>
+            </a:r>
+            <a:endParaRPr lang="en-US" dirty="0"/>
+          </a:p>
+        </p:txBody>
+      </p:sp>
+      <p:sp>
+        <p:nvSpPr>
+          <p:cNvPr id="3" name="Content Placeholder 2">
+            <a:extLst>
+              <a:ext uri="{FF2B5EF4-FFF2-40B4-BE49-F238E27FC236}">
+                <a16:creationId xmlns:a16="http://schemas.microsoft.com/office/drawing/2014/main" id="{9148262C-B5F1-ECF8-906D-950F64F9974A}"/>
+              </a:ext>
+            </a:extLst>
+          </p:cNvPr>
+          <p:cNvSpPr>
+            <a:spLocks noGrp="1"/>
+          </p:cNvSpPr>
+          <p:nvPr>
+            <p:ph idx="1"/>
+          </p:nvPr>
+        </p:nvSpPr>
+        <p:spPr/>
+        <p:txBody>
+          <a:bodyPr/>
+          <a:lstStyle/>
+          <a:p>
+            <a:pPr algn="l">
+              <a:buFont typeface="Arial" panose="020B0604020202020204" pitchFamily="34" charset="0"/>
+              <a:buChar char="•"/>
+            </a:pPr>
+            <a:r>
+              <a:rPr lang="en-US" b="0" i="0" dirty="0">
+                <a:solidFill>
+                  <a:srgbClr val="0D0D0D"/>
+                </a:solidFill>
+                <a:effectLst/>
+                <a:latin typeface="Söhne"/>
+              </a:rPr>
+              <a:t>Introduce the DP table (2D matrix) concept, with rows as one string and columns as the other.</a:t>
+            </a:r>
+          </a:p>
+          <a:p>
+            <a:pPr algn="l">
+              <a:buFont typeface="Arial" panose="020B0604020202020204" pitchFamily="34" charset="0"/>
+              <a:buChar char="•"/>
+            </a:pPr>
+            <a:r>
+              <a:rPr lang="en-US" b="0" i="0" dirty="0">
+                <a:solidFill>
+                  <a:srgbClr val="0D0D0D"/>
+                </a:solidFill>
+                <a:effectLst/>
+                <a:latin typeface="Söhne"/>
+              </a:rPr>
+              <a:t>Explain how each cell in the table represents the edit distance between substrings.</a:t>
+            </a:r>
+          </a:p>
+          <a:p>
+            <a:endParaRPr lang="en-US" dirty="0"/>
+          </a:p>
+        </p:txBody>
+      </p:sp>
+      <p:sp>
+        <p:nvSpPr>
+          <p:cNvPr id="4" name="Footer Placeholder 3">
+            <a:extLst>
+              <a:ext uri="{FF2B5EF4-FFF2-40B4-BE49-F238E27FC236}">
+                <a16:creationId xmlns:a16="http://schemas.microsoft.com/office/drawing/2014/main" id="{73002E88-3F69-1D2C-9641-F57C94F825DE}"/>
+              </a:ext>
+            </a:extLst>
+          </p:cNvPr>
+          <p:cNvSpPr>
+            <a:spLocks noGrp="1"/>
+          </p:cNvSpPr>
+          <p:nvPr>
+            <p:ph type="ftr" sz="quarter" idx="11"/>
+          </p:nvPr>
+        </p:nvSpPr>
+        <p:spPr/>
+        <p:txBody>
+          <a:bodyPr/>
+          <a:lstStyle/>
+          <a:p>
+            <a:r>
+              <a:rPr lang="he-IL"/>
+              <a:t>אלגוריתמים 1- ד"ר בוריס לואנט - מכללה אקדמית אשקלון - תשפ"ד - סמסטר א'</a:t>
+            </a:r>
+            <a:endParaRPr lang="en-US" dirty="0"/>
+          </a:p>
+        </p:txBody>
+      </p:sp>
+      <p:sp>
+        <p:nvSpPr>
+          <p:cNvPr id="5" name="Slide Number Placeholder 4">
+            <a:extLst>
+              <a:ext uri="{FF2B5EF4-FFF2-40B4-BE49-F238E27FC236}">
+                <a16:creationId xmlns:a16="http://schemas.microsoft.com/office/drawing/2014/main" id="{18FB2E16-4835-08F1-CADA-66A784052899}"/>
+              </a:ext>
+            </a:extLst>
+          </p:cNvPr>
+          <p:cNvSpPr>
+            <a:spLocks noGrp="1"/>
+          </p:cNvSpPr>
+          <p:nvPr>
+            <p:ph type="sldNum" sz="quarter" idx="12"/>
+          </p:nvPr>
+        </p:nvSpPr>
+        <p:spPr/>
+        <p:txBody>
+          <a:bodyPr/>
+          <a:lstStyle/>
+          <a:p>
+            <a:fld id="{2EEF023C-487C-4FDD-A5C6-3E51DF829693}" type="slidenum">
+              <a:rPr lang="en-US" smtClean="0"/>
+              <a:pPr/>
+              <a:t>36</a:t>
+            </a:fld>
+            <a:endParaRPr lang="en-US"/>
+          </a:p>
+        </p:txBody>
+      </p:sp>
+    </p:spTree>
+    <p:extLst>
+      <p:ext uri="{BB962C8B-B14F-4D97-AF65-F5344CB8AC3E}">
+        <p14:creationId xmlns:p14="http://schemas.microsoft.com/office/powerpoint/2010/main" val="1004976490"/>
+      </p:ext>
+    </p:extLst>
+  </p:cSld>
+  <p:clrMapOvr>
+    <a:masterClrMapping/>
+  </p:clrMapOvr>
+</p:sld>
+</file>
+
+<file path=ppt/slides/slide37.xml><?xml version="1.0" encoding="utf-8"?>
+<p:sld xmlns:a="http://schemas.openxmlformats.org/drawingml/2006/main" xmlns:r="http://schemas.openxmlformats.org/officeDocument/2006/relationships" xmlns:p="http://schemas.openxmlformats.org/presentationml/2006/main">
+  <p:cSld>
+    <p:spTree>
+      <p:nvGrpSpPr>
+        <p:cNvPr id="1" name=""/>
+        <p:cNvGrpSpPr/>
+        <p:nvPr/>
+      </p:nvGrpSpPr>
+      <p:grpSpPr>
+        <a:xfrm>
+          <a:off x="0" y="0"/>
+          <a:ext cx="0" cy="0"/>
+          <a:chOff x="0" y="0"/>
+          <a:chExt cx="0" cy="0"/>
+        </a:xfrm>
+      </p:grpSpPr>
+      <p:sp>
+        <p:nvSpPr>
+          <p:cNvPr id="2" name="Title 1">
+            <a:extLst>
+              <a:ext uri="{FF2B5EF4-FFF2-40B4-BE49-F238E27FC236}">
+                <a16:creationId xmlns:a16="http://schemas.microsoft.com/office/drawing/2014/main" id="{EBBB9356-79CC-328C-0D1D-1FFB63F57554}"/>
+              </a:ext>
+            </a:extLst>
+          </p:cNvPr>
+          <p:cNvSpPr>
+            <a:spLocks noGrp="1"/>
+          </p:cNvSpPr>
+          <p:nvPr>
+            <p:ph type="title"/>
+          </p:nvPr>
+        </p:nvSpPr>
+        <p:spPr/>
+        <p:txBody>
+          <a:bodyPr/>
+          <a:lstStyle/>
+          <a:p>
+            <a:r>
+              <a:rPr lang="en-US" b="1" i="0">
+                <a:solidFill>
+                  <a:srgbClr val="0D0D0D"/>
+                </a:solidFill>
+                <a:effectLst/>
+                <a:latin typeface="Söhne"/>
+              </a:rPr>
+              <a:t>Algorithm Explanation</a:t>
+            </a:r>
+            <a:endParaRPr lang="en-US" dirty="0"/>
+          </a:p>
+        </p:txBody>
+      </p:sp>
+      <p:sp>
+        <p:nvSpPr>
+          <p:cNvPr id="3" name="Content Placeholder 2">
+            <a:extLst>
+              <a:ext uri="{FF2B5EF4-FFF2-40B4-BE49-F238E27FC236}">
+                <a16:creationId xmlns:a16="http://schemas.microsoft.com/office/drawing/2014/main" id="{D7C28280-A6F4-1671-263D-2B976D7719B1}"/>
+              </a:ext>
+            </a:extLst>
+          </p:cNvPr>
+          <p:cNvSpPr>
+            <a:spLocks noGrp="1"/>
+          </p:cNvSpPr>
+          <p:nvPr>
+            <p:ph idx="1"/>
+          </p:nvPr>
+        </p:nvSpPr>
+        <p:spPr/>
+        <p:txBody>
+          <a:bodyPr/>
+          <a:lstStyle/>
+          <a:p>
+            <a:pPr algn="l">
+              <a:buFont typeface="Arial" panose="020B0604020202020204" pitchFamily="34" charset="0"/>
+              <a:buChar char="•"/>
+            </a:pPr>
+            <a:r>
+              <a:rPr lang="en-US" b="0" i="0" dirty="0">
+                <a:solidFill>
+                  <a:srgbClr val="0D0D0D"/>
+                </a:solidFill>
+                <a:effectLst/>
+                <a:latin typeface="Söhne"/>
+              </a:rPr>
+              <a:t>Step-by-step explanation of filling the DP table.</a:t>
+            </a:r>
+          </a:p>
+          <a:p>
+            <a:pPr marL="742950" lvl="1" indent="-285750" algn="l">
+              <a:buFont typeface="Arial" panose="020B0604020202020204" pitchFamily="34" charset="0"/>
+              <a:buChar char="•"/>
+            </a:pPr>
+            <a:r>
+              <a:rPr lang="en-US" b="0" i="0" dirty="0">
+                <a:solidFill>
+                  <a:srgbClr val="0D0D0D"/>
+                </a:solidFill>
+                <a:effectLst/>
+                <a:latin typeface="Söhne"/>
+              </a:rPr>
+              <a:t>Base cases: Filling out the first row and column.</a:t>
+            </a:r>
+          </a:p>
+          <a:p>
+            <a:pPr marL="742950" lvl="1" indent="-285750" algn="l">
+              <a:buFont typeface="Arial" panose="020B0604020202020204" pitchFamily="34" charset="0"/>
+              <a:buChar char="•"/>
+            </a:pPr>
+            <a:r>
+              <a:rPr lang="en-US" b="0" i="0" dirty="0">
+                <a:solidFill>
+                  <a:srgbClr val="0D0D0D"/>
+                </a:solidFill>
+                <a:effectLst/>
+                <a:latin typeface="Söhne"/>
+              </a:rPr>
+              <a:t>Recursive formula: DP[</a:t>
+            </a:r>
+            <a:r>
+              <a:rPr lang="en-US" b="0" i="0" dirty="0" err="1">
+                <a:solidFill>
+                  <a:srgbClr val="0D0D0D"/>
+                </a:solidFill>
+                <a:effectLst/>
+                <a:latin typeface="Söhne"/>
+              </a:rPr>
+              <a:t>i</a:t>
+            </a:r>
+            <a:r>
+              <a:rPr lang="en-US" b="0" i="0" dirty="0">
+                <a:solidFill>
+                  <a:srgbClr val="0D0D0D"/>
+                </a:solidFill>
+                <a:effectLst/>
+                <a:latin typeface="Söhne"/>
+              </a:rPr>
+              <a:t>][j] = min(DP[i-1][j-1] + cost of substitution, DP[i-1][j] + 1, DP[</a:t>
+            </a:r>
+            <a:r>
+              <a:rPr lang="en-US" b="0" i="0" dirty="0" err="1">
+                <a:solidFill>
+                  <a:srgbClr val="0D0D0D"/>
+                </a:solidFill>
+                <a:effectLst/>
+                <a:latin typeface="Söhne"/>
+              </a:rPr>
+              <a:t>i</a:t>
+            </a:r>
+            <a:r>
+              <a:rPr lang="en-US" b="0" i="0" dirty="0">
+                <a:solidFill>
+                  <a:srgbClr val="0D0D0D"/>
+                </a:solidFill>
+                <a:effectLst/>
+                <a:latin typeface="Söhne"/>
+              </a:rPr>
+              <a:t>][j-1] + 1).</a:t>
+            </a:r>
+          </a:p>
+          <a:p>
+            <a:pPr algn="l">
+              <a:buFont typeface="Arial" panose="020B0604020202020204" pitchFamily="34" charset="0"/>
+              <a:buChar char="•"/>
+            </a:pPr>
+            <a:r>
+              <a:rPr lang="en-US" b="0" i="0" dirty="0">
+                <a:solidFill>
+                  <a:srgbClr val="0D0D0D"/>
+                </a:solidFill>
+                <a:effectLst/>
+                <a:latin typeface="Söhne"/>
+              </a:rPr>
+              <a:t>Include the decision for each operation (insert, delete, substitute).</a:t>
+            </a:r>
+          </a:p>
+          <a:p>
+            <a:endParaRPr lang="en-US" dirty="0"/>
+          </a:p>
+        </p:txBody>
+      </p:sp>
+      <p:sp>
+        <p:nvSpPr>
+          <p:cNvPr id="4" name="Footer Placeholder 3">
+            <a:extLst>
+              <a:ext uri="{FF2B5EF4-FFF2-40B4-BE49-F238E27FC236}">
+                <a16:creationId xmlns:a16="http://schemas.microsoft.com/office/drawing/2014/main" id="{73595637-FAC7-E2F7-58B7-2764AA30A2FC}"/>
+              </a:ext>
+            </a:extLst>
+          </p:cNvPr>
+          <p:cNvSpPr>
+            <a:spLocks noGrp="1"/>
+          </p:cNvSpPr>
+          <p:nvPr>
+            <p:ph type="ftr" sz="quarter" idx="11"/>
+          </p:nvPr>
+        </p:nvSpPr>
+        <p:spPr/>
+        <p:txBody>
+          <a:bodyPr/>
+          <a:lstStyle/>
+          <a:p>
+            <a:r>
+              <a:rPr lang="he-IL"/>
+              <a:t>אלגוריתמים 1- ד"ר בוריס לואנט - מכללה אקדמית אשקלון - תשפ"ד - סמסטר א'</a:t>
+            </a:r>
+            <a:endParaRPr lang="en-US" dirty="0"/>
+          </a:p>
+        </p:txBody>
+      </p:sp>
+      <p:sp>
+        <p:nvSpPr>
+          <p:cNvPr id="5" name="Slide Number Placeholder 4">
+            <a:extLst>
+              <a:ext uri="{FF2B5EF4-FFF2-40B4-BE49-F238E27FC236}">
+                <a16:creationId xmlns:a16="http://schemas.microsoft.com/office/drawing/2014/main" id="{D46EEF51-F39C-07BB-AA9F-449A78281993}"/>
+              </a:ext>
+            </a:extLst>
+          </p:cNvPr>
+          <p:cNvSpPr>
+            <a:spLocks noGrp="1"/>
+          </p:cNvSpPr>
+          <p:nvPr>
+            <p:ph type="sldNum" sz="quarter" idx="12"/>
+          </p:nvPr>
+        </p:nvSpPr>
+        <p:spPr/>
+        <p:txBody>
+          <a:bodyPr/>
+          <a:lstStyle/>
+          <a:p>
+            <a:fld id="{2EEF023C-487C-4FDD-A5C6-3E51DF829693}" type="slidenum">
+              <a:rPr lang="en-US" smtClean="0"/>
+              <a:pPr/>
+              <a:t>37</a:t>
+            </a:fld>
+            <a:endParaRPr lang="en-US"/>
+          </a:p>
+        </p:txBody>
+      </p:sp>
+    </p:spTree>
+    <p:extLst>
+      <p:ext uri="{BB962C8B-B14F-4D97-AF65-F5344CB8AC3E}">
+        <p14:creationId xmlns:p14="http://schemas.microsoft.com/office/powerpoint/2010/main" val="1512729465"/>
+      </p:ext>
+    </p:extLst>
+  </p:cSld>
+  <p:clrMapOvr>
+    <a:masterClrMapping/>
+  </p:clrMapOvr>
+</p:sld>
+</file>
+
+<file path=ppt/slides/slide38.xml><?xml version="1.0" encoding="utf-8"?>
+<p:sld xmlns:a="http://schemas.openxmlformats.org/drawingml/2006/main" xmlns:r="http://schemas.openxmlformats.org/officeDocument/2006/relationships" xmlns:p="http://schemas.openxmlformats.org/presentationml/2006/main">
+  <p:cSld>
+    <p:spTree>
+      <p:nvGrpSpPr>
+        <p:cNvPr id="1" name=""/>
+        <p:cNvGrpSpPr/>
+        <p:nvPr/>
+      </p:nvGrpSpPr>
+      <p:grpSpPr>
+        <a:xfrm>
+          <a:off x="0" y="0"/>
+          <a:ext cx="0" cy="0"/>
+          <a:chOff x="0" y="0"/>
+          <a:chExt cx="0" cy="0"/>
+        </a:xfrm>
+      </p:grpSpPr>
+      <p:sp>
+        <p:nvSpPr>
+          <p:cNvPr id="2" name="Title 1">
+            <a:extLst>
+              <a:ext uri="{FF2B5EF4-FFF2-40B4-BE49-F238E27FC236}">
+                <a16:creationId xmlns:a16="http://schemas.microsoft.com/office/drawing/2014/main" id="{4496A4A3-F844-28A4-BC22-0FA732FAF74D}"/>
+              </a:ext>
+            </a:extLst>
+          </p:cNvPr>
+          <p:cNvSpPr>
+            <a:spLocks noGrp="1"/>
+          </p:cNvSpPr>
+          <p:nvPr>
+            <p:ph type="title"/>
+          </p:nvPr>
+        </p:nvSpPr>
+        <p:spPr/>
+        <p:txBody>
+          <a:bodyPr/>
+          <a:lstStyle/>
+          <a:p>
+            <a:r>
+              <a:rPr lang="en-US" b="1" i="0" dirty="0">
+                <a:solidFill>
+                  <a:srgbClr val="0D0D0D"/>
+                </a:solidFill>
+                <a:effectLst/>
+                <a:latin typeface="Söhne"/>
+              </a:rPr>
+              <a:t>Walkthrough with the Example</a:t>
+            </a:r>
+            <a:endParaRPr lang="en-US" dirty="0"/>
+          </a:p>
+        </p:txBody>
+      </p:sp>
+      <p:sp>
+        <p:nvSpPr>
+          <p:cNvPr id="3" name="Content Placeholder 2">
+            <a:extLst>
+              <a:ext uri="{FF2B5EF4-FFF2-40B4-BE49-F238E27FC236}">
+                <a16:creationId xmlns:a16="http://schemas.microsoft.com/office/drawing/2014/main" id="{29AD4EB0-173C-8515-1D93-C380663CDBF4}"/>
+              </a:ext>
+            </a:extLst>
+          </p:cNvPr>
+          <p:cNvSpPr>
+            <a:spLocks noGrp="1"/>
+          </p:cNvSpPr>
+          <p:nvPr>
+            <p:ph idx="1"/>
+          </p:nvPr>
+        </p:nvSpPr>
+        <p:spPr/>
+        <p:txBody>
+          <a:bodyPr/>
+          <a:lstStyle/>
+          <a:p>
+            <a:pPr algn="l">
+              <a:buFont typeface="Arial" panose="020B0604020202020204" pitchFamily="34" charset="0"/>
+              <a:buChar char="•"/>
+            </a:pPr>
+            <a:r>
+              <a:rPr lang="en-US" b="0" i="0" dirty="0">
+                <a:solidFill>
+                  <a:srgbClr val="0D0D0D"/>
+                </a:solidFill>
+                <a:effectLst/>
+                <a:latin typeface="Söhne"/>
+              </a:rPr>
+              <a:t>Apply the algorithm to the "kitten" → "sitting" example, filling the DP table step by step.</a:t>
+            </a:r>
+          </a:p>
+          <a:p>
+            <a:pPr algn="l">
+              <a:buFont typeface="Arial" panose="020B0604020202020204" pitchFamily="34" charset="0"/>
+              <a:buChar char="•"/>
+            </a:pPr>
+            <a:r>
+              <a:rPr lang="en-US" b="0" i="0" dirty="0">
+                <a:solidFill>
+                  <a:srgbClr val="0D0D0D"/>
+                </a:solidFill>
+                <a:effectLst/>
+                <a:latin typeface="Söhne"/>
+              </a:rPr>
+              <a:t>Show how to trace back from the final cell to understand the sequence of operations.</a:t>
+            </a:r>
+          </a:p>
+          <a:p>
+            <a:endParaRPr lang="en-US" dirty="0"/>
+          </a:p>
+        </p:txBody>
+      </p:sp>
+      <p:sp>
+        <p:nvSpPr>
+          <p:cNvPr id="4" name="Footer Placeholder 3">
+            <a:extLst>
+              <a:ext uri="{FF2B5EF4-FFF2-40B4-BE49-F238E27FC236}">
+                <a16:creationId xmlns:a16="http://schemas.microsoft.com/office/drawing/2014/main" id="{4CA87789-0F2C-98B8-A91B-5F6CA9CB0F0B}"/>
+              </a:ext>
+            </a:extLst>
+          </p:cNvPr>
+          <p:cNvSpPr>
+            <a:spLocks noGrp="1"/>
+          </p:cNvSpPr>
+          <p:nvPr>
+            <p:ph type="ftr" sz="quarter" idx="11"/>
+          </p:nvPr>
+        </p:nvSpPr>
+        <p:spPr/>
+        <p:txBody>
+          <a:bodyPr/>
+          <a:lstStyle/>
+          <a:p>
+            <a:r>
+              <a:rPr lang="he-IL"/>
+              <a:t>אלגוריתמים 1- ד"ר בוריס לואנט - מכללה אקדמית אשקלון - תשפ"ד - סמסטר א'</a:t>
+            </a:r>
+            <a:endParaRPr lang="en-US" dirty="0"/>
+          </a:p>
+        </p:txBody>
+      </p:sp>
+      <p:sp>
+        <p:nvSpPr>
+          <p:cNvPr id="5" name="Slide Number Placeholder 4">
+            <a:extLst>
+              <a:ext uri="{FF2B5EF4-FFF2-40B4-BE49-F238E27FC236}">
+                <a16:creationId xmlns:a16="http://schemas.microsoft.com/office/drawing/2014/main" id="{D0F11D02-35F5-C67C-74CD-9C0D4B468715}"/>
+              </a:ext>
+            </a:extLst>
+          </p:cNvPr>
+          <p:cNvSpPr>
+            <a:spLocks noGrp="1"/>
+          </p:cNvSpPr>
+          <p:nvPr>
+            <p:ph type="sldNum" sz="quarter" idx="12"/>
+          </p:nvPr>
+        </p:nvSpPr>
+        <p:spPr/>
+        <p:txBody>
+          <a:bodyPr/>
+          <a:lstStyle/>
+          <a:p>
+            <a:fld id="{2EEF023C-487C-4FDD-A5C6-3E51DF829693}" type="slidenum">
+              <a:rPr lang="en-US" smtClean="0"/>
+              <a:pPr/>
+              <a:t>38</a:t>
+            </a:fld>
+            <a:endParaRPr lang="en-US"/>
+          </a:p>
+        </p:txBody>
+      </p:sp>
+    </p:spTree>
+    <p:extLst>
+      <p:ext uri="{BB962C8B-B14F-4D97-AF65-F5344CB8AC3E}">
+        <p14:creationId xmlns:p14="http://schemas.microsoft.com/office/powerpoint/2010/main" val="3735656870"/>
+      </p:ext>
+    </p:extLst>
+  </p:cSld>
+  <p:clrMapOvr>
+    <a:masterClrMapping/>
+  </p:clrMapOvr>
+</p:sld>
+</file>
+
+<file path=ppt/slides/slide39.xml><?xml version="1.0" encoding="utf-8"?>
+<p:sld xmlns:a="http://schemas.openxmlformats.org/drawingml/2006/main" xmlns:r="http://schemas.openxmlformats.org/officeDocument/2006/relationships" xmlns:p="http://schemas.openxmlformats.org/presentationml/2006/main">
+  <p:cSld>
+    <p:spTree>
+      <p:nvGrpSpPr>
+        <p:cNvPr id="1" name=""/>
+        <p:cNvGrpSpPr/>
+        <p:nvPr/>
+      </p:nvGrpSpPr>
+      <p:grpSpPr>
+        <a:xfrm>
+          <a:off x="0" y="0"/>
+          <a:ext cx="0" cy="0"/>
+          <a:chOff x="0" y="0"/>
+          <a:chExt cx="0" cy="0"/>
+        </a:xfrm>
+      </p:grpSpPr>
+      <p:sp>
+        <p:nvSpPr>
+          <p:cNvPr id="2" name="Title 1">
+            <a:extLst>
+              <a:ext uri="{FF2B5EF4-FFF2-40B4-BE49-F238E27FC236}">
+                <a16:creationId xmlns:a16="http://schemas.microsoft.com/office/drawing/2014/main" id="{A80DAF57-6A31-EA12-B02D-3288A4CB6349}"/>
+              </a:ext>
+            </a:extLst>
+          </p:cNvPr>
+          <p:cNvSpPr>
+            <a:spLocks noGrp="1"/>
+          </p:cNvSpPr>
+          <p:nvPr>
+            <p:ph type="title"/>
+          </p:nvPr>
+        </p:nvSpPr>
+        <p:spPr/>
+        <p:txBody>
+          <a:bodyPr/>
+          <a:lstStyle/>
+          <a:p>
+            <a:r>
+              <a:rPr lang="en-US" b="1" i="0" dirty="0">
+                <a:solidFill>
+                  <a:srgbClr val="0D0D0D"/>
+                </a:solidFill>
+                <a:effectLst/>
+                <a:latin typeface="Söhne"/>
+              </a:rPr>
+              <a:t>Conclusion</a:t>
+            </a:r>
+            <a:endParaRPr lang="en-US" dirty="0"/>
+          </a:p>
+        </p:txBody>
+      </p:sp>
+      <p:sp>
+        <p:nvSpPr>
+          <p:cNvPr id="3" name="Content Placeholder 2">
+            <a:extLst>
+              <a:ext uri="{FF2B5EF4-FFF2-40B4-BE49-F238E27FC236}">
+                <a16:creationId xmlns:a16="http://schemas.microsoft.com/office/drawing/2014/main" id="{F69F84F8-9A91-F4DF-59B0-A47B641F6D47}"/>
+              </a:ext>
+            </a:extLst>
+          </p:cNvPr>
+          <p:cNvSpPr>
+            <a:spLocks noGrp="1"/>
+          </p:cNvSpPr>
+          <p:nvPr>
+            <p:ph idx="1"/>
+          </p:nvPr>
+        </p:nvSpPr>
+        <p:spPr/>
+        <p:txBody>
+          <a:bodyPr>
+            <a:normAutofit lnSpcReduction="10000"/>
+          </a:bodyPr>
+          <a:lstStyle/>
+          <a:p>
+            <a:r>
+              <a:rPr lang="en-US" b="0" i="0" dirty="0">
+                <a:solidFill>
+                  <a:srgbClr val="0D0D0D"/>
+                </a:solidFill>
+                <a:effectLst/>
+                <a:latin typeface="Söhne"/>
+              </a:rPr>
+              <a:t>Discuss the time and space complexity of the algorithm: O(</a:t>
+            </a:r>
+            <a:r>
+              <a:rPr lang="en-US" b="0" i="0" dirty="0" err="1">
+                <a:solidFill>
+                  <a:srgbClr val="0D0D0D"/>
+                </a:solidFill>
+                <a:effectLst/>
+                <a:latin typeface="Söhne"/>
+              </a:rPr>
+              <a:t>mn</a:t>
+            </a:r>
+            <a:r>
+              <a:rPr lang="en-US" b="0" i="0" dirty="0">
+                <a:solidFill>
+                  <a:srgbClr val="0D0D0D"/>
+                </a:solidFill>
+                <a:effectLst/>
+                <a:latin typeface="Söhne"/>
+              </a:rPr>
+              <a:t>) for both, where m and n are the lengths of the two strings.</a:t>
+            </a:r>
+          </a:p>
+          <a:p>
+            <a:pPr algn="l">
+              <a:buFont typeface="Arial" panose="020B0604020202020204" pitchFamily="34" charset="0"/>
+              <a:buChar char="•"/>
+            </a:pPr>
+            <a:r>
+              <a:rPr lang="en-US" b="0" i="0" dirty="0">
+                <a:solidFill>
+                  <a:srgbClr val="0D0D0D"/>
+                </a:solidFill>
+                <a:effectLst/>
+                <a:latin typeface="Söhne"/>
+              </a:rPr>
+              <a:t>Recap the importance of dynamic programming in solving the string distance problem efficiently.</a:t>
+            </a:r>
+          </a:p>
+          <a:p>
+            <a:pPr algn="l">
+              <a:buFont typeface="Arial" panose="020B0604020202020204" pitchFamily="34" charset="0"/>
+              <a:buChar char="•"/>
+            </a:pPr>
+            <a:r>
+              <a:rPr lang="en-US" b="0" i="0" dirty="0">
+                <a:solidFill>
+                  <a:srgbClr val="0D0D0D"/>
+                </a:solidFill>
+                <a:effectLst/>
+                <a:latin typeface="Söhne"/>
+              </a:rPr>
+              <a:t>Encourage exploration of variations, e.g., allowing different costs for operations or extending to more complex transformations.</a:t>
+            </a:r>
+          </a:p>
+          <a:p>
+            <a:endParaRPr lang="en-US" dirty="0"/>
+          </a:p>
+        </p:txBody>
+      </p:sp>
+      <p:sp>
+        <p:nvSpPr>
+          <p:cNvPr id="4" name="Footer Placeholder 3">
+            <a:extLst>
+              <a:ext uri="{FF2B5EF4-FFF2-40B4-BE49-F238E27FC236}">
+                <a16:creationId xmlns:a16="http://schemas.microsoft.com/office/drawing/2014/main" id="{35D56F70-3C5E-05CB-FE04-D05049F10A7E}"/>
+              </a:ext>
+            </a:extLst>
+          </p:cNvPr>
+          <p:cNvSpPr>
+            <a:spLocks noGrp="1"/>
+          </p:cNvSpPr>
+          <p:nvPr>
+            <p:ph type="ftr" sz="quarter" idx="11"/>
+          </p:nvPr>
+        </p:nvSpPr>
+        <p:spPr/>
+        <p:txBody>
+          <a:bodyPr/>
+          <a:lstStyle/>
+          <a:p>
+            <a:r>
+              <a:rPr lang="he-IL"/>
+              <a:t>אלגוריתמים 1- ד"ר בוריס לואנט - מכללה אקדמית אשקלון - תשפ"ד - סמסטר א'</a:t>
+            </a:r>
+            <a:endParaRPr lang="en-US" dirty="0"/>
+          </a:p>
+        </p:txBody>
+      </p:sp>
+      <p:sp>
+        <p:nvSpPr>
+          <p:cNvPr id="5" name="Slide Number Placeholder 4">
+            <a:extLst>
+              <a:ext uri="{FF2B5EF4-FFF2-40B4-BE49-F238E27FC236}">
+                <a16:creationId xmlns:a16="http://schemas.microsoft.com/office/drawing/2014/main" id="{1275090B-E64F-5D5B-6E7A-B636B6FD23FB}"/>
+              </a:ext>
+            </a:extLst>
+          </p:cNvPr>
+          <p:cNvSpPr>
+            <a:spLocks noGrp="1"/>
+          </p:cNvSpPr>
+          <p:nvPr>
+            <p:ph type="sldNum" sz="quarter" idx="12"/>
+          </p:nvPr>
+        </p:nvSpPr>
+        <p:spPr/>
+        <p:txBody>
+          <a:bodyPr/>
+          <a:lstStyle/>
+          <a:p>
+            <a:fld id="{2EEF023C-487C-4FDD-A5C6-3E51DF829693}" type="slidenum">
+              <a:rPr lang="en-US" smtClean="0"/>
+              <a:pPr/>
+              <a:t>39</a:t>
+            </a:fld>
+            <a:endParaRPr lang="en-US"/>
+          </a:p>
+        </p:txBody>
+      </p:sp>
+    </p:spTree>
+    <p:extLst>
+      <p:ext uri="{BB962C8B-B14F-4D97-AF65-F5344CB8AC3E}">
+        <p14:creationId xmlns:p14="http://schemas.microsoft.com/office/powerpoint/2010/main" val="3715598802"/>
+      </p:ext>
+    </p:extLst>
+  </p:cSld>
+  <p:clrMapOvr>
+    <a:masterClrMapping/>
+  </p:clrMapOvr>
+</p:sld>
+</file>
+
+<file path=ppt/slides/slide4.xml><?xml version="1.0" encoding="utf-8"?>
+<p:sld xmlns:a="http://schemas.openxmlformats.org/drawingml/2006/main" xmlns:r="http://schemas.openxmlformats.org/officeDocument/2006/relationships" xmlns:p="http://schemas.openxmlformats.org/presentationml/2006/main">
+  <p:cSld>
+    <p:spTree>
+      <p:nvGrpSpPr>
+        <p:cNvPr id="1" name=""/>
+        <p:cNvGrpSpPr/>
+        <p:nvPr/>
+      </p:nvGrpSpPr>
+      <p:grpSpPr>
+        <a:xfrm>
+          <a:off x="0" y="0"/>
+          <a:ext cx="0" cy="0"/>
+          <a:chOff x="0" y="0"/>
+          <a:chExt cx="0" cy="0"/>
+        </a:xfrm>
+      </p:grpSpPr>
+      <p:sp>
+        <p:nvSpPr>
+          <p:cNvPr id="4" name="מציין מיקום של כותרת תחתונה 3"/>
+          <p:cNvSpPr>
+            <a:spLocks noGrp="1"/>
+          </p:cNvSpPr>
+          <p:nvPr>
+            <p:ph type="ftr" sz="quarter" idx="11"/>
+          </p:nvPr>
+        </p:nvSpPr>
+        <p:spPr>
+          <a:xfrm>
+            <a:off x="1857356" y="6356350"/>
+            <a:ext cx="5429288" cy="365125"/>
+          </a:xfrm>
+        </p:spPr>
+        <p:txBody>
+          <a:bodyPr/>
+          <a:lstStyle/>
+          <a:p>
+            <a:pPr rtl="1"/>
+            <a:r>
+              <a:rPr lang="he-IL">
+                <a:solidFill>
+                  <a:schemeClr val="tx1"/>
+                </a:solidFill>
+                <a:cs typeface="+mj-cs"/>
+              </a:rPr>
+              <a:t>אלגוריתמים 1- ד"ר בוריס לואנט - מכללה אקדמית אשקלון - תשפ"ד - סמסטר א'</a:t>
+            </a:r>
+            <a:endParaRPr lang="en-US" dirty="0">
+              <a:solidFill>
+                <a:schemeClr val="tx1"/>
+              </a:solidFill>
+              <a:cs typeface="+mj-cs"/>
+            </a:endParaRPr>
+          </a:p>
+        </p:txBody>
+      </p:sp>
+      <p:sp>
+        <p:nvSpPr>
+          <p:cNvPr id="5" name="מציין מיקום של מספר שקופית 4"/>
+          <p:cNvSpPr>
+            <a:spLocks noGrp="1"/>
+          </p:cNvSpPr>
+          <p:nvPr>
+            <p:ph type="sldNum" sz="quarter" idx="12"/>
+          </p:nvPr>
+        </p:nvSpPr>
+        <p:spPr/>
+        <p:txBody>
+          <a:bodyPr/>
+          <a:lstStyle/>
+          <a:p>
+            <a:fld id="{2EEF023C-487C-4FDD-A5C6-3E51DF829693}" type="slidenum">
+              <a:rPr lang="en-US" smtClean="0">
+                <a:solidFill>
+                  <a:schemeClr val="tx1"/>
+                </a:solidFill>
+                <a:cs typeface="+mj-cs"/>
+              </a:rPr>
+              <a:pPr/>
+              <a:t>4</a:t>
+            </a:fld>
+            <a:endParaRPr lang="en-US" dirty="0">
+              <a:solidFill>
+                <a:schemeClr val="tx1"/>
+              </a:solidFill>
+              <a:cs typeface="+mj-cs"/>
+            </a:endParaRPr>
+          </a:p>
+        </p:txBody>
+      </p:sp>
+      <p:sp>
+        <p:nvSpPr>
           <p:cNvPr id="6" name="כותרת 1"/>
           <p:cNvSpPr txBox="1">
             <a:spLocks/>
@@ -22259,13 +23096,291 @@
                 <a:ea typeface="+mj-ea"/>
                 <a:cs typeface="+mj-cs"/>
               </a:rPr>
-              <a:t>מבנה הבעיה</a:t>
+              <a:t>סדרת </a:t>
+            </a:r>
+            <a:r>
+              <a:rPr lang="he-IL" sz="4400" dirty="0" err="1">
+                <a:latin typeface="+mj-lt"/>
+                <a:ea typeface="+mj-ea"/>
+                <a:cs typeface="+mj-cs"/>
+              </a:rPr>
+              <a:t>פיבונצ'י</a:t>
             </a:r>
             <a:endParaRPr lang="en-US" sz="4400" dirty="0">
               <a:latin typeface="+mj-lt"/>
               <a:ea typeface="+mj-ea"/>
               <a:cs typeface="+mj-cs"/>
             </a:endParaRPr>
+          </a:p>
+        </p:txBody>
+      </p:sp>
+      <p:graphicFrame>
+        <p:nvGraphicFramePr>
+          <p:cNvPr id="7" name="אובייקט 6"/>
+          <p:cNvGraphicFramePr>
+            <a:graphicFrameLocks noChangeAspect="1"/>
+          </p:cNvGraphicFramePr>
+          <p:nvPr/>
+        </p:nvGraphicFramePr>
+        <p:xfrm>
+          <a:off x="428596" y="1357298"/>
+          <a:ext cx="5357850" cy="969259"/>
+        </p:xfrm>
+        <a:graphic>
+          <a:graphicData uri="http://schemas.openxmlformats.org/presentationml/2006/ole">
+            <mc:AlternateContent xmlns:mc="http://schemas.openxmlformats.org/markup-compatibility/2006">
+              <mc:Choice xmlns:v="urn:schemas-microsoft-com:vml" Requires="v">
+                <p:oleObj name="Формула" r:id="rId2" imgW="2527300" imgH="457200" progId="Equation.3">
+                  <p:embed/>
+                </p:oleObj>
+              </mc:Choice>
+              <mc:Fallback>
+                <p:oleObj name="Формула" r:id="rId2" imgW="2527300" imgH="457200" progId="Equation.3">
+                  <p:embed/>
+                  <p:pic>
+                    <p:nvPicPr>
+                      <p:cNvPr id="0" name="Picture 4"/>
+                      <p:cNvPicPr>
+                        <a:picLocks noChangeAspect="1" noChangeArrowheads="1"/>
+                      </p:cNvPicPr>
+                      <p:nvPr/>
+                    </p:nvPicPr>
+                    <p:blipFill>
+                      <a:blip r:embed="rId3">
+                        <a:extLst>
+                          <a:ext uri="{28A0092B-C50C-407E-A947-70E740481C1C}">
+                            <a14:useLocalDpi xmlns:a14="http://schemas.microsoft.com/office/drawing/2010/main" val="0"/>
+                          </a:ext>
+                        </a:extLst>
+                      </a:blip>
+                      <a:srcRect/>
+                      <a:stretch>
+                        <a:fillRect/>
+                      </a:stretch>
+                    </p:blipFill>
+                    <p:spPr bwMode="auto">
+                      <a:xfrm>
+                        <a:off x="428596" y="1357298"/>
+                        <a:ext cx="5357850" cy="969259"/>
+                      </a:xfrm>
+                      <a:prstGeom prst="rect">
+                        <a:avLst/>
+                      </a:prstGeom>
+                      <a:noFill/>
+                      <a:extLst>
+                        <a:ext uri="{909E8E84-426E-40DD-AFC4-6F175D3DCCD1}">
+                          <a14:hiddenFill xmlns:a14="http://schemas.microsoft.com/office/drawing/2010/main">
+                            <a:solidFill>
+                              <a:srgbClr val="FFFFFF"/>
+                            </a:solidFill>
+                          </a14:hiddenFill>
+                        </a:ext>
+                      </a:extLst>
+                    </p:spPr>
+                  </p:pic>
+                </p:oleObj>
+              </mc:Fallback>
+            </mc:AlternateContent>
+          </a:graphicData>
+        </a:graphic>
+      </p:graphicFrame>
+    </p:spTree>
+  </p:cSld>
+  <p:clrMapOvr>
+    <a:masterClrMapping/>
+  </p:clrMapOvr>
+</p:sld>
+</file>
+
+<file path=ppt/slides/slide40.xml><?xml version="1.0" encoding="utf-8"?>
+<p:sld xmlns:a="http://schemas.openxmlformats.org/drawingml/2006/main" xmlns:r="http://schemas.openxmlformats.org/officeDocument/2006/relationships" xmlns:p="http://schemas.openxmlformats.org/presentationml/2006/main">
+  <p:cSld>
+    <p:spTree>
+      <p:nvGrpSpPr>
+        <p:cNvPr id="1" name=""/>
+        <p:cNvGrpSpPr/>
+        <p:nvPr/>
+      </p:nvGrpSpPr>
+      <p:grpSpPr>
+        <a:xfrm>
+          <a:off x="0" y="0"/>
+          <a:ext cx="0" cy="0"/>
+          <a:chOff x="0" y="0"/>
+          <a:chExt cx="0" cy="0"/>
+        </a:xfrm>
+      </p:grpSpPr>
+      <p:sp>
+        <p:nvSpPr>
+          <p:cNvPr id="6" name="כותרת 1"/>
+          <p:cNvSpPr txBox="1">
+            <a:spLocks/>
+          </p:cNvSpPr>
+          <p:nvPr/>
+        </p:nvSpPr>
+        <p:spPr bwMode="auto">
+          <a:xfrm>
+            <a:off x="357158" y="285728"/>
+            <a:ext cx="8358246" cy="1066800"/>
+          </a:xfrm>
+          <a:prstGeom prst="rect">
+            <a:avLst/>
+          </a:prstGeom>
+          <a:noFill/>
+          <a:ln w="9525">
+            <a:noFill/>
+            <a:miter lim="800000"/>
+            <a:headEnd/>
+            <a:tailEnd/>
+          </a:ln>
+          <a:effectLst/>
+        </p:spPr>
+        <p:txBody>
+          <a:bodyPr vert="horz" wrap="square" lIns="91440" tIns="45720" rIns="91440" bIns="45720" numCol="1" anchor="ctr" anchorCtr="0" compatLnSpc="1">
+            <a:prstTxWarp prst="textNoShape">
+              <a:avLst/>
+            </a:prstTxWarp>
+          </a:bodyPr>
+          <a:lstStyle/>
+          <a:p>
+            <a:pPr marL="0" marR="0" lvl="0" indent="0" algn="r" defTabSz="914400" rtl="1" eaLnBrk="1" fontAlgn="base" latinLnBrk="0" hangingPunct="1">
+              <a:lnSpc>
+                <a:spcPct val="100000"/>
+              </a:lnSpc>
+              <a:spcBef>
+                <a:spcPct val="0"/>
+              </a:spcBef>
+              <a:spcAft>
+                <a:spcPct val="0"/>
+              </a:spcAft>
+              <a:buClrTx/>
+              <a:buSzTx/>
+              <a:buFontTx/>
+              <a:buNone/>
+              <a:tabLst/>
+              <a:defRPr/>
+            </a:pPr>
+            <a:r>
+              <a:rPr lang="en-US" sz="4400" dirty="0">
+                <a:latin typeface="+mj-lt"/>
+                <a:ea typeface="+mj-ea"/>
+                <a:cs typeface="+mj-cs"/>
+              </a:rPr>
+              <a:t>World Series Odds</a:t>
+            </a:r>
+          </a:p>
+        </p:txBody>
+      </p:sp>
+      <p:sp>
+        <p:nvSpPr>
+          <p:cNvPr id="8" name="TextBox 7"/>
+          <p:cNvSpPr txBox="1"/>
+          <p:nvPr/>
+        </p:nvSpPr>
+        <p:spPr>
+          <a:xfrm>
+            <a:off x="1000100" y="1571612"/>
+            <a:ext cx="7529594" cy="3539430"/>
+          </a:xfrm>
+          <a:prstGeom prst="rect">
+            <a:avLst/>
+          </a:prstGeom>
+          <a:noFill/>
+        </p:spPr>
+        <p:txBody>
+          <a:bodyPr wrap="square" rtlCol="0">
+            <a:spAutoFit/>
+          </a:bodyPr>
+          <a:lstStyle/>
+          <a:p>
+            <a:pPr marL="514350" indent="-514350" algn="r" rtl="1"/>
+            <a:r>
+              <a:rPr lang="he-IL" sz="2800" dirty="0"/>
+              <a:t>	שתי קבוצות, </a:t>
+            </a:r>
+            <a:r>
+              <a:rPr lang="en-US" sz="2800" dirty="0"/>
+              <a:t>A</a:t>
+            </a:r>
+            <a:r>
+              <a:rPr lang="he-IL" sz="2800" dirty="0"/>
+              <a:t>,</a:t>
+            </a:r>
+            <a:r>
+              <a:rPr lang="en-US" sz="2800" dirty="0"/>
+              <a:t>B</a:t>
+            </a:r>
+            <a:r>
+              <a:rPr lang="he-IL" sz="2800" dirty="0"/>
+              <a:t>, משחקות זו מול זו, סדרת משחקים. הראשונה לנצח </a:t>
+            </a:r>
+            <a:r>
+              <a:rPr lang="en-US" sz="2800" dirty="0"/>
+              <a:t>n</a:t>
+            </a:r>
+            <a:r>
+              <a:rPr lang="he-IL" sz="2800" dirty="0"/>
+              <a:t> משחקים, היא המנצחת.</a:t>
+            </a:r>
+          </a:p>
+          <a:p>
+            <a:pPr marL="514350" indent="-514350" algn="r" rtl="1"/>
+            <a:r>
+              <a:rPr lang="he-IL" sz="2800" dirty="0"/>
+              <a:t>	בכל משחק, ההסתברות של כל אחת לנצח, היא </a:t>
+            </a:r>
+            <a:r>
+              <a:rPr lang="en-US" sz="2800" dirty="0"/>
+              <a:t>0.5</a:t>
+            </a:r>
+            <a:r>
+              <a:rPr lang="he-IL" sz="2800" dirty="0"/>
+              <a:t>.</a:t>
+            </a:r>
+          </a:p>
+          <a:p>
+            <a:pPr marL="514350" indent="-514350" algn="r" rtl="1"/>
+            <a:endParaRPr lang="he-IL" sz="2800" dirty="0"/>
+          </a:p>
+          <a:p>
+            <a:pPr marL="514350" indent="-514350" algn="r" rtl="1"/>
+            <a:r>
+              <a:rPr lang="he-IL" sz="2800" dirty="0"/>
+              <a:t>המטרה:</a:t>
+            </a:r>
+          </a:p>
+          <a:p>
+            <a:pPr marL="514350" indent="-514350" algn="r" rtl="1"/>
+            <a:r>
+              <a:rPr lang="he-IL" sz="2800" dirty="0"/>
+              <a:t>	לחשב את ההסתברות ש</a:t>
+            </a:r>
+            <a:r>
+              <a:rPr lang="en-US" sz="2800" dirty="0"/>
+              <a:t>A</a:t>
+            </a:r>
+            <a:r>
+              <a:rPr lang="he-IL" sz="2800" dirty="0"/>
+              <a:t> תנצח.</a:t>
+            </a:r>
+          </a:p>
+          <a:p>
+            <a:pPr marL="514350" indent="-514350" algn="r" rtl="1"/>
+            <a:endParaRPr lang="he-IL" sz="2800" dirty="0"/>
+          </a:p>
+          <a:p>
+            <a:pPr marL="514350" indent="-514350" algn="r" rtl="1"/>
+            <a:r>
+              <a:rPr lang="he-IL" sz="2800" dirty="0"/>
+              <a:t>הערה: זאת </a:t>
+            </a:r>
+            <a:r>
+              <a:rPr lang="he-IL" sz="2800" b="1" dirty="0"/>
+              <a:t>לא </a:t>
+            </a:r>
+            <a:r>
+              <a:rPr lang="he-IL" sz="2800" dirty="0"/>
+              <a:t>בעיית אופטימיזציה!</a:t>
+            </a:r>
           </a:p>
         </p:txBody>
       </p:sp>
@@ -22291,13 +23406,13 @@
           <a:p>
             <a:pPr rtl="1"/>
             <a:r>
-              <a:rPr lang="he-IL" dirty="0">
+              <a:rPr lang="he-IL">
                 <a:solidFill>
                   <a:schemeClr val="tx1"/>
                 </a:solidFill>
                 <a:cs typeface="+mj-cs"/>
               </a:rPr>
-              <a:t>אלגוריתמים 1- ד"ר אלישבע בנש"ק דוקוב- מכללה אקדמית אשקלון- תשע"ח- סמסטר א'</a:t>
+              <a:t>אלגוריתמים 1- ד"ר בוריס לואנט - מכללה אקדמית אשקלון - תשפ"ד - סמסטר א'</a:t>
             </a:r>
             <a:endParaRPr lang="en-US" dirty="0">
               <a:solidFill>
@@ -22336,7 +23451,506 @@
                 <a:cs typeface="+mj-cs"/>
               </a:rPr>
               <a:pPr/>
-              <a:t>35</a:t>
+              <a:t>40</a:t>
+            </a:fld>
+            <a:endParaRPr lang="en-US" dirty="0">
+              <a:solidFill>
+                <a:schemeClr val="tx1"/>
+              </a:solidFill>
+              <a:cs typeface="+mj-cs"/>
+            </a:endParaRPr>
+          </a:p>
+        </p:txBody>
+      </p:sp>
+    </p:spTree>
+  </p:cSld>
+  <p:clrMapOvr>
+    <a:masterClrMapping/>
+  </p:clrMapOvr>
+</p:sld>
+</file>
+
+<file path=ppt/slides/slide41.xml><?xml version="1.0" encoding="utf-8"?>
+<p:sld xmlns:a="http://schemas.openxmlformats.org/drawingml/2006/main" xmlns:r="http://schemas.openxmlformats.org/officeDocument/2006/relationships" xmlns:p="http://schemas.openxmlformats.org/presentationml/2006/main">
+  <p:cSld>
+    <p:spTree>
+      <p:nvGrpSpPr>
+        <p:cNvPr id="1" name=""/>
+        <p:cNvGrpSpPr/>
+        <p:nvPr/>
+      </p:nvGrpSpPr>
+      <p:grpSpPr>
+        <a:xfrm>
+          <a:off x="0" y="0"/>
+          <a:ext cx="0" cy="0"/>
+          <a:chOff x="0" y="0"/>
+          <a:chExt cx="0" cy="0"/>
+        </a:xfrm>
+      </p:grpSpPr>
+      <p:sp>
+        <p:nvSpPr>
+          <p:cNvPr id="6" name="כותרת 1"/>
+          <p:cNvSpPr txBox="1">
+            <a:spLocks/>
+          </p:cNvSpPr>
+          <p:nvPr/>
+        </p:nvSpPr>
+        <p:spPr bwMode="auto">
+          <a:xfrm>
+            <a:off x="357158" y="285728"/>
+            <a:ext cx="8358246" cy="1066800"/>
+          </a:xfrm>
+          <a:prstGeom prst="rect">
+            <a:avLst/>
+          </a:prstGeom>
+          <a:noFill/>
+          <a:ln w="9525">
+            <a:noFill/>
+            <a:miter lim="800000"/>
+            <a:headEnd/>
+            <a:tailEnd/>
+          </a:ln>
+          <a:effectLst/>
+        </p:spPr>
+        <p:txBody>
+          <a:bodyPr vert="horz" wrap="square" lIns="91440" tIns="45720" rIns="91440" bIns="45720" numCol="1" anchor="ctr" anchorCtr="0" compatLnSpc="1">
+            <a:prstTxWarp prst="textNoShape">
+              <a:avLst/>
+            </a:prstTxWarp>
+          </a:bodyPr>
+          <a:lstStyle/>
+          <a:p>
+            <a:pPr marL="0" marR="0" lvl="0" indent="0" algn="r" defTabSz="914400" rtl="1" eaLnBrk="1" fontAlgn="base" latinLnBrk="0" hangingPunct="1">
+              <a:lnSpc>
+                <a:spcPct val="100000"/>
+              </a:lnSpc>
+              <a:spcBef>
+                <a:spcPct val="0"/>
+              </a:spcBef>
+              <a:spcAft>
+                <a:spcPct val="0"/>
+              </a:spcAft>
+              <a:buClrTx/>
+              <a:buSzTx/>
+              <a:buFontTx/>
+              <a:buNone/>
+              <a:tabLst/>
+              <a:defRPr/>
+            </a:pPr>
+            <a:r>
+              <a:rPr lang="he-IL" sz="4400" dirty="0">
+                <a:latin typeface="+mj-lt"/>
+                <a:ea typeface="+mj-ea"/>
+                <a:cs typeface="+mj-cs"/>
+              </a:rPr>
+              <a:t>פורמליזציה</a:t>
+            </a:r>
+            <a:endParaRPr lang="en-US" sz="4400" dirty="0">
+              <a:latin typeface="+mj-lt"/>
+              <a:ea typeface="+mj-ea"/>
+              <a:cs typeface="+mj-cs"/>
+            </a:endParaRPr>
+          </a:p>
+        </p:txBody>
+      </p:sp>
+      <p:sp>
+        <p:nvSpPr>
+          <p:cNvPr id="8" name="TextBox 7"/>
+          <p:cNvSpPr txBox="1"/>
+          <p:nvPr/>
+        </p:nvSpPr>
+        <p:spPr>
+          <a:xfrm>
+            <a:off x="1000100" y="1571612"/>
+            <a:ext cx="7529594" cy="4401205"/>
+          </a:xfrm>
+          <a:prstGeom prst="rect">
+            <a:avLst/>
+          </a:prstGeom>
+          <a:noFill/>
+        </p:spPr>
+        <p:txBody>
+          <a:bodyPr wrap="square" rtlCol="0">
+            <a:spAutoFit/>
+          </a:bodyPr>
+          <a:lstStyle/>
+          <a:p>
+            <a:pPr marL="514350" indent="-514350" algn="r" rtl="1"/>
+            <a:r>
+              <a:rPr lang="he-IL" sz="2800" dirty="0"/>
+              <a:t>	בכל שלב בסדרת המשחקים, נסמן:</a:t>
+            </a:r>
+          </a:p>
+          <a:p>
+            <a:pPr marL="514350" indent="-514350" algn="r" rtl="1"/>
+            <a:r>
+              <a:rPr lang="he-IL" sz="2800" dirty="0"/>
+              <a:t>	</a:t>
+            </a:r>
+            <a:r>
+              <a:rPr lang="en-US" sz="2800" dirty="0" err="1"/>
+              <a:t>i</a:t>
+            </a:r>
+            <a:r>
+              <a:rPr lang="he-IL" sz="2800" dirty="0"/>
+              <a:t>- מספר המשחקים ש</a:t>
+            </a:r>
+            <a:r>
+              <a:rPr lang="en-US" sz="2800" dirty="0"/>
+              <a:t>A</a:t>
+            </a:r>
+            <a:r>
+              <a:rPr lang="he-IL" sz="2800" dirty="0"/>
+              <a:t> צריכה עוד לנצח על מנת לנצח בסדרה.</a:t>
+            </a:r>
+          </a:p>
+          <a:p>
+            <a:pPr marL="514350" indent="-514350" algn="r" rtl="1"/>
+            <a:r>
+              <a:rPr lang="he-IL" sz="2800" dirty="0"/>
+              <a:t>	</a:t>
+            </a:r>
+            <a:r>
+              <a:rPr lang="en-US" sz="2800" dirty="0"/>
+              <a:t>j</a:t>
+            </a:r>
+            <a:r>
+              <a:rPr lang="he-IL" sz="2800" dirty="0"/>
+              <a:t>- מספר המשחקים ש</a:t>
+            </a:r>
+            <a:r>
+              <a:rPr lang="en-US" sz="2800" dirty="0"/>
+              <a:t>B</a:t>
+            </a:r>
+            <a:r>
+              <a:rPr lang="he-IL" sz="2800" dirty="0"/>
+              <a:t> צריכה עוד לנצח על מנת לנצח בסדרה.</a:t>
+            </a:r>
+          </a:p>
+          <a:p>
+            <a:pPr marL="514350" indent="-514350" algn="r" rtl="1"/>
+            <a:r>
+              <a:rPr lang="he-IL" sz="2800" dirty="0"/>
+              <a:t>	</a:t>
+            </a:r>
+            <a:r>
+              <a:rPr lang="en-US" sz="2800" dirty="0"/>
+              <a:t>p(</a:t>
+            </a:r>
+            <a:r>
+              <a:rPr lang="en-US" sz="2800" dirty="0" err="1"/>
+              <a:t>i,j</a:t>
+            </a:r>
+            <a:r>
+              <a:rPr lang="en-US" sz="2800" dirty="0"/>
+              <a:t>)</a:t>
+            </a:r>
+            <a:r>
+              <a:rPr lang="he-IL" sz="2800" dirty="0"/>
+              <a:t>- ההסתברות ש</a:t>
+            </a:r>
+            <a:r>
+              <a:rPr lang="en-US" sz="2800" dirty="0"/>
+              <a:t>A</a:t>
+            </a:r>
+            <a:r>
+              <a:rPr lang="he-IL" sz="2800" dirty="0"/>
+              <a:t> תנצח בסדרה, אם היא צריכה עוד </a:t>
+            </a:r>
+            <a:r>
+              <a:rPr lang="en-US" sz="2800" dirty="0" err="1"/>
+              <a:t>i</a:t>
+            </a:r>
+            <a:r>
+              <a:rPr lang="he-IL" sz="2800" dirty="0"/>
+              <a:t> משחקים על מנת לנצח, ו</a:t>
+            </a:r>
+            <a:r>
+              <a:rPr lang="en-US" sz="2800" dirty="0"/>
+              <a:t>B</a:t>
+            </a:r>
+            <a:r>
+              <a:rPr lang="he-IL" sz="2800" dirty="0"/>
+              <a:t> צריכה עוד </a:t>
+            </a:r>
+            <a:r>
+              <a:rPr lang="en-US" sz="2800" dirty="0"/>
+              <a:t>j</a:t>
+            </a:r>
+            <a:r>
+              <a:rPr lang="he-IL" sz="2800" dirty="0"/>
+              <a:t> משחקים על מנת לנצח.</a:t>
+            </a:r>
+          </a:p>
+          <a:p>
+            <a:pPr marL="514350" indent="-514350" algn="r" rtl="1"/>
+            <a:r>
+              <a:rPr lang="he-IL" sz="2800" dirty="0"/>
+              <a:t>המטרה:</a:t>
+            </a:r>
+          </a:p>
+          <a:p>
+            <a:pPr marL="514350" indent="-514350" algn="r" rtl="1"/>
+            <a:r>
+              <a:rPr lang="he-IL" sz="2800" dirty="0"/>
+              <a:t>	לחשב את </a:t>
+            </a:r>
+            <a:r>
+              <a:rPr lang="en-US" sz="2800" dirty="0"/>
+              <a:t>p(</a:t>
+            </a:r>
+            <a:r>
+              <a:rPr lang="en-US" sz="2800" dirty="0" err="1"/>
+              <a:t>n,n</a:t>
+            </a:r>
+            <a:r>
+              <a:rPr lang="en-US" sz="2800" dirty="0"/>
+              <a:t>)</a:t>
+            </a:r>
+            <a:r>
+              <a:rPr lang="he-IL" sz="2800" dirty="0"/>
+              <a:t>.</a:t>
+            </a:r>
+          </a:p>
+        </p:txBody>
+      </p:sp>
+      <p:sp>
+        <p:nvSpPr>
+          <p:cNvPr id="30" name="מציין מיקום של כותרת תחתונה 3"/>
+          <p:cNvSpPr>
+            <a:spLocks noGrp="1"/>
+          </p:cNvSpPr>
+          <p:nvPr>
+            <p:ph type="ftr" sz="quarter" idx="11"/>
+          </p:nvPr>
+        </p:nvSpPr>
+        <p:spPr>
+          <a:xfrm>
+            <a:off x="1857356" y="6356350"/>
+            <a:ext cx="5429288" cy="365125"/>
+          </a:xfrm>
+        </p:spPr>
+        <p:txBody>
+          <a:bodyPr/>
+          <a:lstStyle/>
+          <a:p>
+            <a:pPr rtl="1"/>
+            <a:r>
+              <a:rPr lang="he-IL">
+                <a:solidFill>
+                  <a:schemeClr val="tx1"/>
+                </a:solidFill>
+                <a:cs typeface="+mj-cs"/>
+              </a:rPr>
+              <a:t>אלגוריתמים 1- ד"ר בוריס לואנט - מכללה אקדמית אשקלון - תשפ"ד - סמסטר א'</a:t>
+            </a:r>
+            <a:endParaRPr lang="en-US" dirty="0">
+              <a:solidFill>
+                <a:schemeClr val="tx1"/>
+              </a:solidFill>
+              <a:cs typeface="+mj-cs"/>
+            </a:endParaRPr>
+          </a:p>
+        </p:txBody>
+      </p:sp>
+      <p:sp>
+        <p:nvSpPr>
+          <p:cNvPr id="31" name="מציין מיקום של מספר שקופית 4"/>
+          <p:cNvSpPr>
+            <a:spLocks noGrp="1"/>
+          </p:cNvSpPr>
+          <p:nvPr>
+            <p:ph type="sldNum" sz="quarter" idx="12"/>
+          </p:nvPr>
+        </p:nvSpPr>
+        <p:spPr>
+          <a:xfrm>
+            <a:off x="6553200" y="6356350"/>
+            <a:ext cx="2133600" cy="365125"/>
+          </a:xfrm>
+        </p:spPr>
+        <p:txBody>
+          <a:bodyPr/>
+          <a:lstStyle/>
+          <a:p>
+            <a:fld id="{2EEF023C-487C-4FDD-A5C6-3E51DF829693}" type="slidenum">
+              <a:rPr lang="en-US" smtClean="0">
+                <a:solidFill>
+                  <a:schemeClr val="tx1"/>
+                </a:solidFill>
+                <a:cs typeface="+mj-cs"/>
+              </a:rPr>
+              <a:pPr/>
+              <a:t>41</a:t>
+            </a:fld>
+            <a:endParaRPr lang="en-US" dirty="0">
+              <a:solidFill>
+                <a:schemeClr val="tx1"/>
+              </a:solidFill>
+              <a:cs typeface="+mj-cs"/>
+            </a:endParaRPr>
+          </a:p>
+        </p:txBody>
+      </p:sp>
+    </p:spTree>
+  </p:cSld>
+  <p:clrMapOvr>
+    <a:masterClrMapping/>
+  </p:clrMapOvr>
+</p:sld>
+</file>
+
+<file path=ppt/slides/slide42.xml><?xml version="1.0" encoding="utf-8"?>
+<p:sld xmlns:a="http://schemas.openxmlformats.org/drawingml/2006/main" xmlns:r="http://schemas.openxmlformats.org/officeDocument/2006/relationships" xmlns:p="http://schemas.openxmlformats.org/presentationml/2006/main">
+  <p:cSld>
+    <p:spTree>
+      <p:nvGrpSpPr>
+        <p:cNvPr id="1" name=""/>
+        <p:cNvGrpSpPr/>
+        <p:nvPr/>
+      </p:nvGrpSpPr>
+      <p:grpSpPr>
+        <a:xfrm>
+          <a:off x="0" y="0"/>
+          <a:ext cx="0" cy="0"/>
+          <a:chOff x="0" y="0"/>
+          <a:chExt cx="0" cy="0"/>
+        </a:xfrm>
+      </p:grpSpPr>
+      <p:sp>
+        <p:nvSpPr>
+          <p:cNvPr id="6" name="כותרת 1"/>
+          <p:cNvSpPr txBox="1">
+            <a:spLocks/>
+          </p:cNvSpPr>
+          <p:nvPr/>
+        </p:nvSpPr>
+        <p:spPr bwMode="auto">
+          <a:xfrm>
+            <a:off x="357158" y="285728"/>
+            <a:ext cx="8358246" cy="1066800"/>
+          </a:xfrm>
+          <a:prstGeom prst="rect">
+            <a:avLst/>
+          </a:prstGeom>
+          <a:noFill/>
+          <a:ln w="9525">
+            <a:noFill/>
+            <a:miter lim="800000"/>
+            <a:headEnd/>
+            <a:tailEnd/>
+          </a:ln>
+          <a:effectLst/>
+        </p:spPr>
+        <p:txBody>
+          <a:bodyPr vert="horz" wrap="square" lIns="91440" tIns="45720" rIns="91440" bIns="45720" numCol="1" anchor="ctr" anchorCtr="0" compatLnSpc="1">
+            <a:prstTxWarp prst="textNoShape">
+              <a:avLst/>
+            </a:prstTxWarp>
+          </a:bodyPr>
+          <a:lstStyle/>
+          <a:p>
+            <a:pPr marL="0" marR="0" lvl="0" indent="0" algn="r" defTabSz="914400" rtl="1" eaLnBrk="1" fontAlgn="base" latinLnBrk="0" hangingPunct="1">
+              <a:lnSpc>
+                <a:spcPct val="100000"/>
+              </a:lnSpc>
+              <a:spcBef>
+                <a:spcPct val="0"/>
+              </a:spcBef>
+              <a:spcAft>
+                <a:spcPct val="0"/>
+              </a:spcAft>
+              <a:buClrTx/>
+              <a:buSzTx/>
+              <a:buFontTx/>
+              <a:buNone/>
+              <a:tabLst/>
+              <a:defRPr/>
+            </a:pPr>
+            <a:r>
+              <a:rPr lang="he-IL" sz="4400" dirty="0">
+                <a:latin typeface="+mj-lt"/>
+                <a:ea typeface="+mj-ea"/>
+                <a:cs typeface="+mj-cs"/>
+              </a:rPr>
+              <a:t>מבנה הבעיה</a:t>
+            </a:r>
+            <a:endParaRPr lang="en-US" sz="4400" dirty="0">
+              <a:latin typeface="+mj-lt"/>
+              <a:ea typeface="+mj-ea"/>
+              <a:cs typeface="+mj-cs"/>
+            </a:endParaRPr>
+          </a:p>
+        </p:txBody>
+      </p:sp>
+      <p:sp>
+        <p:nvSpPr>
+          <p:cNvPr id="30" name="מציין מיקום של כותרת תחתונה 3"/>
+          <p:cNvSpPr>
+            <a:spLocks noGrp="1"/>
+          </p:cNvSpPr>
+          <p:nvPr>
+            <p:ph type="ftr" sz="quarter" idx="11"/>
+          </p:nvPr>
+        </p:nvSpPr>
+        <p:spPr>
+          <a:xfrm>
+            <a:off x="1857356" y="6356350"/>
+            <a:ext cx="5429288" cy="365125"/>
+          </a:xfrm>
+        </p:spPr>
+        <p:txBody>
+          <a:bodyPr/>
+          <a:lstStyle/>
+          <a:p>
+            <a:pPr rtl="1"/>
+            <a:r>
+              <a:rPr lang="he-IL">
+                <a:solidFill>
+                  <a:schemeClr val="tx1"/>
+                </a:solidFill>
+                <a:cs typeface="+mj-cs"/>
+              </a:rPr>
+              <a:t>אלגוריתמים 1- ד"ר בוריס לואנט - מכללה אקדמית אשקלון - תשפ"ד - סמסטר א'</a:t>
+            </a:r>
+            <a:endParaRPr lang="en-US" dirty="0">
+              <a:solidFill>
+                <a:schemeClr val="tx1"/>
+              </a:solidFill>
+              <a:cs typeface="+mj-cs"/>
+            </a:endParaRPr>
+          </a:p>
+        </p:txBody>
+      </p:sp>
+      <p:sp>
+        <p:nvSpPr>
+          <p:cNvPr id="31" name="מציין מיקום של מספר שקופית 4"/>
+          <p:cNvSpPr>
+            <a:spLocks noGrp="1"/>
+          </p:cNvSpPr>
+          <p:nvPr>
+            <p:ph type="sldNum" sz="quarter" idx="12"/>
+          </p:nvPr>
+        </p:nvSpPr>
+        <p:spPr>
+          <a:xfrm>
+            <a:off x="6553200" y="6356350"/>
+            <a:ext cx="2133600" cy="365125"/>
+          </a:xfrm>
+        </p:spPr>
+        <p:txBody>
+          <a:bodyPr/>
+          <a:lstStyle/>
+          <a:p>
+            <a:fld id="{2EEF023C-487C-4FDD-A5C6-3E51DF829693}" type="slidenum">
+              <a:rPr lang="en-US" smtClean="0">
+                <a:solidFill>
+                  <a:schemeClr val="tx1"/>
+                </a:solidFill>
+                <a:cs typeface="+mj-cs"/>
+              </a:rPr>
+              <a:pPr/>
+              <a:t>42</a:t>
             </a:fld>
             <a:endParaRPr lang="en-US" dirty="0">
               <a:solidFill>
@@ -22363,7 +23977,7 @@
           <a:graphicData uri="http://schemas.openxmlformats.org/presentationml/2006/ole">
             <mc:AlternateContent xmlns:mc="http://schemas.openxmlformats.org/markup-compatibility/2006">
               <mc:Choice xmlns:v="urn:schemas-microsoft-com:vml" Requires="v">
-                <p:oleObj spid="_x0000_s131076" name="Формула" r:id="rId2" imgW="3022600" imgH="711200" progId="Equation.3">
+                <p:oleObj name="Формула" r:id="rId2" imgW="3022600" imgH="711200" progId="Equation.3">
                   <p:embed/>
                 </p:oleObj>
               </mc:Choice>
@@ -22425,7 +24039,7 @@
 </p:sld>
 </file>
 
-<file path=ppt/slides/slide36.xml><?xml version="1.0" encoding="utf-8"?>
+<file path=ppt/slides/slide43.xml><?xml version="1.0" encoding="utf-8"?>
 <p:sld xmlns:a="http://schemas.openxmlformats.org/drawingml/2006/main" xmlns:r="http://schemas.openxmlformats.org/officeDocument/2006/relationships" xmlns:p="http://schemas.openxmlformats.org/presentationml/2006/main">
   <p:cSld>
     <p:spTree>
@@ -22530,13 +24144,13 @@
           <a:p>
             <a:pPr rtl="1"/>
             <a:r>
-              <a:rPr lang="he-IL" dirty="0">
+              <a:rPr lang="he-IL">
                 <a:solidFill>
                   <a:schemeClr val="tx1"/>
                 </a:solidFill>
                 <a:cs typeface="+mj-cs"/>
               </a:rPr>
-              <a:t>אלגוריתמים 1- ד"ר אלישבע בנש"ק דוקוב- מכללה אקדמית אשקלון- תשע"ח- סמסטר א'</a:t>
+              <a:t>אלגוריתמים 1- ד"ר בוריס לואנט - מכללה אקדמית אשקלון - תשפ"ד - סמסטר א'</a:t>
             </a:r>
             <a:endParaRPr lang="en-US" dirty="0">
               <a:solidFill>
@@ -22575,7 +24189,7 @@
                 <a:cs typeface="+mj-cs"/>
               </a:rPr>
               <a:pPr/>
-              <a:t>36</a:t>
+              <a:t>43</a:t>
             </a:fld>
             <a:endParaRPr lang="en-US" dirty="0">
               <a:solidFill>
@@ -22657,7 +24271,7 @@
 </p:sld>
 </file>
 
-<file path=ppt/slides/slide37.xml><?xml version="1.0" encoding="utf-8"?>
+<file path=ppt/slides/slide44.xml><?xml version="1.0" encoding="utf-8"?>
 <p:sld xmlns:a="http://schemas.openxmlformats.org/drawingml/2006/main" xmlns:r="http://schemas.openxmlformats.org/officeDocument/2006/relationships" xmlns:p="http://schemas.openxmlformats.org/presentationml/2006/main">
   <p:cSld>
     <p:spTree>
@@ -22762,13 +24376,13 @@
           <a:p>
             <a:pPr rtl="1"/>
             <a:r>
-              <a:rPr lang="he-IL" dirty="0">
+              <a:rPr lang="he-IL">
                 <a:solidFill>
                   <a:schemeClr val="tx1"/>
                 </a:solidFill>
                 <a:cs typeface="+mj-cs"/>
               </a:rPr>
-              <a:t>אלגוריתמים 1- ד"ר אלישבע בנש"ק דוקוב- מכללה אקדמית אשקלון- תשע"ח- סמסטר א'</a:t>
+              <a:t>אלגוריתמים 1- ד"ר בוריס לואנט - מכללה אקדמית אשקלון - תשפ"ד - סמסטר א'</a:t>
             </a:r>
             <a:endParaRPr lang="en-US" dirty="0">
               <a:solidFill>
@@ -22807,7 +24421,7 @@
                 <a:cs typeface="+mj-cs"/>
               </a:rPr>
               <a:pPr/>
-              <a:t>37</a:t>
+              <a:t>44</a:t>
             </a:fld>
             <a:endParaRPr lang="en-US" dirty="0">
               <a:solidFill>
@@ -23000,7 +24614,7 @@
 </p:sld>
 </file>
 
-<file path=ppt/slides/slide38.xml><?xml version="1.0" encoding="utf-8"?>
+<file path=ppt/slides/slide45.xml><?xml version="1.0" encoding="utf-8"?>
 <p:sld xmlns:a="http://schemas.openxmlformats.org/drawingml/2006/main" xmlns:r="http://schemas.openxmlformats.org/officeDocument/2006/relationships" xmlns:p="http://schemas.openxmlformats.org/presentationml/2006/main">
   <p:cSld>
     <p:spTree>
@@ -23108,13 +24722,13 @@
           <a:p>
             <a:pPr rtl="1"/>
             <a:r>
-              <a:rPr lang="he-IL" dirty="0">
+              <a:rPr lang="he-IL">
                 <a:solidFill>
                   <a:schemeClr val="tx1"/>
                 </a:solidFill>
                 <a:cs typeface="+mj-cs"/>
               </a:rPr>
-              <a:t>אלגוריתמים 1- ד"ר אלישבע בנש"ק דוקוב- מכללה אקדמית אשקלון- תשע"ח- סמסטר א'</a:t>
+              <a:t>אלגוריתמים 1- ד"ר בוריס לואנט - מכללה אקדמית אשקלון - תשפ"ד - סמסטר א'</a:t>
             </a:r>
             <a:endParaRPr lang="en-US" dirty="0">
               <a:solidFill>
@@ -23153,7 +24767,7 @@
                 <a:cs typeface="+mj-cs"/>
               </a:rPr>
               <a:pPr/>
-              <a:t>38</a:t>
+              <a:t>45</a:t>
             </a:fld>
             <a:endParaRPr lang="en-US" dirty="0">
               <a:solidFill>
@@ -23309,7 +24923,7 @@
 </p:sld>
 </file>
 
-<file path=ppt/slides/slide4.xml><?xml version="1.0" encoding="utf-8"?>
+<file path=ppt/slides/slide5.xml><?xml version="1.0" encoding="utf-8"?>
 <p:sld xmlns:a="http://schemas.openxmlformats.org/drawingml/2006/main" xmlns:r="http://schemas.openxmlformats.org/officeDocument/2006/relationships" xmlns:p="http://schemas.openxmlformats.org/presentationml/2006/main">
   <p:cSld>
     <p:spTree>
@@ -23328,7 +24942,7 @@
       </p:grpSpPr>
       <p:sp>
         <p:nvSpPr>
-          <p:cNvPr id="4" name="מציין מיקום של כותרת תחתונה 3"/>
+          <p:cNvPr id="6" name="מציין מיקום של כותרת תחתונה 3"/>
           <p:cNvSpPr>
             <a:spLocks noGrp="1"/>
           </p:cNvSpPr>
@@ -23348,13 +24962,13 @@
           <a:p>
             <a:pPr rtl="1"/>
             <a:r>
-              <a:rPr lang="he-IL" dirty="0">
+              <a:rPr lang="he-IL">
                 <a:solidFill>
                   <a:schemeClr val="tx1"/>
                 </a:solidFill>
                 <a:cs typeface="+mj-cs"/>
               </a:rPr>
-              <a:t>אלגוריתמים 1- ד"ר אלישבע בנש"ק דוקוב- מכללה אקדמית אשקלון- תשע"ח- סמסטר א'</a:t>
+              <a:t>אלגוריתמים 1- ד"ר בוריס לואנט - מכללה אקדמית אשקלון - תשפ"ד - סמסטר א'</a:t>
             </a:r>
             <a:endParaRPr lang="en-US" dirty="0">
               <a:solidFill>
@@ -23367,7 +24981,7 @@
       </p:sp>
       <p:sp>
         <p:nvSpPr>
-          <p:cNvPr id="5" name="מציין מיקום של מספר שקופית 4"/>
+          <p:cNvPr id="7" name="מציין מיקום של מספר שקופית 4"/>
           <p:cNvSpPr>
             <a:spLocks noGrp="1"/>
           </p:cNvSpPr>
@@ -23375,7 +24989,12 @@
             <p:ph type="sldNum" sz="quarter" idx="12"/>
           </p:nvPr>
         </p:nvSpPr>
-        <p:spPr/>
+        <p:spPr>
+          <a:xfrm>
+            <a:off x="6553200" y="6356350"/>
+            <a:ext cx="2133600" cy="365125"/>
+          </a:xfrm>
+        </p:spPr>
         <p:txBody>
           <a:bodyPr/>
           <a:lstStyle/>
@@ -23388,7 +25007,7 @@
                 <a:cs typeface="+mj-cs"/>
               </a:rPr>
               <a:pPr/>
-              <a:t>4</a:t>
+              <a:t>5</a:t>
             </a:fld>
             <a:endParaRPr lang="en-US" dirty="0">
               <a:solidFill>
@@ -23401,7 +25020,7 @@
       </p:sp>
       <p:sp>
         <p:nvSpPr>
-          <p:cNvPr id="6" name="כותרת 1"/>
+          <p:cNvPr id="8" name="כותרת 1"/>
           <p:cNvSpPr txBox="1">
             <a:spLocks/>
           </p:cNvSpPr>
@@ -23450,253 +25069,6 @@
               <a:defRPr/>
             </a:pPr>
             <a:r>
-              <a:rPr lang="he-IL" sz="4400" dirty="0">
-                <a:latin typeface="+mj-lt"/>
-                <a:ea typeface="+mj-ea"/>
-                <a:cs typeface="+mj-cs"/>
-              </a:rPr>
-              <a:t>סדרת </a:t>
-            </a:r>
-            <a:r>
-              <a:rPr lang="he-IL" sz="4400" dirty="0" err="1">
-                <a:latin typeface="+mj-lt"/>
-                <a:ea typeface="+mj-ea"/>
-                <a:cs typeface="+mj-cs"/>
-              </a:rPr>
-              <a:t>פיבונצ'י</a:t>
-            </a:r>
-            <a:endParaRPr lang="en-US" sz="4400" dirty="0">
-              <a:latin typeface="+mj-lt"/>
-              <a:ea typeface="+mj-ea"/>
-              <a:cs typeface="+mj-cs"/>
-            </a:endParaRPr>
-          </a:p>
-        </p:txBody>
-      </p:sp>
-      <p:graphicFrame>
-        <p:nvGraphicFramePr>
-          <p:cNvPr id="7" name="אובייקט 6"/>
-          <p:cNvGraphicFramePr>
-            <a:graphicFrameLocks noChangeAspect="1"/>
-          </p:cNvGraphicFramePr>
-          <p:nvPr/>
-        </p:nvGraphicFramePr>
-        <p:xfrm>
-          <a:off x="428596" y="1357298"/>
-          <a:ext cx="5357850" cy="969259"/>
-        </p:xfrm>
-        <a:graphic>
-          <a:graphicData uri="http://schemas.openxmlformats.org/presentationml/2006/ole">
-            <mc:AlternateContent xmlns:mc="http://schemas.openxmlformats.org/markup-compatibility/2006">
-              <mc:Choice xmlns:v="urn:schemas-microsoft-com:vml" Requires="v">
-                <p:oleObj spid="_x0000_s89092" name="Формула" r:id="rId2" imgW="2527300" imgH="457200" progId="Equation.3">
-                  <p:embed/>
-                </p:oleObj>
-              </mc:Choice>
-              <mc:Fallback>
-                <p:oleObj name="Формула" r:id="rId2" imgW="2527300" imgH="457200" progId="Equation.3">
-                  <p:embed/>
-                  <p:pic>
-                    <p:nvPicPr>
-                      <p:cNvPr id="0" name="Picture 4"/>
-                      <p:cNvPicPr>
-                        <a:picLocks noChangeAspect="1" noChangeArrowheads="1"/>
-                      </p:cNvPicPr>
-                      <p:nvPr/>
-                    </p:nvPicPr>
-                    <p:blipFill>
-                      <a:blip r:embed="rId3">
-                        <a:extLst>
-                          <a:ext uri="{28A0092B-C50C-407E-A947-70E740481C1C}">
-                            <a14:useLocalDpi xmlns:a14="http://schemas.microsoft.com/office/drawing/2010/main" val="0"/>
-                          </a:ext>
-                        </a:extLst>
-                      </a:blip>
-                      <a:srcRect/>
-                      <a:stretch>
-                        <a:fillRect/>
-                      </a:stretch>
-                    </p:blipFill>
-                    <p:spPr bwMode="auto">
-                      <a:xfrm>
-                        <a:off x="428596" y="1357298"/>
-                        <a:ext cx="5357850" cy="969259"/>
-                      </a:xfrm>
-                      <a:prstGeom prst="rect">
-                        <a:avLst/>
-                      </a:prstGeom>
-                      <a:noFill/>
-                      <a:extLst>
-                        <a:ext uri="{909E8E84-426E-40DD-AFC4-6F175D3DCCD1}">
-                          <a14:hiddenFill xmlns:a14="http://schemas.microsoft.com/office/drawing/2010/main">
-                            <a:solidFill>
-                              <a:srgbClr val="FFFFFF"/>
-                            </a:solidFill>
-                          </a14:hiddenFill>
-                        </a:ext>
-                      </a:extLst>
-                    </p:spPr>
-                  </p:pic>
-                </p:oleObj>
-              </mc:Fallback>
-            </mc:AlternateContent>
-          </a:graphicData>
-        </a:graphic>
-      </p:graphicFrame>
-    </p:spTree>
-  </p:cSld>
-  <p:clrMapOvr>
-    <a:masterClrMapping/>
-  </p:clrMapOvr>
-</p:sld>
-</file>
-
-<file path=ppt/slides/slide5.xml><?xml version="1.0" encoding="utf-8"?>
-<p:sld xmlns:a="http://schemas.openxmlformats.org/drawingml/2006/main" xmlns:r="http://schemas.openxmlformats.org/officeDocument/2006/relationships" xmlns:p="http://schemas.openxmlformats.org/presentationml/2006/main">
-  <p:cSld>
-    <p:spTree>
-      <p:nvGrpSpPr>
-        <p:cNvPr id="1" name=""/>
-        <p:cNvGrpSpPr/>
-        <p:nvPr/>
-      </p:nvGrpSpPr>
-      <p:grpSpPr>
-        <a:xfrm>
-          <a:off x="0" y="0"/>
-          <a:ext cx="0" cy="0"/>
-          <a:chOff x="0" y="0"/>
-          <a:chExt cx="0" cy="0"/>
-        </a:xfrm>
-      </p:grpSpPr>
-      <p:sp>
-        <p:nvSpPr>
-          <p:cNvPr id="6" name="מציין מיקום של כותרת תחתונה 3"/>
-          <p:cNvSpPr>
-            <a:spLocks noGrp="1"/>
-          </p:cNvSpPr>
-          <p:nvPr>
-            <p:ph type="ftr" sz="quarter" idx="11"/>
-          </p:nvPr>
-        </p:nvSpPr>
-        <p:spPr>
-          <a:xfrm>
-            <a:off x="1857356" y="6356350"/>
-            <a:ext cx="5429288" cy="365125"/>
-          </a:xfrm>
-        </p:spPr>
-        <p:txBody>
-          <a:bodyPr/>
-          <a:lstStyle/>
-          <a:p>
-            <a:pPr rtl="1"/>
-            <a:r>
-              <a:rPr lang="he-IL" dirty="0">
-                <a:solidFill>
-                  <a:schemeClr val="tx1"/>
-                </a:solidFill>
-                <a:cs typeface="+mj-cs"/>
-              </a:rPr>
-              <a:t>אלגוריתמים 1- ד"ר אלישבע בנש"ק דוקוב- מכללה אקדמית אשקלון- תשע"ח- סמסטר א'</a:t>
-            </a:r>
-            <a:endParaRPr lang="en-US" dirty="0">
-              <a:solidFill>
-                <a:schemeClr val="tx1"/>
-              </a:solidFill>
-              <a:cs typeface="+mj-cs"/>
-            </a:endParaRPr>
-          </a:p>
-        </p:txBody>
-      </p:sp>
-      <p:sp>
-        <p:nvSpPr>
-          <p:cNvPr id="7" name="מציין מיקום של מספר שקופית 4"/>
-          <p:cNvSpPr>
-            <a:spLocks noGrp="1"/>
-          </p:cNvSpPr>
-          <p:nvPr>
-            <p:ph type="sldNum" sz="quarter" idx="12"/>
-          </p:nvPr>
-        </p:nvSpPr>
-        <p:spPr>
-          <a:xfrm>
-            <a:off x="6553200" y="6356350"/>
-            <a:ext cx="2133600" cy="365125"/>
-          </a:xfrm>
-        </p:spPr>
-        <p:txBody>
-          <a:bodyPr/>
-          <a:lstStyle/>
-          <a:p>
-            <a:fld id="{2EEF023C-487C-4FDD-A5C6-3E51DF829693}" type="slidenum">
-              <a:rPr lang="en-US" smtClean="0">
-                <a:solidFill>
-                  <a:schemeClr val="tx1"/>
-                </a:solidFill>
-                <a:cs typeface="+mj-cs"/>
-              </a:rPr>
-              <a:pPr/>
-              <a:t>5</a:t>
-            </a:fld>
-            <a:endParaRPr lang="en-US" dirty="0">
-              <a:solidFill>
-                <a:schemeClr val="tx1"/>
-              </a:solidFill>
-              <a:cs typeface="+mj-cs"/>
-            </a:endParaRPr>
-          </a:p>
-        </p:txBody>
-      </p:sp>
-      <p:sp>
-        <p:nvSpPr>
-          <p:cNvPr id="8" name="כותרת 1"/>
-          <p:cNvSpPr txBox="1">
-            <a:spLocks/>
-          </p:cNvSpPr>
-          <p:nvPr/>
-        </p:nvSpPr>
-        <p:spPr bwMode="auto">
-          <a:xfrm>
-            <a:off x="357158" y="285728"/>
-            <a:ext cx="8358246" cy="1066800"/>
-          </a:xfrm>
-          <a:prstGeom prst="rect">
-            <a:avLst/>
-          </a:prstGeom>
-          <a:noFill/>
-          <a:ln w="9525">
-            <a:noFill/>
-            <a:miter lim="800000"/>
-            <a:headEnd/>
-            <a:tailEnd/>
-          </a:ln>
-          <a:effectLst/>
-        </p:spPr>
-        <p:txBody>
-          <a:bodyPr vert="horz" wrap="square" lIns="91440" tIns="45720" rIns="91440" bIns="45720" numCol="1" anchor="ctr" anchorCtr="0" compatLnSpc="1">
-            <a:prstTxWarp prst="textNoShape">
-              <a:avLst/>
-            </a:prstTxWarp>
-          </a:bodyPr>
-          <a:lstStyle/>
-          <a:p>
-            <a:pPr marL="0" marR="0" lvl="0" indent="0" algn="r" defTabSz="914400" rtl="1" eaLnBrk="1" fontAlgn="base" latinLnBrk="0" hangingPunct="1">
-              <a:lnSpc>
-                <a:spcPct val="100000"/>
-              </a:lnSpc>
-              <a:spcBef>
-                <a:spcPct val="0"/>
-              </a:spcBef>
-              <a:spcAft>
-                <a:spcPct val="0"/>
-              </a:spcAft>
-              <a:buClrTx/>
-              <a:buSzTx/>
-              <a:buFontTx/>
-              <a:buNone/>
-              <a:tabLst/>
-              <a:defRPr/>
-            </a:pPr>
-            <a:r>
               <a:rPr lang="he-IL" sz="4400" dirty="0" err="1">
                 <a:latin typeface="+mj-lt"/>
                 <a:ea typeface="+mj-ea"/>
@@ -23855,7 +25227,7 @@
           <a:graphicData uri="http://schemas.openxmlformats.org/presentationml/2006/ole">
             <mc:AlternateContent xmlns:mc="http://schemas.openxmlformats.org/markup-compatibility/2006">
               <mc:Choice xmlns:v="urn:schemas-microsoft-com:vml" Requires="v">
-                <p:oleObj spid="_x0000_s52227" name="Формула" r:id="rId2" imgW="1841500" imgH="203200" progId="Equation.3">
+                <p:oleObj name="Формула" r:id="rId2" imgW="1841500" imgH="203200" progId="Equation.3">
                   <p:embed/>
                 </p:oleObj>
               </mc:Choice>
@@ -23998,13 +25370,13 @@
           <a:p>
             <a:pPr rtl="1"/>
             <a:r>
-              <a:rPr lang="he-IL" dirty="0">
+              <a:rPr lang="he-IL">
                 <a:solidFill>
                   <a:schemeClr val="tx1"/>
                 </a:solidFill>
                 <a:cs typeface="+mj-cs"/>
               </a:rPr>
-              <a:t>אלגוריתמים 1- ד"ר אלישבע בנש"ק דוקוב- מכללה אקדמית אשקלון- תשע"ח- סמסטר א'</a:t>
+              <a:t>אלגוריתמים 1- ד"ר בוריס לואנט - מכללה אקדמית אשקלון - תשפ"ד - סמסטר א'</a:t>
             </a:r>
             <a:endParaRPr lang="en-US" dirty="0">
               <a:solidFill>
@@ -26704,13 +28076,13 @@
           <a:p>
             <a:pPr rtl="1"/>
             <a:r>
-              <a:rPr lang="he-IL" dirty="0">
+              <a:rPr lang="he-IL">
                 <a:solidFill>
                   <a:schemeClr val="tx1"/>
                 </a:solidFill>
                 <a:cs typeface="+mj-cs"/>
               </a:rPr>
-              <a:t>אלגוריתמים 1- ד"ר אלישבע בנש"ק דוקוב- מכללה אקדמית אשקלון- תשע"ח- סמסטר א'</a:t>
+              <a:t>אלגוריתמים 1- ד"ר בוריס לואנט - מכללה אקדמית אשקלון - תשפ"ד - סמסטר א'</a:t>
             </a:r>
             <a:endParaRPr lang="en-US" dirty="0">
               <a:solidFill>
@@ -26850,7 +28222,7 @@
           <a:graphicData uri="http://schemas.openxmlformats.org/presentationml/2006/ole">
             <mc:AlternateContent xmlns:mc="http://schemas.openxmlformats.org/markup-compatibility/2006">
               <mc:Choice xmlns:v="urn:schemas-microsoft-com:vml" Requires="v">
-                <p:oleObj spid="_x0000_s92164" name="Формула" r:id="rId2" imgW="2552700" imgH="1905000" progId="Equation.3">
+                <p:oleObj name="Формула" r:id="rId2" imgW="2552700" imgH="1905000" progId="Equation.3">
                   <p:embed/>
                 </p:oleObj>
               </mc:Choice>
@@ -27076,13 +28448,13 @@
           <a:p>
             <a:pPr rtl="1"/>
             <a:r>
-              <a:rPr lang="he-IL" dirty="0">
+              <a:rPr lang="he-IL">
                 <a:solidFill>
                   <a:schemeClr val="tx1"/>
                 </a:solidFill>
                 <a:cs typeface="+mj-cs"/>
               </a:rPr>
-              <a:t>אלגוריתמים 1- ד"ר אלישבע בנש"ק דוקוב- מכללה אקדמית אשקלון- תשע"ח- סמסטר א'</a:t>
+              <a:t>אלגוריתמים 1- ד"ר בוריס לואנט - מכללה אקדמית אשקלון - תשפ"ד - סמסטר א'</a:t>
             </a:r>
             <a:endParaRPr lang="en-US" dirty="0">
               <a:solidFill>
@@ -27578,13 +28950,13 @@
           <a:p>
             <a:pPr rtl="1"/>
             <a:r>
-              <a:rPr lang="he-IL" dirty="0">
+              <a:rPr lang="he-IL">
                 <a:solidFill>
                   <a:schemeClr val="tx1"/>
                 </a:solidFill>
                 <a:cs typeface="+mj-cs"/>
               </a:rPr>
-              <a:t>אלגוריתמים 1- ד"ר אלישבע בנש"ק דוקוב- מכללה אקדמית אשקלון- תשע"ח- סמסטר א'</a:t>
+              <a:t>אלגוריתמים 1- ד"ר בוריס לואנט - מכללה אקדמית אשקלון - תשפ"ד - סמסטר א'</a:t>
             </a:r>
             <a:endParaRPr lang="en-US" dirty="0">
               <a:solidFill>
@@ -27711,7 +29083,7 @@
           <a:graphicData uri="http://schemas.openxmlformats.org/presentationml/2006/ole">
             <mc:AlternateContent xmlns:mc="http://schemas.openxmlformats.org/markup-compatibility/2006">
               <mc:Choice xmlns:v="urn:schemas-microsoft-com:vml" Requires="v">
-                <p:oleObj spid="_x0000_s111622" name="Формула" r:id="rId2" imgW="1079500" imgH="457200" progId="Equation.3">
+                <p:oleObj name="Формула" r:id="rId2" imgW="1079500" imgH="457200" progId="Equation.3">
                   <p:embed/>
                 </p:oleObj>
               </mc:Choice>
@@ -27863,7 +29235,7 @@
           <a:graphicData uri="http://schemas.openxmlformats.org/presentationml/2006/ole">
             <mc:AlternateContent xmlns:mc="http://schemas.openxmlformats.org/markup-compatibility/2006">
               <mc:Choice xmlns:v="urn:schemas-microsoft-com:vml" Requires="v">
-                <p:oleObj spid="_x0000_s111623" name="Формула" r:id="rId4" imgW="1447800" imgH="457200" progId="Equation.3">
+                <p:oleObj name="Формула" r:id="rId4" imgW="1447800" imgH="457200" progId="Equation.3">
                   <p:embed/>
                 </p:oleObj>
               </mc:Choice>

--- a/algorithms1_dynamic_programing.pptx
+++ b/algorithms1_dynamic_programing.pptx
@@ -5,10 +5,10 @@
     <p:sldMasterId id="2147483648" r:id="rId1"/>
   </p:sldMasterIdLst>
   <p:notesMasterIdLst>
-    <p:notesMasterId r:id="rId47"/>
+    <p:notesMasterId r:id="rId53"/>
   </p:notesMasterIdLst>
   <p:handoutMasterIdLst>
-    <p:handoutMasterId r:id="rId48"/>
+    <p:handoutMasterId r:id="rId54"/>
   </p:handoutMasterIdLst>
   <p:sldIdLst>
     <p:sldId id="256" r:id="rId2"/>
@@ -44,18 +44,24 @@
     <p:sldId id="366" r:id="rId32"/>
     <p:sldId id="373" r:id="rId33"/>
     <p:sldId id="382" r:id="rId34"/>
-    <p:sldId id="383" r:id="rId35"/>
-    <p:sldId id="384" r:id="rId36"/>
-    <p:sldId id="385" r:id="rId37"/>
-    <p:sldId id="386" r:id="rId38"/>
-    <p:sldId id="387" r:id="rId39"/>
-    <p:sldId id="388" r:id="rId40"/>
-    <p:sldId id="367" r:id="rId41"/>
-    <p:sldId id="368" r:id="rId42"/>
-    <p:sldId id="369" r:id="rId43"/>
-    <p:sldId id="370" r:id="rId44"/>
-    <p:sldId id="371" r:id="rId45"/>
-    <p:sldId id="372" r:id="rId46"/>
+    <p:sldId id="392" r:id="rId35"/>
+    <p:sldId id="389" r:id="rId36"/>
+    <p:sldId id="390" r:id="rId37"/>
+    <p:sldId id="391" r:id="rId38"/>
+    <p:sldId id="383" r:id="rId39"/>
+    <p:sldId id="393" r:id="rId40"/>
+    <p:sldId id="397" r:id="rId41"/>
+    <p:sldId id="398" r:id="rId42"/>
+    <p:sldId id="399" r:id="rId43"/>
+    <p:sldId id="394" r:id="rId44"/>
+    <p:sldId id="396" r:id="rId45"/>
+    <p:sldId id="395" r:id="rId46"/>
+    <p:sldId id="367" r:id="rId47"/>
+    <p:sldId id="368" r:id="rId48"/>
+    <p:sldId id="369" r:id="rId49"/>
+    <p:sldId id="370" r:id="rId50"/>
+    <p:sldId id="371" r:id="rId51"/>
+    <p:sldId id="372" r:id="rId52"/>
   </p:sldIdLst>
   <p:sldSz cx="9144000" cy="6858000" type="screen4x3"/>
   <p:notesSz cx="7099300" cy="10234613"/>
@@ -21609,21 +21615,18 @@
         <p:spPr/>
         <p:txBody>
           <a:bodyPr>
-            <a:normAutofit fontScale="90000"/>
+            <a:normAutofit/>
           </a:bodyPr>
           <a:lstStyle/>
           <a:p>
+            <a:pPr algn="l"/>
             <a:r>
               <a:rPr lang="en-US" b="1" i="0" dirty="0">
-                <a:solidFill>
-                  <a:srgbClr val="0D0D0D"/>
-                </a:solidFill>
                 <a:effectLst/>
-                <a:latin typeface="Söhne"/>
+                <a:latin typeface="SegoeUIVariable"/>
               </a:rPr>
-              <a:t>Introduction to the String Distance Problem</a:t>
-            </a:r>
-            <a:endParaRPr lang="en-US" dirty="0"/>
+              <a:t>What is Editing Distance?</a:t>
+            </a:r>
           </a:p>
         </p:txBody>
       </p:sp>
@@ -21653,14 +21656,18 @@
               <a:buChar char="•"/>
             </a:pPr>
             <a:r>
+              <a:rPr lang="en-US" b="1" i="0" dirty="0">
+                <a:effectLst/>
+                <a:latin typeface="SegoeUIVariable"/>
+              </a:rPr>
+              <a:t>Definition</a:t>
+            </a:r>
+            <a:r>
               <a:rPr lang="en-US" b="0" i="0" dirty="0">
-                <a:solidFill>
-                  <a:srgbClr val="0D0D0D"/>
-                </a:solidFill>
                 <a:effectLst/>
-                <a:latin typeface="Söhne"/>
+                <a:latin typeface="SegoeUIVariable"/>
               </a:rPr>
-              <a:t>Description of the problem: Measuring the distance between two strings, typically defined as the minimum number of operations required to transform one string into the other.</a:t>
+              <a:t>: The minimum number of operations (insertions, deletions, or substitutions) needed to transform one string into another.</a:t>
             </a:r>
           </a:p>
           <a:p>
@@ -21670,13 +21677,10 @@
             </a:pPr>
             <a:r>
               <a:rPr lang="en-US" b="0" i="0" dirty="0">
-                <a:solidFill>
-                  <a:srgbClr val="0D0D0D"/>
-                </a:solidFill>
                 <a:effectLst/>
-                <a:latin typeface="Söhne"/>
+                <a:latin typeface="SegoeUIVariable"/>
               </a:rPr>
-              <a:t>Operations: Insertion, deletion, substitution.</a:t>
+              <a:t>Widely used in natural language processing, bioinformatics, and spell correction.</a:t>
             </a:r>
           </a:p>
           <a:p>
@@ -21778,7 +21782,7 @@
           <p:cNvPr id="2" name="Title 1">
             <a:extLst>
               <a:ext uri="{FF2B5EF4-FFF2-40B4-BE49-F238E27FC236}">
-                <a16:creationId xmlns:a16="http://schemas.microsoft.com/office/drawing/2014/main" id="{0124B492-70E8-4F4C-6632-413366D6CBEC}"/>
+                <a16:creationId xmlns:a16="http://schemas.microsoft.com/office/drawing/2014/main" id="{6662D338-8267-33EB-5259-B794D0C13FDC}"/>
               </a:ext>
             </a:extLst>
           </p:cNvPr>
@@ -21791,20 +21795,19 @@
         </p:nvSpPr>
         <p:spPr/>
         <p:txBody>
-          <a:bodyPr/>
+          <a:bodyPr>
+            <a:normAutofit/>
+          </a:bodyPr>
           <a:lstStyle/>
           <a:p>
+            <a:pPr algn="l"/>
             <a:r>
               <a:rPr lang="en-US" b="1" i="0" dirty="0">
-                <a:solidFill>
-                  <a:srgbClr val="0D0D0D"/>
-                </a:solidFill>
                 <a:effectLst/>
-                <a:latin typeface="Söhne"/>
+                <a:latin typeface="SegoeUIVariable"/>
               </a:rPr>
-              <a:t>Why Use Dynamic Programming?</a:t>
-            </a:r>
-            <a:endParaRPr lang="en-US" dirty="0"/>
+              <a:t>Operations Allowed</a:t>
+            </a:r>
           </a:p>
         </p:txBody>
       </p:sp>
@@ -21813,7 +21816,7 @@
           <p:cNvPr id="3" name="Content Placeholder 2">
             <a:extLst>
               <a:ext uri="{FF2B5EF4-FFF2-40B4-BE49-F238E27FC236}">
-                <a16:creationId xmlns:a16="http://schemas.microsoft.com/office/drawing/2014/main" id="{0BC67C61-2F8B-C871-8187-71DA9ADC0142}"/>
+                <a16:creationId xmlns:a16="http://schemas.microsoft.com/office/drawing/2014/main" id="{304534E9-656A-58E1-4AB2-95668CA5BD1F}"/>
               </a:ext>
             </a:extLst>
           </p:cNvPr>
@@ -21830,34 +21833,62 @@
           <a:lstStyle/>
           <a:p>
             <a:pPr algn="l">
-              <a:buFont typeface="Arial" panose="020B0604020202020204" pitchFamily="34" charset="0"/>
-              <a:buChar char="•"/>
+              <a:buFont typeface="+mj-lt"/>
+              <a:buAutoNum type="arabicPeriod"/>
             </a:pPr>
             <a:r>
+              <a:rPr lang="en-US" b="1" i="0" dirty="0">
+                <a:effectLst/>
+                <a:latin typeface="SegoeUIVariable"/>
+              </a:rPr>
+              <a:t>Insert</a:t>
+            </a:r>
+            <a:r>
               <a:rPr lang="en-US" b="0" i="0" dirty="0">
-                <a:solidFill>
-                  <a:srgbClr val="0D0D0D"/>
-                </a:solidFill>
                 <a:effectLst/>
-                <a:latin typeface="Söhne"/>
+                <a:latin typeface="SegoeUIVariable"/>
               </a:rPr>
-              <a:t>Explanation of dynamic programming (DP) as an optimization over plain recursion.</a:t>
+              <a:t>: Add a character before or after any index in the first string.</a:t>
             </a:r>
           </a:p>
           <a:p>
             <a:pPr algn="l">
-              <a:buFont typeface="Arial" panose="020B0604020202020204" pitchFamily="34" charset="0"/>
-              <a:buChar char="•"/>
+              <a:buFont typeface="+mj-lt"/>
+              <a:buAutoNum type="arabicPeriod"/>
             </a:pPr>
             <a:r>
+              <a:rPr lang="en-US" b="1" i="0" dirty="0">
+                <a:effectLst/>
+                <a:latin typeface="SegoeUIVariable"/>
+              </a:rPr>
+              <a:t>Remove</a:t>
+            </a:r>
+            <a:r>
               <a:rPr lang="en-US" b="0" i="0" dirty="0">
-                <a:solidFill>
-                  <a:srgbClr val="0D0D0D"/>
-                </a:solidFill>
                 <a:effectLst/>
-                <a:latin typeface="Söhne"/>
+                <a:latin typeface="SegoeUIVariable"/>
               </a:rPr>
-              <a:t>DP stores the results of subproblems to avoid recomputing them, making it efficient for the string distance problem.</a:t>
+              <a:t>: Delete a character from the first string.</a:t>
+            </a:r>
+          </a:p>
+          <a:p>
+            <a:pPr algn="l">
+              <a:buFont typeface="+mj-lt"/>
+              <a:buAutoNum type="arabicPeriod"/>
+            </a:pPr>
+            <a:r>
+              <a:rPr lang="en-US" b="1" i="0" dirty="0">
+                <a:effectLst/>
+                <a:latin typeface="SegoeUIVariable"/>
+              </a:rPr>
+              <a:t>Replace</a:t>
+            </a:r>
+            <a:r>
+              <a:rPr lang="en-US" b="0" i="0" dirty="0">
+                <a:effectLst/>
+                <a:latin typeface="SegoeUIVariable"/>
+              </a:rPr>
+              <a:t>: Change a character at any index in the first string.</a:t>
             </a:r>
           </a:p>
           <a:p>
@@ -21870,7 +21901,7 @@
           <p:cNvPr id="4" name="Footer Placeholder 3">
             <a:extLst>
               <a:ext uri="{FF2B5EF4-FFF2-40B4-BE49-F238E27FC236}">
-                <a16:creationId xmlns:a16="http://schemas.microsoft.com/office/drawing/2014/main" id="{60B52187-FEEF-40D9-B6F7-0DF5261B15E7}"/>
+                <a16:creationId xmlns:a16="http://schemas.microsoft.com/office/drawing/2014/main" id="{77A78F5E-1CE0-A72C-EFAB-D9D604D49049}"/>
               </a:ext>
             </a:extLst>
           </p:cNvPr>
@@ -21899,7 +21930,7 @@
           <p:cNvPr id="5" name="Slide Number Placeholder 4">
             <a:extLst>
               <a:ext uri="{FF2B5EF4-FFF2-40B4-BE49-F238E27FC236}">
-                <a16:creationId xmlns:a16="http://schemas.microsoft.com/office/drawing/2014/main" id="{2BC9EDD5-91E0-549D-4BC9-854A815D63FF}"/>
+                <a16:creationId xmlns:a16="http://schemas.microsoft.com/office/drawing/2014/main" id="{B5C9D087-579B-75B1-21B3-F1AA3C1F6325}"/>
               </a:ext>
             </a:extLst>
           </p:cNvPr>
@@ -21927,7 +21958,7 @@
     </p:spTree>
     <p:extLst>
       <p:ext uri="{BB962C8B-B14F-4D97-AF65-F5344CB8AC3E}">
-        <p14:creationId xmlns:p14="http://schemas.microsoft.com/office/powerpoint/2010/main" val="945990922"/>
+        <p14:creationId xmlns:p14="http://schemas.microsoft.com/office/powerpoint/2010/main" val="248156003"/>
       </p:ext>
     </p:extLst>
   </p:cSld>
@@ -21959,7 +21990,7 @@
           <p:cNvPr id="2" name="Title 1">
             <a:extLst>
               <a:ext uri="{FF2B5EF4-FFF2-40B4-BE49-F238E27FC236}">
-                <a16:creationId xmlns:a16="http://schemas.microsoft.com/office/drawing/2014/main" id="{022ACE12-D544-D486-D995-8459ECCF6EA7}"/>
+                <a16:creationId xmlns:a16="http://schemas.microsoft.com/office/drawing/2014/main" id="{B076422F-DBBB-8780-966D-FB78E72F6D99}"/>
               </a:ext>
             </a:extLst>
           </p:cNvPr>
@@ -21973,19 +22004,16 @@
         <p:spPr/>
         <p:txBody>
           <a:bodyPr>
-            <a:normAutofit fontScale="90000"/>
+            <a:normAutofit/>
           </a:bodyPr>
           <a:lstStyle/>
           <a:p>
             <a:r>
               <a:rPr lang="en-US" b="1" i="0" dirty="0">
-                <a:solidFill>
-                  <a:srgbClr val="0D0D0D"/>
-                </a:solidFill>
                 <a:effectLst/>
-                <a:latin typeface="Söhne"/>
+                <a:latin typeface="SegoeUIVariable"/>
               </a:rPr>
-              <a:t>Understanding the Problem with an Example</a:t>
+              <a:t>Example 1</a:t>
             </a:r>
             <a:endParaRPr lang="en-US" dirty="0"/>
           </a:p>
@@ -21996,7 +22024,7 @@
           <p:cNvPr id="3" name="Content Placeholder 2">
             <a:extLst>
               <a:ext uri="{FF2B5EF4-FFF2-40B4-BE49-F238E27FC236}">
-                <a16:creationId xmlns:a16="http://schemas.microsoft.com/office/drawing/2014/main" id="{81CA2E35-7AE3-F1CC-46C4-D817B59E5316}"/>
+                <a16:creationId xmlns:a16="http://schemas.microsoft.com/office/drawing/2014/main" id="{23C7EBB2-5DFC-97A7-7DEC-2663B945DDE4}"/>
               </a:ext>
             </a:extLst>
           </p:cNvPr>
@@ -22012,35 +22040,114 @@
           <a:bodyPr/>
           <a:lstStyle/>
           <a:p>
-            <a:pPr algn="l">
-              <a:buFont typeface="Arial" panose="020B0604020202020204" pitchFamily="34" charset="0"/>
-              <a:buChar char="•"/>
+            <a:r>
+              <a:rPr lang="en-US" b="1" i="0" dirty="0">
+                <a:effectLst/>
+                <a:latin typeface="SegoeUIVariable"/>
+              </a:rPr>
+              <a:t>Transforming “rain” to “shine”</a:t>
+            </a:r>
+          </a:p>
+          <a:p>
+            <a:pPr lvl="1">
+              <a:buFont typeface="+mj-lt"/>
+              <a:buAutoNum type="arabicPeriod"/>
             </a:pPr>
             <a:r>
+              <a:rPr lang="en-US" b="1" i="0" dirty="0">
+                <a:effectLst/>
+                <a:latin typeface="SegoeUIVariable"/>
+              </a:rPr>
+              <a:t>rain</a:t>
+            </a:r>
+            <a:r>
               <a:rPr lang="en-US" b="0" i="0" dirty="0">
-                <a:solidFill>
-                  <a:srgbClr val="0D0D0D"/>
-                </a:solidFill>
                 <a:effectLst/>
-                <a:latin typeface="Söhne"/>
+                <a:latin typeface="SegoeUIVariable"/>
               </a:rPr>
-              <a:t>Introduce a simple example, e.g., transforming "kitten" into "sitting".</a:t>
-            </a:r>
-          </a:p>
-          <a:p>
-            <a:pPr algn="l">
-              <a:buFont typeface="Arial" panose="020B0604020202020204" pitchFamily="34" charset="0"/>
-              <a:buChar char="•"/>
+              <a:t> → </a:t>
+            </a:r>
+            <a:r>
+              <a:rPr lang="en-US" b="1" i="0" dirty="0" err="1">
+                <a:effectLst/>
+                <a:latin typeface="SegoeUIVariable"/>
+              </a:rPr>
+              <a:t>sain</a:t>
+            </a:r>
+            <a:r>
+              <a:rPr lang="en-US" b="0" i="0" dirty="0">
+                <a:effectLst/>
+                <a:latin typeface="SegoeUIVariable"/>
+              </a:rPr>
+              <a:t> (substitution of “s” for “r”)</a:t>
+            </a:r>
+          </a:p>
+          <a:p>
+            <a:pPr lvl="1">
+              <a:buFont typeface="+mj-lt"/>
+              <a:buAutoNum type="arabicPeriod"/>
             </a:pPr>
             <a:r>
+              <a:rPr lang="en-US" b="1" i="0" dirty="0" err="1">
+                <a:effectLst/>
+                <a:latin typeface="SegoeUIVariable"/>
+              </a:rPr>
+              <a:t>sain</a:t>
+            </a:r>
+            <a:r>
               <a:rPr lang="en-US" b="0" i="0" dirty="0">
-                <a:solidFill>
-                  <a:srgbClr val="0D0D0D"/>
-                </a:solidFill>
                 <a:effectLst/>
-                <a:latin typeface="Söhne"/>
+                <a:latin typeface="SegoeUIVariable"/>
               </a:rPr>
-              <a:t>Discuss the concept of edit distance and operations involved.</a:t>
+              <a:t> → </a:t>
+            </a:r>
+            <a:r>
+              <a:rPr lang="en-US" b="1" i="0" dirty="0">
+                <a:effectLst/>
+                <a:latin typeface="SegoeUIVariable"/>
+              </a:rPr>
+              <a:t>shin</a:t>
+            </a:r>
+            <a:r>
+              <a:rPr lang="en-US" b="0" i="0" dirty="0">
+                <a:effectLst/>
+                <a:latin typeface="SegoeUIVariable"/>
+              </a:rPr>
+              <a:t> (substitution of “h” for “a”)</a:t>
+            </a:r>
+          </a:p>
+          <a:p>
+            <a:pPr lvl="1">
+              <a:buFont typeface="+mj-lt"/>
+              <a:buAutoNum type="arabicPeriod"/>
+            </a:pPr>
+            <a:r>
+              <a:rPr lang="en-US" b="1" i="0" dirty="0">
+                <a:effectLst/>
+                <a:latin typeface="SegoeUIVariable"/>
+              </a:rPr>
+              <a:t>shin</a:t>
+            </a:r>
+            <a:r>
+              <a:rPr lang="en-US" b="0" i="0" dirty="0">
+                <a:effectLst/>
+                <a:latin typeface="SegoeUIVariable"/>
+              </a:rPr>
+              <a:t> → </a:t>
+            </a:r>
+            <a:r>
+              <a:rPr lang="en-US" b="1" i="0" dirty="0">
+                <a:effectLst/>
+                <a:latin typeface="SegoeUIVariable"/>
+              </a:rPr>
+              <a:t>shine</a:t>
+            </a:r>
+            <a:r>
+              <a:rPr lang="en-US" b="0" i="0" dirty="0">
+                <a:effectLst/>
+                <a:latin typeface="SegoeUIVariable"/>
+              </a:rPr>
+              <a:t> (insertion of “e” at the end)</a:t>
             </a:r>
           </a:p>
           <a:p>
@@ -22053,7 +22160,7 @@
           <p:cNvPr id="4" name="Footer Placeholder 3">
             <a:extLst>
               <a:ext uri="{FF2B5EF4-FFF2-40B4-BE49-F238E27FC236}">
-                <a16:creationId xmlns:a16="http://schemas.microsoft.com/office/drawing/2014/main" id="{72EB84A1-BB8F-8D88-E43F-F86C44972471}"/>
+                <a16:creationId xmlns:a16="http://schemas.microsoft.com/office/drawing/2014/main" id="{96A4EEED-5F11-6113-DF3A-31862706A238}"/>
               </a:ext>
             </a:extLst>
           </p:cNvPr>
@@ -22082,7 +22189,7 @@
           <p:cNvPr id="5" name="Slide Number Placeholder 4">
             <a:extLst>
               <a:ext uri="{FF2B5EF4-FFF2-40B4-BE49-F238E27FC236}">
-                <a16:creationId xmlns:a16="http://schemas.microsoft.com/office/drawing/2014/main" id="{96C37D8C-3A41-AB99-1C27-679CD87A50F5}"/>
+                <a16:creationId xmlns:a16="http://schemas.microsoft.com/office/drawing/2014/main" id="{CA77F932-FC3E-318B-7A12-D1FAEA9695C2}"/>
               </a:ext>
             </a:extLst>
           </p:cNvPr>
@@ -22110,7 +22217,7 @@
     </p:spTree>
     <p:extLst>
       <p:ext uri="{BB962C8B-B14F-4D97-AF65-F5344CB8AC3E}">
-        <p14:creationId xmlns:p14="http://schemas.microsoft.com/office/powerpoint/2010/main" val="714495555"/>
+        <p14:creationId xmlns:p14="http://schemas.microsoft.com/office/powerpoint/2010/main" val="3756984309"/>
       </p:ext>
     </p:extLst>
   </p:cSld>
@@ -22142,7 +22249,7 @@
           <p:cNvPr id="2" name="Title 1">
             <a:extLst>
               <a:ext uri="{FF2B5EF4-FFF2-40B4-BE49-F238E27FC236}">
-                <a16:creationId xmlns:a16="http://schemas.microsoft.com/office/drawing/2014/main" id="{F28CC4E8-D8F1-8A11-F7BE-FA138FA093CB}"/>
+                <a16:creationId xmlns:a16="http://schemas.microsoft.com/office/drawing/2014/main" id="{B076422F-DBBB-8780-966D-FB78E72F6D99}"/>
               </a:ext>
             </a:extLst>
           </p:cNvPr>
@@ -22155,18 +22262,17 @@
         </p:nvSpPr>
         <p:spPr/>
         <p:txBody>
-          <a:bodyPr/>
+          <a:bodyPr>
+            <a:normAutofit/>
+          </a:bodyPr>
           <a:lstStyle/>
           <a:p>
             <a:r>
               <a:rPr lang="en-US" b="1" i="0" dirty="0">
-                <a:solidFill>
-                  <a:srgbClr val="0D0D0D"/>
-                </a:solidFill>
                 <a:effectLst/>
-                <a:latin typeface="Söhne"/>
+                <a:latin typeface="SegoeUIVariable"/>
               </a:rPr>
-              <a:t>Dynamic Programming Approach</a:t>
+              <a:t>Example 2</a:t>
             </a:r>
             <a:endParaRPr lang="en-US" dirty="0"/>
           </a:p>
@@ -22177,7 +22283,7 @@
           <p:cNvPr id="3" name="Content Placeholder 2">
             <a:extLst>
               <a:ext uri="{FF2B5EF4-FFF2-40B4-BE49-F238E27FC236}">
-                <a16:creationId xmlns:a16="http://schemas.microsoft.com/office/drawing/2014/main" id="{9148262C-B5F1-ECF8-906D-950F64F9974A}"/>
+                <a16:creationId xmlns:a16="http://schemas.microsoft.com/office/drawing/2014/main" id="{23C7EBB2-5DFC-97A7-7DEC-2663B945DDE4}"/>
               </a:ext>
             </a:extLst>
           </p:cNvPr>
@@ -22193,35 +22299,46 @@
           <a:bodyPr/>
           <a:lstStyle/>
           <a:p>
-            <a:pPr algn="l">
+            <a:r>
+              <a:rPr lang="en-US" b="1" i="0" dirty="0">
+                <a:effectLst/>
+                <a:latin typeface="SegoeUIVariable"/>
+              </a:rPr>
+              <a:t>Transforming “cat” to “cut”</a:t>
+            </a:r>
+          </a:p>
+          <a:p>
+            <a:pPr lvl="1">
               <a:buFont typeface="Arial" panose="020B0604020202020204" pitchFamily="34" charset="0"/>
               <a:buChar char="•"/>
             </a:pPr>
             <a:r>
+              <a:rPr lang="en-US" b="1" i="0" dirty="0">
+                <a:effectLst/>
+                <a:latin typeface="SegoeUIVariable"/>
+              </a:rPr>
+              <a:t>cat</a:t>
+            </a:r>
+            <a:r>
               <a:rPr lang="en-US" b="0" i="0" dirty="0">
-                <a:solidFill>
-                  <a:srgbClr val="0D0D0D"/>
-                </a:solidFill>
                 <a:effectLst/>
-                <a:latin typeface="Söhne"/>
+                <a:latin typeface="SegoeUIVariable"/>
               </a:rPr>
-              <a:t>Introduce the DP table (2D matrix) concept, with rows as one string and columns as the other.</a:t>
-            </a:r>
-          </a:p>
-          <a:p>
-            <a:pPr algn="l">
-              <a:buFont typeface="Arial" panose="020B0604020202020204" pitchFamily="34" charset="0"/>
-              <a:buChar char="•"/>
-            </a:pPr>
+              <a:t> → </a:t>
+            </a:r>
+            <a:r>
+              <a:rPr lang="en-US" b="1" i="0" dirty="0">
+                <a:effectLst/>
+                <a:latin typeface="SegoeUIVariable"/>
+              </a:rPr>
+              <a:t>cut</a:t>
+            </a:r>
             <a:r>
               <a:rPr lang="en-US" b="0" i="0" dirty="0">
-                <a:solidFill>
-                  <a:srgbClr val="0D0D0D"/>
-                </a:solidFill>
                 <a:effectLst/>
-                <a:latin typeface="Söhne"/>
+                <a:latin typeface="SegoeUIVariable"/>
               </a:rPr>
-              <a:t>Explain how each cell in the table represents the edit distance between substrings.</a:t>
+              <a:t> (substitution of “a” with “u”)</a:t>
             </a:r>
           </a:p>
           <a:p>
@@ -22234,7 +22351,7 @@
           <p:cNvPr id="4" name="Footer Placeholder 3">
             <a:extLst>
               <a:ext uri="{FF2B5EF4-FFF2-40B4-BE49-F238E27FC236}">
-                <a16:creationId xmlns:a16="http://schemas.microsoft.com/office/drawing/2014/main" id="{73002E88-3F69-1D2C-9641-F57C94F825DE}"/>
+                <a16:creationId xmlns:a16="http://schemas.microsoft.com/office/drawing/2014/main" id="{96A4EEED-5F11-6113-DF3A-31862706A238}"/>
               </a:ext>
             </a:extLst>
           </p:cNvPr>
@@ -22263,7 +22380,7 @@
           <p:cNvPr id="5" name="Slide Number Placeholder 4">
             <a:extLst>
               <a:ext uri="{FF2B5EF4-FFF2-40B4-BE49-F238E27FC236}">
-                <a16:creationId xmlns:a16="http://schemas.microsoft.com/office/drawing/2014/main" id="{18FB2E16-4835-08F1-CADA-66A784052899}"/>
+                <a16:creationId xmlns:a16="http://schemas.microsoft.com/office/drawing/2014/main" id="{CA77F932-FC3E-318B-7A12-D1FAEA9695C2}"/>
               </a:ext>
             </a:extLst>
           </p:cNvPr>
@@ -22291,7 +22408,7 @@
     </p:spTree>
     <p:extLst>
       <p:ext uri="{BB962C8B-B14F-4D97-AF65-F5344CB8AC3E}">
-        <p14:creationId xmlns:p14="http://schemas.microsoft.com/office/powerpoint/2010/main" val="1004976490"/>
+        <p14:creationId xmlns:p14="http://schemas.microsoft.com/office/powerpoint/2010/main" val="3601915760"/>
       </p:ext>
     </p:extLst>
   </p:cSld>
@@ -22323,7 +22440,7 @@
           <p:cNvPr id="2" name="Title 1">
             <a:extLst>
               <a:ext uri="{FF2B5EF4-FFF2-40B4-BE49-F238E27FC236}">
-                <a16:creationId xmlns:a16="http://schemas.microsoft.com/office/drawing/2014/main" id="{EBBB9356-79CC-328C-0D1D-1FFB63F57554}"/>
+                <a16:creationId xmlns:a16="http://schemas.microsoft.com/office/drawing/2014/main" id="{B076422F-DBBB-8780-966D-FB78E72F6D99}"/>
               </a:ext>
             </a:extLst>
           </p:cNvPr>
@@ -22336,18 +22453,17 @@
         </p:nvSpPr>
         <p:spPr/>
         <p:txBody>
-          <a:bodyPr/>
+          <a:bodyPr>
+            <a:normAutofit/>
+          </a:bodyPr>
           <a:lstStyle/>
           <a:p>
             <a:r>
-              <a:rPr lang="en-US" b="1" i="0">
-                <a:solidFill>
-                  <a:srgbClr val="0D0D0D"/>
-                </a:solidFill>
+              <a:rPr lang="en-US" b="1" i="0" dirty="0">
                 <a:effectLst/>
-                <a:latin typeface="Söhne"/>
+                <a:latin typeface="SegoeUIVariable"/>
               </a:rPr>
-              <a:t>Algorithm Explanation</a:t>
+              <a:t>Example 3</a:t>
             </a:r>
             <a:endParaRPr lang="en-US" dirty="0"/>
           </a:p>
@@ -22358,7 +22474,7 @@
           <p:cNvPr id="3" name="Content Placeholder 2">
             <a:extLst>
               <a:ext uri="{FF2B5EF4-FFF2-40B4-BE49-F238E27FC236}">
-                <a16:creationId xmlns:a16="http://schemas.microsoft.com/office/drawing/2014/main" id="{D7C28280-A6F4-1671-263D-2B976D7719B1}"/>
+                <a16:creationId xmlns:a16="http://schemas.microsoft.com/office/drawing/2014/main" id="{23C7EBB2-5DFC-97A7-7DEC-2663B945DDE4}"/>
               </a:ext>
             </a:extLst>
           </p:cNvPr>
@@ -22374,107 +22490,111 @@
           <a:bodyPr/>
           <a:lstStyle/>
           <a:p>
-            <a:pPr algn="l">
+            <a:pPr algn="l"/>
+            <a:r>
+              <a:rPr lang="en-US" b="1" i="0" dirty="0">
+                <a:effectLst/>
+                <a:latin typeface="SegoeUIVariable"/>
+              </a:rPr>
+              <a:t>Transforming “</a:t>
+            </a:r>
+            <a:r>
+              <a:rPr lang="en-US" b="1" i="0" dirty="0" err="1">
+                <a:effectLst/>
+                <a:latin typeface="SegoeUIVariable"/>
+              </a:rPr>
+              <a:t>sunday</a:t>
+            </a:r>
+            <a:r>
+              <a:rPr lang="en-US" b="1" i="0" dirty="0">
+                <a:effectLst/>
+                <a:latin typeface="SegoeUIVariable"/>
+              </a:rPr>
+              <a:t>” to “</a:t>
+            </a:r>
+            <a:r>
+              <a:rPr lang="en-US" b="1" i="0" dirty="0" err="1">
+                <a:effectLst/>
+                <a:latin typeface="SegoeUIVariable"/>
+              </a:rPr>
+              <a:t>saturday</a:t>
+            </a:r>
+            <a:r>
+              <a:rPr lang="en-US" b="1" i="0" dirty="0">
+                <a:effectLst/>
+                <a:latin typeface="SegoeUIVariable"/>
+              </a:rPr>
+              <a:t>”</a:t>
+            </a:r>
+          </a:p>
+          <a:p>
+            <a:pPr lvl="1">
               <a:buFont typeface="Arial" panose="020B0604020202020204" pitchFamily="34" charset="0"/>
               <a:buChar char="•"/>
             </a:pPr>
             <a:r>
               <a:rPr lang="en-US" b="0" i="0" dirty="0">
-                <a:solidFill>
-                  <a:srgbClr val="0D0D0D"/>
-                </a:solidFill>
                 <a:effectLst/>
-                <a:latin typeface="Söhne"/>
+                <a:latin typeface="SegoeUIVariable"/>
               </a:rPr>
-              <a:t>Step-by-step explanation of filling the DP table.</a:t>
-            </a:r>
-          </a:p>
-          <a:p>
-            <a:pPr marL="742950" lvl="1" indent="-285750" algn="l">
+              <a:t>Last three and first characters are the same.</a:t>
+            </a:r>
+          </a:p>
+          <a:p>
+            <a:pPr lvl="1">
               <a:buFont typeface="Arial" panose="020B0604020202020204" pitchFamily="34" charset="0"/>
               <a:buChar char="•"/>
             </a:pPr>
             <a:r>
               <a:rPr lang="en-US" b="0" i="0" dirty="0">
-                <a:solidFill>
-                  <a:srgbClr val="0D0D0D"/>
-                </a:solidFill>
                 <a:effectLst/>
-                <a:latin typeface="Söhne"/>
+                <a:latin typeface="SegoeUIVariable"/>
               </a:rPr>
-              <a:t>Base cases: Filling out the first row and column.</a:t>
-            </a:r>
-          </a:p>
-          <a:p>
-            <a:pPr marL="742950" lvl="1" indent="-285750" algn="l">
-              <a:buFont typeface="Arial" panose="020B0604020202020204" pitchFamily="34" charset="0"/>
-              <a:buChar char="•"/>
-            </a:pPr>
+              <a:t>We need to convert “un” to “</a:t>
+            </a:r>
+            <a:r>
+              <a:rPr lang="en-US" b="0" i="0" dirty="0" err="1">
+                <a:effectLst/>
+                <a:latin typeface="SegoeUIVariable"/>
+              </a:rPr>
+              <a:t>atur</a:t>
+            </a:r>
             <a:r>
               <a:rPr lang="en-US" b="0" i="0" dirty="0">
-                <a:solidFill>
-                  <a:srgbClr val="0D0D0D"/>
-                </a:solidFill>
                 <a:effectLst/>
-                <a:latin typeface="Söhne"/>
+                <a:latin typeface="SegoeUIVariable"/>
               </a:rPr>
-              <a:t>Recursive formula: DP[</a:t>
-            </a:r>
-            <a:r>
-              <a:rPr lang="en-US" b="0" i="0" dirty="0" err="1">
-                <a:solidFill>
-                  <a:srgbClr val="0D0D0D"/>
-                </a:solidFill>
+              <a:t>”:</a:t>
+            </a:r>
+          </a:p>
+          <a:p>
+            <a:pPr lvl="2" indent="-285750"/>
+            <a:r>
+              <a:rPr lang="en-US" b="0" i="0" dirty="0">
                 <a:effectLst/>
-                <a:latin typeface="Söhne"/>
+                <a:latin typeface="SegoeUIVariable"/>
               </a:rPr>
-              <a:t>i</a:t>
-            </a:r>
+              <a:t>Replace ‘n’ with ‘r’</a:t>
+            </a:r>
+          </a:p>
+          <a:p>
+            <a:pPr lvl="2" indent="-285750"/>
             <a:r>
               <a:rPr lang="en-US" b="0" i="0" dirty="0">
-                <a:solidFill>
-                  <a:srgbClr val="0D0D0D"/>
-                </a:solidFill>
                 <a:effectLst/>
-                <a:latin typeface="Söhne"/>
+                <a:latin typeface="SegoeUIVariable"/>
               </a:rPr>
-              <a:t>][j] = min(DP[i-1][j-1] + cost of substitution, DP[i-1][j] + 1, DP[</a:t>
-            </a:r>
-            <a:r>
-              <a:rPr lang="en-US" b="0" i="0" dirty="0" err="1">
-                <a:solidFill>
-                  <a:srgbClr val="0D0D0D"/>
-                </a:solidFill>
+              <a:t>Insert ‘t’</a:t>
+            </a:r>
+          </a:p>
+          <a:p>
+            <a:pPr lvl="2" indent="-285750"/>
+            <a:r>
+              <a:rPr lang="en-US" b="0" i="0" dirty="0">
                 <a:effectLst/>
-                <a:latin typeface="Söhne"/>
+                <a:latin typeface="SegoeUIVariable"/>
               </a:rPr>
-              <a:t>i</a:t>
-            </a:r>
-            <a:r>
-              <a:rPr lang="en-US" b="0" i="0" dirty="0">
-                <a:solidFill>
-                  <a:srgbClr val="0D0D0D"/>
-                </a:solidFill>
-                <a:effectLst/>
-                <a:latin typeface="Söhne"/>
-              </a:rPr>
-              <a:t>][j-1] + 1).</a:t>
-            </a:r>
-          </a:p>
-          <a:p>
-            <a:pPr algn="l">
-              <a:buFont typeface="Arial" panose="020B0604020202020204" pitchFamily="34" charset="0"/>
-              <a:buChar char="•"/>
-            </a:pPr>
-            <a:r>
-              <a:rPr lang="en-US" b="0" i="0" dirty="0">
-                <a:solidFill>
-                  <a:srgbClr val="0D0D0D"/>
-                </a:solidFill>
-                <a:effectLst/>
-                <a:latin typeface="Söhne"/>
-              </a:rPr>
-              <a:t>Include the decision for each operation (insert, delete, substitute).</a:t>
+              <a:t>Insert ‘a’</a:t>
             </a:r>
           </a:p>
           <a:p>
@@ -22487,7 +22607,7 @@
           <p:cNvPr id="4" name="Footer Placeholder 3">
             <a:extLst>
               <a:ext uri="{FF2B5EF4-FFF2-40B4-BE49-F238E27FC236}">
-                <a16:creationId xmlns:a16="http://schemas.microsoft.com/office/drawing/2014/main" id="{73595637-FAC7-E2F7-58B7-2764AA30A2FC}"/>
+                <a16:creationId xmlns:a16="http://schemas.microsoft.com/office/drawing/2014/main" id="{96A4EEED-5F11-6113-DF3A-31862706A238}"/>
               </a:ext>
             </a:extLst>
           </p:cNvPr>
@@ -22516,7 +22636,7 @@
           <p:cNvPr id="5" name="Slide Number Placeholder 4">
             <a:extLst>
               <a:ext uri="{FF2B5EF4-FFF2-40B4-BE49-F238E27FC236}">
-                <a16:creationId xmlns:a16="http://schemas.microsoft.com/office/drawing/2014/main" id="{D46EEF51-F39C-07BB-AA9F-449A78281993}"/>
+                <a16:creationId xmlns:a16="http://schemas.microsoft.com/office/drawing/2014/main" id="{CA77F932-FC3E-318B-7A12-D1FAEA9695C2}"/>
               </a:ext>
             </a:extLst>
           </p:cNvPr>
@@ -22544,7 +22664,7 @@
     </p:spTree>
     <p:extLst>
       <p:ext uri="{BB962C8B-B14F-4D97-AF65-F5344CB8AC3E}">
-        <p14:creationId xmlns:p14="http://schemas.microsoft.com/office/powerpoint/2010/main" val="1512729465"/>
+        <p14:creationId xmlns:p14="http://schemas.microsoft.com/office/powerpoint/2010/main" val="2007043077"/>
       </p:ext>
     </p:extLst>
   </p:cSld>
@@ -22576,7 +22696,7 @@
           <p:cNvPr id="2" name="Title 1">
             <a:extLst>
               <a:ext uri="{FF2B5EF4-FFF2-40B4-BE49-F238E27FC236}">
-                <a16:creationId xmlns:a16="http://schemas.microsoft.com/office/drawing/2014/main" id="{4496A4A3-F844-28A4-BC22-0FA732FAF74D}"/>
+                <a16:creationId xmlns:a16="http://schemas.microsoft.com/office/drawing/2014/main" id="{0124B492-70E8-4F4C-6632-413366D6CBEC}"/>
               </a:ext>
             </a:extLst>
           </p:cNvPr>
@@ -22592,17 +22712,14 @@
           <a:bodyPr/>
           <a:lstStyle/>
           <a:p>
+            <a:pPr algn="l"/>
             <a:r>
               <a:rPr lang="en-US" b="1" i="0" dirty="0">
-                <a:solidFill>
-                  <a:srgbClr val="0D0D0D"/>
-                </a:solidFill>
                 <a:effectLst/>
-                <a:latin typeface="Söhne"/>
+                <a:latin typeface="SegoeUIVariable"/>
               </a:rPr>
-              <a:t>Walkthrough with the Example</a:t>
-            </a:r>
-            <a:endParaRPr lang="en-US" dirty="0"/>
+              <a:t>Recursive Approach</a:t>
+            </a:r>
           </a:p>
         </p:txBody>
       </p:sp>
@@ -22611,7 +22728,7 @@
           <p:cNvPr id="3" name="Content Placeholder 2">
             <a:extLst>
               <a:ext uri="{FF2B5EF4-FFF2-40B4-BE49-F238E27FC236}">
-                <a16:creationId xmlns:a16="http://schemas.microsoft.com/office/drawing/2014/main" id="{29AD4EB0-173C-8515-1D93-C380663CDBF4}"/>
+                <a16:creationId xmlns:a16="http://schemas.microsoft.com/office/drawing/2014/main" id="{0BC67C61-2F8B-C871-8187-71DA9ADC0142}"/>
               </a:ext>
             </a:extLst>
           </p:cNvPr>
@@ -22633,13 +22750,10 @@
             </a:pPr>
             <a:r>
               <a:rPr lang="en-US" b="0" i="0" dirty="0">
-                <a:solidFill>
-                  <a:srgbClr val="0D0D0D"/>
-                </a:solidFill>
                 <a:effectLst/>
-                <a:latin typeface="Söhne"/>
+                <a:latin typeface="SegoeUIVariable"/>
               </a:rPr>
-              <a:t>Apply the algorithm to the "kitten" → "sitting" example, filling the DP table step by step.</a:t>
+              <a:t>Process characters one by one from either end of both strings.</a:t>
             </a:r>
           </a:p>
           <a:p>
@@ -22649,13 +22763,36 @@
             </a:pPr>
             <a:r>
               <a:rPr lang="en-US" b="0" i="0" dirty="0">
-                <a:solidFill>
-                  <a:srgbClr val="0D0D0D"/>
-                </a:solidFill>
                 <a:effectLst/>
-                <a:latin typeface="Söhne"/>
+                <a:latin typeface="SegoeUIVariable"/>
               </a:rPr>
-              <a:t>Show how to trace back from the final cell to understand the sequence of operations.</a:t>
+              <a:t>If last characters match, recursively calculate the answer for the remaining parts.</a:t>
+            </a:r>
+          </a:p>
+          <a:p>
+            <a:pPr algn="l">
+              <a:buFont typeface="Arial" panose="020B0604020202020204" pitchFamily="34" charset="0"/>
+              <a:buChar char="•"/>
+            </a:pPr>
+            <a:r>
+              <a:rPr lang="en-US" b="0" i="0" dirty="0">
+                <a:effectLst/>
+                <a:latin typeface="SegoeUIVariable"/>
+              </a:rPr>
+              <a:t>When last characters don’t match, perform insert, replace, and remove operations.</a:t>
+            </a:r>
+          </a:p>
+          <a:p>
+            <a:pPr algn="l">
+              <a:buFont typeface="Arial" panose="020B0604020202020204" pitchFamily="34" charset="0"/>
+              <a:buChar char="•"/>
+            </a:pPr>
+            <a:r>
+              <a:rPr lang="en-US" b="0" i="0" dirty="0">
+                <a:effectLst/>
+                <a:latin typeface="SegoeUIVariable"/>
+              </a:rPr>
+              <a:t>Select the minimum answer.</a:t>
             </a:r>
           </a:p>
           <a:p>
@@ -22668,7 +22805,7 @@
           <p:cNvPr id="4" name="Footer Placeholder 3">
             <a:extLst>
               <a:ext uri="{FF2B5EF4-FFF2-40B4-BE49-F238E27FC236}">
-                <a16:creationId xmlns:a16="http://schemas.microsoft.com/office/drawing/2014/main" id="{4CA87789-0F2C-98B8-A91B-5F6CA9CB0F0B}"/>
+                <a16:creationId xmlns:a16="http://schemas.microsoft.com/office/drawing/2014/main" id="{60B52187-FEEF-40D9-B6F7-0DF5261B15E7}"/>
               </a:ext>
             </a:extLst>
           </p:cNvPr>
@@ -22697,7 +22834,7 @@
           <p:cNvPr id="5" name="Slide Number Placeholder 4">
             <a:extLst>
               <a:ext uri="{FF2B5EF4-FFF2-40B4-BE49-F238E27FC236}">
-                <a16:creationId xmlns:a16="http://schemas.microsoft.com/office/drawing/2014/main" id="{D0F11D02-35F5-C67C-74CD-9C0D4B468715}"/>
+                <a16:creationId xmlns:a16="http://schemas.microsoft.com/office/drawing/2014/main" id="{2BC9EDD5-91E0-549D-4BC9-854A815D63FF}"/>
               </a:ext>
             </a:extLst>
           </p:cNvPr>
@@ -22725,7 +22862,7 @@
     </p:spTree>
     <p:extLst>
       <p:ext uri="{BB962C8B-B14F-4D97-AF65-F5344CB8AC3E}">
-        <p14:creationId xmlns:p14="http://schemas.microsoft.com/office/powerpoint/2010/main" val="3735656870"/>
+        <p14:creationId xmlns:p14="http://schemas.microsoft.com/office/powerpoint/2010/main" val="945990922"/>
       </p:ext>
     </p:extLst>
   </p:cSld>
@@ -22757,7 +22894,7 @@
           <p:cNvPr id="2" name="Title 1">
             <a:extLst>
               <a:ext uri="{FF2B5EF4-FFF2-40B4-BE49-F238E27FC236}">
-                <a16:creationId xmlns:a16="http://schemas.microsoft.com/office/drawing/2014/main" id="{A80DAF57-6A31-EA12-B02D-3288A4CB6349}"/>
+                <a16:creationId xmlns:a16="http://schemas.microsoft.com/office/drawing/2014/main" id="{0124B492-70E8-4F4C-6632-413366D6CBEC}"/>
               </a:ext>
             </a:extLst>
           </p:cNvPr>
@@ -22773,117 +22910,528 @@
           <a:bodyPr/>
           <a:lstStyle/>
           <a:p>
+            <a:pPr algn="l"/>
             <a:r>
               <a:rPr lang="en-US" b="1" i="0" dirty="0">
-                <a:solidFill>
-                  <a:srgbClr val="0D0D0D"/>
-                </a:solidFill>
                 <a:effectLst/>
-                <a:latin typeface="Söhne"/>
+                <a:latin typeface="SegoeUIVariable"/>
               </a:rPr>
-              <a:t>Conclusion</a:t>
-            </a:r>
-            <a:endParaRPr lang="en-US" dirty="0"/>
+              <a:t>Recurrence Relations</a:t>
+            </a:r>
           </a:p>
         </p:txBody>
       </p:sp>
-      <p:sp>
-        <p:nvSpPr>
-          <p:cNvPr id="3" name="Content Placeholder 2">
-            <a:extLst>
-              <a:ext uri="{FF2B5EF4-FFF2-40B4-BE49-F238E27FC236}">
-                <a16:creationId xmlns:a16="http://schemas.microsoft.com/office/drawing/2014/main" id="{F69F84F8-9A91-F4DF-59B0-A47B641F6D47}"/>
-              </a:ext>
-            </a:extLst>
-          </p:cNvPr>
-          <p:cNvSpPr>
-            <a:spLocks noGrp="1"/>
-          </p:cNvSpPr>
-          <p:nvPr>
-            <p:ph idx="1"/>
-          </p:nvPr>
-        </p:nvSpPr>
-        <p:spPr/>
-        <p:txBody>
-          <a:bodyPr>
-            <a:normAutofit lnSpcReduction="10000"/>
-          </a:bodyPr>
-          <a:lstStyle/>
-          <a:p>
-            <a:r>
-              <a:rPr lang="en-US" b="0" i="0" dirty="0">
-                <a:solidFill>
-                  <a:srgbClr val="0D0D0D"/>
-                </a:solidFill>
-                <a:effectLst/>
-                <a:latin typeface="Söhne"/>
-              </a:rPr>
-              <a:t>Discuss the time and space complexity of the algorithm: O(</a:t>
-            </a:r>
-            <a:r>
-              <a:rPr lang="en-US" b="0" i="0" dirty="0" err="1">
-                <a:solidFill>
-                  <a:srgbClr val="0D0D0D"/>
-                </a:solidFill>
-                <a:effectLst/>
-                <a:latin typeface="Söhne"/>
-              </a:rPr>
-              <a:t>mn</a:t>
-            </a:r>
-            <a:r>
-              <a:rPr lang="en-US" b="0" i="0" dirty="0">
-                <a:solidFill>
-                  <a:srgbClr val="0D0D0D"/>
-                </a:solidFill>
-                <a:effectLst/>
-                <a:latin typeface="Söhne"/>
-              </a:rPr>
-              <a:t>) for both, where m and n are the lengths of the two strings.</a:t>
-            </a:r>
-          </a:p>
-          <a:p>
-            <a:pPr algn="l">
-              <a:buFont typeface="Arial" panose="020B0604020202020204" pitchFamily="34" charset="0"/>
-              <a:buChar char="•"/>
-            </a:pPr>
-            <a:r>
-              <a:rPr lang="en-US" b="0" i="0" dirty="0">
-                <a:solidFill>
-                  <a:srgbClr val="0D0D0D"/>
-                </a:solidFill>
-                <a:effectLst/>
-                <a:latin typeface="Söhne"/>
-              </a:rPr>
-              <a:t>Recap the importance of dynamic programming in solving the string distance problem efficiently.</a:t>
-            </a:r>
-          </a:p>
-          <a:p>
-            <a:pPr algn="l">
-              <a:buFont typeface="Arial" panose="020B0604020202020204" pitchFamily="34" charset="0"/>
-              <a:buChar char="•"/>
-            </a:pPr>
-            <a:r>
-              <a:rPr lang="en-US" b="0" i="0" dirty="0">
-                <a:solidFill>
-                  <a:srgbClr val="0D0D0D"/>
-                </a:solidFill>
-                <a:effectLst/>
-                <a:latin typeface="Söhne"/>
-              </a:rPr>
-              <a:t>Encourage exploration of variations, e.g., allowing different costs for operations or extending to more complex transformations.</a:t>
-            </a:r>
-          </a:p>
-          <a:p>
-            <a:endParaRPr lang="en-US" dirty="0"/>
-          </a:p>
-        </p:txBody>
-      </p:sp>
+      <mc:AlternateContent xmlns:mc="http://schemas.openxmlformats.org/markup-compatibility/2006">
+        <mc:Choice xmlns:a14="http://schemas.microsoft.com/office/drawing/2010/main" Requires="a14">
+          <p:sp>
+            <p:nvSpPr>
+              <p:cNvPr id="3" name="Content Placeholder 2">
+                <a:extLst>
+                  <a:ext uri="{FF2B5EF4-FFF2-40B4-BE49-F238E27FC236}">
+                    <a16:creationId xmlns:a16="http://schemas.microsoft.com/office/drawing/2014/main" id="{0BC67C61-2F8B-C871-8187-71DA9ADC0142}"/>
+                  </a:ext>
+                </a:extLst>
+              </p:cNvPr>
+              <p:cNvSpPr>
+                <a:spLocks noGrp="1"/>
+              </p:cNvSpPr>
+              <p:nvPr>
+                <p:ph idx="1"/>
+              </p:nvPr>
+            </p:nvSpPr>
+            <p:spPr/>
+            <p:txBody>
+              <a:bodyPr>
+                <a:normAutofit/>
+              </a:bodyPr>
+              <a:lstStyle/>
+              <a:p>
+                <a:pPr algn="l">
+                  <a:buFont typeface="Arial" panose="020B0604020202020204" pitchFamily="34" charset="0"/>
+                  <a:buChar char="•"/>
+                </a:pPr>
+                <a:r>
+                  <a:rPr lang="en-US" sz="2400" b="0" i="0" dirty="0">
+                    <a:effectLst/>
+                    <a:latin typeface="SegoeUIVariable"/>
+                  </a:rPr>
+                  <a:t>When last characters match:</a:t>
+                </a:r>
+                <a:endParaRPr lang="ru-RU" sz="2400" b="0" i="0" dirty="0">
+                  <a:effectLst/>
+                  <a:latin typeface="SegoeUIVariable"/>
+                </a:endParaRPr>
+              </a:p>
+              <a:p>
+                <a:pPr marL="457200" lvl="1" indent="0">
+                  <a:buNone/>
+                </a:pPr>
+                <a:endParaRPr lang="en-US" sz="2000" i="1" dirty="0">
+                  <a:latin typeface="Cambria Math" panose="02040503050406030204" pitchFamily="18" charset="0"/>
+                </a:endParaRPr>
+              </a:p>
+              <a:p>
+                <a:pPr marL="457200" lvl="1" indent="0">
+                  <a:buNone/>
+                </a:pPr>
+                <a14:m>
+                  <m:oMathPara xmlns:m="http://schemas.openxmlformats.org/officeDocument/2006/math">
+                    <m:oMathParaPr>
+                      <m:jc m:val="centerGroup"/>
+                    </m:oMathParaPr>
+                    <m:oMath xmlns:m="http://schemas.openxmlformats.org/officeDocument/2006/math">
+                      <m:r>
+                        <a:rPr lang="en-US" sz="2000" i="1">
+                          <a:latin typeface="Cambria Math" panose="02040503050406030204" pitchFamily="18" charset="0"/>
+                        </a:rPr>
+                        <m:t>𝐸𝑑𝑖𝑡𝐷𝑖𝑠𝑡𝑎𝑛𝑐𝑒</m:t>
+                      </m:r>
+                      <m:r>
+                        <a:rPr lang="en-US" sz="2000" i="1">
+                          <a:latin typeface="Cambria Math" panose="02040503050406030204" pitchFamily="18" charset="0"/>
+                        </a:rPr>
+                        <m:t>(</m:t>
+                      </m:r>
+                      <m:r>
+                        <a:rPr lang="en-US" sz="2000" i="1">
+                          <a:latin typeface="Cambria Math" panose="02040503050406030204" pitchFamily="18" charset="0"/>
+                        </a:rPr>
+                        <m:t>𝑀</m:t>
+                      </m:r>
+                      <m:r>
+                        <a:rPr lang="en-US" sz="2000" i="1">
+                          <a:latin typeface="Cambria Math" panose="02040503050406030204" pitchFamily="18" charset="0"/>
+                        </a:rPr>
+                        <m:t>,</m:t>
+                      </m:r>
+                      <m:r>
+                        <a:rPr lang="en-US" sz="2000" i="1">
+                          <a:latin typeface="Cambria Math" panose="02040503050406030204" pitchFamily="18" charset="0"/>
+                        </a:rPr>
+                        <m:t>𝑁</m:t>
+                      </m:r>
+                      <m:r>
+                        <a:rPr lang="en-US" sz="2000" i="1">
+                          <a:latin typeface="Cambria Math" panose="02040503050406030204" pitchFamily="18" charset="0"/>
+                        </a:rPr>
+                        <m:t>)=</m:t>
+                      </m:r>
+                      <m:r>
+                        <a:rPr lang="en-US" sz="2000" i="1">
+                          <a:latin typeface="Cambria Math" panose="02040503050406030204" pitchFamily="18" charset="0"/>
+                        </a:rPr>
+                        <m:t>𝐸𝑑𝑖𝑡𝐷𝑖𝑠𝑡𝑎𝑛𝑐𝑒</m:t>
+                      </m:r>
+                      <m:r>
+                        <a:rPr lang="en-US" sz="2000" i="1">
+                          <a:latin typeface="Cambria Math" panose="02040503050406030204" pitchFamily="18" charset="0"/>
+                        </a:rPr>
+                        <m:t>(</m:t>
+                      </m:r>
+                      <m:r>
+                        <a:rPr lang="en-US" sz="2000" i="1">
+                          <a:latin typeface="Cambria Math" panose="02040503050406030204" pitchFamily="18" charset="0"/>
+                        </a:rPr>
+                        <m:t>𝑀</m:t>
+                      </m:r>
+                      <m:r>
+                        <a:rPr lang="en-US" sz="2000" b="0" i="1" smtClean="0">
+                          <a:latin typeface="Cambria Math" panose="02040503050406030204" pitchFamily="18" charset="0"/>
+                        </a:rPr>
+                        <m:t>−</m:t>
+                      </m:r>
+                      <m:r>
+                        <a:rPr lang="en-US" sz="2000" b="0" i="1" smtClean="0">
+                          <a:latin typeface="Cambria Math" panose="02040503050406030204" pitchFamily="18" charset="0"/>
+                        </a:rPr>
+                        <m:t>1</m:t>
+                      </m:r>
+                      <m:r>
+                        <a:rPr lang="en-US" sz="2000" i="1">
+                          <a:latin typeface="Cambria Math" panose="02040503050406030204" pitchFamily="18" charset="0"/>
+                        </a:rPr>
+                        <m:t>,</m:t>
+                      </m:r>
+                      <m:r>
+                        <a:rPr lang="en-US" sz="2000" i="1">
+                          <a:latin typeface="Cambria Math" panose="02040503050406030204" pitchFamily="18" charset="0"/>
+                        </a:rPr>
+                        <m:t>𝑁</m:t>
+                      </m:r>
+                      <m:r>
+                        <a:rPr lang="en-US" sz="2000" b="0" i="1" smtClean="0">
+                          <a:latin typeface="Cambria Math" panose="02040503050406030204" pitchFamily="18" charset="0"/>
+                        </a:rPr>
+                        <m:t>−</m:t>
+                      </m:r>
+                      <m:r>
+                        <a:rPr lang="en-US" sz="2000" b="0" i="1" smtClean="0">
+                          <a:latin typeface="Cambria Math" panose="02040503050406030204" pitchFamily="18" charset="0"/>
+                        </a:rPr>
+                        <m:t>1</m:t>
+                      </m:r>
+                      <m:r>
+                        <a:rPr lang="en-US" sz="2000" i="1">
+                          <a:latin typeface="Cambria Math" panose="02040503050406030204" pitchFamily="18" charset="0"/>
+                        </a:rPr>
+                        <m:t>)</m:t>
+                      </m:r>
+                    </m:oMath>
+                  </m:oMathPara>
+                </a14:m>
+                <a:endParaRPr lang="en-US" sz="2000" dirty="0"/>
+              </a:p>
+              <a:p>
+                <a:endParaRPr lang="en-US" sz="2400" b="0" i="0" dirty="0">
+                  <a:effectLst/>
+                  <a:latin typeface="SegoeUIVariable"/>
+                </a:endParaRPr>
+              </a:p>
+              <a:p>
+                <a:r>
+                  <a:rPr lang="en-US" sz="2400" b="0" i="0" dirty="0">
+                    <a:effectLst/>
+                    <a:latin typeface="SegoeUIVariable"/>
+                  </a:rPr>
+                  <a:t>When last characters differ:</a:t>
+                </a:r>
+              </a:p>
+              <a:p>
+                <a:pPr marL="457200" lvl="1" indent="0">
+                  <a:buNone/>
+                </a:pPr>
+                <a:endParaRPr lang="en-US" sz="2000" b="0" i="1" dirty="0">
+                  <a:latin typeface="Cambria Math" panose="02040503050406030204" pitchFamily="18" charset="0"/>
+                </a:endParaRPr>
+              </a:p>
+              <a:p>
+                <a:pPr marL="457200" lvl="1" indent="0">
+                  <a:buNone/>
+                </a:pPr>
+                <a14:m>
+                  <m:oMathPara xmlns:m="http://schemas.openxmlformats.org/officeDocument/2006/math">
+                    <m:oMathParaPr>
+                      <m:jc m:val="centerGroup"/>
+                    </m:oMathParaPr>
+                    <m:oMath xmlns:m="http://schemas.openxmlformats.org/officeDocument/2006/math">
+                      <m:r>
+                        <a:rPr lang="en-US" sz="2000" b="0" i="1" smtClean="0">
+                          <a:latin typeface="Cambria Math" panose="02040503050406030204" pitchFamily="18" charset="0"/>
+                        </a:rPr>
+                        <m:t>𝐸𝑑𝑖𝑡𝐷𝑖𝑠𝑡𝑎𝑛𝑐𝑒</m:t>
+                      </m:r>
+                      <m:d>
+                        <m:dPr>
+                          <m:ctrlPr>
+                            <a:rPr lang="en-US" sz="2000" b="0" i="1" smtClean="0">
+                              <a:latin typeface="Cambria Math" panose="02040503050406030204" pitchFamily="18" charset="0"/>
+                            </a:rPr>
+                          </m:ctrlPr>
+                        </m:dPr>
+                        <m:e>
+                          <m:r>
+                            <a:rPr lang="en-US" sz="2000" b="0" i="1" smtClean="0">
+                              <a:latin typeface="Cambria Math" panose="02040503050406030204" pitchFamily="18" charset="0"/>
+                            </a:rPr>
+                            <m:t>𝑀</m:t>
+                          </m:r>
+                          <m:r>
+                            <a:rPr lang="en-US" sz="2000" b="0" i="1" smtClean="0">
+                              <a:latin typeface="Cambria Math" panose="02040503050406030204" pitchFamily="18" charset="0"/>
+                            </a:rPr>
+                            <m:t>,</m:t>
+                          </m:r>
+                          <m:r>
+                            <a:rPr lang="en-US" sz="2000" b="0" i="1" smtClean="0">
+                              <a:latin typeface="Cambria Math" panose="02040503050406030204" pitchFamily="18" charset="0"/>
+                            </a:rPr>
+                            <m:t>𝑁</m:t>
+                          </m:r>
+                        </m:e>
+                      </m:d>
+                      <m:r>
+                        <a:rPr lang="en-US" sz="2000" i="1" smtClean="0">
+                          <a:latin typeface="Cambria Math" panose="02040503050406030204" pitchFamily="18" charset="0"/>
+                        </a:rPr>
+                        <m:t>=</m:t>
+                      </m:r>
+                      <m:r>
+                        <a:rPr lang="en-US" sz="2000" b="0" i="1" smtClean="0">
+                          <a:latin typeface="Cambria Math" panose="02040503050406030204" pitchFamily="18" charset="0"/>
+                        </a:rPr>
+                        <m:t>𝑚𝑖𝑛</m:t>
+                      </m:r>
+                      <m:d>
+                        <m:dPr>
+                          <m:begChr m:val="{"/>
+                          <m:endChr m:val=""/>
+                          <m:ctrlPr>
+                            <a:rPr lang="en-US" sz="2000" i="1" smtClean="0">
+                              <a:latin typeface="Cambria Math" panose="02040503050406030204" pitchFamily="18" charset="0"/>
+                            </a:rPr>
+                          </m:ctrlPr>
+                        </m:dPr>
+                        <m:e>
+                          <m:eqArr>
+                            <m:eqArrPr>
+                              <m:ctrlPr>
+                                <a:rPr lang="en-US" sz="2000" i="1" smtClean="0">
+                                  <a:latin typeface="Cambria Math" panose="02040503050406030204" pitchFamily="18" charset="0"/>
+                                </a:rPr>
+                              </m:ctrlPr>
+                            </m:eqArrPr>
+                            <m:e>
+                              <m:r>
+                                <a:rPr lang="en-US" sz="2000" i="1">
+                                  <a:latin typeface="Cambria Math" panose="02040503050406030204" pitchFamily="18" charset="0"/>
+                                </a:rPr>
+                                <m:t>𝐸𝑑𝑖𝑡𝐷𝑖𝑠𝑡𝑎𝑛𝑐𝑒</m:t>
+                              </m:r>
+                              <m:d>
+                                <m:dPr>
+                                  <m:ctrlPr>
+                                    <a:rPr lang="en-US" sz="2000" i="1">
+                                      <a:latin typeface="Cambria Math" panose="02040503050406030204" pitchFamily="18" charset="0"/>
+                                    </a:rPr>
+                                  </m:ctrlPr>
+                                </m:dPr>
+                                <m:e>
+                                  <m:r>
+                                    <a:rPr lang="en-US" sz="2000" i="1">
+                                      <a:latin typeface="Cambria Math" panose="02040503050406030204" pitchFamily="18" charset="0"/>
+                                    </a:rPr>
+                                    <m:t>𝑀</m:t>
+                                  </m:r>
+                                  <m:r>
+                                    <a:rPr lang="en-US" sz="2000" b="0" i="1" smtClean="0">
+                                      <a:latin typeface="Cambria Math" panose="02040503050406030204" pitchFamily="18" charset="0"/>
+                                    </a:rPr>
+                                    <m:t>−</m:t>
+                                  </m:r>
+                                  <m:r>
+                                    <a:rPr lang="en-US" sz="2000" b="0" i="1" smtClean="0">
+                                      <a:latin typeface="Cambria Math" panose="02040503050406030204" pitchFamily="18" charset="0"/>
+                                    </a:rPr>
+                                    <m:t>1</m:t>
+                                  </m:r>
+                                  <m:r>
+                                    <a:rPr lang="en-US" sz="2000" i="1">
+                                      <a:latin typeface="Cambria Math" panose="02040503050406030204" pitchFamily="18" charset="0"/>
+                                    </a:rPr>
+                                    <m:t>,</m:t>
+                                  </m:r>
+                                  <m:r>
+                                    <a:rPr lang="en-US" sz="2000" i="1">
+                                      <a:latin typeface="Cambria Math" panose="02040503050406030204" pitchFamily="18" charset="0"/>
+                                    </a:rPr>
+                                    <m:t>𝑁</m:t>
+                                  </m:r>
+                                  <m:r>
+                                    <a:rPr lang="en-US" sz="2000" b="0" i="1" smtClean="0">
+                                      <a:latin typeface="Cambria Math" panose="02040503050406030204" pitchFamily="18" charset="0"/>
+                                    </a:rPr>
+                                    <m:t>−</m:t>
+                                  </m:r>
+                                  <m:r>
+                                    <a:rPr lang="en-US" sz="2000" b="0" i="1" smtClean="0">
+                                      <a:latin typeface="Cambria Math" panose="02040503050406030204" pitchFamily="18" charset="0"/>
+                                    </a:rPr>
+                                    <m:t>1</m:t>
+                                  </m:r>
+                                </m:e>
+                              </m:d>
+                              <m:r>
+                                <a:rPr lang="en-US" sz="2000" b="0" i="1" smtClean="0">
+                                  <a:latin typeface="Cambria Math" panose="02040503050406030204" pitchFamily="18" charset="0"/>
+                                </a:rPr>
+                                <m:t>+</m:t>
+                              </m:r>
+                              <m:r>
+                                <a:rPr lang="en-US" sz="2000" b="0" i="1" smtClean="0">
+                                  <a:latin typeface="Cambria Math" panose="02040503050406030204" pitchFamily="18" charset="0"/>
+                                </a:rPr>
+                                <m:t>1</m:t>
+                              </m:r>
+                            </m:e>
+                            <m:e>
+                              <m:r>
+                                <a:rPr lang="en-US" sz="2000" i="1">
+                                  <a:latin typeface="Cambria Math" panose="02040503050406030204" pitchFamily="18" charset="0"/>
+                                </a:rPr>
+                                <m:t>𝐸𝑑𝑖𝑡𝐷𝑖𝑠𝑡𝑎𝑛𝑐𝑒</m:t>
+                              </m:r>
+                              <m:d>
+                                <m:dPr>
+                                  <m:ctrlPr>
+                                    <a:rPr lang="en-US" sz="2000" i="1">
+                                      <a:latin typeface="Cambria Math" panose="02040503050406030204" pitchFamily="18" charset="0"/>
+                                    </a:rPr>
+                                  </m:ctrlPr>
+                                </m:dPr>
+                                <m:e>
+                                  <m:r>
+                                    <a:rPr lang="en-US" sz="2000" i="1">
+                                      <a:latin typeface="Cambria Math" panose="02040503050406030204" pitchFamily="18" charset="0"/>
+                                    </a:rPr>
+                                    <m:t>𝑀</m:t>
+                                  </m:r>
+                                  <m:r>
+                                    <a:rPr lang="en-US" sz="2000" b="0" i="1" smtClean="0">
+                                      <a:latin typeface="Cambria Math" panose="02040503050406030204" pitchFamily="18" charset="0"/>
+                                    </a:rPr>
+                                    <m:t>−</m:t>
+                                  </m:r>
+                                  <m:r>
+                                    <a:rPr lang="en-US" sz="2000" b="0" i="1" smtClean="0">
+                                      <a:latin typeface="Cambria Math" panose="02040503050406030204" pitchFamily="18" charset="0"/>
+                                    </a:rPr>
+                                    <m:t>1</m:t>
+                                  </m:r>
+                                  <m:r>
+                                    <a:rPr lang="en-US" sz="2000" i="1">
+                                      <a:latin typeface="Cambria Math" panose="02040503050406030204" pitchFamily="18" charset="0"/>
+                                    </a:rPr>
+                                    <m:t>,</m:t>
+                                  </m:r>
+                                  <m:r>
+                                    <a:rPr lang="en-US" sz="2000" i="1">
+                                      <a:latin typeface="Cambria Math" panose="02040503050406030204" pitchFamily="18" charset="0"/>
+                                    </a:rPr>
+                                    <m:t>𝑁</m:t>
+                                  </m:r>
+                                </m:e>
+                              </m:d>
+                              <m:r>
+                                <a:rPr lang="en-US" sz="2000" b="0" i="1" smtClean="0">
+                                  <a:latin typeface="Cambria Math" panose="02040503050406030204" pitchFamily="18" charset="0"/>
+                                </a:rPr>
+                                <m:t>+</m:t>
+                              </m:r>
+                              <m:r>
+                                <a:rPr lang="en-US" sz="2000" b="0" i="1" smtClean="0">
+                                  <a:latin typeface="Cambria Math" panose="02040503050406030204" pitchFamily="18" charset="0"/>
+                                </a:rPr>
+                                <m:t>1</m:t>
+                              </m:r>
+                            </m:e>
+                            <m:e>
+                              <m:r>
+                                <a:rPr lang="en-US" sz="2000" i="1">
+                                  <a:latin typeface="Cambria Math" panose="02040503050406030204" pitchFamily="18" charset="0"/>
+                                </a:rPr>
+                                <m:t>𝐸𝑑𝑖𝑡𝐷𝑖𝑠𝑡𝑎𝑛𝑐𝑒</m:t>
+                              </m:r>
+                              <m:d>
+                                <m:dPr>
+                                  <m:ctrlPr>
+                                    <a:rPr lang="en-US" sz="2000" i="1">
+                                      <a:latin typeface="Cambria Math" panose="02040503050406030204" pitchFamily="18" charset="0"/>
+                                    </a:rPr>
+                                  </m:ctrlPr>
+                                </m:dPr>
+                                <m:e>
+                                  <m:r>
+                                    <a:rPr lang="en-US" sz="2000" i="1">
+                                      <a:latin typeface="Cambria Math" panose="02040503050406030204" pitchFamily="18" charset="0"/>
+                                    </a:rPr>
+                                    <m:t>𝑀</m:t>
+                                  </m:r>
+                                  <m:r>
+                                    <a:rPr lang="en-US" sz="2000" i="1">
+                                      <a:latin typeface="Cambria Math" panose="02040503050406030204" pitchFamily="18" charset="0"/>
+                                    </a:rPr>
+                                    <m:t>,</m:t>
+                                  </m:r>
+                                  <m:r>
+                                    <a:rPr lang="en-US" sz="2000" i="1">
+                                      <a:latin typeface="Cambria Math" panose="02040503050406030204" pitchFamily="18" charset="0"/>
+                                    </a:rPr>
+                                    <m:t>𝑁</m:t>
+                                  </m:r>
+                                  <m:r>
+                                    <a:rPr lang="en-US" sz="2000" b="0" i="1" smtClean="0">
+                                      <a:latin typeface="Cambria Math" panose="02040503050406030204" pitchFamily="18" charset="0"/>
+                                    </a:rPr>
+                                    <m:t>−</m:t>
+                                  </m:r>
+                                  <m:r>
+                                    <a:rPr lang="en-US" sz="2000" b="0" i="1" smtClean="0">
+                                      <a:latin typeface="Cambria Math" panose="02040503050406030204" pitchFamily="18" charset="0"/>
+                                    </a:rPr>
+                                    <m:t>1</m:t>
+                                  </m:r>
+                                </m:e>
+                              </m:d>
+                              <m:r>
+                                <a:rPr lang="en-US" sz="2000" b="0" i="1" smtClean="0">
+                                  <a:latin typeface="Cambria Math" panose="02040503050406030204" pitchFamily="18" charset="0"/>
+                                </a:rPr>
+                                <m:t>+</m:t>
+                              </m:r>
+                              <m:r>
+                                <a:rPr lang="en-US" sz="2000" b="0" i="1" smtClean="0">
+                                  <a:latin typeface="Cambria Math" panose="02040503050406030204" pitchFamily="18" charset="0"/>
+                                </a:rPr>
+                                <m:t>1</m:t>
+                              </m:r>
+                            </m:e>
+                          </m:eqArr>
+                        </m:e>
+                      </m:d>
+                    </m:oMath>
+                  </m:oMathPara>
+                </a14:m>
+                <a:endParaRPr lang="en-US" sz="2000" dirty="0"/>
+              </a:p>
+            </p:txBody>
+          </p:sp>
+        </mc:Choice>
+        <mc:Fallback>
+          <p:sp>
+            <p:nvSpPr>
+              <p:cNvPr id="3" name="Content Placeholder 2">
+                <a:extLst>
+                  <a:ext uri="{FF2B5EF4-FFF2-40B4-BE49-F238E27FC236}">
+                    <a16:creationId xmlns:a16="http://schemas.microsoft.com/office/drawing/2014/main" id="{0BC67C61-2F8B-C871-8187-71DA9ADC0142}"/>
+                  </a:ext>
+                </a:extLst>
+              </p:cNvPr>
+              <p:cNvSpPr>
+                <a:spLocks noGrp="1" noRot="1" noChangeAspect="1" noMove="1" noResize="1" noEditPoints="1" noAdjustHandles="1" noChangeArrowheads="1" noChangeShapeType="1" noTextEdit="1"/>
+              </p:cNvSpPr>
+              <p:nvPr>
+                <p:ph idx="1"/>
+              </p:nvPr>
+            </p:nvSpPr>
+            <p:spPr>
+              <a:blipFill>
+                <a:blip r:embed="rId2"/>
+                <a:stretch>
+                  <a:fillRect l="-963" t="-943"/>
+                </a:stretch>
+              </a:blipFill>
+            </p:spPr>
+            <p:txBody>
+              <a:bodyPr/>
+              <a:lstStyle/>
+              <a:p>
+                <a:r>
+                  <a:rPr lang="en-US">
+                    <a:noFill/>
+                  </a:rPr>
+                  <a:t> </a:t>
+                </a:r>
+              </a:p>
+            </p:txBody>
+          </p:sp>
+        </mc:Fallback>
+      </mc:AlternateContent>
       <p:sp>
         <p:nvSpPr>
           <p:cNvPr id="4" name="Footer Placeholder 3">
             <a:extLst>
               <a:ext uri="{FF2B5EF4-FFF2-40B4-BE49-F238E27FC236}">
-                <a16:creationId xmlns:a16="http://schemas.microsoft.com/office/drawing/2014/main" id="{35D56F70-3C5E-05CB-FE04-D05049F10A7E}"/>
+                <a16:creationId xmlns:a16="http://schemas.microsoft.com/office/drawing/2014/main" id="{60B52187-FEEF-40D9-B6F7-0DF5261B15E7}"/>
               </a:ext>
             </a:extLst>
           </p:cNvPr>
@@ -22912,7 +23460,7 @@
           <p:cNvPr id="5" name="Slide Number Placeholder 4">
             <a:extLst>
               <a:ext uri="{FF2B5EF4-FFF2-40B4-BE49-F238E27FC236}">
-                <a16:creationId xmlns:a16="http://schemas.microsoft.com/office/drawing/2014/main" id="{1275090B-E64F-5D5B-6E7A-B636B6FD23FB}"/>
+                <a16:creationId xmlns:a16="http://schemas.microsoft.com/office/drawing/2014/main" id="{2BC9EDD5-91E0-549D-4BC9-854A815D63FF}"/>
               </a:ext>
             </a:extLst>
           </p:cNvPr>
@@ -22940,7 +23488,7 @@
     </p:spTree>
     <p:extLst>
       <p:ext uri="{BB962C8B-B14F-4D97-AF65-F5344CB8AC3E}">
-        <p14:creationId xmlns:p14="http://schemas.microsoft.com/office/powerpoint/2010/main" val="3715598802"/>
+        <p14:creationId xmlns:p14="http://schemas.microsoft.com/office/powerpoint/2010/main" val="1423924433"/>
       </p:ext>
     </p:extLst>
   </p:cSld>
@@ -23211,182 +23759,41 @@
       </p:grpSpPr>
       <p:sp>
         <p:nvSpPr>
-          <p:cNvPr id="6" name="כותרת 1"/>
-          <p:cNvSpPr txBox="1">
-            <a:spLocks/>
+          <p:cNvPr id="2" name="Title 1">
+            <a:extLst>
+              <a:ext uri="{FF2B5EF4-FFF2-40B4-BE49-F238E27FC236}">
+                <a16:creationId xmlns:a16="http://schemas.microsoft.com/office/drawing/2014/main" id="{8360D5BD-D613-A622-352B-ABCCDB0DABB2}"/>
+              </a:ext>
+            </a:extLst>
+          </p:cNvPr>
+          <p:cNvSpPr>
+            <a:spLocks noGrp="1"/>
           </p:cNvSpPr>
-          <p:nvPr/>
+          <p:nvPr>
+            <p:ph type="title"/>
+          </p:nvPr>
         </p:nvSpPr>
-        <p:spPr bwMode="auto">
-          <a:xfrm>
-            <a:off x="357158" y="285728"/>
-            <a:ext cx="8358246" cy="1066800"/>
-          </a:xfrm>
-          <a:prstGeom prst="rect">
-            <a:avLst/>
-          </a:prstGeom>
-          <a:noFill/>
-          <a:ln w="9525">
-            <a:noFill/>
-            <a:miter lim="800000"/>
-            <a:headEnd/>
-            <a:tailEnd/>
-          </a:ln>
-          <a:effectLst/>
-        </p:spPr>
+        <p:spPr/>
         <p:txBody>
-          <a:bodyPr vert="horz" wrap="square" lIns="91440" tIns="45720" rIns="91440" bIns="45720" numCol="1" anchor="ctr" anchorCtr="0" compatLnSpc="1">
-            <a:prstTxWarp prst="textNoShape">
-              <a:avLst/>
-            </a:prstTxWarp>
-          </a:bodyPr>
+          <a:bodyPr/>
           <a:lstStyle/>
           <a:p>
-            <a:pPr marL="0" marR="0" lvl="0" indent="0" algn="r" defTabSz="914400" rtl="1" eaLnBrk="1" fontAlgn="base" latinLnBrk="0" hangingPunct="1">
-              <a:lnSpc>
-                <a:spcPct val="100000"/>
-              </a:lnSpc>
-              <a:spcBef>
-                <a:spcPct val="0"/>
-              </a:spcBef>
-              <a:spcAft>
-                <a:spcPct val="0"/>
-              </a:spcAft>
-              <a:buClrTx/>
-              <a:buSzTx/>
-              <a:buFontTx/>
-              <a:buNone/>
-              <a:tabLst/>
-              <a:defRPr/>
-            </a:pPr>
-            <a:r>
-              <a:rPr lang="en-US" sz="4400" dirty="0">
-                <a:latin typeface="+mj-lt"/>
-                <a:ea typeface="+mj-ea"/>
-                <a:cs typeface="+mj-cs"/>
-              </a:rPr>
-              <a:t>World Series Odds</a:t>
+            <a:r>
+              <a:rPr lang="en-US" dirty="0"/>
+              <a:t>Example 1</a:t>
             </a:r>
           </a:p>
         </p:txBody>
       </p:sp>
       <p:sp>
         <p:nvSpPr>
-          <p:cNvPr id="8" name="TextBox 7"/>
-          <p:cNvSpPr txBox="1"/>
-          <p:nvPr/>
-        </p:nvSpPr>
-        <p:spPr>
-          <a:xfrm>
-            <a:off x="1000100" y="1571612"/>
-            <a:ext cx="7529594" cy="3539430"/>
-          </a:xfrm>
-          <a:prstGeom prst="rect">
-            <a:avLst/>
-          </a:prstGeom>
-          <a:noFill/>
-        </p:spPr>
-        <p:txBody>
-          <a:bodyPr wrap="square" rtlCol="0">
-            <a:spAutoFit/>
-          </a:bodyPr>
-          <a:lstStyle/>
-          <a:p>
-            <a:pPr marL="514350" indent="-514350" algn="r" rtl="1"/>
-            <a:r>
-              <a:rPr lang="he-IL" sz="2800" dirty="0"/>
-              <a:t>	שתי קבוצות, </a:t>
-            </a:r>
-            <a:r>
-              <a:rPr lang="en-US" sz="2800" dirty="0"/>
-              <a:t>A</a:t>
-            </a:r>
-            <a:r>
-              <a:rPr lang="he-IL" sz="2800" dirty="0"/>
-              <a:t>,</a:t>
-            </a:r>
-            <a:r>
-              <a:rPr lang="en-US" sz="2800" dirty="0"/>
-              <a:t>B</a:t>
-            </a:r>
-            <a:r>
-              <a:rPr lang="he-IL" sz="2800" dirty="0"/>
-              <a:t>, משחקות זו מול זו, סדרת משחקים. הראשונה לנצח </a:t>
-            </a:r>
-            <a:r>
-              <a:rPr lang="en-US" sz="2800" dirty="0"/>
-              <a:t>n</a:t>
-            </a:r>
-            <a:r>
-              <a:rPr lang="he-IL" sz="2800" dirty="0"/>
-              <a:t> משחקים, היא המנצחת.</a:t>
-            </a:r>
-          </a:p>
-          <a:p>
-            <a:pPr marL="514350" indent="-514350" algn="r" rtl="1"/>
-            <a:r>
-              <a:rPr lang="he-IL" sz="2800" dirty="0"/>
-              <a:t>	בכל משחק, ההסתברות של כל אחת לנצח, היא </a:t>
-            </a:r>
-            <a:r>
-              <a:rPr lang="en-US" sz="2800" dirty="0"/>
-              <a:t>0.5</a:t>
-            </a:r>
-            <a:r>
-              <a:rPr lang="he-IL" sz="2800" dirty="0"/>
-              <a:t>.</a:t>
-            </a:r>
-          </a:p>
-          <a:p>
-            <a:pPr marL="514350" indent="-514350" algn="r" rtl="1"/>
-            <a:endParaRPr lang="he-IL" sz="2800" dirty="0"/>
-          </a:p>
-          <a:p>
-            <a:pPr marL="514350" indent="-514350" algn="r" rtl="1"/>
-            <a:r>
-              <a:rPr lang="he-IL" sz="2800" dirty="0"/>
-              <a:t>המטרה:</a:t>
-            </a:r>
-          </a:p>
-          <a:p>
-            <a:pPr marL="514350" indent="-514350" algn="r" rtl="1"/>
-            <a:r>
-              <a:rPr lang="he-IL" sz="2800" dirty="0"/>
-              <a:t>	לחשב את ההסתברות ש</a:t>
-            </a:r>
-            <a:r>
-              <a:rPr lang="en-US" sz="2800" dirty="0"/>
-              <a:t>A</a:t>
-            </a:r>
-            <a:r>
-              <a:rPr lang="he-IL" sz="2800" dirty="0"/>
-              <a:t> תנצח.</a:t>
-            </a:r>
-          </a:p>
-          <a:p>
-            <a:pPr marL="514350" indent="-514350" algn="r" rtl="1"/>
-            <a:endParaRPr lang="he-IL" sz="2800" dirty="0"/>
-          </a:p>
-          <a:p>
-            <a:pPr marL="514350" indent="-514350" algn="r" rtl="1"/>
-            <a:r>
-              <a:rPr lang="he-IL" sz="2800" dirty="0"/>
-              <a:t>הערה: זאת </a:t>
-            </a:r>
-            <a:r>
-              <a:rPr lang="he-IL" sz="2800" b="1" dirty="0"/>
-              <a:t>לא </a:t>
-            </a:r>
-            <a:r>
-              <a:rPr lang="he-IL" sz="2800" dirty="0"/>
-              <a:t>בעיית אופטימיזציה!</a:t>
-            </a:r>
-          </a:p>
-        </p:txBody>
-      </p:sp>
-      <p:sp>
-        <p:nvSpPr>
-          <p:cNvPr id="30" name="מציין מיקום של כותרת תחתונה 3"/>
+          <p:cNvPr id="3" name="Footer Placeholder 2">
+            <a:extLst>
+              <a:ext uri="{FF2B5EF4-FFF2-40B4-BE49-F238E27FC236}">
+                <a16:creationId xmlns:a16="http://schemas.microsoft.com/office/drawing/2014/main" id="{E3EE5E1E-C45F-71C9-BEEE-2BC50B188B80}"/>
+              </a:ext>
+            </a:extLst>
+          </p:cNvPr>
           <p:cNvSpPr>
             <a:spLocks noGrp="1"/>
           </p:cNvSpPr>
@@ -23394,38 +23801,28 @@
             <p:ph type="ftr" sz="quarter" idx="11"/>
           </p:nvPr>
         </p:nvSpPr>
-        <p:spPr>
-          <a:xfrm>
-            <a:off x="1857356" y="6356350"/>
-            <a:ext cx="5429288" cy="365125"/>
-          </a:xfrm>
-        </p:spPr>
+        <p:spPr/>
         <p:txBody>
           <a:bodyPr/>
           <a:lstStyle/>
           <a:p>
-            <a:pPr rtl="1"/>
-            <a:r>
-              <a:rPr lang="he-IL">
-                <a:solidFill>
-                  <a:schemeClr val="tx1"/>
-                </a:solidFill>
-                <a:cs typeface="+mj-cs"/>
-              </a:rPr>
+            <a:r>
+              <a:rPr lang="he-IL"/>
               <a:t>אלגוריתמים 1- ד"ר בוריס לואנט - מכללה אקדמית אשקלון - תשפ"ד - סמסטר א'</a:t>
             </a:r>
-            <a:endParaRPr lang="en-US" dirty="0">
-              <a:solidFill>
-                <a:schemeClr val="tx1"/>
-              </a:solidFill>
-              <a:cs typeface="+mj-cs"/>
-            </a:endParaRPr>
+            <a:endParaRPr lang="en-US" dirty="0"/>
           </a:p>
         </p:txBody>
       </p:sp>
       <p:sp>
         <p:nvSpPr>
-          <p:cNvPr id="31" name="מציין מיקום של מספר שקופית 4"/>
+          <p:cNvPr id="4" name="Slide Number Placeholder 3">
+            <a:extLst>
+              <a:ext uri="{FF2B5EF4-FFF2-40B4-BE49-F238E27FC236}">
+                <a16:creationId xmlns:a16="http://schemas.microsoft.com/office/drawing/2014/main" id="{CE0229B8-D96A-6B6F-AD79-F05130F7EB52}"/>
+              </a:ext>
+            </a:extLst>
+          </p:cNvPr>
           <p:cNvSpPr>
             <a:spLocks noGrp="1"/>
           </p:cNvSpPr>
@@ -23433,36 +23830,56 @@
             <p:ph type="sldNum" sz="quarter" idx="12"/>
           </p:nvPr>
         </p:nvSpPr>
-        <p:spPr>
-          <a:xfrm>
-            <a:off x="6553200" y="6356350"/>
-            <a:ext cx="2133600" cy="365125"/>
-          </a:xfrm>
-        </p:spPr>
+        <p:spPr/>
         <p:txBody>
           <a:bodyPr/>
           <a:lstStyle/>
           <a:p>
             <a:fld id="{2EEF023C-487C-4FDD-A5C6-3E51DF829693}" type="slidenum">
-              <a:rPr lang="en-US" smtClean="0">
-                <a:solidFill>
-                  <a:schemeClr val="tx1"/>
-                </a:solidFill>
-                <a:cs typeface="+mj-cs"/>
-              </a:rPr>
+              <a:rPr lang="en-US" smtClean="0"/>
               <a:pPr/>
               <a:t>40</a:t>
             </a:fld>
-            <a:endParaRPr lang="en-US" dirty="0">
-              <a:solidFill>
-                <a:schemeClr val="tx1"/>
-              </a:solidFill>
-              <a:cs typeface="+mj-cs"/>
-            </a:endParaRPr>
+            <a:endParaRPr lang="en-US"/>
           </a:p>
         </p:txBody>
       </p:sp>
+      <p:pic>
+        <p:nvPicPr>
+          <p:cNvPr id="6" name="Picture 5">
+            <a:extLst>
+              <a:ext uri="{FF2B5EF4-FFF2-40B4-BE49-F238E27FC236}">
+                <a16:creationId xmlns:a16="http://schemas.microsoft.com/office/drawing/2014/main" id="{5299ED09-7941-DA7B-CC69-29CFEEE0E6C9}"/>
+              </a:ext>
+            </a:extLst>
+          </p:cNvPr>
+          <p:cNvPicPr>
+            <a:picLocks noChangeAspect="1"/>
+          </p:cNvPicPr>
+          <p:nvPr/>
+        </p:nvPicPr>
+        <p:blipFill>
+          <a:blip r:embed="rId2"/>
+          <a:stretch>
+            <a:fillRect/>
+          </a:stretch>
+        </p:blipFill>
+        <p:spPr>
+          <a:xfrm>
+            <a:off x="1466416" y="1556792"/>
+            <a:ext cx="6211167" cy="4458322"/>
+          </a:xfrm>
+          <a:prstGeom prst="rect">
+            <a:avLst/>
+          </a:prstGeom>
+        </p:spPr>
+      </p:pic>
     </p:spTree>
+    <p:extLst>
+      <p:ext uri="{BB962C8B-B14F-4D97-AF65-F5344CB8AC3E}">
+        <p14:creationId xmlns:p14="http://schemas.microsoft.com/office/powerpoint/2010/main" val="2295951702"/>
+      </p:ext>
+    </p:extLst>
   </p:cSld>
   <p:clrMapOvr>
     <a:masterClrMapping/>
@@ -23471,6 +23888,3167 @@
 </file>
 
 <file path=ppt/slides/slide41.xml><?xml version="1.0" encoding="utf-8"?>
+<p:sld xmlns:a="http://schemas.openxmlformats.org/drawingml/2006/main" xmlns:r="http://schemas.openxmlformats.org/officeDocument/2006/relationships" xmlns:p="http://schemas.openxmlformats.org/presentationml/2006/main">
+  <p:cSld>
+    <p:spTree>
+      <p:nvGrpSpPr>
+        <p:cNvPr id="1" name=""/>
+        <p:cNvGrpSpPr/>
+        <p:nvPr/>
+      </p:nvGrpSpPr>
+      <p:grpSpPr>
+        <a:xfrm>
+          <a:off x="0" y="0"/>
+          <a:ext cx="0" cy="0"/>
+          <a:chOff x="0" y="0"/>
+          <a:chExt cx="0" cy="0"/>
+        </a:xfrm>
+      </p:grpSpPr>
+      <p:sp>
+        <p:nvSpPr>
+          <p:cNvPr id="2" name="Title 1">
+            <a:extLst>
+              <a:ext uri="{FF2B5EF4-FFF2-40B4-BE49-F238E27FC236}">
+                <a16:creationId xmlns:a16="http://schemas.microsoft.com/office/drawing/2014/main" id="{9B1F2375-F195-BAC1-F91C-F454E3D5A0CF}"/>
+              </a:ext>
+            </a:extLst>
+          </p:cNvPr>
+          <p:cNvSpPr>
+            <a:spLocks noGrp="1"/>
+          </p:cNvSpPr>
+          <p:nvPr>
+            <p:ph type="title"/>
+          </p:nvPr>
+        </p:nvSpPr>
+        <p:spPr/>
+        <p:txBody>
+          <a:bodyPr/>
+          <a:lstStyle/>
+          <a:p>
+            <a:r>
+              <a:rPr lang="en-US" dirty="0"/>
+              <a:t>Example 2</a:t>
+            </a:r>
+          </a:p>
+        </p:txBody>
+      </p:sp>
+      <p:sp>
+        <p:nvSpPr>
+          <p:cNvPr id="3" name="Footer Placeholder 2">
+            <a:extLst>
+              <a:ext uri="{FF2B5EF4-FFF2-40B4-BE49-F238E27FC236}">
+                <a16:creationId xmlns:a16="http://schemas.microsoft.com/office/drawing/2014/main" id="{BE5201C6-8EB2-5AC6-E408-5B09F5046BC3}"/>
+              </a:ext>
+            </a:extLst>
+          </p:cNvPr>
+          <p:cNvSpPr>
+            <a:spLocks noGrp="1"/>
+          </p:cNvSpPr>
+          <p:nvPr>
+            <p:ph type="ftr" sz="quarter" idx="11"/>
+          </p:nvPr>
+        </p:nvSpPr>
+        <p:spPr/>
+        <p:txBody>
+          <a:bodyPr/>
+          <a:lstStyle/>
+          <a:p>
+            <a:r>
+              <a:rPr lang="he-IL"/>
+              <a:t>אלגוריתמים 1- ד"ר בוריס לואנט - מכללה אקדמית אשקלון - תשפ"ד - סמסטר א'</a:t>
+            </a:r>
+            <a:endParaRPr lang="en-US" dirty="0"/>
+          </a:p>
+        </p:txBody>
+      </p:sp>
+      <p:sp>
+        <p:nvSpPr>
+          <p:cNvPr id="4" name="Slide Number Placeholder 3">
+            <a:extLst>
+              <a:ext uri="{FF2B5EF4-FFF2-40B4-BE49-F238E27FC236}">
+                <a16:creationId xmlns:a16="http://schemas.microsoft.com/office/drawing/2014/main" id="{0CED7FA0-0F41-0E63-C2AF-1BE177624D1B}"/>
+              </a:ext>
+            </a:extLst>
+          </p:cNvPr>
+          <p:cNvSpPr>
+            <a:spLocks noGrp="1"/>
+          </p:cNvSpPr>
+          <p:nvPr>
+            <p:ph type="sldNum" sz="quarter" idx="12"/>
+          </p:nvPr>
+        </p:nvSpPr>
+        <p:spPr/>
+        <p:txBody>
+          <a:bodyPr/>
+          <a:lstStyle/>
+          <a:p>
+            <a:fld id="{2EEF023C-487C-4FDD-A5C6-3E51DF829693}" type="slidenum">
+              <a:rPr lang="en-US" smtClean="0"/>
+              <a:pPr/>
+              <a:t>41</a:t>
+            </a:fld>
+            <a:endParaRPr lang="en-US"/>
+          </a:p>
+        </p:txBody>
+      </p:sp>
+      <p:pic>
+        <p:nvPicPr>
+          <p:cNvPr id="6" name="Picture 5">
+            <a:extLst>
+              <a:ext uri="{FF2B5EF4-FFF2-40B4-BE49-F238E27FC236}">
+                <a16:creationId xmlns:a16="http://schemas.microsoft.com/office/drawing/2014/main" id="{5D10FB13-E6DB-1560-5191-CB5DC1DA88A8}"/>
+              </a:ext>
+            </a:extLst>
+          </p:cNvPr>
+          <p:cNvPicPr>
+            <a:picLocks noChangeAspect="1"/>
+          </p:cNvPicPr>
+          <p:nvPr/>
+        </p:nvPicPr>
+        <p:blipFill>
+          <a:blip r:embed="rId2"/>
+          <a:stretch>
+            <a:fillRect/>
+          </a:stretch>
+        </p:blipFill>
+        <p:spPr>
+          <a:xfrm>
+            <a:off x="5292080" y="1268760"/>
+            <a:ext cx="3024336" cy="4594418"/>
+          </a:xfrm>
+          <a:prstGeom prst="rect">
+            <a:avLst/>
+          </a:prstGeom>
+        </p:spPr>
+      </p:pic>
+      <p:graphicFrame>
+        <p:nvGraphicFramePr>
+          <p:cNvPr id="9" name="Table 8">
+            <a:extLst>
+              <a:ext uri="{FF2B5EF4-FFF2-40B4-BE49-F238E27FC236}">
+                <a16:creationId xmlns:a16="http://schemas.microsoft.com/office/drawing/2014/main" id="{BF99BDDD-29FB-B0F4-C25B-974520614007}"/>
+              </a:ext>
+            </a:extLst>
+          </p:cNvPr>
+          <p:cNvGraphicFramePr>
+            <a:graphicFrameLocks noGrp="1"/>
+          </p:cNvGraphicFramePr>
+          <p:nvPr>
+            <p:extLst>
+              <p:ext uri="{D42A27DB-BD31-4B8C-83A1-F6EECF244321}">
+                <p14:modId xmlns:p14="http://schemas.microsoft.com/office/powerpoint/2010/main" val="2614471215"/>
+              </p:ext>
+            </p:extLst>
+          </p:nvPr>
+        </p:nvGraphicFramePr>
+        <p:xfrm>
+          <a:off x="539552" y="1526891"/>
+          <a:ext cx="3504728" cy="4264245"/>
+        </p:xfrm>
+        <a:graphic>
+          <a:graphicData uri="http://schemas.openxmlformats.org/drawingml/2006/table">
+            <a:tbl>
+              <a:tblPr firstRow="1" bandRow="1">
+                <a:tableStyleId>{5C22544A-7EE6-4342-B048-85BDC9FD1C3A}</a:tableStyleId>
+              </a:tblPr>
+              <a:tblGrid>
+                <a:gridCol w="438091">
+                  <a:extLst>
+                    <a:ext uri="{9D8B030D-6E8A-4147-A177-3AD203B41FA5}">
+                      <a16:colId xmlns:a16="http://schemas.microsoft.com/office/drawing/2014/main" val="1714695344"/>
+                    </a:ext>
+                  </a:extLst>
+                </a:gridCol>
+                <a:gridCol w="438091">
+                  <a:extLst>
+                    <a:ext uri="{9D8B030D-6E8A-4147-A177-3AD203B41FA5}">
+                      <a16:colId xmlns:a16="http://schemas.microsoft.com/office/drawing/2014/main" val="1405972468"/>
+                    </a:ext>
+                  </a:extLst>
+                </a:gridCol>
+                <a:gridCol w="438091">
+                  <a:extLst>
+                    <a:ext uri="{9D8B030D-6E8A-4147-A177-3AD203B41FA5}">
+                      <a16:colId xmlns:a16="http://schemas.microsoft.com/office/drawing/2014/main" val="3866384458"/>
+                    </a:ext>
+                  </a:extLst>
+                </a:gridCol>
+                <a:gridCol w="438091">
+                  <a:extLst>
+                    <a:ext uri="{9D8B030D-6E8A-4147-A177-3AD203B41FA5}">
+                      <a16:colId xmlns:a16="http://schemas.microsoft.com/office/drawing/2014/main" val="2165780791"/>
+                    </a:ext>
+                  </a:extLst>
+                </a:gridCol>
+                <a:gridCol w="438091">
+                  <a:extLst>
+                    <a:ext uri="{9D8B030D-6E8A-4147-A177-3AD203B41FA5}">
+                      <a16:colId xmlns:a16="http://schemas.microsoft.com/office/drawing/2014/main" val="1132874990"/>
+                    </a:ext>
+                  </a:extLst>
+                </a:gridCol>
+                <a:gridCol w="438091">
+                  <a:extLst>
+                    <a:ext uri="{9D8B030D-6E8A-4147-A177-3AD203B41FA5}">
+                      <a16:colId xmlns:a16="http://schemas.microsoft.com/office/drawing/2014/main" val="4253639504"/>
+                    </a:ext>
+                  </a:extLst>
+                </a:gridCol>
+                <a:gridCol w="438091">
+                  <a:extLst>
+                    <a:ext uri="{9D8B030D-6E8A-4147-A177-3AD203B41FA5}">
+                      <a16:colId xmlns:a16="http://schemas.microsoft.com/office/drawing/2014/main" val="1591650712"/>
+                    </a:ext>
+                  </a:extLst>
+                </a:gridCol>
+                <a:gridCol w="438091">
+                  <a:extLst>
+                    <a:ext uri="{9D8B030D-6E8A-4147-A177-3AD203B41FA5}">
+                      <a16:colId xmlns:a16="http://schemas.microsoft.com/office/drawing/2014/main" val="2231901249"/>
+                    </a:ext>
+                  </a:extLst>
+                </a:gridCol>
+              </a:tblGrid>
+              <a:tr h="473805">
+                <a:tc>
+                  <a:txBody>
+                    <a:bodyPr/>
+                    <a:lstStyle/>
+                    <a:p>
+                      <a:endParaRPr lang="en-US" dirty="0"/>
+                    </a:p>
+                  </a:txBody>
+                  <a:tcPr/>
+                </a:tc>
+                <a:tc>
+                  <a:txBody>
+                    <a:bodyPr/>
+                    <a:lstStyle/>
+                    <a:p>
+                      <a:endParaRPr lang="en-US" dirty="0"/>
+                    </a:p>
+                  </a:txBody>
+                  <a:tcPr/>
+                </a:tc>
+                <a:tc>
+                  <a:txBody>
+                    <a:bodyPr/>
+                    <a:lstStyle/>
+                    <a:p>
+                      <a:endParaRPr lang="en-US" dirty="0"/>
+                    </a:p>
+                  </a:txBody>
+                  <a:tcPr/>
+                </a:tc>
+                <a:tc>
+                  <a:txBody>
+                    <a:bodyPr/>
+                    <a:lstStyle/>
+                    <a:p>
+                      <a:endParaRPr lang="en-US" dirty="0"/>
+                    </a:p>
+                  </a:txBody>
+                  <a:tcPr/>
+                </a:tc>
+                <a:tc>
+                  <a:txBody>
+                    <a:bodyPr/>
+                    <a:lstStyle/>
+                    <a:p>
+                      <a:endParaRPr lang="en-US" dirty="0"/>
+                    </a:p>
+                  </a:txBody>
+                  <a:tcPr/>
+                </a:tc>
+                <a:tc>
+                  <a:txBody>
+                    <a:bodyPr/>
+                    <a:lstStyle/>
+                    <a:p>
+                      <a:endParaRPr lang="en-US" dirty="0"/>
+                    </a:p>
+                  </a:txBody>
+                  <a:tcPr/>
+                </a:tc>
+                <a:tc>
+                  <a:txBody>
+                    <a:bodyPr/>
+                    <a:lstStyle/>
+                    <a:p>
+                      <a:endParaRPr lang="en-US" dirty="0"/>
+                    </a:p>
+                  </a:txBody>
+                  <a:tcPr/>
+                </a:tc>
+                <a:tc>
+                  <a:txBody>
+                    <a:bodyPr/>
+                    <a:lstStyle/>
+                    <a:p>
+                      <a:endParaRPr lang="en-US" dirty="0"/>
+                    </a:p>
+                  </a:txBody>
+                  <a:tcPr/>
+                </a:tc>
+                <a:extLst>
+                  <a:ext uri="{0D108BD9-81ED-4DB2-BD59-A6C34878D82A}">
+                    <a16:rowId xmlns:a16="http://schemas.microsoft.com/office/drawing/2014/main" val="111034862"/>
+                  </a:ext>
+                </a:extLst>
+              </a:tr>
+              <a:tr h="473805">
+                <a:tc>
+                  <a:txBody>
+                    <a:bodyPr/>
+                    <a:lstStyle/>
+                    <a:p>
+                      <a:endParaRPr lang="en-US" dirty="0"/>
+                    </a:p>
+                  </a:txBody>
+                  <a:tcPr/>
+                </a:tc>
+                <a:tc>
+                  <a:txBody>
+                    <a:bodyPr/>
+                    <a:lstStyle/>
+                    <a:p>
+                      <a:endParaRPr lang="en-US" dirty="0"/>
+                    </a:p>
+                  </a:txBody>
+                  <a:tcPr/>
+                </a:tc>
+                <a:tc>
+                  <a:txBody>
+                    <a:bodyPr/>
+                    <a:lstStyle/>
+                    <a:p>
+                      <a:endParaRPr lang="en-US" dirty="0"/>
+                    </a:p>
+                  </a:txBody>
+                  <a:tcPr/>
+                </a:tc>
+                <a:tc>
+                  <a:txBody>
+                    <a:bodyPr/>
+                    <a:lstStyle/>
+                    <a:p>
+                      <a:endParaRPr lang="en-US" dirty="0"/>
+                    </a:p>
+                  </a:txBody>
+                  <a:tcPr/>
+                </a:tc>
+                <a:tc>
+                  <a:txBody>
+                    <a:bodyPr/>
+                    <a:lstStyle/>
+                    <a:p>
+                      <a:endParaRPr lang="en-US" dirty="0"/>
+                    </a:p>
+                  </a:txBody>
+                  <a:tcPr/>
+                </a:tc>
+                <a:tc>
+                  <a:txBody>
+                    <a:bodyPr/>
+                    <a:lstStyle/>
+                    <a:p>
+                      <a:endParaRPr lang="en-US" dirty="0"/>
+                    </a:p>
+                  </a:txBody>
+                  <a:tcPr/>
+                </a:tc>
+                <a:tc>
+                  <a:txBody>
+                    <a:bodyPr/>
+                    <a:lstStyle/>
+                    <a:p>
+                      <a:endParaRPr lang="en-US" dirty="0"/>
+                    </a:p>
+                  </a:txBody>
+                  <a:tcPr/>
+                </a:tc>
+                <a:tc>
+                  <a:txBody>
+                    <a:bodyPr/>
+                    <a:lstStyle/>
+                    <a:p>
+                      <a:endParaRPr lang="en-US" dirty="0"/>
+                    </a:p>
+                  </a:txBody>
+                  <a:tcPr/>
+                </a:tc>
+                <a:extLst>
+                  <a:ext uri="{0D108BD9-81ED-4DB2-BD59-A6C34878D82A}">
+                    <a16:rowId xmlns:a16="http://schemas.microsoft.com/office/drawing/2014/main" val="1514023831"/>
+                  </a:ext>
+                </a:extLst>
+              </a:tr>
+              <a:tr h="473805">
+                <a:tc>
+                  <a:txBody>
+                    <a:bodyPr/>
+                    <a:lstStyle/>
+                    <a:p>
+                      <a:endParaRPr lang="en-US" dirty="0"/>
+                    </a:p>
+                  </a:txBody>
+                  <a:tcPr/>
+                </a:tc>
+                <a:tc>
+                  <a:txBody>
+                    <a:bodyPr/>
+                    <a:lstStyle/>
+                    <a:p>
+                      <a:endParaRPr lang="en-US" dirty="0"/>
+                    </a:p>
+                  </a:txBody>
+                  <a:tcPr/>
+                </a:tc>
+                <a:tc>
+                  <a:txBody>
+                    <a:bodyPr/>
+                    <a:lstStyle/>
+                    <a:p>
+                      <a:endParaRPr lang="en-US" dirty="0"/>
+                    </a:p>
+                  </a:txBody>
+                  <a:tcPr/>
+                </a:tc>
+                <a:tc>
+                  <a:txBody>
+                    <a:bodyPr/>
+                    <a:lstStyle/>
+                    <a:p>
+                      <a:endParaRPr lang="en-US" dirty="0"/>
+                    </a:p>
+                  </a:txBody>
+                  <a:tcPr/>
+                </a:tc>
+                <a:tc>
+                  <a:txBody>
+                    <a:bodyPr/>
+                    <a:lstStyle/>
+                    <a:p>
+                      <a:endParaRPr lang="en-US" dirty="0"/>
+                    </a:p>
+                  </a:txBody>
+                  <a:tcPr/>
+                </a:tc>
+                <a:tc>
+                  <a:txBody>
+                    <a:bodyPr/>
+                    <a:lstStyle/>
+                    <a:p>
+                      <a:endParaRPr lang="en-US" dirty="0"/>
+                    </a:p>
+                  </a:txBody>
+                  <a:tcPr/>
+                </a:tc>
+                <a:tc>
+                  <a:txBody>
+                    <a:bodyPr/>
+                    <a:lstStyle/>
+                    <a:p>
+                      <a:endParaRPr lang="en-US" dirty="0"/>
+                    </a:p>
+                  </a:txBody>
+                  <a:tcPr/>
+                </a:tc>
+                <a:tc>
+                  <a:txBody>
+                    <a:bodyPr/>
+                    <a:lstStyle/>
+                    <a:p>
+                      <a:endParaRPr lang="en-US" dirty="0"/>
+                    </a:p>
+                  </a:txBody>
+                  <a:tcPr/>
+                </a:tc>
+                <a:extLst>
+                  <a:ext uri="{0D108BD9-81ED-4DB2-BD59-A6C34878D82A}">
+                    <a16:rowId xmlns:a16="http://schemas.microsoft.com/office/drawing/2014/main" val="1640965373"/>
+                  </a:ext>
+                </a:extLst>
+              </a:tr>
+              <a:tr h="473805">
+                <a:tc>
+                  <a:txBody>
+                    <a:bodyPr/>
+                    <a:lstStyle/>
+                    <a:p>
+                      <a:endParaRPr lang="en-US" dirty="0"/>
+                    </a:p>
+                  </a:txBody>
+                  <a:tcPr/>
+                </a:tc>
+                <a:tc>
+                  <a:txBody>
+                    <a:bodyPr/>
+                    <a:lstStyle/>
+                    <a:p>
+                      <a:endParaRPr lang="en-US" dirty="0"/>
+                    </a:p>
+                  </a:txBody>
+                  <a:tcPr/>
+                </a:tc>
+                <a:tc>
+                  <a:txBody>
+                    <a:bodyPr/>
+                    <a:lstStyle/>
+                    <a:p>
+                      <a:endParaRPr lang="en-US" dirty="0"/>
+                    </a:p>
+                  </a:txBody>
+                  <a:tcPr/>
+                </a:tc>
+                <a:tc>
+                  <a:txBody>
+                    <a:bodyPr/>
+                    <a:lstStyle/>
+                    <a:p>
+                      <a:endParaRPr lang="en-US" dirty="0"/>
+                    </a:p>
+                  </a:txBody>
+                  <a:tcPr/>
+                </a:tc>
+                <a:tc>
+                  <a:txBody>
+                    <a:bodyPr/>
+                    <a:lstStyle/>
+                    <a:p>
+                      <a:endParaRPr lang="en-US" dirty="0"/>
+                    </a:p>
+                  </a:txBody>
+                  <a:tcPr/>
+                </a:tc>
+                <a:tc>
+                  <a:txBody>
+                    <a:bodyPr/>
+                    <a:lstStyle/>
+                    <a:p>
+                      <a:endParaRPr lang="en-US" dirty="0"/>
+                    </a:p>
+                  </a:txBody>
+                  <a:tcPr/>
+                </a:tc>
+                <a:tc>
+                  <a:txBody>
+                    <a:bodyPr/>
+                    <a:lstStyle/>
+                    <a:p>
+                      <a:endParaRPr lang="en-US" dirty="0"/>
+                    </a:p>
+                  </a:txBody>
+                  <a:tcPr/>
+                </a:tc>
+                <a:tc>
+                  <a:txBody>
+                    <a:bodyPr/>
+                    <a:lstStyle/>
+                    <a:p>
+                      <a:endParaRPr lang="en-US" dirty="0"/>
+                    </a:p>
+                  </a:txBody>
+                  <a:tcPr/>
+                </a:tc>
+                <a:extLst>
+                  <a:ext uri="{0D108BD9-81ED-4DB2-BD59-A6C34878D82A}">
+                    <a16:rowId xmlns:a16="http://schemas.microsoft.com/office/drawing/2014/main" val="4109677546"/>
+                  </a:ext>
+                </a:extLst>
+              </a:tr>
+              <a:tr h="473805">
+                <a:tc>
+                  <a:txBody>
+                    <a:bodyPr/>
+                    <a:lstStyle/>
+                    <a:p>
+                      <a:endParaRPr lang="en-US" dirty="0"/>
+                    </a:p>
+                  </a:txBody>
+                  <a:tcPr/>
+                </a:tc>
+                <a:tc>
+                  <a:txBody>
+                    <a:bodyPr/>
+                    <a:lstStyle/>
+                    <a:p>
+                      <a:endParaRPr lang="en-US" dirty="0"/>
+                    </a:p>
+                  </a:txBody>
+                  <a:tcPr/>
+                </a:tc>
+                <a:tc>
+                  <a:txBody>
+                    <a:bodyPr/>
+                    <a:lstStyle/>
+                    <a:p>
+                      <a:endParaRPr lang="en-US" dirty="0"/>
+                    </a:p>
+                  </a:txBody>
+                  <a:tcPr/>
+                </a:tc>
+                <a:tc>
+                  <a:txBody>
+                    <a:bodyPr/>
+                    <a:lstStyle/>
+                    <a:p>
+                      <a:endParaRPr lang="en-US" dirty="0"/>
+                    </a:p>
+                  </a:txBody>
+                  <a:tcPr/>
+                </a:tc>
+                <a:tc>
+                  <a:txBody>
+                    <a:bodyPr/>
+                    <a:lstStyle/>
+                    <a:p>
+                      <a:endParaRPr lang="en-US" dirty="0"/>
+                    </a:p>
+                  </a:txBody>
+                  <a:tcPr/>
+                </a:tc>
+                <a:tc>
+                  <a:txBody>
+                    <a:bodyPr/>
+                    <a:lstStyle/>
+                    <a:p>
+                      <a:endParaRPr lang="en-US" dirty="0"/>
+                    </a:p>
+                  </a:txBody>
+                  <a:tcPr/>
+                </a:tc>
+                <a:tc>
+                  <a:txBody>
+                    <a:bodyPr/>
+                    <a:lstStyle/>
+                    <a:p>
+                      <a:endParaRPr lang="en-US" dirty="0"/>
+                    </a:p>
+                  </a:txBody>
+                  <a:tcPr/>
+                </a:tc>
+                <a:tc>
+                  <a:txBody>
+                    <a:bodyPr/>
+                    <a:lstStyle/>
+                    <a:p>
+                      <a:endParaRPr lang="en-US" dirty="0"/>
+                    </a:p>
+                  </a:txBody>
+                  <a:tcPr/>
+                </a:tc>
+                <a:extLst>
+                  <a:ext uri="{0D108BD9-81ED-4DB2-BD59-A6C34878D82A}">
+                    <a16:rowId xmlns:a16="http://schemas.microsoft.com/office/drawing/2014/main" val="3769723396"/>
+                  </a:ext>
+                </a:extLst>
+              </a:tr>
+              <a:tr h="473805">
+                <a:tc>
+                  <a:txBody>
+                    <a:bodyPr/>
+                    <a:lstStyle/>
+                    <a:p>
+                      <a:endParaRPr lang="en-US" dirty="0"/>
+                    </a:p>
+                  </a:txBody>
+                  <a:tcPr/>
+                </a:tc>
+                <a:tc>
+                  <a:txBody>
+                    <a:bodyPr/>
+                    <a:lstStyle/>
+                    <a:p>
+                      <a:endParaRPr lang="en-US" dirty="0"/>
+                    </a:p>
+                  </a:txBody>
+                  <a:tcPr/>
+                </a:tc>
+                <a:tc>
+                  <a:txBody>
+                    <a:bodyPr/>
+                    <a:lstStyle/>
+                    <a:p>
+                      <a:endParaRPr lang="en-US" dirty="0"/>
+                    </a:p>
+                  </a:txBody>
+                  <a:tcPr/>
+                </a:tc>
+                <a:tc>
+                  <a:txBody>
+                    <a:bodyPr/>
+                    <a:lstStyle/>
+                    <a:p>
+                      <a:endParaRPr lang="en-US" dirty="0"/>
+                    </a:p>
+                  </a:txBody>
+                  <a:tcPr/>
+                </a:tc>
+                <a:tc>
+                  <a:txBody>
+                    <a:bodyPr/>
+                    <a:lstStyle/>
+                    <a:p>
+                      <a:endParaRPr lang="en-US" dirty="0"/>
+                    </a:p>
+                  </a:txBody>
+                  <a:tcPr/>
+                </a:tc>
+                <a:tc>
+                  <a:txBody>
+                    <a:bodyPr/>
+                    <a:lstStyle/>
+                    <a:p>
+                      <a:endParaRPr lang="en-US" dirty="0"/>
+                    </a:p>
+                  </a:txBody>
+                  <a:tcPr/>
+                </a:tc>
+                <a:tc>
+                  <a:txBody>
+                    <a:bodyPr/>
+                    <a:lstStyle/>
+                    <a:p>
+                      <a:endParaRPr lang="en-US" dirty="0"/>
+                    </a:p>
+                  </a:txBody>
+                  <a:tcPr/>
+                </a:tc>
+                <a:tc>
+                  <a:txBody>
+                    <a:bodyPr/>
+                    <a:lstStyle/>
+                    <a:p>
+                      <a:endParaRPr lang="en-US" dirty="0"/>
+                    </a:p>
+                  </a:txBody>
+                  <a:tcPr/>
+                </a:tc>
+                <a:extLst>
+                  <a:ext uri="{0D108BD9-81ED-4DB2-BD59-A6C34878D82A}">
+                    <a16:rowId xmlns:a16="http://schemas.microsoft.com/office/drawing/2014/main" val="441746364"/>
+                  </a:ext>
+                </a:extLst>
+              </a:tr>
+              <a:tr h="473805">
+                <a:tc>
+                  <a:txBody>
+                    <a:bodyPr/>
+                    <a:lstStyle/>
+                    <a:p>
+                      <a:endParaRPr lang="en-US" dirty="0"/>
+                    </a:p>
+                  </a:txBody>
+                  <a:tcPr/>
+                </a:tc>
+                <a:tc>
+                  <a:txBody>
+                    <a:bodyPr/>
+                    <a:lstStyle/>
+                    <a:p>
+                      <a:endParaRPr lang="en-US" dirty="0"/>
+                    </a:p>
+                  </a:txBody>
+                  <a:tcPr/>
+                </a:tc>
+                <a:tc>
+                  <a:txBody>
+                    <a:bodyPr/>
+                    <a:lstStyle/>
+                    <a:p>
+                      <a:endParaRPr lang="en-US" dirty="0"/>
+                    </a:p>
+                  </a:txBody>
+                  <a:tcPr/>
+                </a:tc>
+                <a:tc>
+                  <a:txBody>
+                    <a:bodyPr/>
+                    <a:lstStyle/>
+                    <a:p>
+                      <a:endParaRPr lang="en-US" dirty="0"/>
+                    </a:p>
+                  </a:txBody>
+                  <a:tcPr/>
+                </a:tc>
+                <a:tc>
+                  <a:txBody>
+                    <a:bodyPr/>
+                    <a:lstStyle/>
+                    <a:p>
+                      <a:endParaRPr lang="en-US" dirty="0"/>
+                    </a:p>
+                  </a:txBody>
+                  <a:tcPr/>
+                </a:tc>
+                <a:tc>
+                  <a:txBody>
+                    <a:bodyPr/>
+                    <a:lstStyle/>
+                    <a:p>
+                      <a:endParaRPr lang="en-US" dirty="0"/>
+                    </a:p>
+                  </a:txBody>
+                  <a:tcPr/>
+                </a:tc>
+                <a:tc>
+                  <a:txBody>
+                    <a:bodyPr/>
+                    <a:lstStyle/>
+                    <a:p>
+                      <a:endParaRPr lang="en-US" dirty="0"/>
+                    </a:p>
+                  </a:txBody>
+                  <a:tcPr/>
+                </a:tc>
+                <a:tc>
+                  <a:txBody>
+                    <a:bodyPr/>
+                    <a:lstStyle/>
+                    <a:p>
+                      <a:endParaRPr lang="en-US" dirty="0"/>
+                    </a:p>
+                  </a:txBody>
+                  <a:tcPr/>
+                </a:tc>
+                <a:extLst>
+                  <a:ext uri="{0D108BD9-81ED-4DB2-BD59-A6C34878D82A}">
+                    <a16:rowId xmlns:a16="http://schemas.microsoft.com/office/drawing/2014/main" val="239617531"/>
+                  </a:ext>
+                </a:extLst>
+              </a:tr>
+              <a:tr h="473805">
+                <a:tc>
+                  <a:txBody>
+                    <a:bodyPr/>
+                    <a:lstStyle/>
+                    <a:p>
+                      <a:endParaRPr lang="en-US" dirty="0"/>
+                    </a:p>
+                  </a:txBody>
+                  <a:tcPr/>
+                </a:tc>
+                <a:tc>
+                  <a:txBody>
+                    <a:bodyPr/>
+                    <a:lstStyle/>
+                    <a:p>
+                      <a:endParaRPr lang="en-US" dirty="0"/>
+                    </a:p>
+                  </a:txBody>
+                  <a:tcPr/>
+                </a:tc>
+                <a:tc>
+                  <a:txBody>
+                    <a:bodyPr/>
+                    <a:lstStyle/>
+                    <a:p>
+                      <a:endParaRPr lang="en-US" dirty="0"/>
+                    </a:p>
+                  </a:txBody>
+                  <a:tcPr/>
+                </a:tc>
+                <a:tc>
+                  <a:txBody>
+                    <a:bodyPr/>
+                    <a:lstStyle/>
+                    <a:p>
+                      <a:endParaRPr lang="en-US" dirty="0"/>
+                    </a:p>
+                  </a:txBody>
+                  <a:tcPr/>
+                </a:tc>
+                <a:tc>
+                  <a:txBody>
+                    <a:bodyPr/>
+                    <a:lstStyle/>
+                    <a:p>
+                      <a:endParaRPr lang="en-US" dirty="0"/>
+                    </a:p>
+                  </a:txBody>
+                  <a:tcPr/>
+                </a:tc>
+                <a:tc>
+                  <a:txBody>
+                    <a:bodyPr/>
+                    <a:lstStyle/>
+                    <a:p>
+                      <a:endParaRPr lang="en-US" dirty="0"/>
+                    </a:p>
+                  </a:txBody>
+                  <a:tcPr/>
+                </a:tc>
+                <a:tc>
+                  <a:txBody>
+                    <a:bodyPr/>
+                    <a:lstStyle/>
+                    <a:p>
+                      <a:endParaRPr lang="en-US" dirty="0"/>
+                    </a:p>
+                  </a:txBody>
+                  <a:tcPr/>
+                </a:tc>
+                <a:tc>
+                  <a:txBody>
+                    <a:bodyPr/>
+                    <a:lstStyle/>
+                    <a:p>
+                      <a:endParaRPr lang="en-US" dirty="0"/>
+                    </a:p>
+                  </a:txBody>
+                  <a:tcPr/>
+                </a:tc>
+                <a:extLst>
+                  <a:ext uri="{0D108BD9-81ED-4DB2-BD59-A6C34878D82A}">
+                    <a16:rowId xmlns:a16="http://schemas.microsoft.com/office/drawing/2014/main" val="2882853610"/>
+                  </a:ext>
+                </a:extLst>
+              </a:tr>
+              <a:tr h="473805">
+                <a:tc>
+                  <a:txBody>
+                    <a:bodyPr/>
+                    <a:lstStyle/>
+                    <a:p>
+                      <a:endParaRPr lang="en-US" dirty="0"/>
+                    </a:p>
+                  </a:txBody>
+                  <a:tcPr/>
+                </a:tc>
+                <a:tc>
+                  <a:txBody>
+                    <a:bodyPr/>
+                    <a:lstStyle/>
+                    <a:p>
+                      <a:endParaRPr lang="en-US" dirty="0"/>
+                    </a:p>
+                  </a:txBody>
+                  <a:tcPr/>
+                </a:tc>
+                <a:tc>
+                  <a:txBody>
+                    <a:bodyPr/>
+                    <a:lstStyle/>
+                    <a:p>
+                      <a:endParaRPr lang="en-US" dirty="0"/>
+                    </a:p>
+                  </a:txBody>
+                  <a:tcPr/>
+                </a:tc>
+                <a:tc>
+                  <a:txBody>
+                    <a:bodyPr/>
+                    <a:lstStyle/>
+                    <a:p>
+                      <a:endParaRPr lang="en-US" dirty="0"/>
+                    </a:p>
+                  </a:txBody>
+                  <a:tcPr/>
+                </a:tc>
+                <a:tc>
+                  <a:txBody>
+                    <a:bodyPr/>
+                    <a:lstStyle/>
+                    <a:p>
+                      <a:endParaRPr lang="en-US" dirty="0"/>
+                    </a:p>
+                  </a:txBody>
+                  <a:tcPr/>
+                </a:tc>
+                <a:tc>
+                  <a:txBody>
+                    <a:bodyPr/>
+                    <a:lstStyle/>
+                    <a:p>
+                      <a:endParaRPr lang="en-US" dirty="0"/>
+                    </a:p>
+                  </a:txBody>
+                  <a:tcPr/>
+                </a:tc>
+                <a:tc>
+                  <a:txBody>
+                    <a:bodyPr/>
+                    <a:lstStyle/>
+                    <a:p>
+                      <a:endParaRPr lang="en-US" dirty="0"/>
+                    </a:p>
+                  </a:txBody>
+                  <a:tcPr/>
+                </a:tc>
+                <a:tc>
+                  <a:txBody>
+                    <a:bodyPr/>
+                    <a:lstStyle/>
+                    <a:p>
+                      <a:endParaRPr lang="en-US" dirty="0"/>
+                    </a:p>
+                  </a:txBody>
+                  <a:tcPr/>
+                </a:tc>
+                <a:extLst>
+                  <a:ext uri="{0D108BD9-81ED-4DB2-BD59-A6C34878D82A}">
+                    <a16:rowId xmlns:a16="http://schemas.microsoft.com/office/drawing/2014/main" val="3646904348"/>
+                  </a:ext>
+                </a:extLst>
+              </a:tr>
+            </a:tbl>
+          </a:graphicData>
+        </a:graphic>
+      </p:graphicFrame>
+    </p:spTree>
+    <p:extLst>
+      <p:ext uri="{BB962C8B-B14F-4D97-AF65-F5344CB8AC3E}">
+        <p14:creationId xmlns:p14="http://schemas.microsoft.com/office/powerpoint/2010/main" val="4013141494"/>
+      </p:ext>
+    </p:extLst>
+  </p:cSld>
+  <p:clrMapOvr>
+    <a:masterClrMapping/>
+  </p:clrMapOvr>
+</p:sld>
+</file>
+
+<file path=ppt/slides/slide42.xml><?xml version="1.0" encoding="utf-8"?>
+<p:sld xmlns:a="http://schemas.openxmlformats.org/drawingml/2006/main" xmlns:r="http://schemas.openxmlformats.org/officeDocument/2006/relationships" xmlns:p="http://schemas.openxmlformats.org/presentationml/2006/main">
+  <p:cSld>
+    <p:spTree>
+      <p:nvGrpSpPr>
+        <p:cNvPr id="1" name=""/>
+        <p:cNvGrpSpPr/>
+        <p:nvPr/>
+      </p:nvGrpSpPr>
+      <p:grpSpPr>
+        <a:xfrm>
+          <a:off x="0" y="0"/>
+          <a:ext cx="0" cy="0"/>
+          <a:chOff x="0" y="0"/>
+          <a:chExt cx="0" cy="0"/>
+        </a:xfrm>
+      </p:grpSpPr>
+      <p:sp>
+        <p:nvSpPr>
+          <p:cNvPr id="2" name="Title 1">
+            <a:extLst>
+              <a:ext uri="{FF2B5EF4-FFF2-40B4-BE49-F238E27FC236}">
+                <a16:creationId xmlns:a16="http://schemas.microsoft.com/office/drawing/2014/main" id="{9B1F2375-F195-BAC1-F91C-F454E3D5A0CF}"/>
+              </a:ext>
+            </a:extLst>
+          </p:cNvPr>
+          <p:cNvSpPr>
+            <a:spLocks noGrp="1"/>
+          </p:cNvSpPr>
+          <p:nvPr>
+            <p:ph type="title"/>
+          </p:nvPr>
+        </p:nvSpPr>
+        <p:spPr/>
+        <p:txBody>
+          <a:bodyPr/>
+          <a:lstStyle/>
+          <a:p>
+            <a:r>
+              <a:rPr lang="en-US" dirty="0"/>
+              <a:t>Example 3</a:t>
+            </a:r>
+          </a:p>
+        </p:txBody>
+      </p:sp>
+      <p:sp>
+        <p:nvSpPr>
+          <p:cNvPr id="3" name="Footer Placeholder 2">
+            <a:extLst>
+              <a:ext uri="{FF2B5EF4-FFF2-40B4-BE49-F238E27FC236}">
+                <a16:creationId xmlns:a16="http://schemas.microsoft.com/office/drawing/2014/main" id="{BE5201C6-8EB2-5AC6-E408-5B09F5046BC3}"/>
+              </a:ext>
+            </a:extLst>
+          </p:cNvPr>
+          <p:cNvSpPr>
+            <a:spLocks noGrp="1"/>
+          </p:cNvSpPr>
+          <p:nvPr>
+            <p:ph type="ftr" sz="quarter" idx="11"/>
+          </p:nvPr>
+        </p:nvSpPr>
+        <p:spPr/>
+        <p:txBody>
+          <a:bodyPr/>
+          <a:lstStyle/>
+          <a:p>
+            <a:r>
+              <a:rPr lang="he-IL"/>
+              <a:t>אלגוריתמים 1- ד"ר בוריס לואנט - מכללה אקדמית אשקלון - תשפ"ד - סמסטר א'</a:t>
+            </a:r>
+            <a:endParaRPr lang="en-US" dirty="0"/>
+          </a:p>
+        </p:txBody>
+      </p:sp>
+      <p:sp>
+        <p:nvSpPr>
+          <p:cNvPr id="4" name="Slide Number Placeholder 3">
+            <a:extLst>
+              <a:ext uri="{FF2B5EF4-FFF2-40B4-BE49-F238E27FC236}">
+                <a16:creationId xmlns:a16="http://schemas.microsoft.com/office/drawing/2014/main" id="{0CED7FA0-0F41-0E63-C2AF-1BE177624D1B}"/>
+              </a:ext>
+            </a:extLst>
+          </p:cNvPr>
+          <p:cNvSpPr>
+            <a:spLocks noGrp="1"/>
+          </p:cNvSpPr>
+          <p:nvPr>
+            <p:ph type="sldNum" sz="quarter" idx="12"/>
+          </p:nvPr>
+        </p:nvSpPr>
+        <p:spPr/>
+        <p:txBody>
+          <a:bodyPr/>
+          <a:lstStyle/>
+          <a:p>
+            <a:fld id="{2EEF023C-487C-4FDD-A5C6-3E51DF829693}" type="slidenum">
+              <a:rPr lang="en-US" smtClean="0"/>
+              <a:pPr/>
+              <a:t>42</a:t>
+            </a:fld>
+            <a:endParaRPr lang="en-US"/>
+          </a:p>
+        </p:txBody>
+      </p:sp>
+      <p:pic>
+        <p:nvPicPr>
+          <p:cNvPr id="8" name="Picture 7">
+            <a:extLst>
+              <a:ext uri="{FF2B5EF4-FFF2-40B4-BE49-F238E27FC236}">
+                <a16:creationId xmlns:a16="http://schemas.microsoft.com/office/drawing/2014/main" id="{73C4B703-C87E-2543-E056-D653CCC867BD}"/>
+              </a:ext>
+            </a:extLst>
+          </p:cNvPr>
+          <p:cNvPicPr>
+            <a:picLocks noChangeAspect="1"/>
+          </p:cNvPicPr>
+          <p:nvPr/>
+        </p:nvPicPr>
+        <p:blipFill>
+          <a:blip r:embed="rId2"/>
+          <a:stretch>
+            <a:fillRect/>
+          </a:stretch>
+        </p:blipFill>
+        <p:spPr>
+          <a:xfrm>
+            <a:off x="5580112" y="2479374"/>
+            <a:ext cx="2591162" cy="2876951"/>
+          </a:xfrm>
+          <a:prstGeom prst="rect">
+            <a:avLst/>
+          </a:prstGeom>
+        </p:spPr>
+      </p:pic>
+      <p:graphicFrame>
+        <p:nvGraphicFramePr>
+          <p:cNvPr id="5" name="Table 4">
+            <a:extLst>
+              <a:ext uri="{FF2B5EF4-FFF2-40B4-BE49-F238E27FC236}">
+                <a16:creationId xmlns:a16="http://schemas.microsoft.com/office/drawing/2014/main" id="{EFB4C1DB-1D3E-B353-419C-A1A191E9E5D3}"/>
+              </a:ext>
+            </a:extLst>
+          </p:cNvPr>
+          <p:cNvGraphicFramePr>
+            <a:graphicFrameLocks noGrp="1"/>
+          </p:cNvGraphicFramePr>
+          <p:nvPr>
+            <p:extLst>
+              <p:ext uri="{D42A27DB-BD31-4B8C-83A1-F6EECF244321}">
+                <p14:modId xmlns:p14="http://schemas.microsoft.com/office/powerpoint/2010/main" val="2752070803"/>
+              </p:ext>
+            </p:extLst>
+          </p:nvPr>
+        </p:nvGraphicFramePr>
+        <p:xfrm>
+          <a:off x="611560" y="1693834"/>
+          <a:ext cx="3960440" cy="4192240"/>
+        </p:xfrm>
+        <a:graphic>
+          <a:graphicData uri="http://schemas.openxmlformats.org/drawingml/2006/table">
+            <a:tbl>
+              <a:tblPr firstRow="1" bandRow="1">
+                <a:tableStyleId>{5C22544A-7EE6-4342-B048-85BDC9FD1C3A}</a:tableStyleId>
+              </a:tblPr>
+              <a:tblGrid>
+                <a:gridCol w="396044">
+                  <a:extLst>
+                    <a:ext uri="{9D8B030D-6E8A-4147-A177-3AD203B41FA5}">
+                      <a16:colId xmlns:a16="http://schemas.microsoft.com/office/drawing/2014/main" val="3634114385"/>
+                    </a:ext>
+                  </a:extLst>
+                </a:gridCol>
+                <a:gridCol w="396044">
+                  <a:extLst>
+                    <a:ext uri="{9D8B030D-6E8A-4147-A177-3AD203B41FA5}">
+                      <a16:colId xmlns:a16="http://schemas.microsoft.com/office/drawing/2014/main" val="1336947636"/>
+                    </a:ext>
+                  </a:extLst>
+                </a:gridCol>
+                <a:gridCol w="396044">
+                  <a:extLst>
+                    <a:ext uri="{9D8B030D-6E8A-4147-A177-3AD203B41FA5}">
+                      <a16:colId xmlns:a16="http://schemas.microsoft.com/office/drawing/2014/main" val="2486504422"/>
+                    </a:ext>
+                  </a:extLst>
+                </a:gridCol>
+                <a:gridCol w="396044">
+                  <a:extLst>
+                    <a:ext uri="{9D8B030D-6E8A-4147-A177-3AD203B41FA5}">
+                      <a16:colId xmlns:a16="http://schemas.microsoft.com/office/drawing/2014/main" val="1882360440"/>
+                    </a:ext>
+                  </a:extLst>
+                </a:gridCol>
+                <a:gridCol w="396044">
+                  <a:extLst>
+                    <a:ext uri="{9D8B030D-6E8A-4147-A177-3AD203B41FA5}">
+                      <a16:colId xmlns:a16="http://schemas.microsoft.com/office/drawing/2014/main" val="42229659"/>
+                    </a:ext>
+                  </a:extLst>
+                </a:gridCol>
+                <a:gridCol w="396044">
+                  <a:extLst>
+                    <a:ext uri="{9D8B030D-6E8A-4147-A177-3AD203B41FA5}">
+                      <a16:colId xmlns:a16="http://schemas.microsoft.com/office/drawing/2014/main" val="1022508797"/>
+                    </a:ext>
+                  </a:extLst>
+                </a:gridCol>
+                <a:gridCol w="396044">
+                  <a:extLst>
+                    <a:ext uri="{9D8B030D-6E8A-4147-A177-3AD203B41FA5}">
+                      <a16:colId xmlns:a16="http://schemas.microsoft.com/office/drawing/2014/main" val="3083731465"/>
+                    </a:ext>
+                  </a:extLst>
+                </a:gridCol>
+                <a:gridCol w="396044">
+                  <a:extLst>
+                    <a:ext uri="{9D8B030D-6E8A-4147-A177-3AD203B41FA5}">
+                      <a16:colId xmlns:a16="http://schemas.microsoft.com/office/drawing/2014/main" val="2021064330"/>
+                    </a:ext>
+                  </a:extLst>
+                </a:gridCol>
+                <a:gridCol w="396044">
+                  <a:extLst>
+                    <a:ext uri="{9D8B030D-6E8A-4147-A177-3AD203B41FA5}">
+                      <a16:colId xmlns:a16="http://schemas.microsoft.com/office/drawing/2014/main" val="2986190034"/>
+                    </a:ext>
+                  </a:extLst>
+                </a:gridCol>
+                <a:gridCol w="396044">
+                  <a:extLst>
+                    <a:ext uri="{9D8B030D-6E8A-4147-A177-3AD203B41FA5}">
+                      <a16:colId xmlns:a16="http://schemas.microsoft.com/office/drawing/2014/main" val="2203528846"/>
+                    </a:ext>
+                  </a:extLst>
+                </a:gridCol>
+              </a:tblGrid>
+              <a:tr h="524030">
+                <a:tc>
+                  <a:txBody>
+                    <a:bodyPr/>
+                    <a:lstStyle/>
+                    <a:p>
+                      <a:endParaRPr lang="en-US" dirty="0"/>
+                    </a:p>
+                  </a:txBody>
+                  <a:tcPr/>
+                </a:tc>
+                <a:tc>
+                  <a:txBody>
+                    <a:bodyPr/>
+                    <a:lstStyle/>
+                    <a:p>
+                      <a:endParaRPr lang="en-US" dirty="0"/>
+                    </a:p>
+                  </a:txBody>
+                  <a:tcPr/>
+                </a:tc>
+                <a:tc>
+                  <a:txBody>
+                    <a:bodyPr/>
+                    <a:lstStyle/>
+                    <a:p>
+                      <a:endParaRPr lang="en-US" dirty="0"/>
+                    </a:p>
+                  </a:txBody>
+                  <a:tcPr/>
+                </a:tc>
+                <a:tc>
+                  <a:txBody>
+                    <a:bodyPr/>
+                    <a:lstStyle/>
+                    <a:p>
+                      <a:endParaRPr lang="en-US" dirty="0"/>
+                    </a:p>
+                  </a:txBody>
+                  <a:tcPr/>
+                </a:tc>
+                <a:tc>
+                  <a:txBody>
+                    <a:bodyPr/>
+                    <a:lstStyle/>
+                    <a:p>
+                      <a:endParaRPr lang="en-US" dirty="0"/>
+                    </a:p>
+                  </a:txBody>
+                  <a:tcPr/>
+                </a:tc>
+                <a:tc>
+                  <a:txBody>
+                    <a:bodyPr/>
+                    <a:lstStyle/>
+                    <a:p>
+                      <a:endParaRPr lang="en-US" dirty="0"/>
+                    </a:p>
+                  </a:txBody>
+                  <a:tcPr/>
+                </a:tc>
+                <a:tc>
+                  <a:txBody>
+                    <a:bodyPr/>
+                    <a:lstStyle/>
+                    <a:p>
+                      <a:endParaRPr lang="en-US" dirty="0"/>
+                    </a:p>
+                  </a:txBody>
+                  <a:tcPr/>
+                </a:tc>
+                <a:tc>
+                  <a:txBody>
+                    <a:bodyPr/>
+                    <a:lstStyle/>
+                    <a:p>
+                      <a:endParaRPr lang="en-US" dirty="0"/>
+                    </a:p>
+                  </a:txBody>
+                  <a:tcPr/>
+                </a:tc>
+                <a:tc>
+                  <a:txBody>
+                    <a:bodyPr/>
+                    <a:lstStyle/>
+                    <a:p>
+                      <a:endParaRPr lang="en-US" dirty="0"/>
+                    </a:p>
+                  </a:txBody>
+                  <a:tcPr/>
+                </a:tc>
+                <a:tc>
+                  <a:txBody>
+                    <a:bodyPr/>
+                    <a:lstStyle/>
+                    <a:p>
+                      <a:endParaRPr lang="en-US" dirty="0"/>
+                    </a:p>
+                  </a:txBody>
+                  <a:tcPr/>
+                </a:tc>
+                <a:extLst>
+                  <a:ext uri="{0D108BD9-81ED-4DB2-BD59-A6C34878D82A}">
+                    <a16:rowId xmlns:a16="http://schemas.microsoft.com/office/drawing/2014/main" val="3867895233"/>
+                  </a:ext>
+                </a:extLst>
+              </a:tr>
+              <a:tr h="524030">
+                <a:tc>
+                  <a:txBody>
+                    <a:bodyPr/>
+                    <a:lstStyle/>
+                    <a:p>
+                      <a:endParaRPr lang="en-US" dirty="0"/>
+                    </a:p>
+                  </a:txBody>
+                  <a:tcPr/>
+                </a:tc>
+                <a:tc>
+                  <a:txBody>
+                    <a:bodyPr/>
+                    <a:lstStyle/>
+                    <a:p>
+                      <a:endParaRPr lang="en-US" dirty="0"/>
+                    </a:p>
+                  </a:txBody>
+                  <a:tcPr/>
+                </a:tc>
+                <a:tc>
+                  <a:txBody>
+                    <a:bodyPr/>
+                    <a:lstStyle/>
+                    <a:p>
+                      <a:endParaRPr lang="en-US" dirty="0"/>
+                    </a:p>
+                  </a:txBody>
+                  <a:tcPr/>
+                </a:tc>
+                <a:tc>
+                  <a:txBody>
+                    <a:bodyPr/>
+                    <a:lstStyle/>
+                    <a:p>
+                      <a:endParaRPr lang="en-US" dirty="0"/>
+                    </a:p>
+                  </a:txBody>
+                  <a:tcPr/>
+                </a:tc>
+                <a:tc>
+                  <a:txBody>
+                    <a:bodyPr/>
+                    <a:lstStyle/>
+                    <a:p>
+                      <a:endParaRPr lang="en-US" dirty="0"/>
+                    </a:p>
+                  </a:txBody>
+                  <a:tcPr/>
+                </a:tc>
+                <a:tc>
+                  <a:txBody>
+                    <a:bodyPr/>
+                    <a:lstStyle/>
+                    <a:p>
+                      <a:endParaRPr lang="en-US" dirty="0"/>
+                    </a:p>
+                  </a:txBody>
+                  <a:tcPr/>
+                </a:tc>
+                <a:tc>
+                  <a:txBody>
+                    <a:bodyPr/>
+                    <a:lstStyle/>
+                    <a:p>
+                      <a:endParaRPr lang="en-US" dirty="0"/>
+                    </a:p>
+                  </a:txBody>
+                  <a:tcPr/>
+                </a:tc>
+                <a:tc>
+                  <a:txBody>
+                    <a:bodyPr/>
+                    <a:lstStyle/>
+                    <a:p>
+                      <a:endParaRPr lang="en-US" dirty="0"/>
+                    </a:p>
+                  </a:txBody>
+                  <a:tcPr/>
+                </a:tc>
+                <a:tc>
+                  <a:txBody>
+                    <a:bodyPr/>
+                    <a:lstStyle/>
+                    <a:p>
+                      <a:endParaRPr lang="en-US" dirty="0"/>
+                    </a:p>
+                  </a:txBody>
+                  <a:tcPr/>
+                </a:tc>
+                <a:tc>
+                  <a:txBody>
+                    <a:bodyPr/>
+                    <a:lstStyle/>
+                    <a:p>
+                      <a:endParaRPr lang="en-US" dirty="0"/>
+                    </a:p>
+                  </a:txBody>
+                  <a:tcPr/>
+                </a:tc>
+                <a:extLst>
+                  <a:ext uri="{0D108BD9-81ED-4DB2-BD59-A6C34878D82A}">
+                    <a16:rowId xmlns:a16="http://schemas.microsoft.com/office/drawing/2014/main" val="4114453263"/>
+                  </a:ext>
+                </a:extLst>
+              </a:tr>
+              <a:tr h="524030">
+                <a:tc>
+                  <a:txBody>
+                    <a:bodyPr/>
+                    <a:lstStyle/>
+                    <a:p>
+                      <a:endParaRPr lang="en-US" dirty="0"/>
+                    </a:p>
+                  </a:txBody>
+                  <a:tcPr/>
+                </a:tc>
+                <a:tc>
+                  <a:txBody>
+                    <a:bodyPr/>
+                    <a:lstStyle/>
+                    <a:p>
+                      <a:endParaRPr lang="en-US" dirty="0"/>
+                    </a:p>
+                  </a:txBody>
+                  <a:tcPr/>
+                </a:tc>
+                <a:tc>
+                  <a:txBody>
+                    <a:bodyPr/>
+                    <a:lstStyle/>
+                    <a:p>
+                      <a:endParaRPr lang="en-US" dirty="0"/>
+                    </a:p>
+                  </a:txBody>
+                  <a:tcPr/>
+                </a:tc>
+                <a:tc>
+                  <a:txBody>
+                    <a:bodyPr/>
+                    <a:lstStyle/>
+                    <a:p>
+                      <a:endParaRPr lang="en-US" dirty="0"/>
+                    </a:p>
+                  </a:txBody>
+                  <a:tcPr/>
+                </a:tc>
+                <a:tc>
+                  <a:txBody>
+                    <a:bodyPr/>
+                    <a:lstStyle/>
+                    <a:p>
+                      <a:endParaRPr lang="en-US" dirty="0"/>
+                    </a:p>
+                  </a:txBody>
+                  <a:tcPr/>
+                </a:tc>
+                <a:tc>
+                  <a:txBody>
+                    <a:bodyPr/>
+                    <a:lstStyle/>
+                    <a:p>
+                      <a:endParaRPr lang="en-US" dirty="0"/>
+                    </a:p>
+                  </a:txBody>
+                  <a:tcPr/>
+                </a:tc>
+                <a:tc>
+                  <a:txBody>
+                    <a:bodyPr/>
+                    <a:lstStyle/>
+                    <a:p>
+                      <a:endParaRPr lang="en-US" dirty="0"/>
+                    </a:p>
+                  </a:txBody>
+                  <a:tcPr/>
+                </a:tc>
+                <a:tc>
+                  <a:txBody>
+                    <a:bodyPr/>
+                    <a:lstStyle/>
+                    <a:p>
+                      <a:endParaRPr lang="en-US" dirty="0"/>
+                    </a:p>
+                  </a:txBody>
+                  <a:tcPr/>
+                </a:tc>
+                <a:tc>
+                  <a:txBody>
+                    <a:bodyPr/>
+                    <a:lstStyle/>
+                    <a:p>
+                      <a:endParaRPr lang="en-US" dirty="0"/>
+                    </a:p>
+                  </a:txBody>
+                  <a:tcPr/>
+                </a:tc>
+                <a:tc>
+                  <a:txBody>
+                    <a:bodyPr/>
+                    <a:lstStyle/>
+                    <a:p>
+                      <a:endParaRPr lang="en-US" dirty="0"/>
+                    </a:p>
+                  </a:txBody>
+                  <a:tcPr/>
+                </a:tc>
+                <a:extLst>
+                  <a:ext uri="{0D108BD9-81ED-4DB2-BD59-A6C34878D82A}">
+                    <a16:rowId xmlns:a16="http://schemas.microsoft.com/office/drawing/2014/main" val="4192246132"/>
+                  </a:ext>
+                </a:extLst>
+              </a:tr>
+              <a:tr h="524030">
+                <a:tc>
+                  <a:txBody>
+                    <a:bodyPr/>
+                    <a:lstStyle/>
+                    <a:p>
+                      <a:endParaRPr lang="en-US" dirty="0"/>
+                    </a:p>
+                  </a:txBody>
+                  <a:tcPr/>
+                </a:tc>
+                <a:tc>
+                  <a:txBody>
+                    <a:bodyPr/>
+                    <a:lstStyle/>
+                    <a:p>
+                      <a:endParaRPr lang="en-US" dirty="0"/>
+                    </a:p>
+                  </a:txBody>
+                  <a:tcPr/>
+                </a:tc>
+                <a:tc>
+                  <a:txBody>
+                    <a:bodyPr/>
+                    <a:lstStyle/>
+                    <a:p>
+                      <a:endParaRPr lang="en-US" dirty="0"/>
+                    </a:p>
+                  </a:txBody>
+                  <a:tcPr/>
+                </a:tc>
+                <a:tc>
+                  <a:txBody>
+                    <a:bodyPr/>
+                    <a:lstStyle/>
+                    <a:p>
+                      <a:endParaRPr lang="en-US" dirty="0"/>
+                    </a:p>
+                  </a:txBody>
+                  <a:tcPr/>
+                </a:tc>
+                <a:tc>
+                  <a:txBody>
+                    <a:bodyPr/>
+                    <a:lstStyle/>
+                    <a:p>
+                      <a:endParaRPr lang="en-US" dirty="0"/>
+                    </a:p>
+                  </a:txBody>
+                  <a:tcPr/>
+                </a:tc>
+                <a:tc>
+                  <a:txBody>
+                    <a:bodyPr/>
+                    <a:lstStyle/>
+                    <a:p>
+                      <a:endParaRPr lang="en-US" dirty="0"/>
+                    </a:p>
+                  </a:txBody>
+                  <a:tcPr/>
+                </a:tc>
+                <a:tc>
+                  <a:txBody>
+                    <a:bodyPr/>
+                    <a:lstStyle/>
+                    <a:p>
+                      <a:endParaRPr lang="en-US" dirty="0"/>
+                    </a:p>
+                  </a:txBody>
+                  <a:tcPr/>
+                </a:tc>
+                <a:tc>
+                  <a:txBody>
+                    <a:bodyPr/>
+                    <a:lstStyle/>
+                    <a:p>
+                      <a:endParaRPr lang="en-US" dirty="0"/>
+                    </a:p>
+                  </a:txBody>
+                  <a:tcPr/>
+                </a:tc>
+                <a:tc>
+                  <a:txBody>
+                    <a:bodyPr/>
+                    <a:lstStyle/>
+                    <a:p>
+                      <a:endParaRPr lang="en-US" dirty="0"/>
+                    </a:p>
+                  </a:txBody>
+                  <a:tcPr/>
+                </a:tc>
+                <a:tc>
+                  <a:txBody>
+                    <a:bodyPr/>
+                    <a:lstStyle/>
+                    <a:p>
+                      <a:endParaRPr lang="en-US" dirty="0"/>
+                    </a:p>
+                  </a:txBody>
+                  <a:tcPr/>
+                </a:tc>
+                <a:extLst>
+                  <a:ext uri="{0D108BD9-81ED-4DB2-BD59-A6C34878D82A}">
+                    <a16:rowId xmlns:a16="http://schemas.microsoft.com/office/drawing/2014/main" val="4239975593"/>
+                  </a:ext>
+                </a:extLst>
+              </a:tr>
+              <a:tr h="524030">
+                <a:tc>
+                  <a:txBody>
+                    <a:bodyPr/>
+                    <a:lstStyle/>
+                    <a:p>
+                      <a:endParaRPr lang="en-US" dirty="0"/>
+                    </a:p>
+                  </a:txBody>
+                  <a:tcPr/>
+                </a:tc>
+                <a:tc>
+                  <a:txBody>
+                    <a:bodyPr/>
+                    <a:lstStyle/>
+                    <a:p>
+                      <a:endParaRPr lang="en-US" dirty="0"/>
+                    </a:p>
+                  </a:txBody>
+                  <a:tcPr/>
+                </a:tc>
+                <a:tc>
+                  <a:txBody>
+                    <a:bodyPr/>
+                    <a:lstStyle/>
+                    <a:p>
+                      <a:endParaRPr lang="en-US" dirty="0"/>
+                    </a:p>
+                  </a:txBody>
+                  <a:tcPr/>
+                </a:tc>
+                <a:tc>
+                  <a:txBody>
+                    <a:bodyPr/>
+                    <a:lstStyle/>
+                    <a:p>
+                      <a:endParaRPr lang="en-US" dirty="0"/>
+                    </a:p>
+                  </a:txBody>
+                  <a:tcPr/>
+                </a:tc>
+                <a:tc>
+                  <a:txBody>
+                    <a:bodyPr/>
+                    <a:lstStyle/>
+                    <a:p>
+                      <a:endParaRPr lang="en-US" dirty="0"/>
+                    </a:p>
+                  </a:txBody>
+                  <a:tcPr/>
+                </a:tc>
+                <a:tc>
+                  <a:txBody>
+                    <a:bodyPr/>
+                    <a:lstStyle/>
+                    <a:p>
+                      <a:endParaRPr lang="en-US" dirty="0"/>
+                    </a:p>
+                  </a:txBody>
+                  <a:tcPr/>
+                </a:tc>
+                <a:tc>
+                  <a:txBody>
+                    <a:bodyPr/>
+                    <a:lstStyle/>
+                    <a:p>
+                      <a:endParaRPr lang="en-US" dirty="0"/>
+                    </a:p>
+                  </a:txBody>
+                  <a:tcPr/>
+                </a:tc>
+                <a:tc>
+                  <a:txBody>
+                    <a:bodyPr/>
+                    <a:lstStyle/>
+                    <a:p>
+                      <a:endParaRPr lang="en-US" dirty="0"/>
+                    </a:p>
+                  </a:txBody>
+                  <a:tcPr/>
+                </a:tc>
+                <a:tc>
+                  <a:txBody>
+                    <a:bodyPr/>
+                    <a:lstStyle/>
+                    <a:p>
+                      <a:endParaRPr lang="en-US" dirty="0"/>
+                    </a:p>
+                  </a:txBody>
+                  <a:tcPr/>
+                </a:tc>
+                <a:tc>
+                  <a:txBody>
+                    <a:bodyPr/>
+                    <a:lstStyle/>
+                    <a:p>
+                      <a:endParaRPr lang="en-US" dirty="0"/>
+                    </a:p>
+                  </a:txBody>
+                  <a:tcPr/>
+                </a:tc>
+                <a:extLst>
+                  <a:ext uri="{0D108BD9-81ED-4DB2-BD59-A6C34878D82A}">
+                    <a16:rowId xmlns:a16="http://schemas.microsoft.com/office/drawing/2014/main" val="1715140743"/>
+                  </a:ext>
+                </a:extLst>
+              </a:tr>
+              <a:tr h="524030">
+                <a:tc>
+                  <a:txBody>
+                    <a:bodyPr/>
+                    <a:lstStyle/>
+                    <a:p>
+                      <a:endParaRPr lang="en-US" dirty="0"/>
+                    </a:p>
+                  </a:txBody>
+                  <a:tcPr/>
+                </a:tc>
+                <a:tc>
+                  <a:txBody>
+                    <a:bodyPr/>
+                    <a:lstStyle/>
+                    <a:p>
+                      <a:endParaRPr lang="en-US" dirty="0"/>
+                    </a:p>
+                  </a:txBody>
+                  <a:tcPr/>
+                </a:tc>
+                <a:tc>
+                  <a:txBody>
+                    <a:bodyPr/>
+                    <a:lstStyle/>
+                    <a:p>
+                      <a:endParaRPr lang="en-US" dirty="0"/>
+                    </a:p>
+                  </a:txBody>
+                  <a:tcPr/>
+                </a:tc>
+                <a:tc>
+                  <a:txBody>
+                    <a:bodyPr/>
+                    <a:lstStyle/>
+                    <a:p>
+                      <a:endParaRPr lang="en-US" dirty="0"/>
+                    </a:p>
+                  </a:txBody>
+                  <a:tcPr/>
+                </a:tc>
+                <a:tc>
+                  <a:txBody>
+                    <a:bodyPr/>
+                    <a:lstStyle/>
+                    <a:p>
+                      <a:endParaRPr lang="en-US" dirty="0"/>
+                    </a:p>
+                  </a:txBody>
+                  <a:tcPr/>
+                </a:tc>
+                <a:tc>
+                  <a:txBody>
+                    <a:bodyPr/>
+                    <a:lstStyle/>
+                    <a:p>
+                      <a:endParaRPr lang="en-US" dirty="0"/>
+                    </a:p>
+                  </a:txBody>
+                  <a:tcPr/>
+                </a:tc>
+                <a:tc>
+                  <a:txBody>
+                    <a:bodyPr/>
+                    <a:lstStyle/>
+                    <a:p>
+                      <a:endParaRPr lang="en-US" dirty="0"/>
+                    </a:p>
+                  </a:txBody>
+                  <a:tcPr/>
+                </a:tc>
+                <a:tc>
+                  <a:txBody>
+                    <a:bodyPr/>
+                    <a:lstStyle/>
+                    <a:p>
+                      <a:endParaRPr lang="en-US" dirty="0"/>
+                    </a:p>
+                  </a:txBody>
+                  <a:tcPr/>
+                </a:tc>
+                <a:tc>
+                  <a:txBody>
+                    <a:bodyPr/>
+                    <a:lstStyle/>
+                    <a:p>
+                      <a:endParaRPr lang="en-US" dirty="0"/>
+                    </a:p>
+                  </a:txBody>
+                  <a:tcPr/>
+                </a:tc>
+                <a:tc>
+                  <a:txBody>
+                    <a:bodyPr/>
+                    <a:lstStyle/>
+                    <a:p>
+                      <a:endParaRPr lang="en-US" dirty="0"/>
+                    </a:p>
+                  </a:txBody>
+                  <a:tcPr/>
+                </a:tc>
+                <a:extLst>
+                  <a:ext uri="{0D108BD9-81ED-4DB2-BD59-A6C34878D82A}">
+                    <a16:rowId xmlns:a16="http://schemas.microsoft.com/office/drawing/2014/main" val="2456284227"/>
+                  </a:ext>
+                </a:extLst>
+              </a:tr>
+              <a:tr h="524030">
+                <a:tc>
+                  <a:txBody>
+                    <a:bodyPr/>
+                    <a:lstStyle/>
+                    <a:p>
+                      <a:endParaRPr lang="en-US" dirty="0"/>
+                    </a:p>
+                  </a:txBody>
+                  <a:tcPr/>
+                </a:tc>
+                <a:tc>
+                  <a:txBody>
+                    <a:bodyPr/>
+                    <a:lstStyle/>
+                    <a:p>
+                      <a:endParaRPr lang="en-US" dirty="0"/>
+                    </a:p>
+                  </a:txBody>
+                  <a:tcPr/>
+                </a:tc>
+                <a:tc>
+                  <a:txBody>
+                    <a:bodyPr/>
+                    <a:lstStyle/>
+                    <a:p>
+                      <a:endParaRPr lang="en-US" dirty="0"/>
+                    </a:p>
+                  </a:txBody>
+                  <a:tcPr/>
+                </a:tc>
+                <a:tc>
+                  <a:txBody>
+                    <a:bodyPr/>
+                    <a:lstStyle/>
+                    <a:p>
+                      <a:endParaRPr lang="en-US" dirty="0"/>
+                    </a:p>
+                  </a:txBody>
+                  <a:tcPr/>
+                </a:tc>
+                <a:tc>
+                  <a:txBody>
+                    <a:bodyPr/>
+                    <a:lstStyle/>
+                    <a:p>
+                      <a:endParaRPr lang="en-US" dirty="0"/>
+                    </a:p>
+                  </a:txBody>
+                  <a:tcPr/>
+                </a:tc>
+                <a:tc>
+                  <a:txBody>
+                    <a:bodyPr/>
+                    <a:lstStyle/>
+                    <a:p>
+                      <a:endParaRPr lang="en-US" dirty="0"/>
+                    </a:p>
+                  </a:txBody>
+                  <a:tcPr/>
+                </a:tc>
+                <a:tc>
+                  <a:txBody>
+                    <a:bodyPr/>
+                    <a:lstStyle/>
+                    <a:p>
+                      <a:endParaRPr lang="en-US" dirty="0"/>
+                    </a:p>
+                  </a:txBody>
+                  <a:tcPr/>
+                </a:tc>
+                <a:tc>
+                  <a:txBody>
+                    <a:bodyPr/>
+                    <a:lstStyle/>
+                    <a:p>
+                      <a:endParaRPr lang="en-US" dirty="0"/>
+                    </a:p>
+                  </a:txBody>
+                  <a:tcPr/>
+                </a:tc>
+                <a:tc>
+                  <a:txBody>
+                    <a:bodyPr/>
+                    <a:lstStyle/>
+                    <a:p>
+                      <a:endParaRPr lang="en-US" dirty="0"/>
+                    </a:p>
+                  </a:txBody>
+                  <a:tcPr/>
+                </a:tc>
+                <a:tc>
+                  <a:txBody>
+                    <a:bodyPr/>
+                    <a:lstStyle/>
+                    <a:p>
+                      <a:endParaRPr lang="en-US" dirty="0"/>
+                    </a:p>
+                  </a:txBody>
+                  <a:tcPr/>
+                </a:tc>
+                <a:extLst>
+                  <a:ext uri="{0D108BD9-81ED-4DB2-BD59-A6C34878D82A}">
+                    <a16:rowId xmlns:a16="http://schemas.microsoft.com/office/drawing/2014/main" val="324626999"/>
+                  </a:ext>
+                </a:extLst>
+              </a:tr>
+              <a:tr h="524030">
+                <a:tc>
+                  <a:txBody>
+                    <a:bodyPr/>
+                    <a:lstStyle/>
+                    <a:p>
+                      <a:endParaRPr lang="en-US" dirty="0"/>
+                    </a:p>
+                  </a:txBody>
+                  <a:tcPr/>
+                </a:tc>
+                <a:tc>
+                  <a:txBody>
+                    <a:bodyPr/>
+                    <a:lstStyle/>
+                    <a:p>
+                      <a:endParaRPr lang="en-US" dirty="0"/>
+                    </a:p>
+                  </a:txBody>
+                  <a:tcPr/>
+                </a:tc>
+                <a:tc>
+                  <a:txBody>
+                    <a:bodyPr/>
+                    <a:lstStyle/>
+                    <a:p>
+                      <a:endParaRPr lang="en-US" dirty="0"/>
+                    </a:p>
+                  </a:txBody>
+                  <a:tcPr/>
+                </a:tc>
+                <a:tc>
+                  <a:txBody>
+                    <a:bodyPr/>
+                    <a:lstStyle/>
+                    <a:p>
+                      <a:endParaRPr lang="en-US" dirty="0"/>
+                    </a:p>
+                  </a:txBody>
+                  <a:tcPr/>
+                </a:tc>
+                <a:tc>
+                  <a:txBody>
+                    <a:bodyPr/>
+                    <a:lstStyle/>
+                    <a:p>
+                      <a:endParaRPr lang="en-US" dirty="0"/>
+                    </a:p>
+                  </a:txBody>
+                  <a:tcPr/>
+                </a:tc>
+                <a:tc>
+                  <a:txBody>
+                    <a:bodyPr/>
+                    <a:lstStyle/>
+                    <a:p>
+                      <a:endParaRPr lang="en-US" dirty="0"/>
+                    </a:p>
+                  </a:txBody>
+                  <a:tcPr/>
+                </a:tc>
+                <a:tc>
+                  <a:txBody>
+                    <a:bodyPr/>
+                    <a:lstStyle/>
+                    <a:p>
+                      <a:endParaRPr lang="en-US" dirty="0"/>
+                    </a:p>
+                  </a:txBody>
+                  <a:tcPr/>
+                </a:tc>
+                <a:tc>
+                  <a:txBody>
+                    <a:bodyPr/>
+                    <a:lstStyle/>
+                    <a:p>
+                      <a:endParaRPr lang="en-US" dirty="0"/>
+                    </a:p>
+                  </a:txBody>
+                  <a:tcPr/>
+                </a:tc>
+                <a:tc>
+                  <a:txBody>
+                    <a:bodyPr/>
+                    <a:lstStyle/>
+                    <a:p>
+                      <a:endParaRPr lang="en-US" dirty="0"/>
+                    </a:p>
+                  </a:txBody>
+                  <a:tcPr/>
+                </a:tc>
+                <a:tc>
+                  <a:txBody>
+                    <a:bodyPr/>
+                    <a:lstStyle/>
+                    <a:p>
+                      <a:endParaRPr lang="en-US" dirty="0"/>
+                    </a:p>
+                  </a:txBody>
+                  <a:tcPr/>
+                </a:tc>
+                <a:extLst>
+                  <a:ext uri="{0D108BD9-81ED-4DB2-BD59-A6C34878D82A}">
+                    <a16:rowId xmlns:a16="http://schemas.microsoft.com/office/drawing/2014/main" val="2468565357"/>
+                  </a:ext>
+                </a:extLst>
+              </a:tr>
+            </a:tbl>
+          </a:graphicData>
+        </a:graphic>
+      </p:graphicFrame>
+    </p:spTree>
+    <p:extLst>
+      <p:ext uri="{BB962C8B-B14F-4D97-AF65-F5344CB8AC3E}">
+        <p14:creationId xmlns:p14="http://schemas.microsoft.com/office/powerpoint/2010/main" val="1276979432"/>
+      </p:ext>
+    </p:extLst>
+  </p:cSld>
+  <p:clrMapOvr>
+    <a:masterClrMapping/>
+  </p:clrMapOvr>
+</p:sld>
+</file>
+
+<file path=ppt/slides/slide43.xml><?xml version="1.0" encoding="utf-8"?>
+<p:sld xmlns:a="http://schemas.openxmlformats.org/drawingml/2006/main" xmlns:r="http://schemas.openxmlformats.org/officeDocument/2006/relationships" xmlns:p="http://schemas.openxmlformats.org/presentationml/2006/main">
+  <p:cSld>
+    <p:spTree>
+      <p:nvGrpSpPr>
+        <p:cNvPr id="1" name=""/>
+        <p:cNvGrpSpPr/>
+        <p:nvPr/>
+      </p:nvGrpSpPr>
+      <p:grpSpPr>
+        <a:xfrm>
+          <a:off x="0" y="0"/>
+          <a:ext cx="0" cy="0"/>
+          <a:chOff x="0" y="0"/>
+          <a:chExt cx="0" cy="0"/>
+        </a:xfrm>
+      </p:grpSpPr>
+      <p:sp>
+        <p:nvSpPr>
+          <p:cNvPr id="2" name="Title 1">
+            <a:extLst>
+              <a:ext uri="{FF2B5EF4-FFF2-40B4-BE49-F238E27FC236}">
+                <a16:creationId xmlns:a16="http://schemas.microsoft.com/office/drawing/2014/main" id="{39BE5371-1928-0C4E-AA2F-F5D7022B9965}"/>
+              </a:ext>
+            </a:extLst>
+          </p:cNvPr>
+          <p:cNvSpPr>
+            <a:spLocks noGrp="1"/>
+          </p:cNvSpPr>
+          <p:nvPr>
+            <p:ph type="title"/>
+          </p:nvPr>
+        </p:nvSpPr>
+        <p:spPr/>
+        <p:txBody>
+          <a:bodyPr/>
+          <a:lstStyle/>
+          <a:p>
+            <a:r>
+              <a:rPr lang="en-US" dirty="0"/>
+              <a:t>0-1 </a:t>
+            </a:r>
+            <a:r>
+              <a:rPr lang="en-US" dirty="0" err="1"/>
+              <a:t>KnapSack</a:t>
+            </a:r>
+            <a:r>
+              <a:rPr lang="en-US" dirty="0"/>
+              <a:t> Problem</a:t>
+            </a:r>
+          </a:p>
+        </p:txBody>
+      </p:sp>
+      <p:sp>
+        <p:nvSpPr>
+          <p:cNvPr id="3" name="Content Placeholder 2">
+            <a:extLst>
+              <a:ext uri="{FF2B5EF4-FFF2-40B4-BE49-F238E27FC236}">
+                <a16:creationId xmlns:a16="http://schemas.microsoft.com/office/drawing/2014/main" id="{F01BBEE6-DD21-F842-1F5B-F2F07A087B90}"/>
+              </a:ext>
+            </a:extLst>
+          </p:cNvPr>
+          <p:cNvSpPr>
+            <a:spLocks noGrp="1"/>
+          </p:cNvSpPr>
+          <p:nvPr>
+            <p:ph idx="1"/>
+          </p:nvPr>
+        </p:nvSpPr>
+        <p:spPr/>
+        <p:txBody>
+          <a:bodyPr/>
+          <a:lstStyle/>
+          <a:p>
+            <a:pPr algn="l">
+              <a:buFont typeface="Arial" panose="020B0604020202020204" pitchFamily="34" charset="0"/>
+              <a:buChar char="•"/>
+            </a:pPr>
+            <a:r>
+              <a:rPr lang="en-US" b="0" i="0" dirty="0">
+                <a:effectLst/>
+                <a:latin typeface="SegoeUIVariable"/>
+              </a:rPr>
+              <a:t>The </a:t>
+            </a:r>
+            <a:r>
+              <a:rPr lang="en-US" b="1" i="0" dirty="0">
+                <a:effectLst/>
+                <a:latin typeface="SegoeUIVariable"/>
+              </a:rPr>
+              <a:t>0-1 Knapsack Problem</a:t>
+            </a:r>
+            <a:r>
+              <a:rPr lang="en-US" b="0" i="0" dirty="0">
+                <a:effectLst/>
+                <a:latin typeface="SegoeUIVariable"/>
+              </a:rPr>
+              <a:t> involves selecting items from a given set, each with an associated weight and profit.</a:t>
+            </a:r>
+          </a:p>
+          <a:p>
+            <a:pPr algn="l">
+              <a:buFont typeface="Arial" panose="020B0604020202020204" pitchFamily="34" charset="0"/>
+              <a:buChar char="•"/>
+            </a:pPr>
+            <a:r>
+              <a:rPr lang="en-US" b="0" i="0" dirty="0">
+                <a:effectLst/>
+                <a:latin typeface="SegoeUIVariable"/>
+              </a:rPr>
+              <a:t>The goal is to maximize the total profit while ensuring that the total weight does not exceed a given capacity.</a:t>
+            </a:r>
+          </a:p>
+          <a:p>
+            <a:endParaRPr lang="en-US" dirty="0"/>
+          </a:p>
+        </p:txBody>
+      </p:sp>
+      <p:sp>
+        <p:nvSpPr>
+          <p:cNvPr id="4" name="Footer Placeholder 3">
+            <a:extLst>
+              <a:ext uri="{FF2B5EF4-FFF2-40B4-BE49-F238E27FC236}">
+                <a16:creationId xmlns:a16="http://schemas.microsoft.com/office/drawing/2014/main" id="{3F03D194-DF6E-15AA-3182-5D144142EAA6}"/>
+              </a:ext>
+            </a:extLst>
+          </p:cNvPr>
+          <p:cNvSpPr>
+            <a:spLocks noGrp="1"/>
+          </p:cNvSpPr>
+          <p:nvPr>
+            <p:ph type="ftr" sz="quarter" idx="11"/>
+          </p:nvPr>
+        </p:nvSpPr>
+        <p:spPr/>
+        <p:txBody>
+          <a:bodyPr/>
+          <a:lstStyle/>
+          <a:p>
+            <a:r>
+              <a:rPr lang="he-IL"/>
+              <a:t>אלגוריתמים 1- ד"ר בוריס לואנט - מכללה אקדמית אשקלון - תשפ"ד - סמסטר א'</a:t>
+            </a:r>
+            <a:endParaRPr lang="en-US" dirty="0"/>
+          </a:p>
+        </p:txBody>
+      </p:sp>
+      <p:sp>
+        <p:nvSpPr>
+          <p:cNvPr id="5" name="Slide Number Placeholder 4">
+            <a:extLst>
+              <a:ext uri="{FF2B5EF4-FFF2-40B4-BE49-F238E27FC236}">
+                <a16:creationId xmlns:a16="http://schemas.microsoft.com/office/drawing/2014/main" id="{C3B630D9-E2F1-556B-DDF9-82D6BC242CA2}"/>
+              </a:ext>
+            </a:extLst>
+          </p:cNvPr>
+          <p:cNvSpPr>
+            <a:spLocks noGrp="1"/>
+          </p:cNvSpPr>
+          <p:nvPr>
+            <p:ph type="sldNum" sz="quarter" idx="12"/>
+          </p:nvPr>
+        </p:nvSpPr>
+        <p:spPr/>
+        <p:txBody>
+          <a:bodyPr/>
+          <a:lstStyle/>
+          <a:p>
+            <a:fld id="{2EEF023C-487C-4FDD-A5C6-3E51DF829693}" type="slidenum">
+              <a:rPr lang="en-US" smtClean="0"/>
+              <a:pPr/>
+              <a:t>43</a:t>
+            </a:fld>
+            <a:endParaRPr lang="en-US"/>
+          </a:p>
+        </p:txBody>
+      </p:sp>
+    </p:spTree>
+    <p:extLst>
+      <p:ext uri="{BB962C8B-B14F-4D97-AF65-F5344CB8AC3E}">
+        <p14:creationId xmlns:p14="http://schemas.microsoft.com/office/powerpoint/2010/main" val="3674728587"/>
+      </p:ext>
+    </p:extLst>
+  </p:cSld>
+  <p:clrMapOvr>
+    <a:masterClrMapping/>
+  </p:clrMapOvr>
+</p:sld>
+</file>
+
+<file path=ppt/slides/slide44.xml><?xml version="1.0" encoding="utf-8"?>
+<p:sld xmlns:a="http://schemas.openxmlformats.org/drawingml/2006/main" xmlns:r="http://schemas.openxmlformats.org/officeDocument/2006/relationships" xmlns:p="http://schemas.openxmlformats.org/presentationml/2006/main">
+  <p:cSld>
+    <p:spTree>
+      <p:nvGrpSpPr>
+        <p:cNvPr id="1" name=""/>
+        <p:cNvGrpSpPr/>
+        <p:nvPr/>
+      </p:nvGrpSpPr>
+      <p:grpSpPr>
+        <a:xfrm>
+          <a:off x="0" y="0"/>
+          <a:ext cx="0" cy="0"/>
+          <a:chOff x="0" y="0"/>
+          <a:chExt cx="0" cy="0"/>
+        </a:xfrm>
+      </p:grpSpPr>
+      <p:sp>
+        <p:nvSpPr>
+          <p:cNvPr id="2" name="Title 1">
+            <a:extLst>
+              <a:ext uri="{FF2B5EF4-FFF2-40B4-BE49-F238E27FC236}">
+                <a16:creationId xmlns:a16="http://schemas.microsoft.com/office/drawing/2014/main" id="{7F663D02-EEFE-FA01-EA79-C00242A4E9D6}"/>
+              </a:ext>
+            </a:extLst>
+          </p:cNvPr>
+          <p:cNvSpPr>
+            <a:spLocks noGrp="1"/>
+          </p:cNvSpPr>
+          <p:nvPr>
+            <p:ph type="title"/>
+          </p:nvPr>
+        </p:nvSpPr>
+        <p:spPr/>
+        <p:txBody>
+          <a:bodyPr/>
+          <a:lstStyle/>
+          <a:p>
+            <a:r>
+              <a:rPr lang="en-US" dirty="0"/>
+              <a:t>Recurrence Relation</a:t>
+            </a:r>
+          </a:p>
+        </p:txBody>
+      </p:sp>
+      <mc:AlternateContent xmlns:mc="http://schemas.openxmlformats.org/markup-compatibility/2006">
+        <mc:Choice xmlns:a14="http://schemas.microsoft.com/office/drawing/2010/main" Requires="a14">
+          <p:sp>
+            <p:nvSpPr>
+              <p:cNvPr id="3" name="Content Placeholder 2">
+                <a:extLst>
+                  <a:ext uri="{FF2B5EF4-FFF2-40B4-BE49-F238E27FC236}">
+                    <a16:creationId xmlns:a16="http://schemas.microsoft.com/office/drawing/2014/main" id="{7FC35DC1-FEC6-149C-2161-6C8DE6E40CF1}"/>
+                  </a:ext>
+                </a:extLst>
+              </p:cNvPr>
+              <p:cNvSpPr>
+                <a:spLocks noGrp="1"/>
+              </p:cNvSpPr>
+              <p:nvPr>
+                <p:ph idx="1"/>
+              </p:nvPr>
+            </p:nvSpPr>
+            <p:spPr/>
+            <p:txBody>
+              <a:bodyPr>
+                <a:normAutofit/>
+              </a:bodyPr>
+              <a:lstStyle/>
+              <a:p>
+                <a:r>
+                  <a:rPr lang="en-US" sz="2800" b="0" i="0" dirty="0">
+                    <a:solidFill>
+                      <a:srgbClr val="202122"/>
+                    </a:solidFill>
+                    <a:effectLst/>
+                    <a:latin typeface="Arial" panose="020B0604020202020204" pitchFamily="34" charset="0"/>
+                  </a:rPr>
+                  <a:t>Define </a:t>
+                </a:r>
+                <a14:m>
+                  <m:oMath xmlns:m="http://schemas.openxmlformats.org/officeDocument/2006/math">
+                    <m:r>
+                      <a:rPr lang="en-US" sz="2800" b="0" i="1" smtClean="0">
+                        <a:solidFill>
+                          <a:srgbClr val="202122"/>
+                        </a:solidFill>
+                        <a:effectLst/>
+                        <a:latin typeface="Cambria Math" panose="02040503050406030204" pitchFamily="18" charset="0"/>
+                      </a:rPr>
+                      <m:t>𝑚</m:t>
+                    </m:r>
+                    <m:r>
+                      <a:rPr lang="en-US" sz="2800" b="0" i="1" smtClean="0">
+                        <a:solidFill>
+                          <a:srgbClr val="202122"/>
+                        </a:solidFill>
+                        <a:effectLst/>
+                        <a:latin typeface="Cambria Math" panose="02040503050406030204" pitchFamily="18" charset="0"/>
+                      </a:rPr>
+                      <m:t>(</m:t>
+                    </m:r>
+                    <m:r>
+                      <a:rPr lang="en-US" sz="2800" b="0" i="1" smtClean="0">
+                        <a:solidFill>
+                          <a:srgbClr val="202122"/>
+                        </a:solidFill>
+                        <a:effectLst/>
+                        <a:latin typeface="Cambria Math" panose="02040503050406030204" pitchFamily="18" charset="0"/>
+                      </a:rPr>
+                      <m:t>𝑖</m:t>
+                    </m:r>
+                    <m:r>
+                      <a:rPr lang="en-US" sz="2800" b="0" i="1" smtClean="0">
+                        <a:solidFill>
+                          <a:srgbClr val="202122"/>
+                        </a:solidFill>
+                        <a:effectLst/>
+                        <a:latin typeface="Cambria Math" panose="02040503050406030204" pitchFamily="18" charset="0"/>
+                      </a:rPr>
+                      <m:t>,</m:t>
+                    </m:r>
+                    <m:r>
+                      <a:rPr lang="en-US" sz="2800" b="0" i="1" smtClean="0">
+                        <a:solidFill>
+                          <a:srgbClr val="202122"/>
+                        </a:solidFill>
+                        <a:effectLst/>
+                        <a:latin typeface="Cambria Math" panose="02040503050406030204" pitchFamily="18" charset="0"/>
+                      </a:rPr>
+                      <m:t>𝑤</m:t>
+                    </m:r>
+                    <m:r>
+                      <a:rPr lang="en-US" sz="2800" b="0" i="1" smtClean="0">
+                        <a:solidFill>
+                          <a:srgbClr val="202122"/>
+                        </a:solidFill>
+                        <a:effectLst/>
+                        <a:latin typeface="Cambria Math" panose="02040503050406030204" pitchFamily="18" charset="0"/>
+                      </a:rPr>
+                      <m:t>)</m:t>
+                    </m:r>
+                  </m:oMath>
+                </a14:m>
+                <a:r>
+                  <a:rPr lang="en-US" sz="2800" b="0" i="0" dirty="0">
+                    <a:solidFill>
+                      <a:srgbClr val="202122"/>
+                    </a:solidFill>
+                    <a:effectLst/>
+                    <a:latin typeface="Arial" panose="020B0604020202020204" pitchFamily="34" charset="0"/>
+                  </a:rPr>
+                  <a:t> to be the maximum value that can be attained with weight less than or equal to </a:t>
+                </a:r>
+                <a14:m>
+                  <m:oMath xmlns:m="http://schemas.openxmlformats.org/officeDocument/2006/math">
+                    <m:r>
+                      <a:rPr lang="en-US" sz="2800" i="1">
+                        <a:solidFill>
+                          <a:srgbClr val="202122"/>
+                        </a:solidFill>
+                        <a:latin typeface="Cambria Math" panose="02040503050406030204" pitchFamily="18" charset="0"/>
+                      </a:rPr>
+                      <m:t>𝑤</m:t>
+                    </m:r>
+                    <m:r>
+                      <a:rPr lang="en-US" sz="2800" i="1">
+                        <a:solidFill>
+                          <a:srgbClr val="202122"/>
+                        </a:solidFill>
+                        <a:latin typeface="Cambria Math" panose="02040503050406030204" pitchFamily="18" charset="0"/>
+                      </a:rPr>
+                      <m:t> </m:t>
+                    </m:r>
+                  </m:oMath>
+                </a14:m>
+                <a:r>
+                  <a:rPr lang="en-US" sz="2800" b="0" i="0" dirty="0">
+                    <a:solidFill>
+                      <a:srgbClr val="202122"/>
+                    </a:solidFill>
+                    <a:effectLst/>
+                    <a:latin typeface="Arial" panose="020B0604020202020204" pitchFamily="34" charset="0"/>
+                  </a:rPr>
+                  <a:t>using the first </a:t>
+                </a:r>
+                <a14:m>
+                  <m:oMath xmlns:m="http://schemas.openxmlformats.org/officeDocument/2006/math">
+                    <m:r>
+                      <a:rPr lang="en-US" sz="2800" i="1">
+                        <a:solidFill>
+                          <a:srgbClr val="202122"/>
+                        </a:solidFill>
+                        <a:latin typeface="Cambria Math" panose="02040503050406030204" pitchFamily="18" charset="0"/>
+                      </a:rPr>
+                      <m:t>𝑖</m:t>
+                    </m:r>
+                  </m:oMath>
+                </a14:m>
+                <a:r>
+                  <a:rPr lang="en-US" sz="2800" b="0" i="0" dirty="0">
+                    <a:solidFill>
+                      <a:srgbClr val="202122"/>
+                    </a:solidFill>
+                    <a:effectLst/>
+                    <a:latin typeface="Arial" panose="020B0604020202020204" pitchFamily="34" charset="0"/>
+                  </a:rPr>
+                  <a:t> items</a:t>
+                </a:r>
+              </a:p>
+              <a:p>
+                <a:r>
+                  <a:rPr lang="en-US" sz="2800" dirty="0">
+                    <a:solidFill>
+                      <a:srgbClr val="202122"/>
+                    </a:solidFill>
+                    <a:latin typeface="Arial" panose="020B0604020202020204" pitchFamily="34" charset="0"/>
+                  </a:rPr>
+                  <a:t>We have 2 possibilities, to take the </a:t>
+                </a:r>
+                <a14:m>
+                  <m:oMath xmlns:m="http://schemas.openxmlformats.org/officeDocument/2006/math">
+                    <m:r>
+                      <a:rPr lang="en-US" sz="2800" i="1" smtClean="0">
+                        <a:solidFill>
+                          <a:srgbClr val="202122"/>
+                        </a:solidFill>
+                        <a:latin typeface="Cambria Math" panose="02040503050406030204" pitchFamily="18" charset="0"/>
+                      </a:rPr>
+                      <m:t>𝑖</m:t>
+                    </m:r>
+                    <m:r>
+                      <a:rPr lang="en-US" sz="2800" i="1" smtClean="0">
+                        <a:solidFill>
+                          <a:srgbClr val="202122"/>
+                        </a:solidFill>
+                        <a:latin typeface="Cambria Math" panose="02040503050406030204" pitchFamily="18" charset="0"/>
+                      </a:rPr>
+                      <m:t> </m:t>
+                    </m:r>
+                  </m:oMath>
+                </a14:m>
+                <a:r>
+                  <a:rPr lang="en-US" sz="2800" dirty="0">
+                    <a:solidFill>
+                      <a:srgbClr val="202122"/>
+                    </a:solidFill>
+                    <a:latin typeface="Arial" panose="020B0604020202020204" pitchFamily="34" charset="0"/>
+                  </a:rPr>
+                  <a:t>item or not</a:t>
+                </a:r>
+              </a:p>
+              <a:p>
+                <a:pPr marL="0" indent="0">
+                  <a:buNone/>
+                </a:pPr>
+                <a14:m>
+                  <m:oMathPara xmlns:m="http://schemas.openxmlformats.org/officeDocument/2006/math">
+                    <m:oMathParaPr>
+                      <m:jc m:val="centerGroup"/>
+                    </m:oMathParaPr>
+                    <m:oMath xmlns:m="http://schemas.openxmlformats.org/officeDocument/2006/math">
+                      <m:r>
+                        <a:rPr lang="en-US" sz="2800" b="0" i="1" smtClean="0">
+                          <a:latin typeface="Cambria Math" panose="02040503050406030204" pitchFamily="18" charset="0"/>
+                        </a:rPr>
+                        <m:t>𝑚</m:t>
+                      </m:r>
+                      <m:r>
+                        <a:rPr lang="en-US" sz="2800" b="0" i="1" smtClean="0">
+                          <a:latin typeface="Cambria Math" panose="02040503050406030204" pitchFamily="18" charset="0"/>
+                        </a:rPr>
+                        <m:t>(</m:t>
+                      </m:r>
+                      <m:r>
+                        <a:rPr lang="en-US" sz="2800" b="0" i="1" smtClean="0">
+                          <a:latin typeface="Cambria Math" panose="02040503050406030204" pitchFamily="18" charset="0"/>
+                        </a:rPr>
+                        <m:t>𝑖</m:t>
+                      </m:r>
+                      <m:r>
+                        <a:rPr lang="en-US" sz="2800" b="0" i="1" smtClean="0">
+                          <a:latin typeface="Cambria Math" panose="02040503050406030204" pitchFamily="18" charset="0"/>
+                        </a:rPr>
+                        <m:t>,</m:t>
+                      </m:r>
+                      <m:r>
+                        <a:rPr lang="en-US" sz="2800" b="0" i="1" smtClean="0">
+                          <a:latin typeface="Cambria Math" panose="02040503050406030204" pitchFamily="18" charset="0"/>
+                        </a:rPr>
+                        <m:t>𝑤</m:t>
+                      </m:r>
+                      <m:r>
+                        <a:rPr lang="en-US" sz="2800" b="0" i="1" smtClean="0">
+                          <a:latin typeface="Cambria Math" panose="02040503050406030204" pitchFamily="18" charset="0"/>
+                        </a:rPr>
+                        <m:t>)=</m:t>
+                      </m:r>
+                      <m:r>
+                        <a:rPr lang="en-US" sz="2800" b="0" i="1" smtClean="0">
+                          <a:latin typeface="Cambria Math" panose="02040503050406030204" pitchFamily="18" charset="0"/>
+                        </a:rPr>
+                        <m:t>𝑚𝑎𝑥</m:t>
+                      </m:r>
+                      <m:d>
+                        <m:dPr>
+                          <m:begChr m:val="{"/>
+                          <m:endChr m:val=""/>
+                          <m:ctrlPr>
+                            <a:rPr lang="en-US" sz="2800" i="1" smtClean="0">
+                              <a:latin typeface="Cambria Math" panose="02040503050406030204" pitchFamily="18" charset="0"/>
+                            </a:rPr>
+                          </m:ctrlPr>
+                        </m:dPr>
+                        <m:e>
+                          <m:eqArr>
+                            <m:eqArrPr>
+                              <m:ctrlPr>
+                                <a:rPr lang="en-US" sz="2800" b="0" i="1" smtClean="0">
+                                  <a:latin typeface="Cambria Math" panose="02040503050406030204" pitchFamily="18" charset="0"/>
+                                </a:rPr>
+                              </m:ctrlPr>
+                            </m:eqArrPr>
+                            <m:e>
+                              <m:r>
+                                <a:rPr lang="en-US" sz="2800" b="0" i="1" smtClean="0">
+                                  <a:latin typeface="Cambria Math" panose="02040503050406030204" pitchFamily="18" charset="0"/>
+                                </a:rPr>
+                                <m:t>0</m:t>
+                              </m:r>
+                              <m:r>
+                                <a:rPr lang="en-US" sz="2800" b="0" i="1" smtClean="0">
+                                  <a:latin typeface="Cambria Math" panose="02040503050406030204" pitchFamily="18" charset="0"/>
+                                </a:rPr>
+                                <m:t>, </m:t>
+                              </m:r>
+                              <m:r>
+                                <a:rPr lang="en-US" sz="2800" b="0" i="1" smtClean="0">
+                                  <a:latin typeface="Cambria Math" panose="02040503050406030204" pitchFamily="18" charset="0"/>
+                                </a:rPr>
+                                <m:t>𝑖𝑓</m:t>
+                              </m:r>
+                              <m:r>
+                                <a:rPr lang="en-US" sz="2800" b="0" i="1" smtClean="0">
+                                  <a:latin typeface="Cambria Math" panose="02040503050406030204" pitchFamily="18" charset="0"/>
+                                </a:rPr>
+                                <m:t> </m:t>
+                              </m:r>
+                              <m:r>
+                                <a:rPr lang="en-US" sz="2800" b="0" i="1" smtClean="0">
+                                  <a:latin typeface="Cambria Math" panose="02040503050406030204" pitchFamily="18" charset="0"/>
+                                </a:rPr>
+                                <m:t>𝑖</m:t>
+                              </m:r>
+                              <m:r>
+                                <a:rPr lang="en-US" sz="2800" b="0" i="1" smtClean="0">
+                                  <a:latin typeface="Cambria Math" panose="02040503050406030204" pitchFamily="18" charset="0"/>
+                                </a:rPr>
+                                <m:t>=</m:t>
+                              </m:r>
+                              <m:r>
+                                <a:rPr lang="en-US" sz="2800" b="0" i="1" smtClean="0">
+                                  <a:latin typeface="Cambria Math" panose="02040503050406030204" pitchFamily="18" charset="0"/>
+                                </a:rPr>
+                                <m:t>0</m:t>
+                              </m:r>
+                              <m:r>
+                                <a:rPr lang="en-US" sz="2800" b="0" i="1" smtClean="0">
+                                  <a:latin typeface="Cambria Math" panose="02040503050406030204" pitchFamily="18" charset="0"/>
+                                </a:rPr>
+                                <m:t>, </m:t>
+                              </m:r>
+                              <m:r>
+                                <a:rPr lang="en-US" sz="2800" b="0" i="1" smtClean="0">
+                                  <a:latin typeface="Cambria Math" panose="02040503050406030204" pitchFamily="18" charset="0"/>
+                                </a:rPr>
+                                <m:t>𝑜𝑟</m:t>
+                              </m:r>
+                              <m:r>
+                                <a:rPr lang="en-US" sz="2800" b="0" i="1" smtClean="0">
+                                  <a:latin typeface="Cambria Math" panose="02040503050406030204" pitchFamily="18" charset="0"/>
+                                </a:rPr>
+                                <m:t> </m:t>
+                              </m:r>
+                              <m:r>
+                                <a:rPr lang="en-US" sz="2800" b="0" i="1" smtClean="0">
+                                  <a:latin typeface="Cambria Math" panose="02040503050406030204" pitchFamily="18" charset="0"/>
+                                </a:rPr>
+                                <m:t>𝑤</m:t>
+                              </m:r>
+                              <m:r>
+                                <a:rPr lang="en-US" sz="2800" b="0" i="1" smtClean="0">
+                                  <a:latin typeface="Cambria Math" panose="02040503050406030204" pitchFamily="18" charset="0"/>
+                                </a:rPr>
+                                <m:t>=</m:t>
+                              </m:r>
+                              <m:r>
+                                <a:rPr lang="en-US" sz="2800" b="0" i="1" smtClean="0">
+                                  <a:latin typeface="Cambria Math" panose="02040503050406030204" pitchFamily="18" charset="0"/>
+                                </a:rPr>
+                                <m:t>0</m:t>
+                              </m:r>
+                            </m:e>
+                            <m:e>
+                              <m:r>
+                                <a:rPr lang="en-US" sz="2800" b="0" i="1" smtClean="0">
+                                  <a:latin typeface="Cambria Math" panose="02040503050406030204" pitchFamily="18" charset="0"/>
+                                </a:rPr>
+                                <m:t>𝑚</m:t>
+                              </m:r>
+                              <m:r>
+                                <a:rPr lang="en-US" sz="2800" b="0" i="1" smtClean="0">
+                                  <a:latin typeface="Cambria Math" panose="02040503050406030204" pitchFamily="18" charset="0"/>
+                                </a:rPr>
+                                <m:t>(</m:t>
+                              </m:r>
+                              <m:r>
+                                <a:rPr lang="en-US" sz="2800" b="0" i="1" smtClean="0">
+                                  <a:latin typeface="Cambria Math" panose="02040503050406030204" pitchFamily="18" charset="0"/>
+                                </a:rPr>
+                                <m:t>𝑖</m:t>
+                              </m:r>
+                              <m:r>
+                                <a:rPr lang="en-US" sz="2800" b="0" i="1" smtClean="0">
+                                  <a:latin typeface="Cambria Math" panose="02040503050406030204" pitchFamily="18" charset="0"/>
+                                </a:rPr>
+                                <m:t>−</m:t>
+                              </m:r>
+                              <m:r>
+                                <a:rPr lang="en-US" sz="2800" b="0" i="1" smtClean="0">
+                                  <a:latin typeface="Cambria Math" panose="02040503050406030204" pitchFamily="18" charset="0"/>
+                                </a:rPr>
+                                <m:t>1</m:t>
+                              </m:r>
+                              <m:r>
+                                <a:rPr lang="en-US" sz="2800" b="0" i="1" smtClean="0">
+                                  <a:latin typeface="Cambria Math" panose="02040503050406030204" pitchFamily="18" charset="0"/>
+                                </a:rPr>
+                                <m:t>,</m:t>
+                              </m:r>
+                              <m:r>
+                                <a:rPr lang="en-US" sz="2800" b="0" i="1" smtClean="0">
+                                  <a:latin typeface="Cambria Math" panose="02040503050406030204" pitchFamily="18" charset="0"/>
+                                </a:rPr>
+                                <m:t>𝑤</m:t>
+                              </m:r>
+                              <m:r>
+                                <a:rPr lang="en-US" sz="2800" b="0" i="1" smtClean="0">
+                                  <a:latin typeface="Cambria Math" panose="02040503050406030204" pitchFamily="18" charset="0"/>
+                                </a:rPr>
+                                <m:t>)</m:t>
+                              </m:r>
+                            </m:e>
+                            <m:e>
+                              <m:r>
+                                <a:rPr lang="en-US" sz="2800" b="0" i="1" smtClean="0">
+                                  <a:latin typeface="Cambria Math" panose="02040503050406030204" pitchFamily="18" charset="0"/>
+                                </a:rPr>
+                                <m:t>𝑚</m:t>
+                              </m:r>
+                              <m:d>
+                                <m:dPr>
+                                  <m:ctrlPr>
+                                    <a:rPr lang="en-US" sz="2800" b="0" i="1" smtClean="0">
+                                      <a:latin typeface="Cambria Math" panose="02040503050406030204" pitchFamily="18" charset="0"/>
+                                    </a:rPr>
+                                  </m:ctrlPr>
+                                </m:dPr>
+                                <m:e>
+                                  <m:r>
+                                    <a:rPr lang="en-US" sz="2800" b="0" i="1" smtClean="0">
+                                      <a:latin typeface="Cambria Math" panose="02040503050406030204" pitchFamily="18" charset="0"/>
+                                    </a:rPr>
+                                    <m:t>𝑖</m:t>
+                                  </m:r>
+                                  <m:r>
+                                    <a:rPr lang="en-US" sz="2800" b="0" i="1" smtClean="0">
+                                      <a:latin typeface="Cambria Math" panose="02040503050406030204" pitchFamily="18" charset="0"/>
+                                    </a:rPr>
+                                    <m:t>−</m:t>
+                                  </m:r>
+                                  <m:r>
+                                    <a:rPr lang="en-US" sz="2800" b="0" i="1" smtClean="0">
+                                      <a:latin typeface="Cambria Math" panose="02040503050406030204" pitchFamily="18" charset="0"/>
+                                    </a:rPr>
+                                    <m:t>1</m:t>
+                                  </m:r>
+                                  <m:r>
+                                    <a:rPr lang="en-US" sz="2800" b="0" i="1" smtClean="0">
+                                      <a:latin typeface="Cambria Math" panose="02040503050406030204" pitchFamily="18" charset="0"/>
+                                    </a:rPr>
+                                    <m:t>,</m:t>
+                                  </m:r>
+                                  <m:r>
+                                    <a:rPr lang="en-US" sz="2800" b="0" i="1" smtClean="0">
+                                      <a:latin typeface="Cambria Math" panose="02040503050406030204" pitchFamily="18" charset="0"/>
+                                    </a:rPr>
+                                    <m:t>𝑤</m:t>
+                                  </m:r>
+                                  <m:r>
+                                    <a:rPr lang="en-US" sz="2800" b="0" i="1" smtClean="0">
+                                      <a:latin typeface="Cambria Math" panose="02040503050406030204" pitchFamily="18" charset="0"/>
+                                    </a:rPr>
+                                    <m:t>−</m:t>
+                                  </m:r>
+                                  <m:sSub>
+                                    <m:sSubPr>
+                                      <m:ctrlPr>
+                                        <a:rPr lang="en-US" sz="2800" b="0" i="1" smtClean="0">
+                                          <a:latin typeface="Cambria Math" panose="02040503050406030204" pitchFamily="18" charset="0"/>
+                                        </a:rPr>
+                                      </m:ctrlPr>
+                                    </m:sSubPr>
+                                    <m:e>
+                                      <m:r>
+                                        <a:rPr lang="en-US" sz="2800" b="0" i="1" smtClean="0">
+                                          <a:latin typeface="Cambria Math" panose="02040503050406030204" pitchFamily="18" charset="0"/>
+                                        </a:rPr>
+                                        <m:t>𝑤</m:t>
+                                      </m:r>
+                                    </m:e>
+                                    <m:sub>
+                                      <m:r>
+                                        <a:rPr lang="en-US" sz="2800" b="0" i="1" smtClean="0">
+                                          <a:latin typeface="Cambria Math" panose="02040503050406030204" pitchFamily="18" charset="0"/>
+                                        </a:rPr>
+                                        <m:t>𝑖</m:t>
+                                      </m:r>
+                                    </m:sub>
+                                  </m:sSub>
+                                </m:e>
+                              </m:d>
+                              <m:r>
+                                <a:rPr lang="en-US" sz="2800" b="0" i="1" smtClean="0">
+                                  <a:latin typeface="Cambria Math" panose="02040503050406030204" pitchFamily="18" charset="0"/>
+                                </a:rPr>
+                                <m:t>+</m:t>
+                              </m:r>
+                              <m:sSub>
+                                <m:sSubPr>
+                                  <m:ctrlPr>
+                                    <a:rPr lang="en-US" sz="2800" b="0" i="1" smtClean="0">
+                                      <a:latin typeface="Cambria Math" panose="02040503050406030204" pitchFamily="18" charset="0"/>
+                                    </a:rPr>
+                                  </m:ctrlPr>
+                                </m:sSubPr>
+                                <m:e>
+                                  <m:r>
+                                    <a:rPr lang="en-US" sz="2800" b="0" i="1" smtClean="0">
+                                      <a:latin typeface="Cambria Math" panose="02040503050406030204" pitchFamily="18" charset="0"/>
+                                    </a:rPr>
+                                    <m:t>𝑣</m:t>
+                                  </m:r>
+                                </m:e>
+                                <m:sub>
+                                  <m:r>
+                                    <a:rPr lang="en-US" sz="2800" b="0" i="1" smtClean="0">
+                                      <a:latin typeface="Cambria Math" panose="02040503050406030204" pitchFamily="18" charset="0"/>
+                                    </a:rPr>
+                                    <m:t>𝑖</m:t>
+                                  </m:r>
+                                </m:sub>
+                              </m:sSub>
+                            </m:e>
+                          </m:eqArr>
+                        </m:e>
+                      </m:d>
+                    </m:oMath>
+                  </m:oMathPara>
+                </a14:m>
+                <a:endParaRPr lang="en-US" sz="2800" dirty="0"/>
+              </a:p>
+            </p:txBody>
+          </p:sp>
+        </mc:Choice>
+        <mc:Fallback>
+          <p:sp>
+            <p:nvSpPr>
+              <p:cNvPr id="3" name="Content Placeholder 2">
+                <a:extLst>
+                  <a:ext uri="{FF2B5EF4-FFF2-40B4-BE49-F238E27FC236}">
+                    <a16:creationId xmlns:a16="http://schemas.microsoft.com/office/drawing/2014/main" id="{7FC35DC1-FEC6-149C-2161-6C8DE6E40CF1}"/>
+                  </a:ext>
+                </a:extLst>
+              </p:cNvPr>
+              <p:cNvSpPr>
+                <a:spLocks noGrp="1" noRot="1" noChangeAspect="1" noMove="1" noResize="1" noEditPoints="1" noAdjustHandles="1" noChangeArrowheads="1" noChangeShapeType="1" noTextEdit="1"/>
+              </p:cNvSpPr>
+              <p:nvPr>
+                <p:ph idx="1"/>
+              </p:nvPr>
+            </p:nvSpPr>
+            <p:spPr>
+              <a:blipFill>
+                <a:blip r:embed="rId2"/>
+                <a:stretch>
+                  <a:fillRect l="-1333" t="-1482" r="-2593"/>
+                </a:stretch>
+              </a:blipFill>
+            </p:spPr>
+            <p:txBody>
+              <a:bodyPr/>
+              <a:lstStyle/>
+              <a:p>
+                <a:r>
+                  <a:rPr lang="en-US">
+                    <a:noFill/>
+                  </a:rPr>
+                  <a:t> </a:t>
+                </a:r>
+              </a:p>
+            </p:txBody>
+          </p:sp>
+        </mc:Fallback>
+      </mc:AlternateContent>
+      <p:sp>
+        <p:nvSpPr>
+          <p:cNvPr id="4" name="Footer Placeholder 3">
+            <a:extLst>
+              <a:ext uri="{FF2B5EF4-FFF2-40B4-BE49-F238E27FC236}">
+                <a16:creationId xmlns:a16="http://schemas.microsoft.com/office/drawing/2014/main" id="{01EDFE0B-19ED-CCFA-F164-2EB3C5F6660E}"/>
+              </a:ext>
+            </a:extLst>
+          </p:cNvPr>
+          <p:cNvSpPr>
+            <a:spLocks noGrp="1"/>
+          </p:cNvSpPr>
+          <p:nvPr>
+            <p:ph type="ftr" sz="quarter" idx="11"/>
+          </p:nvPr>
+        </p:nvSpPr>
+        <p:spPr/>
+        <p:txBody>
+          <a:bodyPr/>
+          <a:lstStyle/>
+          <a:p>
+            <a:r>
+              <a:rPr lang="he-IL"/>
+              <a:t>אלגוריתמים 1- ד"ר בוריס לואנט - מכללה אקדמית אשקלון - תשפ"ד - סמסטר א'</a:t>
+            </a:r>
+            <a:endParaRPr lang="en-US" dirty="0"/>
+          </a:p>
+        </p:txBody>
+      </p:sp>
+      <p:sp>
+        <p:nvSpPr>
+          <p:cNvPr id="5" name="Slide Number Placeholder 4">
+            <a:extLst>
+              <a:ext uri="{FF2B5EF4-FFF2-40B4-BE49-F238E27FC236}">
+                <a16:creationId xmlns:a16="http://schemas.microsoft.com/office/drawing/2014/main" id="{60996CE6-8C8C-89A7-5EE2-5A3582EE5AC2}"/>
+              </a:ext>
+            </a:extLst>
+          </p:cNvPr>
+          <p:cNvSpPr>
+            <a:spLocks noGrp="1"/>
+          </p:cNvSpPr>
+          <p:nvPr>
+            <p:ph type="sldNum" sz="quarter" idx="12"/>
+          </p:nvPr>
+        </p:nvSpPr>
+        <p:spPr/>
+        <p:txBody>
+          <a:bodyPr/>
+          <a:lstStyle/>
+          <a:p>
+            <a:fld id="{2EEF023C-487C-4FDD-A5C6-3E51DF829693}" type="slidenum">
+              <a:rPr lang="en-US" smtClean="0"/>
+              <a:pPr/>
+              <a:t>44</a:t>
+            </a:fld>
+            <a:endParaRPr lang="en-US"/>
+          </a:p>
+        </p:txBody>
+      </p:sp>
+    </p:spTree>
+    <p:extLst>
+      <p:ext uri="{BB962C8B-B14F-4D97-AF65-F5344CB8AC3E}">
+        <p14:creationId xmlns:p14="http://schemas.microsoft.com/office/powerpoint/2010/main" val="4122947753"/>
+      </p:ext>
+    </p:extLst>
+  </p:cSld>
+  <p:clrMapOvr>
+    <a:masterClrMapping/>
+  </p:clrMapOvr>
+</p:sld>
+</file>
+
+<file path=ppt/slides/slide45.xml><?xml version="1.0" encoding="utf-8"?>
+<p:sld xmlns:a="http://schemas.openxmlformats.org/drawingml/2006/main" xmlns:r="http://schemas.openxmlformats.org/officeDocument/2006/relationships" xmlns:p="http://schemas.openxmlformats.org/presentationml/2006/main">
+  <p:cSld>
+    <p:spTree>
+      <p:nvGrpSpPr>
+        <p:cNvPr id="1" name=""/>
+        <p:cNvGrpSpPr/>
+        <p:nvPr/>
+      </p:nvGrpSpPr>
+      <p:grpSpPr>
+        <a:xfrm>
+          <a:off x="0" y="0"/>
+          <a:ext cx="0" cy="0"/>
+          <a:chOff x="0" y="0"/>
+          <a:chExt cx="0" cy="0"/>
+        </a:xfrm>
+      </p:grpSpPr>
+      <p:sp>
+        <p:nvSpPr>
+          <p:cNvPr id="2" name="Title 1">
+            <a:extLst>
+              <a:ext uri="{FF2B5EF4-FFF2-40B4-BE49-F238E27FC236}">
+                <a16:creationId xmlns:a16="http://schemas.microsoft.com/office/drawing/2014/main" id="{1D91D0D3-7611-F72F-97F6-F8059F7FB3AF}"/>
+              </a:ext>
+            </a:extLst>
+          </p:cNvPr>
+          <p:cNvSpPr>
+            <a:spLocks noGrp="1"/>
+          </p:cNvSpPr>
+          <p:nvPr>
+            <p:ph type="title"/>
+          </p:nvPr>
+        </p:nvSpPr>
+        <p:spPr/>
+        <p:txBody>
+          <a:bodyPr/>
+          <a:lstStyle/>
+          <a:p>
+            <a:r>
+              <a:rPr lang="en-US" dirty="0"/>
+              <a:t>Example</a:t>
+            </a:r>
+          </a:p>
+        </p:txBody>
+      </p:sp>
+      <p:sp>
+        <p:nvSpPr>
+          <p:cNvPr id="3" name="Footer Placeholder 2">
+            <a:extLst>
+              <a:ext uri="{FF2B5EF4-FFF2-40B4-BE49-F238E27FC236}">
+                <a16:creationId xmlns:a16="http://schemas.microsoft.com/office/drawing/2014/main" id="{24109D0E-582B-9A32-6AA9-E035D7758848}"/>
+              </a:ext>
+            </a:extLst>
+          </p:cNvPr>
+          <p:cNvSpPr>
+            <a:spLocks noGrp="1"/>
+          </p:cNvSpPr>
+          <p:nvPr>
+            <p:ph type="ftr" sz="quarter" idx="11"/>
+          </p:nvPr>
+        </p:nvSpPr>
+        <p:spPr/>
+        <p:txBody>
+          <a:bodyPr/>
+          <a:lstStyle/>
+          <a:p>
+            <a:r>
+              <a:rPr lang="he-IL"/>
+              <a:t>אלגוריתמים 1- ד"ר בוריס לואנט - מכללה אקדמית אשקלון - תשפ"ד - סמסטר א'</a:t>
+            </a:r>
+            <a:endParaRPr lang="en-US" dirty="0"/>
+          </a:p>
+        </p:txBody>
+      </p:sp>
+      <p:sp>
+        <p:nvSpPr>
+          <p:cNvPr id="4" name="Slide Number Placeholder 3">
+            <a:extLst>
+              <a:ext uri="{FF2B5EF4-FFF2-40B4-BE49-F238E27FC236}">
+                <a16:creationId xmlns:a16="http://schemas.microsoft.com/office/drawing/2014/main" id="{5B133F9C-280F-99E7-A936-2ADCFC2D593D}"/>
+              </a:ext>
+            </a:extLst>
+          </p:cNvPr>
+          <p:cNvSpPr>
+            <a:spLocks noGrp="1"/>
+          </p:cNvSpPr>
+          <p:nvPr>
+            <p:ph type="sldNum" sz="quarter" idx="12"/>
+          </p:nvPr>
+        </p:nvSpPr>
+        <p:spPr/>
+        <p:txBody>
+          <a:bodyPr/>
+          <a:lstStyle/>
+          <a:p>
+            <a:fld id="{2EEF023C-487C-4FDD-A5C6-3E51DF829693}" type="slidenum">
+              <a:rPr lang="en-US" smtClean="0"/>
+              <a:pPr/>
+              <a:t>45</a:t>
+            </a:fld>
+            <a:endParaRPr lang="en-US"/>
+          </a:p>
+        </p:txBody>
+      </p:sp>
+      <p:pic>
+        <p:nvPicPr>
+          <p:cNvPr id="6" name="Picture 5" descr="A black background with a black square&#10;&#10;Description automatically generated with medium confidence">
+            <a:extLst>
+              <a:ext uri="{FF2B5EF4-FFF2-40B4-BE49-F238E27FC236}">
+                <a16:creationId xmlns:a16="http://schemas.microsoft.com/office/drawing/2014/main" id="{6115C6D4-03A9-FC62-8DF7-76441A346133}"/>
+              </a:ext>
+            </a:extLst>
+          </p:cNvPr>
+          <p:cNvPicPr>
+            <a:picLocks noChangeAspect="1"/>
+          </p:cNvPicPr>
+          <p:nvPr/>
+        </p:nvPicPr>
+        <p:blipFill>
+          <a:blip r:embed="rId2">
+            <a:extLst>
+              <a:ext uri="{28A0092B-C50C-407E-A947-70E740481C1C}">
+                <a14:useLocalDpi xmlns:a14="http://schemas.microsoft.com/office/drawing/2010/main" val="0"/>
+              </a:ext>
+            </a:extLst>
+          </a:blip>
+          <a:stretch>
+            <a:fillRect/>
+          </a:stretch>
+        </p:blipFill>
+        <p:spPr>
+          <a:xfrm>
+            <a:off x="457200" y="1700808"/>
+            <a:ext cx="8316416" cy="3735457"/>
+          </a:xfrm>
+          <a:prstGeom prst="rect">
+            <a:avLst/>
+          </a:prstGeom>
+        </p:spPr>
+      </p:pic>
+    </p:spTree>
+    <p:extLst>
+      <p:ext uri="{BB962C8B-B14F-4D97-AF65-F5344CB8AC3E}">
+        <p14:creationId xmlns:p14="http://schemas.microsoft.com/office/powerpoint/2010/main" val="1648664005"/>
+      </p:ext>
+    </p:extLst>
+  </p:cSld>
+  <p:clrMapOvr>
+    <a:masterClrMapping/>
+  </p:clrMapOvr>
+</p:sld>
+</file>
+
+<file path=ppt/slides/slide46.xml><?xml version="1.0" encoding="utf-8"?>
 <p:sld xmlns:a="http://schemas.openxmlformats.org/drawingml/2006/main" xmlns:r="http://schemas.openxmlformats.org/officeDocument/2006/relationships" xmlns:p="http://schemas.openxmlformats.org/presentationml/2006/main">
   <p:cSld>
     <p:spTree>
@@ -23538,18 +27116,13 @@
               <a:defRPr/>
             </a:pPr>
             <a:r>
-              <a:rPr lang="he-IL" sz="4400" dirty="0">
+              <a:rPr lang="en-US" sz="4400" dirty="0">
                 <a:latin typeface="+mj-lt"/>
                 <a:ea typeface="+mj-ea"/>
                 <a:cs typeface="+mj-cs"/>
               </a:rPr>
-              <a:t>פורמליזציה</a:t>
-            </a:r>
-            <a:endParaRPr lang="en-US" sz="4400" dirty="0">
-              <a:latin typeface="+mj-lt"/>
-              <a:ea typeface="+mj-ea"/>
-              <a:cs typeface="+mj-cs"/>
-            </a:endParaRPr>
+              <a:t>World Series Odds</a:t>
+            </a:r>
           </a:p>
         </p:txBody>
       </p:sp>
@@ -23562,7 +27135,7 @@
         <p:spPr>
           <a:xfrm>
             <a:off x="1000100" y="1571612"/>
-            <a:ext cx="7529594" cy="4401205"/>
+            <a:ext cx="7529594" cy="3539430"/>
           </a:xfrm>
           <a:prstGeom prst="rect">
             <a:avLst/>
@@ -23578,22 +27151,7 @@
             <a:pPr marL="514350" indent="-514350" algn="r" rtl="1"/>
             <a:r>
               <a:rPr lang="he-IL" sz="2800" dirty="0"/>
-              <a:t>	בכל שלב בסדרת המשחקים, נסמן:</a:t>
-            </a:r>
-          </a:p>
-          <a:p>
-            <a:pPr marL="514350" indent="-514350" algn="r" rtl="1"/>
-            <a:r>
-              <a:rPr lang="he-IL" sz="2800" dirty="0"/>
-              <a:t>	</a:t>
-            </a:r>
-            <a:r>
-              <a:rPr lang="en-US" sz="2800" dirty="0" err="1"/>
-              <a:t>i</a:t>
-            </a:r>
-            <a:r>
-              <a:rPr lang="he-IL" sz="2800" dirty="0"/>
-              <a:t>- מספר המשחקים ש</a:t>
+              <a:t>	שתי קבוצות, </a:t>
             </a:r>
             <a:r>
               <a:rPr lang="en-US" sz="2800" dirty="0"/>
@@ -23601,22 +27159,7 @@
             </a:r>
             <a:r>
               <a:rPr lang="he-IL" sz="2800" dirty="0"/>
-              <a:t> צריכה עוד לנצח על מנת לנצח בסדרה.</a:t>
-            </a:r>
-          </a:p>
-          <a:p>
-            <a:pPr marL="514350" indent="-514350" algn="r" rtl="1"/>
-            <a:r>
-              <a:rPr lang="he-IL" sz="2800" dirty="0"/>
-              <a:t>	</a:t>
-            </a:r>
-            <a:r>
-              <a:rPr lang="en-US" sz="2800" dirty="0"/>
-              <a:t>j</a:t>
-            </a:r>
-            <a:r>
-              <a:rPr lang="he-IL" sz="2800" dirty="0"/>
-              <a:t>- מספר המשחקים ש</a:t>
+              <a:t>,</a:t>
             </a:r>
             <a:r>
               <a:rPr lang="en-US" sz="2800" dirty="0"/>
@@ -23624,30 +27167,48 @@
             </a:r>
             <a:r>
               <a:rPr lang="he-IL" sz="2800" dirty="0"/>
-              <a:t> צריכה עוד לנצח על מנת לנצח בסדרה.</a:t>
+              <a:t>, משחקות זו מול זו, סדרת משחקים. הראשונה לנצח </a:t>
+            </a:r>
+            <a:r>
+              <a:rPr lang="en-US" sz="2800" dirty="0"/>
+              <a:t>n</a:t>
+            </a:r>
+            <a:r>
+              <a:rPr lang="he-IL" sz="2800" dirty="0"/>
+              <a:t> משחקים, היא המנצחת.</a:t>
             </a:r>
           </a:p>
           <a:p>
             <a:pPr marL="514350" indent="-514350" algn="r" rtl="1"/>
             <a:r>
               <a:rPr lang="he-IL" sz="2800" dirty="0"/>
-              <a:t>	</a:t>
+              <a:t>	בכל משחק, ההסתברות של כל אחת לנצח, היא </a:t>
             </a:r>
             <a:r>
               <a:rPr lang="en-US" sz="2800" dirty="0"/>
-              <a:t>p(</a:t>
-            </a:r>
-            <a:r>
-              <a:rPr lang="en-US" sz="2800" dirty="0" err="1"/>
-              <a:t>i,j</a:t>
-            </a:r>
-            <a:r>
-              <a:rPr lang="en-US" sz="2800" dirty="0"/>
-              <a:t>)</a:t>
+              <a:t>0.5</a:t>
             </a:r>
             <a:r>
               <a:rPr lang="he-IL" sz="2800" dirty="0"/>
-              <a:t>- ההסתברות ש</a:t>
+              <a:t>.</a:t>
+            </a:r>
+          </a:p>
+          <a:p>
+            <a:pPr marL="514350" indent="-514350" algn="r" rtl="1"/>
+            <a:endParaRPr lang="he-IL" sz="2800" dirty="0"/>
+          </a:p>
+          <a:p>
+            <a:pPr marL="514350" indent="-514350" algn="r" rtl="1"/>
+            <a:r>
+              <a:rPr lang="he-IL" sz="2800" dirty="0"/>
+              <a:t>המטרה:</a:t>
+            </a:r>
+          </a:p>
+          <a:p>
+            <a:pPr marL="514350" indent="-514350" algn="r" rtl="1"/>
+            <a:r>
+              <a:rPr lang="he-IL" sz="2800" dirty="0"/>
+              <a:t>	לחשב את ההסתברות ש</a:t>
             </a:r>
             <a:r>
               <a:rPr lang="en-US" sz="2800" dirty="0"/>
@@ -23655,61 +27216,26 @@
             </a:r>
             <a:r>
               <a:rPr lang="he-IL" sz="2800" dirty="0"/>
-              <a:t> תנצח בסדרה, אם היא צריכה עוד </a:t>
-            </a:r>
-            <a:r>
-              <a:rPr lang="en-US" sz="2800" dirty="0" err="1"/>
-              <a:t>i</a:t>
-            </a:r>
+              <a:t> תנצח.</a:t>
+            </a:r>
+          </a:p>
+          <a:p>
+            <a:pPr marL="514350" indent="-514350" algn="r" rtl="1"/>
+            <a:endParaRPr lang="he-IL" sz="2800" dirty="0"/>
+          </a:p>
+          <a:p>
+            <a:pPr marL="514350" indent="-514350" algn="r" rtl="1"/>
             <a:r>
               <a:rPr lang="he-IL" sz="2800" dirty="0"/>
-              <a:t> משחקים על מנת לנצח, ו</a:t>
-            </a:r>
-            <a:r>
-              <a:rPr lang="en-US" sz="2800" dirty="0"/>
-              <a:t>B</a:t>
+              <a:t>הערה: זאת </a:t>
+            </a:r>
+            <a:r>
+              <a:rPr lang="he-IL" sz="2800" b="1" dirty="0"/>
+              <a:t>לא </a:t>
             </a:r>
             <a:r>
               <a:rPr lang="he-IL" sz="2800" dirty="0"/>
-              <a:t> צריכה עוד </a:t>
-            </a:r>
-            <a:r>
-              <a:rPr lang="en-US" sz="2800" dirty="0"/>
-              <a:t>j</a:t>
-            </a:r>
-            <a:r>
-              <a:rPr lang="he-IL" sz="2800" dirty="0"/>
-              <a:t> משחקים על מנת לנצח.</a:t>
-            </a:r>
-          </a:p>
-          <a:p>
-            <a:pPr marL="514350" indent="-514350" algn="r" rtl="1"/>
-            <a:r>
-              <a:rPr lang="he-IL" sz="2800" dirty="0"/>
-              <a:t>המטרה:</a:t>
-            </a:r>
-          </a:p>
-          <a:p>
-            <a:pPr marL="514350" indent="-514350" algn="r" rtl="1"/>
-            <a:r>
-              <a:rPr lang="he-IL" sz="2800" dirty="0"/>
-              <a:t>	לחשב את </a:t>
-            </a:r>
-            <a:r>
-              <a:rPr lang="en-US" sz="2800" dirty="0"/>
-              <a:t>p(</a:t>
-            </a:r>
-            <a:r>
-              <a:rPr lang="en-US" sz="2800" dirty="0" err="1"/>
-              <a:t>n,n</a:t>
-            </a:r>
-            <a:r>
-              <a:rPr lang="en-US" sz="2800" dirty="0"/>
-              <a:t>)</a:t>
-            </a:r>
-            <a:r>
-              <a:rPr lang="he-IL" sz="2800" dirty="0"/>
-              <a:t>.</a:t>
+              <a:t>בעיית אופטימיזציה!</a:t>
             </a:r>
           </a:p>
         </p:txBody>
@@ -23781,7 +27307,7 @@
                 <a:cs typeface="+mj-cs"/>
               </a:rPr>
               <a:pPr/>
-              <a:t>41</a:t>
+              <a:t>46</a:t>
             </a:fld>
             <a:endParaRPr lang="en-US" dirty="0">
               <a:solidFill>
@@ -23800,7 +27326,7 @@
 </p:sld>
 </file>
 
-<file path=ppt/slides/slide42.xml><?xml version="1.0" encoding="utf-8"?>
+<file path=ppt/slides/slide47.xml><?xml version="1.0" encoding="utf-8"?>
 <p:sld xmlns:a="http://schemas.openxmlformats.org/drawingml/2006/main" xmlns:r="http://schemas.openxmlformats.org/officeDocument/2006/relationships" xmlns:p="http://schemas.openxmlformats.org/presentationml/2006/main">
   <p:cSld>
     <p:spTree>
@@ -23873,13 +27399,174 @@
                 <a:ea typeface="+mj-ea"/>
                 <a:cs typeface="+mj-cs"/>
               </a:rPr>
-              <a:t>מבנה הבעיה</a:t>
+              <a:t>פורמליזציה</a:t>
             </a:r>
             <a:endParaRPr lang="en-US" sz="4400" dirty="0">
               <a:latin typeface="+mj-lt"/>
               <a:ea typeface="+mj-ea"/>
               <a:cs typeface="+mj-cs"/>
             </a:endParaRPr>
+          </a:p>
+        </p:txBody>
+      </p:sp>
+      <p:sp>
+        <p:nvSpPr>
+          <p:cNvPr id="8" name="TextBox 7"/>
+          <p:cNvSpPr txBox="1"/>
+          <p:nvPr/>
+        </p:nvSpPr>
+        <p:spPr>
+          <a:xfrm>
+            <a:off x="1000100" y="1571612"/>
+            <a:ext cx="7529594" cy="4401205"/>
+          </a:xfrm>
+          <a:prstGeom prst="rect">
+            <a:avLst/>
+          </a:prstGeom>
+          <a:noFill/>
+        </p:spPr>
+        <p:txBody>
+          <a:bodyPr wrap="square" rtlCol="0">
+            <a:spAutoFit/>
+          </a:bodyPr>
+          <a:lstStyle/>
+          <a:p>
+            <a:pPr marL="514350" indent="-514350" algn="r" rtl="1"/>
+            <a:r>
+              <a:rPr lang="he-IL" sz="2800" dirty="0"/>
+              <a:t>	בכל שלב בסדרת המשחקים, נסמן:</a:t>
+            </a:r>
+          </a:p>
+          <a:p>
+            <a:pPr marL="514350" indent="-514350" algn="r" rtl="1"/>
+            <a:r>
+              <a:rPr lang="he-IL" sz="2800" dirty="0"/>
+              <a:t>	</a:t>
+            </a:r>
+            <a:r>
+              <a:rPr lang="en-US" sz="2800" dirty="0" err="1"/>
+              <a:t>i</a:t>
+            </a:r>
+            <a:r>
+              <a:rPr lang="he-IL" sz="2800" dirty="0"/>
+              <a:t>- מספר המשחקים ש</a:t>
+            </a:r>
+            <a:r>
+              <a:rPr lang="en-US" sz="2800" dirty="0"/>
+              <a:t>A</a:t>
+            </a:r>
+            <a:r>
+              <a:rPr lang="he-IL" sz="2800" dirty="0"/>
+              <a:t> צריכה עוד לנצח על מנת לנצח בסדרה.</a:t>
+            </a:r>
+          </a:p>
+          <a:p>
+            <a:pPr marL="514350" indent="-514350" algn="r" rtl="1"/>
+            <a:r>
+              <a:rPr lang="he-IL" sz="2800" dirty="0"/>
+              <a:t>	</a:t>
+            </a:r>
+            <a:r>
+              <a:rPr lang="en-US" sz="2800" dirty="0"/>
+              <a:t>j</a:t>
+            </a:r>
+            <a:r>
+              <a:rPr lang="he-IL" sz="2800" dirty="0"/>
+              <a:t>- מספר המשחקים ש</a:t>
+            </a:r>
+            <a:r>
+              <a:rPr lang="en-US" sz="2800" dirty="0"/>
+              <a:t>B</a:t>
+            </a:r>
+            <a:r>
+              <a:rPr lang="he-IL" sz="2800" dirty="0"/>
+              <a:t> צריכה עוד לנצח על מנת לנצח בסדרה.</a:t>
+            </a:r>
+          </a:p>
+          <a:p>
+            <a:pPr marL="514350" indent="-514350" algn="r" rtl="1"/>
+            <a:r>
+              <a:rPr lang="he-IL" sz="2800" dirty="0"/>
+              <a:t>	</a:t>
+            </a:r>
+            <a:r>
+              <a:rPr lang="en-US" sz="2800" dirty="0"/>
+              <a:t>p(</a:t>
+            </a:r>
+            <a:r>
+              <a:rPr lang="en-US" sz="2800" dirty="0" err="1"/>
+              <a:t>i,j</a:t>
+            </a:r>
+            <a:r>
+              <a:rPr lang="en-US" sz="2800" dirty="0"/>
+              <a:t>)</a:t>
+            </a:r>
+            <a:r>
+              <a:rPr lang="he-IL" sz="2800" dirty="0"/>
+              <a:t>- ההסתברות ש</a:t>
+            </a:r>
+            <a:r>
+              <a:rPr lang="en-US" sz="2800" dirty="0"/>
+              <a:t>A</a:t>
+            </a:r>
+            <a:r>
+              <a:rPr lang="he-IL" sz="2800" dirty="0"/>
+              <a:t> תנצח בסדרה, אם היא צריכה עוד </a:t>
+            </a:r>
+            <a:r>
+              <a:rPr lang="en-US" sz="2800" dirty="0" err="1"/>
+              <a:t>i</a:t>
+            </a:r>
+            <a:r>
+              <a:rPr lang="he-IL" sz="2800" dirty="0"/>
+              <a:t> משחקים על מנת לנצח, ו</a:t>
+            </a:r>
+            <a:r>
+              <a:rPr lang="en-US" sz="2800" dirty="0"/>
+              <a:t>B</a:t>
+            </a:r>
+            <a:r>
+              <a:rPr lang="he-IL" sz="2800" dirty="0"/>
+              <a:t> צריכה עוד </a:t>
+            </a:r>
+            <a:r>
+              <a:rPr lang="en-US" sz="2800" dirty="0"/>
+              <a:t>j</a:t>
+            </a:r>
+            <a:r>
+              <a:rPr lang="he-IL" sz="2800" dirty="0"/>
+              <a:t> משחקים על מנת לנצח.</a:t>
+            </a:r>
+          </a:p>
+          <a:p>
+            <a:pPr marL="514350" indent="-514350" algn="r" rtl="1"/>
+            <a:r>
+              <a:rPr lang="he-IL" sz="2800" dirty="0"/>
+              <a:t>המטרה:</a:t>
+            </a:r>
+          </a:p>
+          <a:p>
+            <a:pPr marL="514350" indent="-514350" algn="r" rtl="1"/>
+            <a:r>
+              <a:rPr lang="he-IL" sz="2800" dirty="0"/>
+              <a:t>	לחשב את </a:t>
+            </a:r>
+            <a:r>
+              <a:rPr lang="en-US" sz="2800" dirty="0"/>
+              <a:t>p(</a:t>
+            </a:r>
+            <a:r>
+              <a:rPr lang="en-US" sz="2800" dirty="0" err="1"/>
+              <a:t>n,n</a:t>
+            </a:r>
+            <a:r>
+              <a:rPr lang="en-US" sz="2800" dirty="0"/>
+              <a:t>)</a:t>
+            </a:r>
+            <a:r>
+              <a:rPr lang="he-IL" sz="2800" dirty="0"/>
+              <a:t>.</a:t>
+            </a:r>
           </a:p>
         </p:txBody>
       </p:sp>
@@ -23950,7 +27637,176 @@
                 <a:cs typeface="+mj-cs"/>
               </a:rPr>
               <a:pPr/>
-              <a:t>42</a:t>
+              <a:t>47</a:t>
+            </a:fld>
+            <a:endParaRPr lang="en-US" dirty="0">
+              <a:solidFill>
+                <a:schemeClr val="tx1"/>
+              </a:solidFill>
+              <a:cs typeface="+mj-cs"/>
+            </a:endParaRPr>
+          </a:p>
+        </p:txBody>
+      </p:sp>
+    </p:spTree>
+  </p:cSld>
+  <p:clrMapOvr>
+    <a:masterClrMapping/>
+  </p:clrMapOvr>
+</p:sld>
+</file>
+
+<file path=ppt/slides/slide48.xml><?xml version="1.0" encoding="utf-8"?>
+<p:sld xmlns:a="http://schemas.openxmlformats.org/drawingml/2006/main" xmlns:r="http://schemas.openxmlformats.org/officeDocument/2006/relationships" xmlns:p="http://schemas.openxmlformats.org/presentationml/2006/main">
+  <p:cSld>
+    <p:spTree>
+      <p:nvGrpSpPr>
+        <p:cNvPr id="1" name=""/>
+        <p:cNvGrpSpPr/>
+        <p:nvPr/>
+      </p:nvGrpSpPr>
+      <p:grpSpPr>
+        <a:xfrm>
+          <a:off x="0" y="0"/>
+          <a:ext cx="0" cy="0"/>
+          <a:chOff x="0" y="0"/>
+          <a:chExt cx="0" cy="0"/>
+        </a:xfrm>
+      </p:grpSpPr>
+      <p:sp>
+        <p:nvSpPr>
+          <p:cNvPr id="6" name="כותרת 1"/>
+          <p:cNvSpPr txBox="1">
+            <a:spLocks/>
+          </p:cNvSpPr>
+          <p:nvPr/>
+        </p:nvSpPr>
+        <p:spPr bwMode="auto">
+          <a:xfrm>
+            <a:off x="357158" y="285728"/>
+            <a:ext cx="8358246" cy="1066800"/>
+          </a:xfrm>
+          <a:prstGeom prst="rect">
+            <a:avLst/>
+          </a:prstGeom>
+          <a:noFill/>
+          <a:ln w="9525">
+            <a:noFill/>
+            <a:miter lim="800000"/>
+            <a:headEnd/>
+            <a:tailEnd/>
+          </a:ln>
+          <a:effectLst/>
+        </p:spPr>
+        <p:txBody>
+          <a:bodyPr vert="horz" wrap="square" lIns="91440" tIns="45720" rIns="91440" bIns="45720" numCol="1" anchor="ctr" anchorCtr="0" compatLnSpc="1">
+            <a:prstTxWarp prst="textNoShape">
+              <a:avLst/>
+            </a:prstTxWarp>
+          </a:bodyPr>
+          <a:lstStyle/>
+          <a:p>
+            <a:pPr marL="0" marR="0" lvl="0" indent="0" algn="r" defTabSz="914400" rtl="1" eaLnBrk="1" fontAlgn="base" latinLnBrk="0" hangingPunct="1">
+              <a:lnSpc>
+                <a:spcPct val="100000"/>
+              </a:lnSpc>
+              <a:spcBef>
+                <a:spcPct val="0"/>
+              </a:spcBef>
+              <a:spcAft>
+                <a:spcPct val="0"/>
+              </a:spcAft>
+              <a:buClrTx/>
+              <a:buSzTx/>
+              <a:buFontTx/>
+              <a:buNone/>
+              <a:tabLst/>
+              <a:defRPr/>
+            </a:pPr>
+            <a:r>
+              <a:rPr lang="he-IL" sz="4400" dirty="0">
+                <a:latin typeface="+mj-lt"/>
+                <a:ea typeface="+mj-ea"/>
+                <a:cs typeface="+mj-cs"/>
+              </a:rPr>
+              <a:t>מבנה הבעיה</a:t>
+            </a:r>
+            <a:endParaRPr lang="en-US" sz="4400" dirty="0">
+              <a:latin typeface="+mj-lt"/>
+              <a:ea typeface="+mj-ea"/>
+              <a:cs typeface="+mj-cs"/>
+            </a:endParaRPr>
+          </a:p>
+        </p:txBody>
+      </p:sp>
+      <p:sp>
+        <p:nvSpPr>
+          <p:cNvPr id="30" name="מציין מיקום של כותרת תחתונה 3"/>
+          <p:cNvSpPr>
+            <a:spLocks noGrp="1"/>
+          </p:cNvSpPr>
+          <p:nvPr>
+            <p:ph type="ftr" sz="quarter" idx="11"/>
+          </p:nvPr>
+        </p:nvSpPr>
+        <p:spPr>
+          <a:xfrm>
+            <a:off x="1857356" y="6356350"/>
+            <a:ext cx="5429288" cy="365125"/>
+          </a:xfrm>
+        </p:spPr>
+        <p:txBody>
+          <a:bodyPr/>
+          <a:lstStyle/>
+          <a:p>
+            <a:pPr rtl="1"/>
+            <a:r>
+              <a:rPr lang="he-IL">
+                <a:solidFill>
+                  <a:schemeClr val="tx1"/>
+                </a:solidFill>
+                <a:cs typeface="+mj-cs"/>
+              </a:rPr>
+              <a:t>אלגוריתמים 1- ד"ר בוריס לואנט - מכללה אקדמית אשקלון - תשפ"ד - סמסטר א'</a:t>
+            </a:r>
+            <a:endParaRPr lang="en-US" dirty="0">
+              <a:solidFill>
+                <a:schemeClr val="tx1"/>
+              </a:solidFill>
+              <a:cs typeface="+mj-cs"/>
+            </a:endParaRPr>
+          </a:p>
+        </p:txBody>
+      </p:sp>
+      <p:sp>
+        <p:nvSpPr>
+          <p:cNvPr id="31" name="מציין מיקום של מספר שקופית 4"/>
+          <p:cNvSpPr>
+            <a:spLocks noGrp="1"/>
+          </p:cNvSpPr>
+          <p:nvPr>
+            <p:ph type="sldNum" sz="quarter" idx="12"/>
+          </p:nvPr>
+        </p:nvSpPr>
+        <p:spPr>
+          <a:xfrm>
+            <a:off x="6553200" y="6356350"/>
+            <a:ext cx="2133600" cy="365125"/>
+          </a:xfrm>
+        </p:spPr>
+        <p:txBody>
+          <a:bodyPr/>
+          <a:lstStyle/>
+          <a:p>
+            <a:fld id="{2EEF023C-487C-4FDD-A5C6-3E51DF829693}" type="slidenum">
+              <a:rPr lang="en-US" smtClean="0">
+                <a:solidFill>
+                  <a:schemeClr val="tx1"/>
+                </a:solidFill>
+                <a:cs typeface="+mj-cs"/>
+              </a:rPr>
+              <a:pPr/>
+              <a:t>48</a:t>
             </a:fld>
             <a:endParaRPr lang="en-US" dirty="0">
               <a:solidFill>
@@ -24039,7 +27895,7 @@
 </p:sld>
 </file>
 
-<file path=ppt/slides/slide43.xml><?xml version="1.0" encoding="utf-8"?>
+<file path=ppt/slides/slide49.xml><?xml version="1.0" encoding="utf-8"?>
 <p:sld xmlns:a="http://schemas.openxmlformats.org/drawingml/2006/main" xmlns:r="http://schemas.openxmlformats.org/officeDocument/2006/relationships" xmlns:p="http://schemas.openxmlformats.org/presentationml/2006/main">
   <p:cSld>
     <p:spTree>
@@ -24189,7 +28045,7 @@
                 <a:cs typeface="+mj-cs"/>
               </a:rPr>
               <a:pPr/>
-              <a:t>43</a:t>
+              <a:t>49</a:t>
             </a:fld>
             <a:endParaRPr lang="en-US" dirty="0">
               <a:solidFill>
@@ -24271,7 +28127,415 @@
 </p:sld>
 </file>
 
-<file path=ppt/slides/slide44.xml><?xml version="1.0" encoding="utf-8"?>
+<file path=ppt/slides/slide5.xml><?xml version="1.0" encoding="utf-8"?>
+<p:sld xmlns:a="http://schemas.openxmlformats.org/drawingml/2006/main" xmlns:r="http://schemas.openxmlformats.org/officeDocument/2006/relationships" xmlns:p="http://schemas.openxmlformats.org/presentationml/2006/main">
+  <p:cSld>
+    <p:spTree>
+      <p:nvGrpSpPr>
+        <p:cNvPr id="1" name=""/>
+        <p:cNvGrpSpPr/>
+        <p:nvPr/>
+      </p:nvGrpSpPr>
+      <p:grpSpPr>
+        <a:xfrm>
+          <a:off x="0" y="0"/>
+          <a:ext cx="0" cy="0"/>
+          <a:chOff x="0" y="0"/>
+          <a:chExt cx="0" cy="0"/>
+        </a:xfrm>
+      </p:grpSpPr>
+      <p:sp>
+        <p:nvSpPr>
+          <p:cNvPr id="6" name="מציין מיקום של כותרת תחתונה 3"/>
+          <p:cNvSpPr>
+            <a:spLocks noGrp="1"/>
+          </p:cNvSpPr>
+          <p:nvPr>
+            <p:ph type="ftr" sz="quarter" idx="11"/>
+          </p:nvPr>
+        </p:nvSpPr>
+        <p:spPr>
+          <a:xfrm>
+            <a:off x="1857356" y="6356350"/>
+            <a:ext cx="5429288" cy="365125"/>
+          </a:xfrm>
+        </p:spPr>
+        <p:txBody>
+          <a:bodyPr/>
+          <a:lstStyle/>
+          <a:p>
+            <a:pPr rtl="1"/>
+            <a:r>
+              <a:rPr lang="he-IL">
+                <a:solidFill>
+                  <a:schemeClr val="tx1"/>
+                </a:solidFill>
+                <a:cs typeface="+mj-cs"/>
+              </a:rPr>
+              <a:t>אלגוריתמים 1- ד"ר בוריס לואנט - מכללה אקדמית אשקלון - תשפ"ד - סמסטר א'</a:t>
+            </a:r>
+            <a:endParaRPr lang="en-US" dirty="0">
+              <a:solidFill>
+                <a:schemeClr val="tx1"/>
+              </a:solidFill>
+              <a:cs typeface="+mj-cs"/>
+            </a:endParaRPr>
+          </a:p>
+        </p:txBody>
+      </p:sp>
+      <p:sp>
+        <p:nvSpPr>
+          <p:cNvPr id="7" name="מציין מיקום של מספר שקופית 4"/>
+          <p:cNvSpPr>
+            <a:spLocks noGrp="1"/>
+          </p:cNvSpPr>
+          <p:nvPr>
+            <p:ph type="sldNum" sz="quarter" idx="12"/>
+          </p:nvPr>
+        </p:nvSpPr>
+        <p:spPr>
+          <a:xfrm>
+            <a:off x="6553200" y="6356350"/>
+            <a:ext cx="2133600" cy="365125"/>
+          </a:xfrm>
+        </p:spPr>
+        <p:txBody>
+          <a:bodyPr/>
+          <a:lstStyle/>
+          <a:p>
+            <a:fld id="{2EEF023C-487C-4FDD-A5C6-3E51DF829693}" type="slidenum">
+              <a:rPr lang="en-US" smtClean="0">
+                <a:solidFill>
+                  <a:schemeClr val="tx1"/>
+                </a:solidFill>
+                <a:cs typeface="+mj-cs"/>
+              </a:rPr>
+              <a:pPr/>
+              <a:t>5</a:t>
+            </a:fld>
+            <a:endParaRPr lang="en-US" dirty="0">
+              <a:solidFill>
+                <a:schemeClr val="tx1"/>
+              </a:solidFill>
+              <a:cs typeface="+mj-cs"/>
+            </a:endParaRPr>
+          </a:p>
+        </p:txBody>
+      </p:sp>
+      <p:sp>
+        <p:nvSpPr>
+          <p:cNvPr id="8" name="כותרת 1"/>
+          <p:cNvSpPr txBox="1">
+            <a:spLocks/>
+          </p:cNvSpPr>
+          <p:nvPr/>
+        </p:nvSpPr>
+        <p:spPr bwMode="auto">
+          <a:xfrm>
+            <a:off x="357158" y="285728"/>
+            <a:ext cx="8358246" cy="1066800"/>
+          </a:xfrm>
+          <a:prstGeom prst="rect">
+            <a:avLst/>
+          </a:prstGeom>
+          <a:noFill/>
+          <a:ln w="9525">
+            <a:noFill/>
+            <a:miter lim="800000"/>
+            <a:headEnd/>
+            <a:tailEnd/>
+          </a:ln>
+          <a:effectLst/>
+        </p:spPr>
+        <p:txBody>
+          <a:bodyPr vert="horz" wrap="square" lIns="91440" tIns="45720" rIns="91440" bIns="45720" numCol="1" anchor="ctr" anchorCtr="0" compatLnSpc="1">
+            <a:prstTxWarp prst="textNoShape">
+              <a:avLst/>
+            </a:prstTxWarp>
+          </a:bodyPr>
+          <a:lstStyle/>
+          <a:p>
+            <a:pPr marL="0" marR="0" lvl="0" indent="0" algn="r" defTabSz="914400" rtl="1" eaLnBrk="1" fontAlgn="base" latinLnBrk="0" hangingPunct="1">
+              <a:lnSpc>
+                <a:spcPct val="100000"/>
+              </a:lnSpc>
+              <a:spcBef>
+                <a:spcPct val="0"/>
+              </a:spcBef>
+              <a:spcAft>
+                <a:spcPct val="0"/>
+              </a:spcAft>
+              <a:buClrTx/>
+              <a:buSzTx/>
+              <a:buFontTx/>
+              <a:buNone/>
+              <a:tabLst/>
+              <a:defRPr/>
+            </a:pPr>
+            <a:r>
+              <a:rPr lang="he-IL" sz="4400" dirty="0" err="1">
+                <a:latin typeface="+mj-lt"/>
+                <a:ea typeface="+mj-ea"/>
+                <a:cs typeface="+mj-cs"/>
+              </a:rPr>
+              <a:t>פיבונצ'י</a:t>
+            </a:r>
+            <a:r>
+              <a:rPr lang="he-IL" sz="4400" dirty="0">
+                <a:latin typeface="+mj-lt"/>
+                <a:ea typeface="+mj-ea"/>
+                <a:cs typeface="+mj-cs"/>
+              </a:rPr>
+              <a:t>- הפרד ומשול</a:t>
+            </a:r>
+            <a:endParaRPr lang="en-US" sz="4400" dirty="0">
+              <a:latin typeface="+mj-lt"/>
+              <a:ea typeface="+mj-ea"/>
+              <a:cs typeface="+mj-cs"/>
+            </a:endParaRPr>
+          </a:p>
+        </p:txBody>
+      </p:sp>
+      <p:sp>
+        <p:nvSpPr>
+          <p:cNvPr id="10" name="מלבן 9"/>
+          <p:cNvSpPr/>
+          <p:nvPr/>
+        </p:nvSpPr>
+        <p:spPr>
+          <a:xfrm>
+            <a:off x="500034" y="1571612"/>
+            <a:ext cx="7858180" cy="3416320"/>
+          </a:xfrm>
+          <a:prstGeom prst="rect">
+            <a:avLst/>
+          </a:prstGeom>
+        </p:spPr>
+        <p:txBody>
+          <a:bodyPr wrap="square">
+            <a:spAutoFit/>
+          </a:bodyPr>
+          <a:lstStyle/>
+          <a:p>
+            <a:pPr algn="l"/>
+            <a:r>
+              <a:rPr lang="en-US" sz="2400" dirty="0">
+                <a:latin typeface="Courier New" pitchFamily="49" charset="0"/>
+                <a:cs typeface="Courier New" pitchFamily="49" charset="0"/>
+              </a:rPr>
+              <a:t>Fib(n)</a:t>
+            </a:r>
+          </a:p>
+          <a:p>
+            <a:pPr algn="l"/>
+            <a:r>
+              <a:rPr lang="en-US" sz="2400" dirty="0">
+                <a:latin typeface="Courier New" pitchFamily="49" charset="0"/>
+                <a:cs typeface="Courier New" pitchFamily="49" charset="0"/>
+              </a:rPr>
+              <a:t>  if n</a:t>
+            </a:r>
+            <a:r>
+              <a:rPr lang="en-US" sz="2400" dirty="0">
+                <a:latin typeface="Courier New" pitchFamily="49" charset="0"/>
+                <a:cs typeface="Courier New" pitchFamily="49" charset="0"/>
+                <a:sym typeface="Mathematica1"/>
+              </a:rPr>
+              <a:t>1</a:t>
+            </a:r>
+          </a:p>
+          <a:p>
+            <a:pPr algn="l"/>
+            <a:r>
+              <a:rPr lang="en-US" sz="2400" dirty="0">
+                <a:latin typeface="Courier New" pitchFamily="49" charset="0"/>
+                <a:cs typeface="Courier New" pitchFamily="49" charset="0"/>
+                <a:sym typeface="Mathematica1"/>
+              </a:rPr>
+              <a:t>    return n</a:t>
+            </a:r>
+          </a:p>
+          <a:p>
+            <a:pPr algn="l"/>
+            <a:r>
+              <a:rPr lang="en-US" sz="2400" dirty="0">
+                <a:latin typeface="Courier New" pitchFamily="49" charset="0"/>
+                <a:cs typeface="Courier New" pitchFamily="49" charset="0"/>
+                <a:sym typeface="Mathematica1"/>
+              </a:rPr>
+              <a:t>  return Fib(n-1)+Fib(n-2)</a:t>
+            </a:r>
+            <a:endParaRPr lang="he-IL" sz="2400" dirty="0">
+              <a:latin typeface="Courier New" pitchFamily="49" charset="0"/>
+              <a:cs typeface="Courier New" pitchFamily="49" charset="0"/>
+              <a:sym typeface="Mathematica1"/>
+            </a:endParaRPr>
+          </a:p>
+          <a:p>
+            <a:pPr algn="l"/>
+            <a:endParaRPr lang="he-IL" sz="2400" dirty="0">
+              <a:latin typeface="Courier New" pitchFamily="49" charset="0"/>
+              <a:cs typeface="Courier New" pitchFamily="49" charset="0"/>
+              <a:sym typeface="Mathematica1"/>
+            </a:endParaRPr>
+          </a:p>
+          <a:p>
+            <a:pPr algn="r" rtl="1"/>
+            <a:endParaRPr lang="en-US" sz="2400" dirty="0">
+              <a:latin typeface="Courier New" pitchFamily="49" charset="0"/>
+              <a:cs typeface="+mj-cs"/>
+              <a:sym typeface="Mathematica1"/>
+            </a:endParaRPr>
+          </a:p>
+          <a:p>
+            <a:pPr algn="r" rtl="1"/>
+            <a:r>
+              <a:rPr lang="he-IL" sz="2400" dirty="0">
+                <a:latin typeface="Courier New" pitchFamily="49" charset="0"/>
+                <a:cs typeface="+mj-cs"/>
+                <a:sym typeface="Mathematica1"/>
+              </a:rPr>
+              <a:t>נוסחת נסיגה לזמן הריצה:</a:t>
+            </a:r>
+          </a:p>
+          <a:p>
+            <a:pPr algn="r" rtl="1"/>
+            <a:endParaRPr lang="he-IL" sz="2400" dirty="0">
+              <a:latin typeface="Courier New" pitchFamily="49" charset="0"/>
+              <a:cs typeface="+mj-cs"/>
+              <a:sym typeface="Mathematica1"/>
+            </a:endParaRPr>
+          </a:p>
+          <a:p>
+            <a:pPr algn="r" rtl="1"/>
+            <a:endParaRPr lang="en-US" sz="2400" dirty="0">
+              <a:latin typeface="Courier New" pitchFamily="49" charset="0"/>
+              <a:cs typeface="+mj-cs"/>
+            </a:endParaRPr>
+          </a:p>
+        </p:txBody>
+      </p:sp>
+      <p:graphicFrame>
+        <p:nvGraphicFramePr>
+          <p:cNvPr id="11" name="אובייקט 10"/>
+          <p:cNvGraphicFramePr>
+            <a:graphicFrameLocks noChangeAspect="1"/>
+          </p:cNvGraphicFramePr>
+          <p:nvPr/>
+        </p:nvGraphicFramePr>
+        <p:xfrm>
+          <a:off x="500034" y="3786190"/>
+          <a:ext cx="4598821" cy="507456"/>
+        </p:xfrm>
+        <a:graphic>
+          <a:graphicData uri="http://schemas.openxmlformats.org/presentationml/2006/ole">
+            <mc:AlternateContent xmlns:mc="http://schemas.openxmlformats.org/markup-compatibility/2006">
+              <mc:Choice xmlns:v="urn:schemas-microsoft-com:vml" Requires="v">
+                <p:oleObj name="Формула" r:id="rId2" imgW="1841500" imgH="203200" progId="Equation.3">
+                  <p:embed/>
+                </p:oleObj>
+              </mc:Choice>
+              <mc:Fallback>
+                <p:oleObj name="Формула" r:id="rId2" imgW="1841500" imgH="203200" progId="Equation.3">
+                  <p:embed/>
+                  <p:pic>
+                    <p:nvPicPr>
+                      <p:cNvPr id="0" name="Picture 3"/>
+                      <p:cNvPicPr>
+                        <a:picLocks noChangeAspect="1" noChangeArrowheads="1"/>
+                      </p:cNvPicPr>
+                      <p:nvPr/>
+                    </p:nvPicPr>
+                    <p:blipFill>
+                      <a:blip r:embed="rId3">
+                        <a:extLst>
+                          <a:ext uri="{28A0092B-C50C-407E-A947-70E740481C1C}">
+                            <a14:useLocalDpi xmlns:a14="http://schemas.microsoft.com/office/drawing/2010/main" val="0"/>
+                          </a:ext>
+                        </a:extLst>
+                      </a:blip>
+                      <a:srcRect/>
+                      <a:stretch>
+                        <a:fillRect/>
+                      </a:stretch>
+                    </p:blipFill>
+                    <p:spPr bwMode="auto">
+                      <a:xfrm>
+                        <a:off x="500034" y="3786190"/>
+                        <a:ext cx="4598821" cy="507456"/>
+                      </a:xfrm>
+                      <a:prstGeom prst="rect">
+                        <a:avLst/>
+                      </a:prstGeom>
+                      <a:noFill/>
+                      <a:extLst>
+                        <a:ext uri="{909E8E84-426E-40DD-AFC4-6F175D3DCCD1}">
+                          <a14:hiddenFill xmlns:a14="http://schemas.microsoft.com/office/drawing/2010/main">
+                            <a:solidFill>
+                              <a:srgbClr val="FFFFFF"/>
+                            </a:solidFill>
+                          </a14:hiddenFill>
+                        </a:ext>
+                      </a:extLst>
+                    </p:spPr>
+                  </p:pic>
+                </p:oleObj>
+              </mc:Fallback>
+            </mc:AlternateContent>
+          </a:graphicData>
+        </a:graphic>
+      </p:graphicFrame>
+      <p:sp>
+        <p:nvSpPr>
+          <p:cNvPr id="12" name="מלבן מעוגל 11"/>
+          <p:cNvSpPr/>
+          <p:nvPr/>
+        </p:nvSpPr>
+        <p:spPr>
+          <a:xfrm>
+            <a:off x="428596" y="1428736"/>
+            <a:ext cx="5072098" cy="1928826"/>
+          </a:xfrm>
+          <a:prstGeom prst="roundRect">
+            <a:avLst/>
+          </a:prstGeom>
+          <a:noFill/>
+          <a:ln w="57150"/>
+        </p:spPr>
+        <p:style>
+          <a:lnRef idx="2">
+            <a:schemeClr val="accent1">
+              <a:shade val="50000"/>
+            </a:schemeClr>
+          </a:lnRef>
+          <a:fillRef idx="1">
+            <a:schemeClr val="accent1"/>
+          </a:fillRef>
+          <a:effectRef idx="0">
+            <a:schemeClr val="accent1"/>
+          </a:effectRef>
+          <a:fontRef idx="minor">
+            <a:schemeClr val="lt1"/>
+          </a:fontRef>
+        </p:style>
+        <p:txBody>
+          <a:bodyPr rtlCol="0" anchor="ctr"/>
+          <a:lstStyle/>
+          <a:p>
+            <a:pPr algn="ctr"/>
+            <a:endParaRPr lang="en-US"/>
+          </a:p>
+        </p:txBody>
+      </p:sp>
+    </p:spTree>
+  </p:cSld>
+  <p:clrMapOvr>
+    <a:masterClrMapping/>
+  </p:clrMapOvr>
+</p:sld>
+</file>
+
+<file path=ppt/slides/slide50.xml><?xml version="1.0" encoding="utf-8"?>
 <p:sld xmlns:a="http://schemas.openxmlformats.org/drawingml/2006/main" xmlns:r="http://schemas.openxmlformats.org/officeDocument/2006/relationships" xmlns:p="http://schemas.openxmlformats.org/presentationml/2006/main">
   <p:cSld>
     <p:spTree>
@@ -24421,7 +28685,7 @@
                 <a:cs typeface="+mj-cs"/>
               </a:rPr>
               <a:pPr/>
-              <a:t>44</a:t>
+              <a:t>50</a:t>
             </a:fld>
             <a:endParaRPr lang="en-US" dirty="0">
               <a:solidFill>
@@ -24614,7 +28878,7 @@
 </p:sld>
 </file>
 
-<file path=ppt/slides/slide45.xml><?xml version="1.0" encoding="utf-8"?>
+<file path=ppt/slides/slide51.xml><?xml version="1.0" encoding="utf-8"?>
 <p:sld xmlns:a="http://schemas.openxmlformats.org/drawingml/2006/main" xmlns:r="http://schemas.openxmlformats.org/officeDocument/2006/relationships" xmlns:p="http://schemas.openxmlformats.org/presentationml/2006/main">
   <p:cSld>
     <p:spTree>
@@ -24767,7 +29031,7 @@
                 <a:cs typeface="+mj-cs"/>
               </a:rPr>
               <a:pPr/>
-              <a:t>45</a:t>
+              <a:t>51</a:t>
             </a:fld>
             <a:endParaRPr lang="en-US" dirty="0">
               <a:solidFill>
@@ -24912,414 +29176,6 @@
               <a:rPr lang="en-US" b="1" dirty="0"/>
               <a:t>1         2       3        4</a:t>
             </a:r>
-          </a:p>
-        </p:txBody>
-      </p:sp>
-    </p:spTree>
-  </p:cSld>
-  <p:clrMapOvr>
-    <a:masterClrMapping/>
-  </p:clrMapOvr>
-</p:sld>
-</file>
-
-<file path=ppt/slides/slide5.xml><?xml version="1.0" encoding="utf-8"?>
-<p:sld xmlns:a="http://schemas.openxmlformats.org/drawingml/2006/main" xmlns:r="http://schemas.openxmlformats.org/officeDocument/2006/relationships" xmlns:p="http://schemas.openxmlformats.org/presentationml/2006/main">
-  <p:cSld>
-    <p:spTree>
-      <p:nvGrpSpPr>
-        <p:cNvPr id="1" name=""/>
-        <p:cNvGrpSpPr/>
-        <p:nvPr/>
-      </p:nvGrpSpPr>
-      <p:grpSpPr>
-        <a:xfrm>
-          <a:off x="0" y="0"/>
-          <a:ext cx="0" cy="0"/>
-          <a:chOff x="0" y="0"/>
-          <a:chExt cx="0" cy="0"/>
-        </a:xfrm>
-      </p:grpSpPr>
-      <p:sp>
-        <p:nvSpPr>
-          <p:cNvPr id="6" name="מציין מיקום של כותרת תחתונה 3"/>
-          <p:cNvSpPr>
-            <a:spLocks noGrp="1"/>
-          </p:cNvSpPr>
-          <p:nvPr>
-            <p:ph type="ftr" sz="quarter" idx="11"/>
-          </p:nvPr>
-        </p:nvSpPr>
-        <p:spPr>
-          <a:xfrm>
-            <a:off x="1857356" y="6356350"/>
-            <a:ext cx="5429288" cy="365125"/>
-          </a:xfrm>
-        </p:spPr>
-        <p:txBody>
-          <a:bodyPr/>
-          <a:lstStyle/>
-          <a:p>
-            <a:pPr rtl="1"/>
-            <a:r>
-              <a:rPr lang="he-IL">
-                <a:solidFill>
-                  <a:schemeClr val="tx1"/>
-                </a:solidFill>
-                <a:cs typeface="+mj-cs"/>
-              </a:rPr>
-              <a:t>אלגוריתמים 1- ד"ר בוריס לואנט - מכללה אקדמית אשקלון - תשפ"ד - סמסטר א'</a:t>
-            </a:r>
-            <a:endParaRPr lang="en-US" dirty="0">
-              <a:solidFill>
-                <a:schemeClr val="tx1"/>
-              </a:solidFill>
-              <a:cs typeface="+mj-cs"/>
-            </a:endParaRPr>
-          </a:p>
-        </p:txBody>
-      </p:sp>
-      <p:sp>
-        <p:nvSpPr>
-          <p:cNvPr id="7" name="מציין מיקום של מספר שקופית 4"/>
-          <p:cNvSpPr>
-            <a:spLocks noGrp="1"/>
-          </p:cNvSpPr>
-          <p:nvPr>
-            <p:ph type="sldNum" sz="quarter" idx="12"/>
-          </p:nvPr>
-        </p:nvSpPr>
-        <p:spPr>
-          <a:xfrm>
-            <a:off x="6553200" y="6356350"/>
-            <a:ext cx="2133600" cy="365125"/>
-          </a:xfrm>
-        </p:spPr>
-        <p:txBody>
-          <a:bodyPr/>
-          <a:lstStyle/>
-          <a:p>
-            <a:fld id="{2EEF023C-487C-4FDD-A5C6-3E51DF829693}" type="slidenum">
-              <a:rPr lang="en-US" smtClean="0">
-                <a:solidFill>
-                  <a:schemeClr val="tx1"/>
-                </a:solidFill>
-                <a:cs typeface="+mj-cs"/>
-              </a:rPr>
-              <a:pPr/>
-              <a:t>5</a:t>
-            </a:fld>
-            <a:endParaRPr lang="en-US" dirty="0">
-              <a:solidFill>
-                <a:schemeClr val="tx1"/>
-              </a:solidFill>
-              <a:cs typeface="+mj-cs"/>
-            </a:endParaRPr>
-          </a:p>
-        </p:txBody>
-      </p:sp>
-      <p:sp>
-        <p:nvSpPr>
-          <p:cNvPr id="8" name="כותרת 1"/>
-          <p:cNvSpPr txBox="1">
-            <a:spLocks/>
-          </p:cNvSpPr>
-          <p:nvPr/>
-        </p:nvSpPr>
-        <p:spPr bwMode="auto">
-          <a:xfrm>
-            <a:off x="357158" y="285728"/>
-            <a:ext cx="8358246" cy="1066800"/>
-          </a:xfrm>
-          <a:prstGeom prst="rect">
-            <a:avLst/>
-          </a:prstGeom>
-          <a:noFill/>
-          <a:ln w="9525">
-            <a:noFill/>
-            <a:miter lim="800000"/>
-            <a:headEnd/>
-            <a:tailEnd/>
-          </a:ln>
-          <a:effectLst/>
-        </p:spPr>
-        <p:txBody>
-          <a:bodyPr vert="horz" wrap="square" lIns="91440" tIns="45720" rIns="91440" bIns="45720" numCol="1" anchor="ctr" anchorCtr="0" compatLnSpc="1">
-            <a:prstTxWarp prst="textNoShape">
-              <a:avLst/>
-            </a:prstTxWarp>
-          </a:bodyPr>
-          <a:lstStyle/>
-          <a:p>
-            <a:pPr marL="0" marR="0" lvl="0" indent="0" algn="r" defTabSz="914400" rtl="1" eaLnBrk="1" fontAlgn="base" latinLnBrk="0" hangingPunct="1">
-              <a:lnSpc>
-                <a:spcPct val="100000"/>
-              </a:lnSpc>
-              <a:spcBef>
-                <a:spcPct val="0"/>
-              </a:spcBef>
-              <a:spcAft>
-                <a:spcPct val="0"/>
-              </a:spcAft>
-              <a:buClrTx/>
-              <a:buSzTx/>
-              <a:buFontTx/>
-              <a:buNone/>
-              <a:tabLst/>
-              <a:defRPr/>
-            </a:pPr>
-            <a:r>
-              <a:rPr lang="he-IL" sz="4400" dirty="0" err="1">
-                <a:latin typeface="+mj-lt"/>
-                <a:ea typeface="+mj-ea"/>
-                <a:cs typeface="+mj-cs"/>
-              </a:rPr>
-              <a:t>פיבונצ'י</a:t>
-            </a:r>
-            <a:r>
-              <a:rPr lang="he-IL" sz="4400" dirty="0">
-                <a:latin typeface="+mj-lt"/>
-                <a:ea typeface="+mj-ea"/>
-                <a:cs typeface="+mj-cs"/>
-              </a:rPr>
-              <a:t>- הפרד ומשול</a:t>
-            </a:r>
-            <a:endParaRPr lang="en-US" sz="4400" dirty="0">
-              <a:latin typeface="+mj-lt"/>
-              <a:ea typeface="+mj-ea"/>
-              <a:cs typeface="+mj-cs"/>
-            </a:endParaRPr>
-          </a:p>
-        </p:txBody>
-      </p:sp>
-      <p:sp>
-        <p:nvSpPr>
-          <p:cNvPr id="10" name="מלבן 9"/>
-          <p:cNvSpPr/>
-          <p:nvPr/>
-        </p:nvSpPr>
-        <p:spPr>
-          <a:xfrm>
-            <a:off x="500034" y="1571612"/>
-            <a:ext cx="7858180" cy="3416320"/>
-          </a:xfrm>
-          <a:prstGeom prst="rect">
-            <a:avLst/>
-          </a:prstGeom>
-        </p:spPr>
-        <p:txBody>
-          <a:bodyPr wrap="square">
-            <a:spAutoFit/>
-          </a:bodyPr>
-          <a:lstStyle/>
-          <a:p>
-            <a:pPr algn="l"/>
-            <a:r>
-              <a:rPr lang="en-US" sz="2400" dirty="0">
-                <a:latin typeface="Courier New" pitchFamily="49" charset="0"/>
-                <a:cs typeface="Courier New" pitchFamily="49" charset="0"/>
-              </a:rPr>
-              <a:t>Fib(n)</a:t>
-            </a:r>
-          </a:p>
-          <a:p>
-            <a:pPr algn="l"/>
-            <a:r>
-              <a:rPr lang="en-US" sz="2400" dirty="0">
-                <a:latin typeface="Courier New" pitchFamily="49" charset="0"/>
-                <a:cs typeface="Courier New" pitchFamily="49" charset="0"/>
-              </a:rPr>
-              <a:t>  if n</a:t>
-            </a:r>
-            <a:r>
-              <a:rPr lang="en-US" sz="2400" dirty="0">
-                <a:latin typeface="Courier New" pitchFamily="49" charset="0"/>
-                <a:cs typeface="Courier New" pitchFamily="49" charset="0"/>
-                <a:sym typeface="Mathematica1"/>
-              </a:rPr>
-              <a:t>1</a:t>
-            </a:r>
-          </a:p>
-          <a:p>
-            <a:pPr algn="l"/>
-            <a:r>
-              <a:rPr lang="en-US" sz="2400" dirty="0">
-                <a:latin typeface="Courier New" pitchFamily="49" charset="0"/>
-                <a:cs typeface="Courier New" pitchFamily="49" charset="0"/>
-                <a:sym typeface="Mathematica1"/>
-              </a:rPr>
-              <a:t>    return n</a:t>
-            </a:r>
-          </a:p>
-          <a:p>
-            <a:pPr algn="l"/>
-            <a:r>
-              <a:rPr lang="en-US" sz="2400" dirty="0">
-                <a:latin typeface="Courier New" pitchFamily="49" charset="0"/>
-                <a:cs typeface="Courier New" pitchFamily="49" charset="0"/>
-                <a:sym typeface="Mathematica1"/>
-              </a:rPr>
-              <a:t>  return Fib(n-1)+Fib(n-2)</a:t>
-            </a:r>
-            <a:endParaRPr lang="he-IL" sz="2400" dirty="0">
-              <a:latin typeface="Courier New" pitchFamily="49" charset="0"/>
-              <a:cs typeface="Courier New" pitchFamily="49" charset="0"/>
-              <a:sym typeface="Mathematica1"/>
-            </a:endParaRPr>
-          </a:p>
-          <a:p>
-            <a:pPr algn="l"/>
-            <a:endParaRPr lang="he-IL" sz="2400" dirty="0">
-              <a:latin typeface="Courier New" pitchFamily="49" charset="0"/>
-              <a:cs typeface="Courier New" pitchFamily="49" charset="0"/>
-              <a:sym typeface="Mathematica1"/>
-            </a:endParaRPr>
-          </a:p>
-          <a:p>
-            <a:pPr algn="r" rtl="1"/>
-            <a:endParaRPr lang="en-US" sz="2400" dirty="0">
-              <a:latin typeface="Courier New" pitchFamily="49" charset="0"/>
-              <a:cs typeface="+mj-cs"/>
-              <a:sym typeface="Mathematica1"/>
-            </a:endParaRPr>
-          </a:p>
-          <a:p>
-            <a:pPr algn="r" rtl="1"/>
-            <a:r>
-              <a:rPr lang="he-IL" sz="2400" dirty="0">
-                <a:latin typeface="Courier New" pitchFamily="49" charset="0"/>
-                <a:cs typeface="+mj-cs"/>
-                <a:sym typeface="Mathematica1"/>
-              </a:rPr>
-              <a:t>נוסחת נסיגה לזמן הריצה:</a:t>
-            </a:r>
-          </a:p>
-          <a:p>
-            <a:pPr algn="r" rtl="1"/>
-            <a:endParaRPr lang="he-IL" sz="2400" dirty="0">
-              <a:latin typeface="Courier New" pitchFamily="49" charset="0"/>
-              <a:cs typeface="+mj-cs"/>
-              <a:sym typeface="Mathematica1"/>
-            </a:endParaRPr>
-          </a:p>
-          <a:p>
-            <a:pPr algn="r" rtl="1"/>
-            <a:endParaRPr lang="en-US" sz="2400" dirty="0">
-              <a:latin typeface="Courier New" pitchFamily="49" charset="0"/>
-              <a:cs typeface="+mj-cs"/>
-            </a:endParaRPr>
-          </a:p>
-        </p:txBody>
-      </p:sp>
-      <p:graphicFrame>
-        <p:nvGraphicFramePr>
-          <p:cNvPr id="11" name="אובייקט 10"/>
-          <p:cNvGraphicFramePr>
-            <a:graphicFrameLocks noChangeAspect="1"/>
-          </p:cNvGraphicFramePr>
-          <p:nvPr/>
-        </p:nvGraphicFramePr>
-        <p:xfrm>
-          <a:off x="500034" y="3786190"/>
-          <a:ext cx="4598821" cy="507456"/>
-        </p:xfrm>
-        <a:graphic>
-          <a:graphicData uri="http://schemas.openxmlformats.org/presentationml/2006/ole">
-            <mc:AlternateContent xmlns:mc="http://schemas.openxmlformats.org/markup-compatibility/2006">
-              <mc:Choice xmlns:v="urn:schemas-microsoft-com:vml" Requires="v">
-                <p:oleObj name="Формула" r:id="rId2" imgW="1841500" imgH="203200" progId="Equation.3">
-                  <p:embed/>
-                </p:oleObj>
-              </mc:Choice>
-              <mc:Fallback>
-                <p:oleObj name="Формула" r:id="rId2" imgW="1841500" imgH="203200" progId="Equation.3">
-                  <p:embed/>
-                  <p:pic>
-                    <p:nvPicPr>
-                      <p:cNvPr id="0" name="Picture 3"/>
-                      <p:cNvPicPr>
-                        <a:picLocks noChangeAspect="1" noChangeArrowheads="1"/>
-                      </p:cNvPicPr>
-                      <p:nvPr/>
-                    </p:nvPicPr>
-                    <p:blipFill>
-                      <a:blip r:embed="rId3">
-                        <a:extLst>
-                          <a:ext uri="{28A0092B-C50C-407E-A947-70E740481C1C}">
-                            <a14:useLocalDpi xmlns:a14="http://schemas.microsoft.com/office/drawing/2010/main" val="0"/>
-                          </a:ext>
-                        </a:extLst>
-                      </a:blip>
-                      <a:srcRect/>
-                      <a:stretch>
-                        <a:fillRect/>
-                      </a:stretch>
-                    </p:blipFill>
-                    <p:spPr bwMode="auto">
-                      <a:xfrm>
-                        <a:off x="500034" y="3786190"/>
-                        <a:ext cx="4598821" cy="507456"/>
-                      </a:xfrm>
-                      <a:prstGeom prst="rect">
-                        <a:avLst/>
-                      </a:prstGeom>
-                      <a:noFill/>
-                      <a:extLst>
-                        <a:ext uri="{909E8E84-426E-40DD-AFC4-6F175D3DCCD1}">
-                          <a14:hiddenFill xmlns:a14="http://schemas.microsoft.com/office/drawing/2010/main">
-                            <a:solidFill>
-                              <a:srgbClr val="FFFFFF"/>
-                            </a:solidFill>
-                          </a14:hiddenFill>
-                        </a:ext>
-                      </a:extLst>
-                    </p:spPr>
-                  </p:pic>
-                </p:oleObj>
-              </mc:Fallback>
-            </mc:AlternateContent>
-          </a:graphicData>
-        </a:graphic>
-      </p:graphicFrame>
-      <p:sp>
-        <p:nvSpPr>
-          <p:cNvPr id="12" name="מלבן מעוגל 11"/>
-          <p:cNvSpPr/>
-          <p:nvPr/>
-        </p:nvSpPr>
-        <p:spPr>
-          <a:xfrm>
-            <a:off x="428596" y="1428736"/>
-            <a:ext cx="5072098" cy="1928826"/>
-          </a:xfrm>
-          <a:prstGeom prst="roundRect">
-            <a:avLst/>
-          </a:prstGeom>
-          <a:noFill/>
-          <a:ln w="57150"/>
-        </p:spPr>
-        <p:style>
-          <a:lnRef idx="2">
-            <a:schemeClr val="accent1">
-              <a:shade val="50000"/>
-            </a:schemeClr>
-          </a:lnRef>
-          <a:fillRef idx="1">
-            <a:schemeClr val="accent1"/>
-          </a:fillRef>
-          <a:effectRef idx="0">
-            <a:schemeClr val="accent1"/>
-          </a:effectRef>
-          <a:fontRef idx="minor">
-            <a:schemeClr val="lt1"/>
-          </a:fontRef>
-        </p:style>
-        <p:txBody>
-          <a:bodyPr rtlCol="0" anchor="ctr"/>
-          <a:lstStyle/>
-          <a:p>
-            <a:pPr algn="ctr"/>
-            <a:endParaRPr lang="en-US"/>
           </a:p>
         </p:txBody>
       </p:sp>
